--- a/CastReporting.Reporting/PortfolioTemplatesFiles/1- Portfolio-Powerpoint-components-library.pptx
+++ b/CastReporting.Reporting/PortfolioTemplatesFiles/1- Portfolio-Powerpoint-components-library.pptx
@@ -134,7 +134,7 @@
   </p:defaultTextStyle>
   <p:extLst>
     <p:ext uri="{EFAFB233-063F-42B5-8137-9DF3F51BA10A}">
-      <p15:sldGuideLst xmlns="" xmlns:p15="http://schemas.microsoft.com/office/powerpoint/2012/main">
+      <p15:sldGuideLst xmlns:p15="http://schemas.microsoft.com/office/powerpoint/2012/main" xmlns="">
         <p15:guide id="1" orient="horz" pos="2160">
           <p15:clr>
             <a:srgbClr val="A4A3A4"/>
@@ -328,11 +328,11 @@
         </c:dLbls>
         <c:gapWidth val="150"/>
         <c:overlap val="100"/>
-        <c:axId val="227149312"/>
-        <c:axId val="227150848"/>
+        <c:axId val="167147776"/>
+        <c:axId val="167149568"/>
       </c:barChart>
       <c:catAx>
-        <c:axId val="227149312"/>
+        <c:axId val="167147776"/>
         <c:scaling>
           <c:orientation val="minMax"/>
         </c:scaling>
@@ -351,7 +351,7 @@
             </a:solidFill>
           </a:ln>
         </c:spPr>
-        <c:crossAx val="227150848"/>
+        <c:crossAx val="167149568"/>
         <c:crosses val="autoZero"/>
         <c:auto val="0"/>
         <c:lblAlgn val="ctr"/>
@@ -359,7 +359,7 @@
         <c:noMultiLvlLbl val="1"/>
       </c:catAx>
       <c:valAx>
-        <c:axId val="227150848"/>
+        <c:axId val="167149568"/>
         <c:scaling>
           <c:orientation val="minMax"/>
         </c:scaling>
@@ -379,7 +379,7 @@
             </a:solidFill>
           </a:ln>
         </c:spPr>
-        <c:crossAx val="227149312"/>
+        <c:crossAx val="167147776"/>
         <c:crosses val="autoZero"/>
         <c:crossBetween val="between"/>
       </c:valAx>
@@ -595,11 +595,11 @@
         </c:dLbls>
         <c:gapWidth val="150"/>
         <c:overlap val="100"/>
-        <c:axId val="227368320"/>
-        <c:axId val="227370112"/>
+        <c:axId val="167408000"/>
+        <c:axId val="167409536"/>
       </c:barChart>
       <c:catAx>
-        <c:axId val="227368320"/>
+        <c:axId val="167408000"/>
         <c:scaling>
           <c:orientation val="minMax"/>
         </c:scaling>
@@ -618,7 +618,7 @@
             </a:solidFill>
           </a:ln>
         </c:spPr>
-        <c:crossAx val="227370112"/>
+        <c:crossAx val="167409536"/>
         <c:crosses val="autoZero"/>
         <c:auto val="0"/>
         <c:lblAlgn val="ctr"/>
@@ -626,7 +626,7 @@
         <c:noMultiLvlLbl val="1"/>
       </c:catAx>
       <c:valAx>
-        <c:axId val="227370112"/>
+        <c:axId val="167409536"/>
         <c:scaling>
           <c:orientation val="minMax"/>
         </c:scaling>
@@ -646,7 +646,7 @@
             </a:solidFill>
           </a:ln>
         </c:spPr>
-        <c:crossAx val="227368320"/>
+        <c:crossAx val="167408000"/>
         <c:crosses val="autoZero"/>
         <c:crossBetween val="between"/>
       </c:valAx>
@@ -1470,8 +1470,8 @@
         <c:bubbleScale val="100"/>
         <c:showNegBubbles val="0"/>
         <c:sizeRepresents val="w"/>
-        <c:axId val="227469184"/>
-        <c:axId val="227491840"/>
+        <c:axId val="167451264"/>
+        <c:axId val="167523072"/>
         <c:extLst>
           <c:ext xmlns:c15="http://schemas.microsoft.com/office/drawing/2012/chart" uri="{02D57815-91ED-43cb-92C2-25804820EDAC}">
             <c15:filteredBubbleSeries>
@@ -1661,7 +1661,7 @@
         </c:extLst>
       </c:bubbleChart>
       <c:valAx>
-        <c:axId val="227469184"/>
+        <c:axId val="167451264"/>
         <c:scaling>
           <c:orientation val="minMax"/>
           <c:max val="4"/>
@@ -1747,13 +1747,13 @@
             <a:endParaRPr lang="en-US"/>
           </a:p>
         </c:txPr>
-        <c:crossAx val="227491840"/>
+        <c:crossAx val="167523072"/>
         <c:crosses val="autoZero"/>
         <c:crossBetween val="midCat"/>
         <c:minorUnit val="0.25"/>
       </c:valAx>
       <c:valAx>
-        <c:axId val="227491840"/>
+        <c:axId val="167523072"/>
         <c:scaling>
           <c:orientation val="minMax"/>
           <c:min val="0"/>
@@ -1838,7 +1838,7 @@
             <a:endParaRPr lang="en-US"/>
           </a:p>
         </c:txPr>
-        <c:crossAx val="227469184"/>
+        <c:crossAx val="167451264"/>
         <c:crosses val="autoZero"/>
         <c:crossBetween val="midCat"/>
       </c:valAx>
@@ -1959,7 +1959,7 @@
           <a:p>
             <a:fld id="{268042A1-6D91-4513-A62D-1E3FD70C84BE}" type="datetimeFigureOut">
               <a:rPr lang="fr-FR" smtClean="0"/>
-              <a:t>30/08/2016</a:t>
+              <a:t>06/09/2016</a:t>
             </a:fld>
             <a:endParaRPr lang="fr-FR"/>
           </a:p>
@@ -2562,7 +2562,7 @@
             <a:fld id="{D8E3BBD6-5DF7-411E-B793-6A3558CCCDCA}" type="datetimeFigureOut">
               <a:rPr lang="fr-FR" smtClean="0"/>
               <a:pPr/>
-              <a:t>30/08/2016</a:t>
+              <a:t>06/09/2016</a:t>
             </a:fld>
             <a:endParaRPr lang="fr-FR" dirty="0"/>
           </a:p>
@@ -2727,7 +2727,7 @@
             <a:fld id="{D8E3BBD6-5DF7-411E-B793-6A3558CCCDCA}" type="datetimeFigureOut">
               <a:rPr lang="fr-FR" smtClean="0"/>
               <a:pPr/>
-              <a:t>30/08/2016</a:t>
+              <a:t>06/09/2016</a:t>
             </a:fld>
             <a:endParaRPr lang="fr-FR" dirty="0"/>
           </a:p>
@@ -4261,7 +4261,7 @@
             <a:fld id="{D8E3BBD6-5DF7-411E-B793-6A3558CCCDCA}" type="datetimeFigureOut">
               <a:rPr lang="fr-FR" smtClean="0"/>
               <a:pPr/>
-              <a:t>30/08/2016</a:t>
+              <a:t>06/09/2016</a:t>
             </a:fld>
             <a:endParaRPr lang="fr-FR" dirty="0"/>
           </a:p>
@@ -6686,7 +6686,7 @@
             <a:fld id="{D8E3BBD6-5DF7-411E-B793-6A3558CCCDCA}" type="datetimeFigureOut">
               <a:rPr lang="fr-FR" smtClean="0"/>
               <a:pPr/>
-              <a:t>30/08/2016</a:t>
+              <a:t>06/09/2016</a:t>
             </a:fld>
             <a:endParaRPr lang="fr-FR" dirty="0"/>
           </a:p>
@@ -9367,7 +9367,7 @@
             <a:fld id="{D8E3BBD6-5DF7-411E-B793-6A3558CCCDCA}" type="datetimeFigureOut">
               <a:rPr lang="fr-FR" smtClean="0"/>
               <a:pPr/>
-              <a:t>30/08/2016</a:t>
+              <a:t>06/09/2016</a:t>
             </a:fld>
             <a:endParaRPr lang="fr-FR" dirty="0"/>
           </a:p>
@@ -12273,7 +12273,7 @@
             <a:fld id="{D8E3BBD6-5DF7-411E-B793-6A3558CCCDCA}" type="datetimeFigureOut">
               <a:rPr lang="fr-FR" smtClean="0"/>
               <a:pPr/>
-              <a:t>30/08/2016</a:t>
+              <a:t>06/09/2016</a:t>
             </a:fld>
             <a:endParaRPr lang="fr-FR" dirty="0"/>
           </a:p>
@@ -14060,7 +14060,7 @@
             <a:fld id="{D8E3BBD6-5DF7-411E-B793-6A3558CCCDCA}" type="datetimeFigureOut">
               <a:rPr lang="fr-FR" smtClean="0"/>
               <a:pPr/>
-              <a:t>30/08/2016</a:t>
+              <a:t>06/09/2016</a:t>
             </a:fld>
             <a:endParaRPr lang="fr-FR" dirty="0"/>
           </a:p>
@@ -14140,7 +14140,7 @@
             <a:fld id="{D8E3BBD6-5DF7-411E-B793-6A3558CCCDCA}" type="datetimeFigureOut">
               <a:rPr lang="fr-FR" smtClean="0"/>
               <a:pPr/>
-              <a:t>30/08/2016</a:t>
+              <a:t>06/09/2016</a:t>
             </a:fld>
             <a:endParaRPr lang="fr-FR" dirty="0"/>
           </a:p>
@@ -14402,7 +14402,7 @@
             <a:fld id="{D8E3BBD6-5DF7-411E-B793-6A3558CCCDCA}" type="datetimeFigureOut">
               <a:rPr lang="fr-FR" smtClean="0"/>
               <a:pPr/>
-              <a:t>30/08/2016</a:t>
+              <a:t>06/09/2016</a:t>
             </a:fld>
             <a:endParaRPr lang="fr-FR" dirty="0"/>
           </a:p>
@@ -14645,7 +14645,7 @@
             <a:fld id="{D8E3BBD6-5DF7-411E-B793-6A3558CCCDCA}" type="datetimeFigureOut">
               <a:rPr lang="fr-FR" smtClean="0"/>
               <a:pPr/>
-              <a:t>30/08/2016</a:t>
+              <a:t>06/09/2016</a:t>
             </a:fld>
             <a:endParaRPr lang="fr-FR" dirty="0"/>
           </a:p>
@@ -14847,7 +14847,7 @@
             <a:fld id="{D8E3BBD6-5DF7-411E-B793-6A3558CCCDCA}" type="datetimeFigureOut">
               <a:rPr lang="fr-FR" smtClean="0"/>
               <a:pPr/>
-              <a:t>30/08/2016</a:t>
+              <a:t>06/09/2016</a:t>
             </a:fld>
             <a:endParaRPr lang="fr-FR" dirty="0"/>
           </a:p>
@@ -22995,7 +22995,7 @@
         <p:spPr>
           <a:xfrm>
             <a:off x="251520" y="908720"/>
-            <a:ext cx="8399280" cy="5256584"/>
+            <a:ext cx="8399280" cy="5472608"/>
           </a:xfrm>
           <a:prstGeom prst="roundRect">
             <a:avLst>
@@ -23047,7 +23047,7 @@
         </p:nvSpPr>
         <p:spPr>
           <a:xfrm>
-            <a:off x="251520" y="1052736"/>
+            <a:off x="251520" y="980728"/>
             <a:ext cx="8143200" cy="369332"/>
           </a:xfrm>
           <a:prstGeom prst="rect">
@@ -23076,12 +23076,16 @@
           </a:lstStyle>
           <a:p>
             <a:r>
+              <a:rPr lang="en-US" sz="1800" dirty="0" smtClean="0"/>
+              <a:t>TQI </a:t>
+            </a:r>
+            <a:r>
               <a:rPr lang="en-US" sz="1800" dirty="0"/>
-              <a:t>Total Quality Score by Critical </a:t>
+              <a:t>Score by Critical </a:t>
             </a:r>
             <a:r>
               <a:rPr lang="en-US" sz="1800" dirty="0" smtClean="0"/>
-              <a:t>Violations/LoC</a:t>
+              <a:t>Violations/LoC by AFP</a:t>
             </a:r>
             <a:endParaRPr lang="en-US" sz="1800" dirty="0"/>
           </a:p>
@@ -23095,8 +23099,8 @@
         </p:nvSpPr>
         <p:spPr>
           <a:xfrm>
-            <a:off x="1973914" y="1412776"/>
-            <a:ext cx="6630534" cy="369332"/>
+            <a:off x="1973914" y="1340768"/>
+            <a:ext cx="2670094" cy="369332"/>
           </a:xfrm>
           <a:prstGeom prst="rect">
             <a:avLst/>
@@ -23136,7 +23140,7 @@
         </p:nvSpPr>
         <p:spPr>
           <a:xfrm>
-            <a:off x="496294" y="1412776"/>
+            <a:off x="494884" y="1340768"/>
             <a:ext cx="1556836" cy="369332"/>
           </a:xfrm>
           <a:prstGeom prst="rect">
@@ -23178,7 +23182,7 @@
         </p:nvSpPr>
         <p:spPr>
           <a:xfrm>
-            <a:off x="1252911" y="1800986"/>
+            <a:off x="1252911" y="1907540"/>
             <a:ext cx="800219" cy="369332"/>
           </a:xfrm>
           <a:prstGeom prst="rect">
@@ -23225,13 +23229,13 @@
           <p:nvPr>
             <p:extLst>
               <p:ext uri="{D42A27DB-BD31-4B8C-83A1-F6EECF244321}">
-                <p14:modId xmlns:p14="http://schemas.microsoft.com/office/powerpoint/2010/main" val="4216672882"/>
+                <p14:modId xmlns:p14="http://schemas.microsoft.com/office/powerpoint/2010/main" val="4023650552"/>
               </p:ext>
             </p:extLst>
           </p:nvPr>
         </p:nvGraphicFramePr>
         <p:xfrm>
-          <a:off x="827584" y="2156309"/>
+          <a:off x="827584" y="2348880"/>
           <a:ext cx="6696744" cy="4176464"/>
         </p:xfrm>
         <a:graphic>
@@ -23248,7 +23252,7 @@
         </p:nvSpPr>
         <p:spPr>
           <a:xfrm>
-            <a:off x="2020266" y="1798943"/>
+            <a:off x="1979712" y="1907540"/>
             <a:ext cx="6630534" cy="369332"/>
           </a:xfrm>
           <a:prstGeom prst="rect">
@@ -23291,8 +23295,8 @@
         </p:nvSpPr>
         <p:spPr>
           <a:xfrm>
-            <a:off x="4572000" y="1421485"/>
-            <a:ext cx="4032448" cy="369332"/>
+            <a:off x="5289181" y="908720"/>
+            <a:ext cx="3528392" cy="1077218"/>
           </a:xfrm>
           <a:prstGeom prst="rect">
             <a:avLst/>
@@ -23319,7 +23323,7 @@
           </a:lstStyle>
           <a:p>
             <a:r>
-              <a:rPr lang="en-US" b="1" dirty="0" smtClean="0">
+              <a:rPr lang="en-US" sz="1600" i="0" dirty="0" smtClean="0">
                 <a:solidFill>
                   <a:srgbClr val="FF0000"/>
                 </a:solidFill>
@@ -23327,7 +23331,7 @@
               <a:t>Only working with </a:t>
             </a:r>
             <a:r>
-              <a:rPr lang="en-US" b="1" u="sng" dirty="0" err="1" smtClean="0">
+              <a:rPr lang="en-US" sz="1600" i="0" dirty="0" err="1" smtClean="0">
                 <a:solidFill>
                   <a:srgbClr val="FF0000"/>
                 </a:solidFill>
@@ -23335,14 +23339,38 @@
               <a:t>Powerpoint</a:t>
             </a:r>
             <a:r>
-              <a:rPr lang="en-US" b="1" u="sng" dirty="0" smtClean="0">
+              <a:rPr lang="en-US" sz="1600" i="0" dirty="0" smtClean="0">
                 <a:solidFill>
                   <a:srgbClr val="FF0000"/>
                 </a:solidFill>
               </a:rPr>
-              <a:t> 2013</a:t>
-            </a:r>
-            <a:endParaRPr lang="en-US" b="1" u="sng" dirty="0">
+              <a:t> </a:t>
+            </a:r>
+            <a:r>
+              <a:rPr lang="en-US" sz="1600" i="0" dirty="0" smtClean="0">
+                <a:solidFill>
+                  <a:srgbClr val="FF0000"/>
+                </a:solidFill>
+              </a:rPr>
+              <a:t>2013, after report generated, need to edit data in </a:t>
+            </a:r>
+            <a:r>
+              <a:rPr lang="en-US" sz="1600" i="0" dirty="0" err="1" smtClean="0">
+                <a:solidFill>
+                  <a:srgbClr val="FF0000"/>
+                </a:solidFill>
+              </a:rPr>
+              <a:t>exel</a:t>
+            </a:r>
+            <a:r>
+              <a:rPr lang="en-US" sz="1600" i="0" dirty="0" smtClean="0">
+                <a:solidFill>
+                  <a:srgbClr val="FF0000"/>
+                </a:solidFill>
+              </a:rPr>
+              <a:t> to get label of applications updated into the graph</a:t>
+            </a:r>
+            <a:endParaRPr lang="en-US" sz="1600" i="0" dirty="0">
               <a:solidFill>
                 <a:srgbClr val="FF0000"/>
               </a:solidFill>
@@ -23880,14 +23908,14 @@
       </p:sp>
       <p:graphicFrame>
         <p:nvGraphicFramePr>
-          <p:cNvPr id="10" name="Table 9" descr="TABLE;PF_TOP_RISKIEST_APPS;COUNT=13;ALT=60017"/>
+          <p:cNvPr id="10" name="Table 9" descr="TABLE;PF_TOP_RISKIEST_APPS;COUNT=5;ALT=60017"/>
           <p:cNvGraphicFramePr>
             <a:graphicFrameLocks noGrp="1"/>
           </p:cNvGraphicFramePr>
           <p:nvPr>
             <p:extLst>
               <p:ext uri="{D42A27DB-BD31-4B8C-83A1-F6EECF244321}">
-                <p14:modId xmlns:p14="http://schemas.microsoft.com/office/powerpoint/2010/main" val="3040957299"/>
+                <p14:modId xmlns:p14="http://schemas.microsoft.com/office/powerpoint/2010/main" val="4037980700"/>
               </p:ext>
             </p:extLst>
           </p:nvPr>
@@ -27447,27 +27475,7 @@
                   </a:schemeClr>
                 </a:solidFill>
               </a:rPr>
-              <a:t>SLA </a:t>
-            </a:r>
-            <a:r>
-              <a:rPr lang="en-US" sz="1100" b="1" dirty="0" smtClean="0">
-                <a:solidFill>
-                  <a:schemeClr val="bg1">
-                    <a:lumMod val="50000"/>
-                  </a:schemeClr>
-                </a:solidFill>
-              </a:rPr>
-              <a:t>Assessment </a:t>
-            </a:r>
-            <a:r>
-              <a:rPr lang="en-US" sz="1100" b="1" dirty="0" smtClean="0">
-                <a:solidFill>
-                  <a:schemeClr val="bg1">
-                    <a:lumMod val="50000"/>
-                  </a:schemeClr>
-                </a:solidFill>
-              </a:rPr>
-              <a:t>thresholds</a:t>
+              <a:t>SLA Assessment thresholds</a:t>
             </a:r>
           </a:p>
           <a:p>
@@ -27528,27 +27536,7 @@
                   </a:schemeClr>
                 </a:solidFill>
               </a:rPr>
-              <a:t>: </a:t>
-            </a:r>
-            <a:r>
-              <a:rPr lang="en-US" sz="1100" dirty="0" smtClean="0">
-                <a:solidFill>
-                  <a:schemeClr val="bg1">
-                    <a:lumMod val="50000"/>
-                  </a:schemeClr>
-                </a:solidFill>
-              </a:rPr>
-              <a:t>average score using latest snapshot </a:t>
-            </a:r>
-            <a:r>
-              <a:rPr lang="en-US" sz="1100" dirty="0" smtClean="0">
-                <a:solidFill>
-                  <a:schemeClr val="bg1">
-                    <a:lumMod val="50000"/>
-                  </a:schemeClr>
-                </a:solidFill>
-              </a:rPr>
-              <a:t>data (even if snapshot date is before current quarter</a:t>
+              <a:t>: average score using latest snapshot data (even if snapshot date is before current quarter</a:t>
             </a:r>
           </a:p>
           <a:p>

--- a/CastReporting.Reporting/PortfolioTemplatesFiles/1- Portfolio-Powerpoint-components-library.pptx
+++ b/CastReporting.Reporting/PortfolioTemplatesFiles/1- Portfolio-Powerpoint-components-library.pptx
@@ -134,7 +134,7 @@
   </p:defaultTextStyle>
   <p:extLst>
     <p:ext uri="{EFAFB233-063F-42B5-8137-9DF3F51BA10A}">
-      <p15:sldGuideLst xmlns:p15="http://schemas.microsoft.com/office/powerpoint/2012/main" xmlns="">
+      <p15:sldGuideLst xmlns="" xmlns:p15="http://schemas.microsoft.com/office/powerpoint/2012/main">
         <p15:guide id="1" orient="horz" pos="2160">
           <p15:clr>
             <a:srgbClr val="A4A3A4"/>
@@ -328,11 +328,11 @@
         </c:dLbls>
         <c:gapWidth val="150"/>
         <c:overlap val="100"/>
-        <c:axId val="167147776"/>
-        <c:axId val="167149568"/>
+        <c:axId val="154912640"/>
+        <c:axId val="154914176"/>
       </c:barChart>
       <c:catAx>
-        <c:axId val="167147776"/>
+        <c:axId val="154912640"/>
         <c:scaling>
           <c:orientation val="minMax"/>
         </c:scaling>
@@ -351,7 +351,7 @@
             </a:solidFill>
           </a:ln>
         </c:spPr>
-        <c:crossAx val="167149568"/>
+        <c:crossAx val="154914176"/>
         <c:crosses val="autoZero"/>
         <c:auto val="0"/>
         <c:lblAlgn val="ctr"/>
@@ -359,7 +359,7 @@
         <c:noMultiLvlLbl val="1"/>
       </c:catAx>
       <c:valAx>
-        <c:axId val="167149568"/>
+        <c:axId val="154914176"/>
         <c:scaling>
           <c:orientation val="minMax"/>
         </c:scaling>
@@ -379,7 +379,7 @@
             </a:solidFill>
           </a:ln>
         </c:spPr>
-        <c:crossAx val="167147776"/>
+        <c:crossAx val="154912640"/>
         <c:crosses val="autoZero"/>
         <c:crossBetween val="between"/>
       </c:valAx>
@@ -595,11 +595,11 @@
         </c:dLbls>
         <c:gapWidth val="150"/>
         <c:overlap val="100"/>
-        <c:axId val="167408000"/>
-        <c:axId val="167409536"/>
+        <c:axId val="155336704"/>
+        <c:axId val="155338240"/>
       </c:barChart>
       <c:catAx>
-        <c:axId val="167408000"/>
+        <c:axId val="155336704"/>
         <c:scaling>
           <c:orientation val="minMax"/>
         </c:scaling>
@@ -618,7 +618,7 @@
             </a:solidFill>
           </a:ln>
         </c:spPr>
-        <c:crossAx val="167409536"/>
+        <c:crossAx val="155338240"/>
         <c:crosses val="autoZero"/>
         <c:auto val="0"/>
         <c:lblAlgn val="ctr"/>
@@ -626,7 +626,7 @@
         <c:noMultiLvlLbl val="1"/>
       </c:catAx>
       <c:valAx>
-        <c:axId val="167409536"/>
+        <c:axId val="155338240"/>
         <c:scaling>
           <c:orientation val="minMax"/>
         </c:scaling>
@@ -646,7 +646,7 @@
             </a:solidFill>
           </a:ln>
         </c:spPr>
-        <c:crossAx val="167408000"/>
+        <c:crossAx val="155336704"/>
         <c:crosses val="autoZero"/>
         <c:crossBetween val="between"/>
       </c:valAx>
@@ -1470,8 +1470,8 @@
         <c:bubbleScale val="100"/>
         <c:showNegBubbles val="0"/>
         <c:sizeRepresents val="w"/>
-        <c:axId val="167451264"/>
-        <c:axId val="167523072"/>
+        <c:axId val="155928832"/>
+        <c:axId val="155931008"/>
         <c:extLst>
           <c:ext xmlns:c15="http://schemas.microsoft.com/office/drawing/2012/chart" uri="{02D57815-91ED-43cb-92C2-25804820EDAC}">
             <c15:filteredBubbleSeries>
@@ -1661,7 +1661,7 @@
         </c:extLst>
       </c:bubbleChart>
       <c:valAx>
-        <c:axId val="167451264"/>
+        <c:axId val="155928832"/>
         <c:scaling>
           <c:orientation val="minMax"/>
           <c:max val="4"/>
@@ -1747,13 +1747,13 @@
             <a:endParaRPr lang="en-US"/>
           </a:p>
         </c:txPr>
-        <c:crossAx val="167523072"/>
+        <c:crossAx val="155931008"/>
         <c:crosses val="autoZero"/>
         <c:crossBetween val="midCat"/>
         <c:minorUnit val="0.25"/>
       </c:valAx>
       <c:valAx>
-        <c:axId val="167523072"/>
+        <c:axId val="155931008"/>
         <c:scaling>
           <c:orientation val="minMax"/>
           <c:min val="0"/>
@@ -1838,7 +1838,7 @@
             <a:endParaRPr lang="en-US"/>
           </a:p>
         </c:txPr>
-        <c:crossAx val="167451264"/>
+        <c:crossAx val="155928832"/>
         <c:crosses val="autoZero"/>
         <c:crossBetween val="midCat"/>
       </c:valAx>
@@ -1959,7 +1959,7 @@
           <a:p>
             <a:fld id="{268042A1-6D91-4513-A62D-1E3FD70C84BE}" type="datetimeFigureOut">
               <a:rPr lang="fr-FR" smtClean="0"/>
-              <a:t>06/09/2016</a:t>
+              <a:t>08/09/2016</a:t>
             </a:fld>
             <a:endParaRPr lang="fr-FR"/>
           </a:p>
@@ -2562,7 +2562,7 @@
             <a:fld id="{D8E3BBD6-5DF7-411E-B793-6A3558CCCDCA}" type="datetimeFigureOut">
               <a:rPr lang="fr-FR" smtClean="0"/>
               <a:pPr/>
-              <a:t>06/09/2016</a:t>
+              <a:t>08/09/2016</a:t>
             </a:fld>
             <a:endParaRPr lang="fr-FR" dirty="0"/>
           </a:p>
@@ -2727,7 +2727,7 @@
             <a:fld id="{D8E3BBD6-5DF7-411E-B793-6A3558CCCDCA}" type="datetimeFigureOut">
               <a:rPr lang="fr-FR" smtClean="0"/>
               <a:pPr/>
-              <a:t>06/09/2016</a:t>
+              <a:t>08/09/2016</a:t>
             </a:fld>
             <a:endParaRPr lang="fr-FR" dirty="0"/>
           </a:p>
@@ -4261,7 +4261,7 @@
             <a:fld id="{D8E3BBD6-5DF7-411E-B793-6A3558CCCDCA}" type="datetimeFigureOut">
               <a:rPr lang="fr-FR" smtClean="0"/>
               <a:pPr/>
-              <a:t>06/09/2016</a:t>
+              <a:t>08/09/2016</a:t>
             </a:fld>
             <a:endParaRPr lang="fr-FR" dirty="0"/>
           </a:p>
@@ -6686,7 +6686,7 @@
             <a:fld id="{D8E3BBD6-5DF7-411E-B793-6A3558CCCDCA}" type="datetimeFigureOut">
               <a:rPr lang="fr-FR" smtClean="0"/>
               <a:pPr/>
-              <a:t>06/09/2016</a:t>
+              <a:t>08/09/2016</a:t>
             </a:fld>
             <a:endParaRPr lang="fr-FR" dirty="0"/>
           </a:p>
@@ -9367,7 +9367,7 @@
             <a:fld id="{D8E3BBD6-5DF7-411E-B793-6A3558CCCDCA}" type="datetimeFigureOut">
               <a:rPr lang="fr-FR" smtClean="0"/>
               <a:pPr/>
-              <a:t>06/09/2016</a:t>
+              <a:t>08/09/2016</a:t>
             </a:fld>
             <a:endParaRPr lang="fr-FR" dirty="0"/>
           </a:p>
@@ -12273,7 +12273,7 @@
             <a:fld id="{D8E3BBD6-5DF7-411E-B793-6A3558CCCDCA}" type="datetimeFigureOut">
               <a:rPr lang="fr-FR" smtClean="0"/>
               <a:pPr/>
-              <a:t>06/09/2016</a:t>
+              <a:t>08/09/2016</a:t>
             </a:fld>
             <a:endParaRPr lang="fr-FR" dirty="0"/>
           </a:p>
@@ -14060,7 +14060,7 @@
             <a:fld id="{D8E3BBD6-5DF7-411E-B793-6A3558CCCDCA}" type="datetimeFigureOut">
               <a:rPr lang="fr-FR" smtClean="0"/>
               <a:pPr/>
-              <a:t>06/09/2016</a:t>
+              <a:t>08/09/2016</a:t>
             </a:fld>
             <a:endParaRPr lang="fr-FR" dirty="0"/>
           </a:p>
@@ -14140,7 +14140,7 @@
             <a:fld id="{D8E3BBD6-5DF7-411E-B793-6A3558CCCDCA}" type="datetimeFigureOut">
               <a:rPr lang="fr-FR" smtClean="0"/>
               <a:pPr/>
-              <a:t>06/09/2016</a:t>
+              <a:t>08/09/2016</a:t>
             </a:fld>
             <a:endParaRPr lang="fr-FR" dirty="0"/>
           </a:p>
@@ -14402,7 +14402,7 @@
             <a:fld id="{D8E3BBD6-5DF7-411E-B793-6A3558CCCDCA}" type="datetimeFigureOut">
               <a:rPr lang="fr-FR" smtClean="0"/>
               <a:pPr/>
-              <a:t>06/09/2016</a:t>
+              <a:t>08/09/2016</a:t>
             </a:fld>
             <a:endParaRPr lang="fr-FR" dirty="0"/>
           </a:p>
@@ -14645,7 +14645,7 @@
             <a:fld id="{D8E3BBD6-5DF7-411E-B793-6A3558CCCDCA}" type="datetimeFigureOut">
               <a:rPr lang="fr-FR" smtClean="0"/>
               <a:pPr/>
-              <a:t>06/09/2016</a:t>
+              <a:t>08/09/2016</a:t>
             </a:fld>
             <a:endParaRPr lang="fr-FR" dirty="0"/>
           </a:p>
@@ -14847,7 +14847,7 @@
             <a:fld id="{D8E3BBD6-5DF7-411E-B793-6A3558CCCDCA}" type="datetimeFigureOut">
               <a:rPr lang="fr-FR" smtClean="0"/>
               <a:pPr/>
-              <a:t>06/09/2016</a:t>
+              <a:t>08/09/2016</a:t>
             </a:fld>
             <a:endParaRPr lang="fr-FR" dirty="0"/>
           </a:p>
@@ -23344,15 +23344,7 @@
                   <a:srgbClr val="FF0000"/>
                 </a:solidFill>
               </a:rPr>
-              <a:t> </a:t>
-            </a:r>
-            <a:r>
-              <a:rPr lang="en-US" sz="1600" i="0" dirty="0" smtClean="0">
-                <a:solidFill>
-                  <a:srgbClr val="FF0000"/>
-                </a:solidFill>
-              </a:rPr>
-              <a:t>2013, after report generated, need to edit data in </a:t>
+              <a:t> 2013, after report generated, need to edit data in </a:t>
             </a:r>
             <a:r>
               <a:rPr lang="en-US" sz="1600" i="0" dirty="0" err="1" smtClean="0">
@@ -25870,7 +25862,7 @@
           <p:nvPr>
             <p:extLst>
               <p:ext uri="{D42A27DB-BD31-4B8C-83A1-F6EECF244321}">
-                <p14:modId xmlns:p14="http://schemas.microsoft.com/office/powerpoint/2010/main" val="1821160741"/>
+                <p14:modId xmlns:p14="http://schemas.microsoft.com/office/powerpoint/2010/main" val="2044810906"/>
               </p:ext>
             </p:extLst>
           </p:nvPr>
@@ -26011,21 +26003,17 @@
                         </a:rPr>
                         <a:t>Target</a:t>
                       </a:r>
-                    </a:p>
-                    <a:p>
-                      <a:pPr algn="ctr">
-                        <a:lnSpc>
-                          <a:spcPct val="115000"/>
-                        </a:lnSpc>
-                        <a:spcAft>
-                          <a:spcPts val="0"/>
-                        </a:spcAft>
-                      </a:pPr>
+                      <a:r>
+                        <a:rPr lang="en-US" sz="1100" kern="1200" baseline="0" dirty="0" smtClean="0">
+                          <a:effectLst/>
+                        </a:rPr>
+                        <a:t> s</a:t>
+                      </a:r>
                       <a:r>
                         <a:rPr lang="en-US" sz="1100" kern="1200" dirty="0" smtClean="0">
                           <a:effectLst/>
                         </a:rPr>
-                        <a:t>Score</a:t>
+                        <a:t>core</a:t>
                       </a:r>
                       <a:endParaRPr lang="en-IN" sz="1100" kern="1200" dirty="0">
                         <a:solidFill>

--- a/CastReporting.Reporting/PortfolioTemplatesFiles/1- Portfolio-Powerpoint-components-library.pptx
+++ b/CastReporting.Reporting/PortfolioTemplatesFiles/1- Portfolio-Powerpoint-components-library.pptx
@@ -10,7 +10,7 @@
     <p:sldMasterId id="2147483713" r:id="rId6"/>
   </p:sldMasterIdLst>
   <p:notesMasterIdLst>
-    <p:notesMasterId r:id="rId28"/>
+    <p:notesMasterId r:id="rId29"/>
   </p:notesMasterIdLst>
   <p:sldIdLst>
     <p:sldId id="262" r:id="rId7"/>
@@ -31,9 +31,10 @@
     <p:sldId id="297" r:id="rId22"/>
     <p:sldId id="294" r:id="rId23"/>
     <p:sldId id="280" r:id="rId24"/>
-    <p:sldId id="284" r:id="rId25"/>
+    <p:sldId id="332" r:id="rId25"/>
     <p:sldId id="303" r:id="rId26"/>
-    <p:sldId id="318" r:id="rId27"/>
+    <p:sldId id="333" r:id="rId27"/>
+    <p:sldId id="318" r:id="rId28"/>
   </p:sldIdLst>
   <p:sldSz cx="9144000" cy="6858000" type="screen4x3"/>
   <p:notesSz cx="6858000" cy="9144000"/>
@@ -134,7 +135,7 @@
   </p:defaultTextStyle>
   <p:extLst>
     <p:ext uri="{EFAFB233-063F-42B5-8137-9DF3F51BA10A}">
-      <p15:sldGuideLst xmlns="" xmlns:p15="http://schemas.microsoft.com/office/powerpoint/2012/main">
+      <p15:sldGuideLst xmlns:p15="http://schemas.microsoft.com/office/powerpoint/2012/main" xmlns="">
         <p15:guide id="1" orient="horz" pos="2160">
           <p15:clr>
             <a:srgbClr val="A4A3A4"/>
@@ -328,11 +329,11 @@
         </c:dLbls>
         <c:gapWidth val="150"/>
         <c:overlap val="100"/>
-        <c:axId val="154912640"/>
-        <c:axId val="154914176"/>
+        <c:axId val="189446016"/>
+        <c:axId val="189447552"/>
       </c:barChart>
       <c:catAx>
-        <c:axId val="154912640"/>
+        <c:axId val="189446016"/>
         <c:scaling>
           <c:orientation val="minMax"/>
         </c:scaling>
@@ -351,7 +352,7 @@
             </a:solidFill>
           </a:ln>
         </c:spPr>
-        <c:crossAx val="154914176"/>
+        <c:crossAx val="189447552"/>
         <c:crosses val="autoZero"/>
         <c:auto val="0"/>
         <c:lblAlgn val="ctr"/>
@@ -359,7 +360,7 @@
         <c:noMultiLvlLbl val="1"/>
       </c:catAx>
       <c:valAx>
-        <c:axId val="154914176"/>
+        <c:axId val="189447552"/>
         <c:scaling>
           <c:orientation val="minMax"/>
         </c:scaling>
@@ -379,7 +380,7 @@
             </a:solidFill>
           </a:ln>
         </c:spPr>
-        <c:crossAx val="154912640"/>
+        <c:crossAx val="189446016"/>
         <c:crosses val="autoZero"/>
         <c:crossBetween val="between"/>
       </c:valAx>
@@ -595,11 +596,11 @@
         </c:dLbls>
         <c:gapWidth val="150"/>
         <c:overlap val="100"/>
-        <c:axId val="155336704"/>
-        <c:axId val="155338240"/>
+        <c:axId val="189513728"/>
+        <c:axId val="189515264"/>
       </c:barChart>
       <c:catAx>
-        <c:axId val="155336704"/>
+        <c:axId val="189513728"/>
         <c:scaling>
           <c:orientation val="minMax"/>
         </c:scaling>
@@ -618,7 +619,7 @@
             </a:solidFill>
           </a:ln>
         </c:spPr>
-        <c:crossAx val="155338240"/>
+        <c:crossAx val="189515264"/>
         <c:crosses val="autoZero"/>
         <c:auto val="0"/>
         <c:lblAlgn val="ctr"/>
@@ -626,7 +627,7 @@
         <c:noMultiLvlLbl val="1"/>
       </c:catAx>
       <c:valAx>
-        <c:axId val="155338240"/>
+        <c:axId val="189515264"/>
         <c:scaling>
           <c:orientation val="minMax"/>
         </c:scaling>
@@ -646,7 +647,7 @@
             </a:solidFill>
           </a:ln>
         </c:spPr>
-        <c:crossAx val="155336704"/>
+        <c:crossAx val="189513728"/>
         <c:crosses val="autoZero"/>
         <c:crossBetween val="between"/>
       </c:valAx>
@@ -1470,8 +1471,8 @@
         <c:bubbleScale val="100"/>
         <c:showNegBubbles val="0"/>
         <c:sizeRepresents val="w"/>
-        <c:axId val="155928832"/>
-        <c:axId val="155931008"/>
+        <c:axId val="189667584"/>
+        <c:axId val="189714816"/>
         <c:extLst>
           <c:ext xmlns:c15="http://schemas.microsoft.com/office/drawing/2012/chart" uri="{02D57815-91ED-43cb-92C2-25804820EDAC}">
             <c15:filteredBubbleSeries>
@@ -1661,7 +1662,7 @@
         </c:extLst>
       </c:bubbleChart>
       <c:valAx>
-        <c:axId val="155928832"/>
+        <c:axId val="189667584"/>
         <c:scaling>
           <c:orientation val="minMax"/>
           <c:max val="4"/>
@@ -1747,13 +1748,13 @@
             <a:endParaRPr lang="en-US"/>
           </a:p>
         </c:txPr>
-        <c:crossAx val="155931008"/>
+        <c:crossAx val="189714816"/>
         <c:crosses val="autoZero"/>
         <c:crossBetween val="midCat"/>
         <c:minorUnit val="0.25"/>
       </c:valAx>
       <c:valAx>
-        <c:axId val="155931008"/>
+        <c:axId val="189714816"/>
         <c:scaling>
           <c:orientation val="minMax"/>
           <c:min val="0"/>
@@ -1838,7 +1839,7 @@
             <a:endParaRPr lang="en-US"/>
           </a:p>
         </c:txPr>
-        <c:crossAx val="155928832"/>
+        <c:crossAx val="189667584"/>
         <c:crosses val="autoZero"/>
         <c:crossBetween val="midCat"/>
       </c:valAx>
@@ -1959,7 +1960,7 @@
           <a:p>
             <a:fld id="{268042A1-6D91-4513-A62D-1E3FD70C84BE}" type="datetimeFigureOut">
               <a:rPr lang="fr-FR" smtClean="0"/>
-              <a:t>08/09/2016</a:t>
+              <a:t>05/10/2016</a:t>
             </a:fld>
             <a:endParaRPr lang="fr-FR"/>
           </a:p>
@@ -2562,7 +2563,7 @@
             <a:fld id="{D8E3BBD6-5DF7-411E-B793-6A3558CCCDCA}" type="datetimeFigureOut">
               <a:rPr lang="fr-FR" smtClean="0"/>
               <a:pPr/>
-              <a:t>08/09/2016</a:t>
+              <a:t>05/10/2016</a:t>
             </a:fld>
             <a:endParaRPr lang="fr-FR" dirty="0"/>
           </a:p>
@@ -2727,7 +2728,7 @@
             <a:fld id="{D8E3BBD6-5DF7-411E-B793-6A3558CCCDCA}" type="datetimeFigureOut">
               <a:rPr lang="fr-FR" smtClean="0"/>
               <a:pPr/>
-              <a:t>08/09/2016</a:t>
+              <a:t>05/10/2016</a:t>
             </a:fld>
             <a:endParaRPr lang="fr-FR" dirty="0"/>
           </a:p>
@@ -4261,7 +4262,7 @@
             <a:fld id="{D8E3BBD6-5DF7-411E-B793-6A3558CCCDCA}" type="datetimeFigureOut">
               <a:rPr lang="fr-FR" smtClean="0"/>
               <a:pPr/>
-              <a:t>08/09/2016</a:t>
+              <a:t>05/10/2016</a:t>
             </a:fld>
             <a:endParaRPr lang="fr-FR" dirty="0"/>
           </a:p>
@@ -6686,7 +6687,7 @@
             <a:fld id="{D8E3BBD6-5DF7-411E-B793-6A3558CCCDCA}" type="datetimeFigureOut">
               <a:rPr lang="fr-FR" smtClean="0"/>
               <a:pPr/>
-              <a:t>08/09/2016</a:t>
+              <a:t>05/10/2016</a:t>
             </a:fld>
             <a:endParaRPr lang="fr-FR" dirty="0"/>
           </a:p>
@@ -9367,7 +9368,7 @@
             <a:fld id="{D8E3BBD6-5DF7-411E-B793-6A3558CCCDCA}" type="datetimeFigureOut">
               <a:rPr lang="fr-FR" smtClean="0"/>
               <a:pPr/>
-              <a:t>08/09/2016</a:t>
+              <a:t>05/10/2016</a:t>
             </a:fld>
             <a:endParaRPr lang="fr-FR" dirty="0"/>
           </a:p>
@@ -12273,7 +12274,7 @@
             <a:fld id="{D8E3BBD6-5DF7-411E-B793-6A3558CCCDCA}" type="datetimeFigureOut">
               <a:rPr lang="fr-FR" smtClean="0"/>
               <a:pPr/>
-              <a:t>08/09/2016</a:t>
+              <a:t>05/10/2016</a:t>
             </a:fld>
             <a:endParaRPr lang="fr-FR" dirty="0"/>
           </a:p>
@@ -14060,7 +14061,7 @@
             <a:fld id="{D8E3BBD6-5DF7-411E-B793-6A3558CCCDCA}" type="datetimeFigureOut">
               <a:rPr lang="fr-FR" smtClean="0"/>
               <a:pPr/>
-              <a:t>08/09/2016</a:t>
+              <a:t>05/10/2016</a:t>
             </a:fld>
             <a:endParaRPr lang="fr-FR" dirty="0"/>
           </a:p>
@@ -14140,7 +14141,7 @@
             <a:fld id="{D8E3BBD6-5DF7-411E-B793-6A3558CCCDCA}" type="datetimeFigureOut">
               <a:rPr lang="fr-FR" smtClean="0"/>
               <a:pPr/>
-              <a:t>08/09/2016</a:t>
+              <a:t>05/10/2016</a:t>
             </a:fld>
             <a:endParaRPr lang="fr-FR" dirty="0"/>
           </a:p>
@@ -14402,7 +14403,7 @@
             <a:fld id="{D8E3BBD6-5DF7-411E-B793-6A3558CCCDCA}" type="datetimeFigureOut">
               <a:rPr lang="fr-FR" smtClean="0"/>
               <a:pPr/>
-              <a:t>08/09/2016</a:t>
+              <a:t>05/10/2016</a:t>
             </a:fld>
             <a:endParaRPr lang="fr-FR" dirty="0"/>
           </a:p>
@@ -14645,7 +14646,7 @@
             <a:fld id="{D8E3BBD6-5DF7-411E-B793-6A3558CCCDCA}" type="datetimeFigureOut">
               <a:rPr lang="fr-FR" smtClean="0"/>
               <a:pPr/>
-              <a:t>08/09/2016</a:t>
+              <a:t>05/10/2016</a:t>
             </a:fld>
             <a:endParaRPr lang="fr-FR" dirty="0"/>
           </a:p>
@@ -14847,7 +14848,7 @@
             <a:fld id="{D8E3BBD6-5DF7-411E-B793-6A3558CCCDCA}" type="datetimeFigureOut">
               <a:rPr lang="fr-FR" smtClean="0"/>
               <a:pPr/>
-              <a:t>08/09/2016</a:t>
+              <a:t>05/10/2016</a:t>
             </a:fld>
             <a:endParaRPr lang="fr-FR" dirty="0"/>
           </a:p>
@@ -23907,7 +23908,7 @@
           <p:nvPr>
             <p:extLst>
               <p:ext uri="{D42A27DB-BD31-4B8C-83A1-F6EECF244321}">
-                <p14:modId xmlns:p14="http://schemas.microsoft.com/office/powerpoint/2010/main" val="4037980700"/>
+                <p14:modId xmlns:p14="http://schemas.microsoft.com/office/powerpoint/2010/main" val="2406639397"/>
               </p:ext>
             </p:extLst>
           </p:nvPr>
@@ -25387,6 +25388,11 @@
         </p:txBody>
       </p:sp>
     </p:spTree>
+    <p:extLst>
+      <p:ext uri="{BB962C8B-B14F-4D97-AF65-F5344CB8AC3E}">
+        <p14:creationId xmlns:p14="http://schemas.microsoft.com/office/powerpoint/2010/main" val="3059966592"/>
+      </p:ext>
+    </p:extLst>
   </p:cSld>
   <p:clrMapOvr>
     <a:masterClrMapping/>
@@ -25862,7 +25868,7 @@
           <p:nvPr>
             <p:extLst>
               <p:ext uri="{D42A27DB-BD31-4B8C-83A1-F6EECF244321}">
-                <p14:modId xmlns:p14="http://schemas.microsoft.com/office/powerpoint/2010/main" val="2044810906"/>
+                <p14:modId xmlns:p14="http://schemas.microsoft.com/office/powerpoint/2010/main" val="3399398948"/>
               </p:ext>
             </p:extLst>
           </p:nvPr>
@@ -25932,12 +25938,6 @@
                       </a:pPr>
                       <a:r>
                         <a:rPr lang="en-US" sz="1100" kern="1200" dirty="0" smtClean="0">
-                          <a:effectLst/>
-                        </a:rPr>
-                        <a:t>Score </a:t>
-                      </a:r>
-                      <a:r>
-                        <a:rPr lang="en-US" sz="1100" kern="1200" dirty="0" smtClean="0">
                           <a:solidFill>
                             <a:schemeClr val="dk1"/>
                           </a:solidFill>
@@ -25946,30 +25946,7 @@
                           <a:ea typeface="+mn-ea"/>
                           <a:cs typeface="+mn-cs"/>
                         </a:rPr>
-                        <a:t>from </a:t>
-                      </a:r>
-                      <a:br>
-                        <a:rPr lang="en-US" sz="1100" kern="1200" dirty="0" smtClean="0">
-                          <a:solidFill>
-                            <a:schemeClr val="dk1"/>
-                          </a:solidFill>
-                          <a:effectLst/>
-                          <a:latin typeface="+mn-lt"/>
-                          <a:ea typeface="+mn-ea"/>
-                          <a:cs typeface="+mn-cs"/>
-                        </a:rPr>
-                      </a:br>
-                      <a:r>
-                        <a:rPr lang="en-US" sz="1100" kern="1200" dirty="0" smtClean="0">
-                          <a:solidFill>
-                            <a:schemeClr val="dk1"/>
-                          </a:solidFill>
-                          <a:effectLst/>
-                          <a:latin typeface="+mn-lt"/>
-                          <a:ea typeface="+mn-ea"/>
-                          <a:cs typeface="+mn-cs"/>
-                        </a:rPr>
-                        <a:t>previous quarter</a:t>
+                        <a:t>Previous quarter</a:t>
                       </a:r>
                       <a:endParaRPr lang="en-IN" sz="1100" kern="1200" dirty="0">
                         <a:solidFill>
@@ -27705,6 +27682,1149 @@
       </p:grpSpPr>
       <p:sp>
         <p:nvSpPr>
+          <p:cNvPr id="24" name="Title 1"/>
+          <p:cNvSpPr>
+            <a:spLocks noGrp="1"/>
+          </p:cNvSpPr>
+          <p:nvPr>
+            <p:ph type="title"/>
+          </p:nvPr>
+        </p:nvSpPr>
+        <p:spPr/>
+        <p:txBody>
+          <a:bodyPr>
+            <a:normAutofit/>
+          </a:bodyPr>
+          <a:lstStyle/>
+          <a:p>
+            <a:r>
+              <a:rPr lang="en-US" dirty="0" smtClean="0"/>
+              <a:t>PowerPoint Templates – Tables – [9]</a:t>
+            </a:r>
+            <a:endParaRPr lang="en-US" dirty="0"/>
+          </a:p>
+        </p:txBody>
+      </p:sp>
+      <p:sp>
+        <p:nvSpPr>
+          <p:cNvPr id="12" name="Rounded Rectangle 11"/>
+          <p:cNvSpPr/>
+          <p:nvPr/>
+        </p:nvSpPr>
+        <p:spPr>
+          <a:xfrm>
+            <a:off x="459645" y="1196752"/>
+            <a:ext cx="8267157" cy="4896544"/>
+          </a:xfrm>
+          <a:prstGeom prst="roundRect">
+            <a:avLst>
+              <a:gd name="adj" fmla="val 2663"/>
+            </a:avLst>
+          </a:prstGeom>
+          <a:solidFill>
+            <a:schemeClr val="bg1">
+              <a:lumMod val="95000"/>
+            </a:schemeClr>
+          </a:solidFill>
+          <a:ln>
+            <a:noFill/>
+          </a:ln>
+          <a:effectLst/>
+        </p:spPr>
+        <p:style>
+          <a:lnRef idx="1">
+            <a:schemeClr val="accent5"/>
+          </a:lnRef>
+          <a:fillRef idx="3">
+            <a:schemeClr val="accent5"/>
+          </a:fillRef>
+          <a:effectRef idx="2">
+            <a:schemeClr val="accent5"/>
+          </a:effectRef>
+          <a:fontRef idx="minor">
+            <a:schemeClr val="lt1"/>
+          </a:fontRef>
+        </p:style>
+        <p:txBody>
+          <a:bodyPr rtlCol="0" anchor="ctr"/>
+          <a:lstStyle/>
+          <a:p>
+            <a:pPr algn="ctr"/>
+            <a:endParaRPr lang="en-US" dirty="0">
+              <a:solidFill>
+                <a:schemeClr val="lt1"/>
+              </a:solidFill>
+            </a:endParaRPr>
+          </a:p>
+        </p:txBody>
+      </p:sp>
+      <p:graphicFrame>
+        <p:nvGraphicFramePr>
+          <p:cNvPr id="18" name="Table 17" descr="TABLE;PF_IGNORED_APPLICATIONS" title="TABLE;PF_IGNORED_APPLICATIONS"/>
+          <p:cNvGraphicFramePr>
+            <a:graphicFrameLocks noGrp="1"/>
+          </p:cNvGraphicFramePr>
+          <p:nvPr>
+            <p:extLst>
+              <p:ext uri="{D42A27DB-BD31-4B8C-83A1-F6EECF244321}">
+                <p14:modId xmlns:p14="http://schemas.microsoft.com/office/powerpoint/2010/main" val="2887152897"/>
+              </p:ext>
+            </p:extLst>
+          </p:nvPr>
+        </p:nvGraphicFramePr>
+        <p:xfrm>
+          <a:off x="619730" y="3591600"/>
+          <a:ext cx="3304197" cy="2273238"/>
+        </p:xfrm>
+        <a:graphic>
+          <a:graphicData uri="http://schemas.openxmlformats.org/drawingml/2006/table">
+            <a:tbl>
+              <a:tblPr firstRow="1" bandRow="1">
+                <a:effectLst>
+                  <a:outerShdw blurRad="50800" dist="38100" dir="5400000" algn="t" rotWithShape="0">
+                    <a:prstClr val="black">
+                      <a:alpha val="40000"/>
+                    </a:prstClr>
+                  </a:outerShdw>
+                </a:effectLst>
+                <a:tableStyleId>{9DCAF9ED-07DC-4A11-8D7F-57B35C25682E}</a:tableStyleId>
+              </a:tblPr>
+              <a:tblGrid>
+                <a:gridCol w="3304197"/>
+              </a:tblGrid>
+              <a:tr h="378873">
+                <a:tc>
+                  <a:txBody>
+                    <a:bodyPr/>
+                    <a:lstStyle/>
+                    <a:p>
+                      <a:pPr marL="0" algn="l" defTabSz="914400" rtl="0" eaLnBrk="1" latinLnBrk="0" hangingPunct="1">
+                        <a:lnSpc>
+                          <a:spcPct val="115000"/>
+                        </a:lnSpc>
+                        <a:spcAft>
+                          <a:spcPts val="0"/>
+                        </a:spcAft>
+                      </a:pPr>
+                      <a:r>
+                        <a:rPr lang="en-GB" sz="1200" kern="1200" dirty="0" smtClean="0"/>
+                        <a:t>Ignored Apps</a:t>
+                      </a:r>
+                      <a:endParaRPr lang="fr-FR" sz="1200" b="1" kern="1200" dirty="0">
+                        <a:solidFill>
+                          <a:schemeClr val="accent2">
+                            <a:lumMod val="75000"/>
+                          </a:schemeClr>
+                        </a:solidFill>
+                        <a:latin typeface="+mn-lt"/>
+                        <a:ea typeface="+mn-ea"/>
+                        <a:cs typeface="+mn-cs"/>
+                      </a:endParaRPr>
+                    </a:p>
+                  </a:txBody>
+                  <a:tcPr marL="68580" marR="68580" marT="0" marB="0" anchor="ctr">
+                    <a:lnL w="12700" cmpd="sng">
+                      <a:noFill/>
+                    </a:lnL>
+                    <a:lnR>
+                      <a:noFill/>
+                    </a:lnR>
+                    <a:lnT w="12700" cmpd="sng">
+                      <a:noFill/>
+                    </a:lnT>
+                    <a:lnB w="12700" cmpd="sng">
+                      <a:noFill/>
+                    </a:lnB>
+                    <a:lnTlToBr w="12700" cmpd="sng">
+                      <a:noFill/>
+                      <a:prstDash val="solid"/>
+                    </a:lnTlToBr>
+                    <a:lnBlToTr w="12700" cmpd="sng">
+                      <a:noFill/>
+                      <a:prstDash val="solid"/>
+                    </a:lnBlToTr>
+                    <a:solidFill>
+                      <a:schemeClr val="accent1"/>
+                    </a:solidFill>
+                  </a:tcPr>
+                </a:tc>
+              </a:tr>
+              <a:tr h="378873">
+                <a:tc>
+                  <a:txBody>
+                    <a:bodyPr/>
+                    <a:lstStyle/>
+                    <a:p>
+                      <a:pPr marL="0" algn="l" defTabSz="914400" rtl="0" eaLnBrk="1" latinLnBrk="0" hangingPunct="1">
+                        <a:lnSpc>
+                          <a:spcPct val="115000"/>
+                        </a:lnSpc>
+                        <a:spcAft>
+                          <a:spcPts val="0"/>
+                        </a:spcAft>
+                      </a:pPr>
+                      <a:r>
+                        <a:rPr lang="en-GB" sz="1200" kern="1200" dirty="0" smtClean="0"/>
+                        <a:t>App 1</a:t>
+                      </a:r>
+                      <a:endParaRPr lang="fr-FR" sz="1200" kern="1200" dirty="0">
+                        <a:solidFill>
+                          <a:schemeClr val="dk1"/>
+                        </a:solidFill>
+                        <a:latin typeface="+mn-lt"/>
+                        <a:ea typeface="+mn-ea"/>
+                        <a:cs typeface="+mn-cs"/>
+                      </a:endParaRPr>
+                    </a:p>
+                  </a:txBody>
+                  <a:tcPr marL="68580" marR="68580" marT="0" marB="0" anchor="ctr">
+                    <a:lnL w="12700" cmpd="sng">
+                      <a:noFill/>
+                    </a:lnL>
+                    <a:lnR>
+                      <a:noFill/>
+                    </a:lnR>
+                    <a:lnT w="12700" cmpd="sng">
+                      <a:noFill/>
+                    </a:lnT>
+                    <a:lnB w="12700" cmpd="sng">
+                      <a:noFill/>
+                    </a:lnB>
+                    <a:lnTlToBr w="12700" cmpd="sng">
+                      <a:noFill/>
+                      <a:prstDash val="solid"/>
+                    </a:lnTlToBr>
+                    <a:lnBlToTr w="12700" cmpd="sng">
+                      <a:noFill/>
+                      <a:prstDash val="solid"/>
+                    </a:lnBlToTr>
+                  </a:tcPr>
+                </a:tc>
+              </a:tr>
+              <a:tr h="378873">
+                <a:tc>
+                  <a:txBody>
+                    <a:bodyPr/>
+                    <a:lstStyle/>
+                    <a:p>
+                      <a:pPr marL="0" algn="l" defTabSz="914400" rtl="0" eaLnBrk="1" latinLnBrk="0" hangingPunct="1">
+                        <a:lnSpc>
+                          <a:spcPct val="115000"/>
+                        </a:lnSpc>
+                        <a:spcAft>
+                          <a:spcPts val="0"/>
+                        </a:spcAft>
+                      </a:pPr>
+                      <a:r>
+                        <a:rPr lang="en-GB" sz="1200" kern="1200" dirty="0" smtClean="0"/>
+                        <a:t>App 2</a:t>
+                      </a:r>
+                      <a:endParaRPr lang="fr-FR" sz="1200" kern="1200" dirty="0" smtClean="0">
+                        <a:solidFill>
+                          <a:schemeClr val="dk1"/>
+                        </a:solidFill>
+                        <a:latin typeface="+mn-lt"/>
+                        <a:ea typeface="+mn-ea"/>
+                        <a:cs typeface="+mn-cs"/>
+                      </a:endParaRPr>
+                    </a:p>
+                  </a:txBody>
+                  <a:tcPr marL="68580" marR="68580" marT="0" marB="0" anchor="ctr">
+                    <a:lnL w="12700" cmpd="sng">
+                      <a:noFill/>
+                    </a:lnL>
+                    <a:lnR>
+                      <a:noFill/>
+                    </a:lnR>
+                    <a:lnT w="12700" cmpd="sng">
+                      <a:noFill/>
+                    </a:lnT>
+                    <a:lnB w="12700" cmpd="sng">
+                      <a:noFill/>
+                    </a:lnB>
+                    <a:lnTlToBr w="12700" cmpd="sng">
+                      <a:noFill/>
+                      <a:prstDash val="solid"/>
+                    </a:lnTlToBr>
+                    <a:lnBlToTr w="12700" cmpd="sng">
+                      <a:noFill/>
+                      <a:prstDash val="solid"/>
+                    </a:lnBlToTr>
+                  </a:tcPr>
+                </a:tc>
+              </a:tr>
+              <a:tr h="378873">
+                <a:tc>
+                  <a:txBody>
+                    <a:bodyPr/>
+                    <a:lstStyle/>
+                    <a:p>
+                      <a:pPr marL="0" algn="l" defTabSz="914400" rtl="0" eaLnBrk="1" latinLnBrk="0" hangingPunct="1">
+                        <a:lnSpc>
+                          <a:spcPct val="115000"/>
+                        </a:lnSpc>
+                        <a:spcAft>
+                          <a:spcPts val="0"/>
+                        </a:spcAft>
+                      </a:pPr>
+                      <a:r>
+                        <a:rPr lang="en-GB" sz="1200" kern="1200" dirty="0" smtClean="0"/>
+                        <a:t>App 3</a:t>
+                      </a:r>
+                      <a:endParaRPr lang="fr-FR" sz="1200" kern="1200" dirty="0">
+                        <a:solidFill>
+                          <a:schemeClr val="dk1"/>
+                        </a:solidFill>
+                        <a:latin typeface="+mn-lt"/>
+                        <a:ea typeface="+mn-ea"/>
+                        <a:cs typeface="+mn-cs"/>
+                      </a:endParaRPr>
+                    </a:p>
+                  </a:txBody>
+                  <a:tcPr marL="68580" marR="68580" marT="0" marB="0" anchor="ctr">
+                    <a:lnL w="12700" cmpd="sng">
+                      <a:noFill/>
+                    </a:lnL>
+                    <a:lnR>
+                      <a:noFill/>
+                    </a:lnR>
+                    <a:lnT w="12700" cmpd="sng">
+                      <a:noFill/>
+                    </a:lnT>
+                    <a:lnB w="12700" cmpd="sng">
+                      <a:noFill/>
+                    </a:lnB>
+                    <a:lnTlToBr w="12700" cmpd="sng">
+                      <a:noFill/>
+                      <a:prstDash val="solid"/>
+                    </a:lnTlToBr>
+                    <a:lnBlToTr w="12700" cmpd="sng">
+                      <a:noFill/>
+                      <a:prstDash val="solid"/>
+                    </a:lnBlToTr>
+                  </a:tcPr>
+                </a:tc>
+              </a:tr>
+              <a:tr h="378873">
+                <a:tc>
+                  <a:txBody>
+                    <a:bodyPr/>
+                    <a:lstStyle/>
+                    <a:p>
+                      <a:pPr marL="0" algn="l" defTabSz="914400" rtl="0" eaLnBrk="1" latinLnBrk="0" hangingPunct="1">
+                        <a:lnSpc>
+                          <a:spcPct val="115000"/>
+                        </a:lnSpc>
+                        <a:spcAft>
+                          <a:spcPts val="0"/>
+                        </a:spcAft>
+                      </a:pPr>
+                      <a:r>
+                        <a:rPr lang="en-GB" sz="1200" kern="1200" dirty="0" smtClean="0"/>
+                        <a:t>App 4</a:t>
+                      </a:r>
+                      <a:endParaRPr lang="fr-FR" sz="1200" kern="1200" dirty="0">
+                        <a:solidFill>
+                          <a:schemeClr val="dk1"/>
+                        </a:solidFill>
+                        <a:latin typeface="+mn-lt"/>
+                        <a:ea typeface="+mn-ea"/>
+                        <a:cs typeface="+mn-cs"/>
+                      </a:endParaRPr>
+                    </a:p>
+                  </a:txBody>
+                  <a:tcPr marL="68580" marR="68580" marT="0" marB="0" anchor="ctr">
+                    <a:lnL w="12700" cmpd="sng">
+                      <a:noFill/>
+                    </a:lnL>
+                    <a:lnR>
+                      <a:noFill/>
+                    </a:lnR>
+                    <a:lnT w="12700" cmpd="sng">
+                      <a:noFill/>
+                    </a:lnT>
+                    <a:lnB w="12700" cmpd="sng">
+                      <a:noFill/>
+                    </a:lnB>
+                    <a:lnTlToBr w="12700" cmpd="sng">
+                      <a:noFill/>
+                      <a:prstDash val="solid"/>
+                    </a:lnTlToBr>
+                    <a:lnBlToTr w="12700" cmpd="sng">
+                      <a:noFill/>
+                      <a:prstDash val="solid"/>
+                    </a:lnBlToTr>
+                  </a:tcPr>
+                </a:tc>
+              </a:tr>
+              <a:tr h="378873">
+                <a:tc>
+                  <a:txBody>
+                    <a:bodyPr/>
+                    <a:lstStyle/>
+                    <a:p>
+                      <a:pPr marL="0" algn="l" defTabSz="914400" rtl="0" eaLnBrk="1" latinLnBrk="0" hangingPunct="1">
+                        <a:lnSpc>
+                          <a:spcPct val="115000"/>
+                        </a:lnSpc>
+                        <a:spcAft>
+                          <a:spcPts val="0"/>
+                        </a:spcAft>
+                      </a:pPr>
+                      <a:r>
+                        <a:rPr lang="en-GB" sz="1200" kern="1200" dirty="0" smtClean="0"/>
+                        <a:t>App 5</a:t>
+                      </a:r>
+                      <a:endParaRPr lang="fr-FR" sz="1200" kern="1200" dirty="0">
+                        <a:solidFill>
+                          <a:schemeClr val="dk1"/>
+                        </a:solidFill>
+                        <a:latin typeface="+mn-lt"/>
+                        <a:ea typeface="+mn-ea"/>
+                        <a:cs typeface="+mn-cs"/>
+                      </a:endParaRPr>
+                    </a:p>
+                  </a:txBody>
+                  <a:tcPr marL="68580" marR="68580" marT="0" marB="0" anchor="ctr">
+                    <a:lnL w="12700" cmpd="sng">
+                      <a:noFill/>
+                    </a:lnL>
+                    <a:lnR>
+                      <a:noFill/>
+                    </a:lnR>
+                    <a:lnT w="12700" cmpd="sng">
+                      <a:noFill/>
+                    </a:lnT>
+                    <a:lnB w="12700" cmpd="sng">
+                      <a:noFill/>
+                    </a:lnB>
+                    <a:lnTlToBr w="12700" cmpd="sng">
+                      <a:noFill/>
+                      <a:prstDash val="solid"/>
+                    </a:lnTlToBr>
+                    <a:lnBlToTr w="12700" cmpd="sng">
+                      <a:noFill/>
+                      <a:prstDash val="solid"/>
+                    </a:lnBlToTr>
+                  </a:tcPr>
+                </a:tc>
+              </a:tr>
+            </a:tbl>
+          </a:graphicData>
+        </a:graphic>
+      </p:graphicFrame>
+      <p:graphicFrame>
+        <p:nvGraphicFramePr>
+          <p:cNvPr id="20" name="Table 19" descr="TABLE;PF_IGNORED_SNAPSHOTS" title="TABLE;PF_IGNORED_SNAPSHOTS"/>
+          <p:cNvGraphicFramePr>
+            <a:graphicFrameLocks noGrp="1"/>
+          </p:cNvGraphicFramePr>
+          <p:nvPr>
+            <p:extLst>
+              <p:ext uri="{D42A27DB-BD31-4B8C-83A1-F6EECF244321}">
+                <p14:modId xmlns:p14="http://schemas.microsoft.com/office/powerpoint/2010/main" val="4196223369"/>
+              </p:ext>
+            </p:extLst>
+          </p:nvPr>
+        </p:nvGraphicFramePr>
+        <p:xfrm>
+          <a:off x="4932040" y="3591600"/>
+          <a:ext cx="3312368" cy="2273238"/>
+        </p:xfrm>
+        <a:graphic>
+          <a:graphicData uri="http://schemas.openxmlformats.org/drawingml/2006/table">
+            <a:tbl>
+              <a:tblPr firstRow="1" bandRow="1">
+                <a:effectLst>
+                  <a:outerShdw blurRad="50800" dist="38100" dir="5400000" algn="t" rotWithShape="0">
+                    <a:prstClr val="black">
+                      <a:alpha val="40000"/>
+                    </a:prstClr>
+                  </a:outerShdw>
+                </a:effectLst>
+                <a:tableStyleId>{9DCAF9ED-07DC-4A11-8D7F-57B35C25682E}</a:tableStyleId>
+              </a:tblPr>
+              <a:tblGrid>
+                <a:gridCol w="3312368"/>
+              </a:tblGrid>
+              <a:tr h="378873">
+                <a:tc>
+                  <a:txBody>
+                    <a:bodyPr/>
+                    <a:lstStyle/>
+                    <a:p>
+                      <a:pPr marL="0" algn="l" defTabSz="914400" rtl="0" eaLnBrk="1" latinLnBrk="0" hangingPunct="1">
+                        <a:lnSpc>
+                          <a:spcPct val="115000"/>
+                        </a:lnSpc>
+                        <a:spcAft>
+                          <a:spcPts val="0"/>
+                        </a:spcAft>
+                      </a:pPr>
+                      <a:r>
+                        <a:rPr lang="en-GB" sz="1200" kern="1200" dirty="0" smtClean="0"/>
+                        <a:t>Ignored Snapshots</a:t>
+                      </a:r>
+                      <a:endParaRPr lang="fr-FR" sz="1200" b="1" kern="1200" dirty="0">
+                        <a:solidFill>
+                          <a:schemeClr val="accent2">
+                            <a:lumMod val="75000"/>
+                          </a:schemeClr>
+                        </a:solidFill>
+                        <a:latin typeface="+mn-lt"/>
+                        <a:ea typeface="+mn-ea"/>
+                        <a:cs typeface="+mn-cs"/>
+                      </a:endParaRPr>
+                    </a:p>
+                  </a:txBody>
+                  <a:tcPr marL="68580" marR="68580" marT="0" marB="0" anchor="ctr">
+                    <a:lnL w="12700" cmpd="sng">
+                      <a:noFill/>
+                    </a:lnL>
+                    <a:lnR>
+                      <a:noFill/>
+                    </a:lnR>
+                    <a:lnT w="12700" cmpd="sng">
+                      <a:noFill/>
+                    </a:lnT>
+                    <a:lnB w="12700" cmpd="sng">
+                      <a:noFill/>
+                    </a:lnB>
+                    <a:lnTlToBr w="12700" cmpd="sng">
+                      <a:noFill/>
+                      <a:prstDash val="solid"/>
+                    </a:lnTlToBr>
+                    <a:lnBlToTr w="12700" cmpd="sng">
+                      <a:noFill/>
+                      <a:prstDash val="solid"/>
+                    </a:lnBlToTr>
+                    <a:solidFill>
+                      <a:schemeClr val="accent1"/>
+                    </a:solidFill>
+                  </a:tcPr>
+                </a:tc>
+              </a:tr>
+              <a:tr h="378873">
+                <a:tc>
+                  <a:txBody>
+                    <a:bodyPr/>
+                    <a:lstStyle/>
+                    <a:p>
+                      <a:pPr marL="0" algn="l" defTabSz="914400" rtl="0" eaLnBrk="1" latinLnBrk="0" hangingPunct="1">
+                        <a:lnSpc>
+                          <a:spcPct val="115000"/>
+                        </a:lnSpc>
+                        <a:spcAft>
+                          <a:spcPts val="0"/>
+                        </a:spcAft>
+                      </a:pPr>
+                      <a:r>
+                        <a:rPr lang="en-GB" sz="1200" kern="1200" smtClean="0"/>
+                        <a:t>Snap 1 HReF</a:t>
+                      </a:r>
+                      <a:endParaRPr lang="fr-FR" sz="1200" kern="1200" dirty="0">
+                        <a:solidFill>
+                          <a:schemeClr val="dk1"/>
+                        </a:solidFill>
+                        <a:latin typeface="+mn-lt"/>
+                        <a:ea typeface="+mn-ea"/>
+                        <a:cs typeface="+mn-cs"/>
+                      </a:endParaRPr>
+                    </a:p>
+                  </a:txBody>
+                  <a:tcPr marL="68580" marR="68580" marT="0" marB="0" anchor="ctr">
+                    <a:lnL w="12700" cmpd="sng">
+                      <a:noFill/>
+                    </a:lnL>
+                    <a:lnR>
+                      <a:noFill/>
+                    </a:lnR>
+                    <a:lnT w="12700" cmpd="sng">
+                      <a:noFill/>
+                    </a:lnT>
+                    <a:lnB w="12700" cmpd="sng">
+                      <a:noFill/>
+                    </a:lnB>
+                    <a:lnTlToBr w="12700" cmpd="sng">
+                      <a:noFill/>
+                      <a:prstDash val="solid"/>
+                    </a:lnTlToBr>
+                    <a:lnBlToTr w="12700" cmpd="sng">
+                      <a:noFill/>
+                      <a:prstDash val="solid"/>
+                    </a:lnBlToTr>
+                  </a:tcPr>
+                </a:tc>
+              </a:tr>
+              <a:tr h="378873">
+                <a:tc>
+                  <a:txBody>
+                    <a:bodyPr/>
+                    <a:lstStyle/>
+                    <a:p>
+                      <a:pPr marL="0" algn="l" defTabSz="914400" rtl="0" eaLnBrk="1" latinLnBrk="0" hangingPunct="1">
+                        <a:lnSpc>
+                          <a:spcPct val="115000"/>
+                        </a:lnSpc>
+                        <a:spcAft>
+                          <a:spcPts val="0"/>
+                        </a:spcAft>
+                      </a:pPr>
+                      <a:r>
+                        <a:rPr lang="en-GB" sz="1200" kern="1200" smtClean="0"/>
+                        <a:t>Snap 2 HReF</a:t>
+                      </a:r>
+                      <a:endParaRPr lang="fr-FR" sz="1200" kern="1200" dirty="0" smtClean="0">
+                        <a:solidFill>
+                          <a:schemeClr val="dk1"/>
+                        </a:solidFill>
+                        <a:latin typeface="+mn-lt"/>
+                        <a:ea typeface="+mn-ea"/>
+                        <a:cs typeface="+mn-cs"/>
+                      </a:endParaRPr>
+                    </a:p>
+                  </a:txBody>
+                  <a:tcPr marL="68580" marR="68580" marT="0" marB="0" anchor="ctr">
+                    <a:lnL w="12700" cmpd="sng">
+                      <a:noFill/>
+                    </a:lnL>
+                    <a:lnR>
+                      <a:noFill/>
+                    </a:lnR>
+                    <a:lnT w="12700" cmpd="sng">
+                      <a:noFill/>
+                    </a:lnT>
+                    <a:lnB w="12700" cmpd="sng">
+                      <a:noFill/>
+                    </a:lnB>
+                    <a:lnTlToBr w="12700" cmpd="sng">
+                      <a:noFill/>
+                      <a:prstDash val="solid"/>
+                    </a:lnTlToBr>
+                    <a:lnBlToTr w="12700" cmpd="sng">
+                      <a:noFill/>
+                      <a:prstDash val="solid"/>
+                    </a:lnBlToTr>
+                  </a:tcPr>
+                </a:tc>
+              </a:tr>
+              <a:tr h="378873">
+                <a:tc>
+                  <a:txBody>
+                    <a:bodyPr/>
+                    <a:lstStyle/>
+                    <a:p>
+                      <a:pPr marL="0" algn="l" defTabSz="914400" rtl="0" eaLnBrk="1" latinLnBrk="0" hangingPunct="1">
+                        <a:lnSpc>
+                          <a:spcPct val="115000"/>
+                        </a:lnSpc>
+                        <a:spcAft>
+                          <a:spcPts val="0"/>
+                        </a:spcAft>
+                      </a:pPr>
+                      <a:r>
+                        <a:rPr lang="en-GB" sz="1200" kern="1200" dirty="0" smtClean="0"/>
+                        <a:t>Snap 3 </a:t>
+                      </a:r>
+                      <a:r>
+                        <a:rPr lang="en-GB" sz="1200" kern="1200" dirty="0" err="1" smtClean="0"/>
+                        <a:t>HReF</a:t>
+                      </a:r>
+                      <a:endParaRPr lang="fr-FR" sz="1200" kern="1200" dirty="0" smtClean="0">
+                        <a:solidFill>
+                          <a:schemeClr val="dk1"/>
+                        </a:solidFill>
+                        <a:latin typeface="+mn-lt"/>
+                        <a:ea typeface="+mn-ea"/>
+                        <a:cs typeface="+mn-cs"/>
+                      </a:endParaRPr>
+                    </a:p>
+                  </a:txBody>
+                  <a:tcPr marL="68580" marR="68580" marT="0" marB="0" anchor="ctr">
+                    <a:lnL w="12700" cmpd="sng">
+                      <a:noFill/>
+                    </a:lnL>
+                    <a:lnR>
+                      <a:noFill/>
+                    </a:lnR>
+                    <a:lnT w="12700" cmpd="sng">
+                      <a:noFill/>
+                    </a:lnT>
+                    <a:lnB w="12700" cmpd="sng">
+                      <a:noFill/>
+                    </a:lnB>
+                    <a:lnTlToBr w="12700" cmpd="sng">
+                      <a:noFill/>
+                      <a:prstDash val="solid"/>
+                    </a:lnTlToBr>
+                    <a:lnBlToTr w="12700" cmpd="sng">
+                      <a:noFill/>
+                      <a:prstDash val="solid"/>
+                    </a:lnBlToTr>
+                  </a:tcPr>
+                </a:tc>
+              </a:tr>
+              <a:tr h="378873">
+                <a:tc>
+                  <a:txBody>
+                    <a:bodyPr/>
+                    <a:lstStyle/>
+                    <a:p>
+                      <a:pPr marL="0" algn="l" defTabSz="914400" rtl="0" eaLnBrk="1" latinLnBrk="0" hangingPunct="1">
+                        <a:lnSpc>
+                          <a:spcPct val="115000"/>
+                        </a:lnSpc>
+                        <a:spcAft>
+                          <a:spcPts val="0"/>
+                        </a:spcAft>
+                      </a:pPr>
+                      <a:r>
+                        <a:rPr lang="en-GB" sz="1200" kern="1200" dirty="0" smtClean="0"/>
+                        <a:t>Snap 4 </a:t>
+                      </a:r>
+                      <a:r>
+                        <a:rPr lang="en-GB" sz="1200" kern="1200" dirty="0" err="1" smtClean="0"/>
+                        <a:t>HReF</a:t>
+                      </a:r>
+                      <a:endParaRPr lang="fr-FR" sz="1200" kern="1200" dirty="0" smtClean="0">
+                        <a:solidFill>
+                          <a:schemeClr val="dk1"/>
+                        </a:solidFill>
+                        <a:latin typeface="+mn-lt"/>
+                        <a:ea typeface="+mn-ea"/>
+                        <a:cs typeface="+mn-cs"/>
+                      </a:endParaRPr>
+                    </a:p>
+                  </a:txBody>
+                  <a:tcPr marL="68580" marR="68580" marT="0" marB="0" anchor="ctr">
+                    <a:lnL w="12700" cmpd="sng">
+                      <a:noFill/>
+                    </a:lnL>
+                    <a:lnR>
+                      <a:noFill/>
+                    </a:lnR>
+                    <a:lnT w="12700" cmpd="sng">
+                      <a:noFill/>
+                    </a:lnT>
+                    <a:lnB w="12700" cmpd="sng">
+                      <a:noFill/>
+                    </a:lnB>
+                    <a:lnTlToBr w="12700" cmpd="sng">
+                      <a:noFill/>
+                      <a:prstDash val="solid"/>
+                    </a:lnTlToBr>
+                    <a:lnBlToTr w="12700" cmpd="sng">
+                      <a:noFill/>
+                      <a:prstDash val="solid"/>
+                    </a:lnBlToTr>
+                  </a:tcPr>
+                </a:tc>
+              </a:tr>
+              <a:tr h="378873">
+                <a:tc>
+                  <a:txBody>
+                    <a:bodyPr/>
+                    <a:lstStyle/>
+                    <a:p>
+                      <a:pPr marL="0" algn="l" defTabSz="914400" rtl="0" eaLnBrk="1" latinLnBrk="0" hangingPunct="1">
+                        <a:lnSpc>
+                          <a:spcPct val="115000"/>
+                        </a:lnSpc>
+                        <a:spcAft>
+                          <a:spcPts val="0"/>
+                        </a:spcAft>
+                      </a:pPr>
+                      <a:r>
+                        <a:rPr lang="en-GB" sz="1200" kern="1200" dirty="0" smtClean="0"/>
+                        <a:t>Snap 5 </a:t>
+                      </a:r>
+                      <a:r>
+                        <a:rPr lang="en-GB" sz="1200" kern="1200" dirty="0" err="1" smtClean="0"/>
+                        <a:t>HReF</a:t>
+                      </a:r>
+                      <a:endParaRPr lang="fr-FR" sz="1200" kern="1200" dirty="0" smtClean="0">
+                        <a:solidFill>
+                          <a:schemeClr val="dk1"/>
+                        </a:solidFill>
+                        <a:latin typeface="+mn-lt"/>
+                        <a:ea typeface="+mn-ea"/>
+                        <a:cs typeface="+mn-cs"/>
+                      </a:endParaRPr>
+                    </a:p>
+                  </a:txBody>
+                  <a:tcPr marL="68580" marR="68580" marT="0" marB="0" anchor="ctr">
+                    <a:lnL w="12700" cmpd="sng">
+                      <a:noFill/>
+                    </a:lnL>
+                    <a:lnR>
+                      <a:noFill/>
+                    </a:lnR>
+                    <a:lnT w="12700" cmpd="sng">
+                      <a:noFill/>
+                    </a:lnT>
+                    <a:lnB w="12700" cmpd="sng">
+                      <a:noFill/>
+                    </a:lnB>
+                    <a:lnTlToBr w="12700" cmpd="sng">
+                      <a:noFill/>
+                      <a:prstDash val="solid"/>
+                    </a:lnTlToBr>
+                    <a:lnBlToTr w="12700" cmpd="sng">
+                      <a:noFill/>
+                      <a:prstDash val="solid"/>
+                    </a:lnBlToTr>
+                  </a:tcPr>
+                </a:tc>
+              </a:tr>
+            </a:tbl>
+          </a:graphicData>
+        </a:graphic>
+      </p:graphicFrame>
+      <p:sp>
+        <p:nvSpPr>
+          <p:cNvPr id="21" name="TextBox 20"/>
+          <p:cNvSpPr txBox="1"/>
+          <p:nvPr/>
+        </p:nvSpPr>
+        <p:spPr>
+          <a:xfrm>
+            <a:off x="395536" y="1268760"/>
+            <a:ext cx="8143200" cy="400110"/>
+          </a:xfrm>
+          <a:prstGeom prst="rect">
+            <a:avLst/>
+          </a:prstGeom>
+          <a:noFill/>
+        </p:spPr>
+        <p:txBody>
+          <a:bodyPr wrap="square" lIns="180000" rIns="180000" rtlCol="0">
+            <a:spAutoFit/>
+          </a:bodyPr>
+          <a:lstStyle>
+            <a:defPPr>
+              <a:defRPr lang="fr-FR"/>
+            </a:defPPr>
+            <a:lvl1pPr>
+              <a:defRPr sz="2000" b="1">
+                <a:solidFill>
+                  <a:schemeClr val="tx1">
+                    <a:lumMod val="75000"/>
+                    <a:lumOff val="25000"/>
+                  </a:schemeClr>
+                </a:solidFill>
+              </a:defRPr>
+            </a:lvl1pPr>
+          </a:lstStyle>
+          <a:p>
+            <a:r>
+              <a:rPr lang="en-US" dirty="0" smtClean="0"/>
+              <a:t>Identification of ignored Applications or snapshots</a:t>
+            </a:r>
+            <a:endParaRPr lang="en-US" dirty="0"/>
+          </a:p>
+        </p:txBody>
+      </p:sp>
+      <p:sp>
+        <p:nvSpPr>
+          <p:cNvPr id="22" name="TextBox 21"/>
+          <p:cNvSpPr txBox="1"/>
+          <p:nvPr/>
+        </p:nvSpPr>
+        <p:spPr>
+          <a:xfrm>
+            <a:off x="2129047" y="1804754"/>
+            <a:ext cx="6630534" cy="369332"/>
+          </a:xfrm>
+          <a:prstGeom prst="rect">
+            <a:avLst/>
+          </a:prstGeom>
+          <a:noFill/>
+        </p:spPr>
+        <p:txBody>
+          <a:bodyPr wrap="square" rtlCol="0">
+            <a:spAutoFit/>
+          </a:bodyPr>
+          <a:lstStyle>
+            <a:defPPr>
+              <a:defRPr lang="fr-FR"/>
+            </a:defPPr>
+            <a:lvl1pPr>
+              <a:defRPr sz="2000" b="1">
+                <a:solidFill>
+                  <a:srgbClr val="5E5E5E"/>
+                </a:solidFill>
+              </a:defRPr>
+            </a:lvl1pPr>
+          </a:lstStyle>
+          <a:p>
+            <a:r>
+              <a:rPr lang="en-US" sz="1800" dirty="0"/>
+              <a:t>PF_IGNORED_APPLICATIONS</a:t>
+            </a:r>
+          </a:p>
+        </p:txBody>
+      </p:sp>
+      <p:sp>
+        <p:nvSpPr>
+          <p:cNvPr id="23" name="TextBox 22"/>
+          <p:cNvSpPr txBox="1"/>
+          <p:nvPr/>
+        </p:nvSpPr>
+        <p:spPr>
+          <a:xfrm>
+            <a:off x="430382" y="1772816"/>
+            <a:ext cx="1837362" cy="400110"/>
+          </a:xfrm>
+          <a:prstGeom prst="rect">
+            <a:avLst/>
+          </a:prstGeom>
+          <a:noFill/>
+        </p:spPr>
+        <p:txBody>
+          <a:bodyPr wrap="none" rtlCol="0">
+            <a:spAutoFit/>
+          </a:bodyPr>
+          <a:lstStyle>
+            <a:defPPr>
+              <a:defRPr lang="fr-FR"/>
+            </a:defPPr>
+            <a:lvl1pPr algn="r">
+              <a:defRPr sz="2000">
+                <a:solidFill>
+                  <a:schemeClr val="bg1">
+                    <a:lumMod val="50000"/>
+                  </a:schemeClr>
+                </a:solidFill>
+              </a:defRPr>
+            </a:lvl1pPr>
+          </a:lstStyle>
+          <a:p>
+            <a:r>
+              <a:rPr lang="en-US" dirty="0" smtClean="0"/>
+              <a:t>Blocks Name :</a:t>
+            </a:r>
+            <a:endParaRPr lang="en-US" dirty="0"/>
+          </a:p>
+        </p:txBody>
+      </p:sp>
+      <p:sp>
+        <p:nvSpPr>
+          <p:cNvPr id="25" name="TextBox 24"/>
+          <p:cNvSpPr txBox="1"/>
+          <p:nvPr/>
+        </p:nvSpPr>
+        <p:spPr>
+          <a:xfrm>
+            <a:off x="2117930" y="2204864"/>
+            <a:ext cx="6630534" cy="369332"/>
+          </a:xfrm>
+          <a:prstGeom prst="rect">
+            <a:avLst/>
+          </a:prstGeom>
+          <a:noFill/>
+        </p:spPr>
+        <p:txBody>
+          <a:bodyPr wrap="square" rtlCol="0">
+            <a:spAutoFit/>
+          </a:bodyPr>
+          <a:lstStyle>
+            <a:defPPr>
+              <a:defRPr lang="fr-FR"/>
+            </a:defPPr>
+            <a:lvl1pPr>
+              <a:defRPr sz="2000" b="1">
+                <a:solidFill>
+                  <a:srgbClr val="5E5E5E"/>
+                </a:solidFill>
+              </a:defRPr>
+            </a:lvl1pPr>
+          </a:lstStyle>
+          <a:p>
+            <a:r>
+              <a:rPr lang="en-US" sz="1800" dirty="0" smtClean="0"/>
+              <a:t>PF_IGNORED_SNAPSHOTS</a:t>
+            </a:r>
+            <a:endParaRPr lang="en-US" sz="1800" dirty="0"/>
+          </a:p>
+        </p:txBody>
+      </p:sp>
+      <p:sp>
+        <p:nvSpPr>
+          <p:cNvPr id="26" name="TextBox 25"/>
+          <p:cNvSpPr txBox="1"/>
+          <p:nvPr/>
+        </p:nvSpPr>
+        <p:spPr>
+          <a:xfrm>
+            <a:off x="1043608" y="2524834"/>
+            <a:ext cx="1208985" cy="400110"/>
+          </a:xfrm>
+          <a:prstGeom prst="rect">
+            <a:avLst/>
+          </a:prstGeom>
+          <a:noFill/>
+        </p:spPr>
+        <p:txBody>
+          <a:bodyPr wrap="none" rtlCol="0">
+            <a:spAutoFit/>
+          </a:bodyPr>
+          <a:lstStyle>
+            <a:defPPr>
+              <a:defRPr lang="fr-FR"/>
+            </a:defPPr>
+            <a:lvl1pPr algn="r">
+              <a:defRPr sz="2000">
+                <a:solidFill>
+                  <a:schemeClr val="bg1">
+                    <a:lumMod val="50000"/>
+                  </a:schemeClr>
+                </a:solidFill>
+              </a:defRPr>
+            </a:lvl1pPr>
+          </a:lstStyle>
+          <a:p>
+            <a:r>
+              <a:rPr lang="en-US" dirty="0" smtClean="0"/>
+              <a:t>Options :</a:t>
+            </a:r>
+            <a:endParaRPr lang="en-US" dirty="0"/>
+          </a:p>
+        </p:txBody>
+      </p:sp>
+      <p:sp>
+        <p:nvSpPr>
+          <p:cNvPr id="27" name="TextBox 26"/>
+          <p:cNvSpPr txBox="1"/>
+          <p:nvPr/>
+        </p:nvSpPr>
+        <p:spPr>
+          <a:xfrm>
+            <a:off x="2180585" y="2524834"/>
+            <a:ext cx="1224136" cy="369332"/>
+          </a:xfrm>
+          <a:prstGeom prst="rect">
+            <a:avLst/>
+          </a:prstGeom>
+          <a:noFill/>
+        </p:spPr>
+        <p:txBody>
+          <a:bodyPr wrap="square" rtlCol="0">
+            <a:spAutoFit/>
+          </a:bodyPr>
+          <a:lstStyle>
+            <a:defPPr>
+              <a:defRPr lang="fr-FR"/>
+            </a:defPPr>
+            <a:lvl1pPr>
+              <a:defRPr sz="2000" i="1">
+                <a:solidFill>
+                  <a:schemeClr val="bg1">
+                    <a:lumMod val="50000"/>
+                  </a:schemeClr>
+                </a:solidFill>
+              </a:defRPr>
+            </a:lvl1pPr>
+          </a:lstStyle>
+          <a:p>
+            <a:r>
+              <a:rPr lang="en-US" sz="1800" dirty="0" smtClean="0"/>
+              <a:t>none</a:t>
+            </a:r>
+            <a:endParaRPr lang="en-US" sz="1800" dirty="0"/>
+          </a:p>
+        </p:txBody>
+      </p:sp>
+      <p:sp>
+        <p:nvSpPr>
+          <p:cNvPr id="2" name="Rectangle 1"/>
+          <p:cNvSpPr/>
+          <p:nvPr/>
+        </p:nvSpPr>
+        <p:spPr>
+          <a:xfrm>
+            <a:off x="539552" y="2967335"/>
+            <a:ext cx="7632848" cy="646331"/>
+          </a:xfrm>
+          <a:prstGeom prst="rect">
+            <a:avLst/>
+          </a:prstGeom>
+        </p:spPr>
+        <p:txBody>
+          <a:bodyPr wrap="square">
+            <a:spAutoFit/>
+          </a:bodyPr>
+          <a:lstStyle/>
+          <a:p>
+            <a:r>
+              <a:rPr lang="en-US" sz="1200" i="1" dirty="0"/>
+              <a:t>The following block provides potential applications </a:t>
+            </a:r>
+            <a:r>
+              <a:rPr lang="en-US" sz="1200" i="1" dirty="0" smtClean="0"/>
+              <a:t>or snapshots of application that </a:t>
+            </a:r>
+            <a:r>
+              <a:rPr lang="en-US" sz="1200" i="1" dirty="0"/>
+              <a:t>didn’t work during the </a:t>
+            </a:r>
+            <a:r>
+              <a:rPr lang="en-US" sz="1200" i="1" dirty="0" smtClean="0"/>
+              <a:t>with other blocks generation. </a:t>
+            </a:r>
+            <a:r>
+              <a:rPr lang="en-US" sz="1200" i="1" dirty="0"/>
+              <a:t>Investigation into the central </a:t>
+            </a:r>
+            <a:r>
+              <a:rPr lang="en-US" sz="1200" i="1" dirty="0" smtClean="0"/>
+              <a:t>schema for </a:t>
+            </a:r>
+            <a:r>
+              <a:rPr lang="en-US" sz="1200" i="1" dirty="0"/>
+              <a:t>the application or snapshot listed must be done.</a:t>
+            </a:r>
+          </a:p>
+        </p:txBody>
+      </p:sp>
+    </p:spTree>
+    <p:extLst>
+      <p:ext uri="{BB962C8B-B14F-4D97-AF65-F5344CB8AC3E}">
+        <p14:creationId xmlns:p14="http://schemas.microsoft.com/office/powerpoint/2010/main" val="3021903024"/>
+      </p:ext>
+    </p:extLst>
+  </p:cSld>
+  <p:clrMapOvr>
+    <a:masterClrMapping/>
+  </p:clrMapOvr>
+  <p:timing>
+    <p:tnLst>
+      <p:par>
+        <p:cTn id="1" dur="indefinite" restart="never" nodeType="tmRoot"/>
+      </p:par>
+    </p:tnLst>
+  </p:timing>
+</p:sld>
+</file>
+
+<file path=ppt/slides/slide22.xml><?xml version="1.0" encoding="utf-8"?>
+<p:sld xmlns:a="http://schemas.openxmlformats.org/drawingml/2006/main" xmlns:r="http://schemas.openxmlformats.org/officeDocument/2006/relationships" xmlns:p="http://schemas.openxmlformats.org/presentationml/2006/main">
+  <p:cSld>
+    <p:spTree>
+      <p:nvGrpSpPr>
+        <p:cNvPr id="1" name=""/>
+        <p:cNvGrpSpPr/>
+        <p:nvPr/>
+      </p:nvGrpSpPr>
+      <p:grpSpPr>
+        <a:xfrm>
+          <a:off x="0" y="0"/>
+          <a:ext cx="0" cy="0"/>
+          <a:chOff x="0" y="0"/>
+          <a:chExt cx="0" cy="0"/>
+        </a:xfrm>
+      </p:grpSpPr>
+      <p:sp>
+        <p:nvSpPr>
           <p:cNvPr id="2" name="Slide Number Placeholder 1"/>
           <p:cNvSpPr>
             <a:spLocks noGrp="1"/>
@@ -27737,7 +28857,7 @@
                   <a:prstClr val="black"/>
                 </a:buClr>
               </a:pPr>
-              <a:t>21</a:t>
+              <a:t>22</a:t>
             </a:fld>
             <a:endParaRPr lang="en-US" dirty="0">
               <a:solidFill>
@@ -27767,11 +28887,11 @@
           <a:p>
             <a:r>
               <a:rPr lang="en-US" dirty="0"/>
-              <a:t>PowerPoint Templates – Tables [</a:t>
+              <a:t>PowerPoint Templates – Tables </a:t>
             </a:r>
             <a:r>
               <a:rPr lang="en-US" dirty="0" smtClean="0"/>
-              <a:t>35]</a:t>
+              <a:t>[11]</a:t>
             </a:r>
             <a:endParaRPr lang="en-US" dirty="0"/>
           </a:p>

--- a/CastReporting.Reporting/PortfolioTemplatesFiles/1- Portfolio-Powerpoint-components-library.pptx
+++ b/CastReporting.Reporting/PortfolioTemplatesFiles/1- Portfolio-Powerpoint-components-library.pptx
@@ -10,7 +10,7 @@
     <p:sldMasterId id="2147483713" r:id="rId6"/>
   </p:sldMasterIdLst>
   <p:notesMasterIdLst>
-    <p:notesMasterId r:id="rId29"/>
+    <p:notesMasterId r:id="rId30"/>
   </p:notesMasterIdLst>
   <p:sldIdLst>
     <p:sldId id="262" r:id="rId7"/>
@@ -24,17 +24,18 @@
     <p:sldId id="271" r:id="rId15"/>
     <p:sldId id="321" r:id="rId16"/>
     <p:sldId id="324" r:id="rId17"/>
-    <p:sldId id="295" r:id="rId18"/>
-    <p:sldId id="276" r:id="rId19"/>
-    <p:sldId id="279" r:id="rId20"/>
-    <p:sldId id="331" r:id="rId21"/>
-    <p:sldId id="297" r:id="rId22"/>
-    <p:sldId id="294" r:id="rId23"/>
-    <p:sldId id="280" r:id="rId24"/>
-    <p:sldId id="332" r:id="rId25"/>
-    <p:sldId id="303" r:id="rId26"/>
-    <p:sldId id="333" r:id="rId27"/>
-    <p:sldId id="318" r:id="rId28"/>
+    <p:sldId id="334" r:id="rId18"/>
+    <p:sldId id="295" r:id="rId19"/>
+    <p:sldId id="276" r:id="rId20"/>
+    <p:sldId id="279" r:id="rId21"/>
+    <p:sldId id="331" r:id="rId22"/>
+    <p:sldId id="297" r:id="rId23"/>
+    <p:sldId id="294" r:id="rId24"/>
+    <p:sldId id="280" r:id="rId25"/>
+    <p:sldId id="332" r:id="rId26"/>
+    <p:sldId id="303" r:id="rId27"/>
+    <p:sldId id="333" r:id="rId28"/>
+    <p:sldId id="318" r:id="rId29"/>
   </p:sldIdLst>
   <p:sldSz cx="9144000" cy="6858000" type="screen4x3"/>
   <p:notesSz cx="6858000" cy="9144000"/>
@@ -135,7 +136,7 @@
   </p:defaultTextStyle>
   <p:extLst>
     <p:ext uri="{EFAFB233-063F-42B5-8137-9DF3F51BA10A}">
-      <p15:sldGuideLst xmlns:p15="http://schemas.microsoft.com/office/powerpoint/2012/main" xmlns="">
+      <p15:sldGuideLst xmlns:p15="http://schemas.microsoft.com/office/powerpoint/2012/main">
         <p15:guide id="1" orient="horz" pos="2160">
           <p15:clr>
             <a:srgbClr val="A4A3A4"/>
@@ -329,11 +330,11 @@
         </c:dLbls>
         <c:gapWidth val="150"/>
         <c:overlap val="100"/>
-        <c:axId val="189446016"/>
-        <c:axId val="189447552"/>
+        <c:axId val="348383072"/>
+        <c:axId val="348385032"/>
       </c:barChart>
       <c:catAx>
-        <c:axId val="189446016"/>
+        <c:axId val="348383072"/>
         <c:scaling>
           <c:orientation val="minMax"/>
         </c:scaling>
@@ -352,7 +353,7 @@
             </a:solidFill>
           </a:ln>
         </c:spPr>
-        <c:crossAx val="189447552"/>
+        <c:crossAx val="348385032"/>
         <c:crosses val="autoZero"/>
         <c:auto val="0"/>
         <c:lblAlgn val="ctr"/>
@@ -360,7 +361,7 @@
         <c:noMultiLvlLbl val="1"/>
       </c:catAx>
       <c:valAx>
-        <c:axId val="189447552"/>
+        <c:axId val="348385032"/>
         <c:scaling>
           <c:orientation val="minMax"/>
         </c:scaling>
@@ -380,7 +381,7 @@
             </a:solidFill>
           </a:ln>
         </c:spPr>
-        <c:crossAx val="189446016"/>
+        <c:crossAx val="348383072"/>
         <c:crosses val="autoZero"/>
         <c:crossBetween val="between"/>
       </c:valAx>
@@ -596,11 +597,11 @@
         </c:dLbls>
         <c:gapWidth val="150"/>
         <c:overlap val="100"/>
-        <c:axId val="189513728"/>
-        <c:axId val="189515264"/>
+        <c:axId val="348384248"/>
+        <c:axId val="236237000"/>
       </c:barChart>
       <c:catAx>
-        <c:axId val="189513728"/>
+        <c:axId val="348384248"/>
         <c:scaling>
           <c:orientation val="minMax"/>
         </c:scaling>
@@ -619,7 +620,7 @@
             </a:solidFill>
           </a:ln>
         </c:spPr>
-        <c:crossAx val="189515264"/>
+        <c:crossAx val="236237000"/>
         <c:crosses val="autoZero"/>
         <c:auto val="0"/>
         <c:lblAlgn val="ctr"/>
@@ -627,7 +628,7 @@
         <c:noMultiLvlLbl val="1"/>
       </c:catAx>
       <c:valAx>
-        <c:axId val="189515264"/>
+        <c:axId val="236237000"/>
         <c:scaling>
           <c:orientation val="minMax"/>
         </c:scaling>
@@ -647,7 +648,7 @@
             </a:solidFill>
           </a:ln>
         </c:spPr>
-        <c:crossAx val="189513728"/>
+        <c:crossAx val="348384248"/>
         <c:crosses val="autoZero"/>
         <c:crossBetween val="between"/>
       </c:valAx>
@@ -737,7 +738,6 @@
           <c:dLbls>
             <c:dLbl>
               <c:idx val="0"/>
-              <c:layout/>
               <c:tx>
                 <c:rich>
                   <a:bodyPr/>
@@ -765,16 +765,13 @@
               <c:showBubbleSize val="0"/>
               <c:extLst>
                 <c:ext xmlns:c15="http://schemas.microsoft.com/office/drawing/2012/chart" uri="{CE6537A1-D6FC-4f65-9D91-7224C49458BB}">
-                  <c15:layout/>
                   <c15:dlblFieldTable/>
-                  <c15:xForSave val="1"/>
                   <c15:showDataLabelsRange val="1"/>
                 </c:ext>
               </c:extLst>
             </c:dLbl>
             <c:dLbl>
               <c:idx val="1"/>
-              <c:layout/>
               <c:tx>
                 <c:rich>
                   <a:bodyPr/>
@@ -802,16 +799,13 @@
               <c:showBubbleSize val="0"/>
               <c:extLst>
                 <c:ext xmlns:c15="http://schemas.microsoft.com/office/drawing/2012/chart" uri="{CE6537A1-D6FC-4f65-9D91-7224C49458BB}">
-                  <c15:layout/>
                   <c15:dlblFieldTable/>
-                  <c15:xForSave val="1"/>
                   <c15:showDataLabelsRange val="1"/>
                 </c:ext>
               </c:extLst>
             </c:dLbl>
             <c:dLbl>
               <c:idx val="2"/>
-              <c:layout/>
               <c:tx>
                 <c:rich>
                   <a:bodyPr/>
@@ -839,16 +833,13 @@
               <c:showBubbleSize val="0"/>
               <c:extLst>
                 <c:ext xmlns:c15="http://schemas.microsoft.com/office/drawing/2012/chart" uri="{CE6537A1-D6FC-4f65-9D91-7224C49458BB}">
-                  <c15:layout/>
                   <c15:dlblFieldTable/>
-                  <c15:xForSave val="1"/>
                   <c15:showDataLabelsRange val="1"/>
                 </c:ext>
               </c:extLst>
             </c:dLbl>
             <c:dLbl>
               <c:idx val="3"/>
-              <c:layout/>
               <c:tx>
                 <c:rich>
                   <a:bodyPr/>
@@ -876,16 +867,13 @@
               <c:showBubbleSize val="0"/>
               <c:extLst>
                 <c:ext xmlns:c15="http://schemas.microsoft.com/office/drawing/2012/chart" uri="{CE6537A1-D6FC-4f65-9D91-7224C49458BB}">
-                  <c15:layout/>
                   <c15:dlblFieldTable/>
-                  <c15:xForSave val="1"/>
                   <c15:showDataLabelsRange val="1"/>
                 </c:ext>
               </c:extLst>
             </c:dLbl>
             <c:dLbl>
               <c:idx val="4"/>
-              <c:layout/>
               <c:tx>
                 <c:rich>
                   <a:bodyPr/>
@@ -913,16 +901,13 @@
               <c:showBubbleSize val="0"/>
               <c:extLst>
                 <c:ext xmlns:c15="http://schemas.microsoft.com/office/drawing/2012/chart" uri="{CE6537A1-D6FC-4f65-9D91-7224C49458BB}">
-                  <c15:layout/>
                   <c15:dlblFieldTable/>
-                  <c15:xForSave val="1"/>
                   <c15:showDataLabelsRange val="1"/>
                 </c:ext>
               </c:extLst>
             </c:dLbl>
             <c:dLbl>
               <c:idx val="5"/>
-              <c:layout/>
               <c:tx>
                 <c:rich>
                   <a:bodyPr/>
@@ -950,16 +935,13 @@
               <c:showBubbleSize val="0"/>
               <c:extLst>
                 <c:ext xmlns:c15="http://schemas.microsoft.com/office/drawing/2012/chart" uri="{CE6537A1-D6FC-4f65-9D91-7224C49458BB}">
-                  <c15:layout/>
                   <c15:dlblFieldTable/>
-                  <c15:xForSave val="1"/>
                   <c15:showDataLabelsRange val="1"/>
                 </c:ext>
               </c:extLst>
             </c:dLbl>
             <c:dLbl>
               <c:idx val="6"/>
-              <c:layout/>
               <c:tx>
                 <c:rich>
                   <a:bodyPr/>
@@ -987,16 +969,13 @@
               <c:showBubbleSize val="0"/>
               <c:extLst>
                 <c:ext xmlns:c15="http://schemas.microsoft.com/office/drawing/2012/chart" uri="{CE6537A1-D6FC-4f65-9D91-7224C49458BB}">
-                  <c15:layout/>
                   <c15:dlblFieldTable/>
-                  <c15:xForSave val="1"/>
                   <c15:showDataLabelsRange val="1"/>
                 </c:ext>
               </c:extLst>
             </c:dLbl>
             <c:dLbl>
               <c:idx val="7"/>
-              <c:layout/>
               <c:tx>
                 <c:rich>
                   <a:bodyPr/>
@@ -1024,16 +1003,13 @@
               <c:showBubbleSize val="0"/>
               <c:extLst>
                 <c:ext xmlns:c15="http://schemas.microsoft.com/office/drawing/2012/chart" uri="{CE6537A1-D6FC-4f65-9D91-7224C49458BB}">
-                  <c15:layout/>
                   <c15:dlblFieldTable/>
-                  <c15:xForSave val="1"/>
                   <c15:showDataLabelsRange val="1"/>
                 </c:ext>
               </c:extLst>
             </c:dLbl>
             <c:dLbl>
               <c:idx val="8"/>
-              <c:layout/>
               <c:tx>
                 <c:rich>
                   <a:bodyPr/>
@@ -1061,16 +1037,13 @@
               <c:showBubbleSize val="0"/>
               <c:extLst>
                 <c:ext xmlns:c15="http://schemas.microsoft.com/office/drawing/2012/chart" uri="{CE6537A1-D6FC-4f65-9D91-7224C49458BB}">
-                  <c15:layout/>
                   <c15:dlblFieldTable/>
-                  <c15:xForSave val="1"/>
                   <c15:showDataLabelsRange val="1"/>
                 </c:ext>
               </c:extLst>
             </c:dLbl>
             <c:dLbl>
               <c:idx val="9"/>
-              <c:layout/>
               <c:tx>
                 <c:rich>
                   <a:bodyPr/>
@@ -1098,16 +1071,13 @@
               <c:showBubbleSize val="0"/>
               <c:extLst>
                 <c:ext xmlns:c15="http://schemas.microsoft.com/office/drawing/2012/chart" uri="{CE6537A1-D6FC-4f65-9D91-7224C49458BB}">
-                  <c15:layout/>
                   <c15:dlblFieldTable/>
-                  <c15:xForSave val="1"/>
                   <c15:showDataLabelsRange val="1"/>
                 </c:ext>
               </c:extLst>
             </c:dLbl>
             <c:dLbl>
               <c:idx val="10"/>
-              <c:layout/>
               <c:tx>
                 <c:rich>
                   <a:bodyPr/>
@@ -1135,16 +1105,13 @@
               <c:showBubbleSize val="0"/>
               <c:extLst>
                 <c:ext xmlns:c15="http://schemas.microsoft.com/office/drawing/2012/chart" uri="{CE6537A1-D6FC-4f65-9D91-7224C49458BB}">
-                  <c15:layout/>
                   <c15:dlblFieldTable/>
-                  <c15:xForSave val="1"/>
                   <c15:showDataLabelsRange val="1"/>
                 </c:ext>
               </c:extLst>
             </c:dLbl>
             <c:dLbl>
               <c:idx val="11"/>
-              <c:layout/>
               <c:tx>
                 <c:rich>
                   <a:bodyPr/>
@@ -1159,7 +1126,7 @@
                       <a:pPr/>
                       <a:t>[CELLRANGE]</a:t>
                     </a:fld>
-                    <a:endParaRPr lang="en-US" dirty="0"/>
+                    <a:endParaRPr lang="en-US"/>
                   </a:p>
                 </c:rich>
               </c:tx>
@@ -1172,16 +1139,13 @@
               <c:showBubbleSize val="0"/>
               <c:extLst>
                 <c:ext xmlns:c15="http://schemas.microsoft.com/office/drawing/2012/chart" uri="{CE6537A1-D6FC-4f65-9D91-7224C49458BB}">
-                  <c15:layout/>
                   <c15:dlblFieldTable/>
-                  <c15:xForSave val="1"/>
                   <c15:showDataLabelsRange val="1"/>
                 </c:ext>
               </c:extLst>
             </c:dLbl>
             <c:dLbl>
               <c:idx val="12"/>
-              <c:layout/>
               <c:tx>
                 <c:rich>
                   <a:bodyPr/>
@@ -1196,7 +1160,7 @@
                       <a:pPr/>
                       <a:t>[CELLRANGE]</a:t>
                     </a:fld>
-                    <a:endParaRPr lang="en-US" dirty="0"/>
+                    <a:endParaRPr lang="en-US"/>
                   </a:p>
                 </c:rich>
               </c:tx>
@@ -1209,9 +1173,7 @@
               <c:showBubbleSize val="0"/>
               <c:extLst>
                 <c:ext xmlns:c15="http://schemas.microsoft.com/office/drawing/2012/chart" uri="{CE6537A1-D6FC-4f65-9D91-7224C49458BB}">
-                  <c15:layout/>
                   <c15:dlblFieldTable/>
-                  <c15:xForSave val="1"/>
                   <c15:showDataLabelsRange val="1"/>
                 </c:ext>
               </c:extLst>
@@ -1252,6 +1214,7 @@
             <c:showSerName val="0"/>
             <c:showPercent val="0"/>
             <c:showBubbleSize val="0"/>
+            <c:showLeaderLines val="0"/>
             <c:extLst>
               <c:ext xmlns:c15="http://schemas.microsoft.com/office/drawing/2012/chart" uri="{CE6537A1-D6FC-4f65-9D91-7224C49458BB}">
                 <c15:spPr xmlns:c15="http://schemas.microsoft.com/office/drawing/2012/chart">
@@ -1259,7 +1222,6 @@
                     <a:avLst/>
                   </a:prstGeom>
                 </c15:spPr>
-                <c15:layout/>
                 <c15:showDataLabelsRange val="1"/>
                 <c15:showLeaderLines val="0"/>
               </c:ext>
@@ -1471,8 +1433,8 @@
         <c:bubbleScale val="100"/>
         <c:showNegBubbles val="0"/>
         <c:sizeRepresents val="w"/>
-        <c:axId val="189667584"/>
-        <c:axId val="189714816"/>
+        <c:axId val="327138488"/>
+        <c:axId val="327133392"/>
         <c:extLst>
           <c:ext xmlns:c15="http://schemas.microsoft.com/office/drawing/2012/chart" uri="{02D57815-91ED-43cb-92C2-25804820EDAC}">
             <c15:filteredBubbleSeries>
@@ -1662,7 +1624,7 @@
         </c:extLst>
       </c:bubbleChart>
       <c:valAx>
-        <c:axId val="189667584"/>
+        <c:axId val="327138488"/>
         <c:scaling>
           <c:orientation val="minMax"/>
           <c:max val="4"/>
@@ -1713,7 +1675,6 @@
               </a:p>
             </c:rich>
           </c:tx>
-          <c:layout/>
           <c:overlay val="0"/>
         </c:title>
         <c:numFmt formatCode="0.00" sourceLinked="0"/>
@@ -1748,13 +1709,13 @@
             <a:endParaRPr lang="en-US"/>
           </a:p>
         </c:txPr>
-        <c:crossAx val="189714816"/>
+        <c:crossAx val="327133392"/>
         <c:crosses val="autoZero"/>
         <c:crossBetween val="midCat"/>
         <c:minorUnit val="0.25"/>
       </c:valAx>
       <c:valAx>
-        <c:axId val="189714816"/>
+        <c:axId val="327133392"/>
         <c:scaling>
           <c:orientation val="minMax"/>
           <c:min val="0"/>
@@ -1804,7 +1765,6 @@
               </a:p>
             </c:rich>
           </c:tx>
-          <c:layout/>
           <c:overlay val="0"/>
         </c:title>
         <c:numFmt formatCode="General" sourceLinked="0"/>
@@ -1839,7 +1799,7 @@
             <a:endParaRPr lang="en-US"/>
           </a:p>
         </c:txPr>
-        <c:crossAx val="189667584"/>
+        <c:crossAx val="327138488"/>
         <c:crosses val="autoZero"/>
         <c:crossBetween val="midCat"/>
       </c:valAx>
@@ -1960,7 +1920,7 @@
           <a:p>
             <a:fld id="{268042A1-6D91-4513-A62D-1E3FD70C84BE}" type="datetimeFigureOut">
               <a:rPr lang="fr-FR" smtClean="0"/>
-              <a:t>05/10/2016</a:t>
+              <a:t>15/11/2016</a:t>
             </a:fld>
             <a:endParaRPr lang="fr-FR"/>
           </a:p>
@@ -2563,7 +2523,7 @@
             <a:fld id="{D8E3BBD6-5DF7-411E-B793-6A3558CCCDCA}" type="datetimeFigureOut">
               <a:rPr lang="fr-FR" smtClean="0"/>
               <a:pPr/>
-              <a:t>05/10/2016</a:t>
+              <a:t>15/11/2016</a:t>
             </a:fld>
             <a:endParaRPr lang="fr-FR" dirty="0"/>
           </a:p>
@@ -2728,7 +2688,7 @@
             <a:fld id="{D8E3BBD6-5DF7-411E-B793-6A3558CCCDCA}" type="datetimeFigureOut">
               <a:rPr lang="fr-FR" smtClean="0"/>
               <a:pPr/>
-              <a:t>05/10/2016</a:t>
+              <a:t>15/11/2016</a:t>
             </a:fld>
             <a:endParaRPr lang="fr-FR" dirty="0"/>
           </a:p>
@@ -4262,7 +4222,7 @@
             <a:fld id="{D8E3BBD6-5DF7-411E-B793-6A3558CCCDCA}" type="datetimeFigureOut">
               <a:rPr lang="fr-FR" smtClean="0"/>
               <a:pPr/>
-              <a:t>05/10/2016</a:t>
+              <a:t>15/11/2016</a:t>
             </a:fld>
             <a:endParaRPr lang="fr-FR" dirty="0"/>
           </a:p>
@@ -6687,7 +6647,7 @@
             <a:fld id="{D8E3BBD6-5DF7-411E-B793-6A3558CCCDCA}" type="datetimeFigureOut">
               <a:rPr lang="fr-FR" smtClean="0"/>
               <a:pPr/>
-              <a:t>05/10/2016</a:t>
+              <a:t>15/11/2016</a:t>
             </a:fld>
             <a:endParaRPr lang="fr-FR" dirty="0"/>
           </a:p>
@@ -9368,7 +9328,7 @@
             <a:fld id="{D8E3BBD6-5DF7-411E-B793-6A3558CCCDCA}" type="datetimeFigureOut">
               <a:rPr lang="fr-FR" smtClean="0"/>
               <a:pPr/>
-              <a:t>05/10/2016</a:t>
+              <a:t>15/11/2016</a:t>
             </a:fld>
             <a:endParaRPr lang="fr-FR" dirty="0"/>
           </a:p>
@@ -12274,7 +12234,7 @@
             <a:fld id="{D8E3BBD6-5DF7-411E-B793-6A3558CCCDCA}" type="datetimeFigureOut">
               <a:rPr lang="fr-FR" smtClean="0"/>
               <a:pPr/>
-              <a:t>05/10/2016</a:t>
+              <a:t>15/11/2016</a:t>
             </a:fld>
             <a:endParaRPr lang="fr-FR" dirty="0"/>
           </a:p>
@@ -14061,7 +14021,7 @@
             <a:fld id="{D8E3BBD6-5DF7-411E-B793-6A3558CCCDCA}" type="datetimeFigureOut">
               <a:rPr lang="fr-FR" smtClean="0"/>
               <a:pPr/>
-              <a:t>05/10/2016</a:t>
+              <a:t>15/11/2016</a:t>
             </a:fld>
             <a:endParaRPr lang="fr-FR" dirty="0"/>
           </a:p>
@@ -14141,7 +14101,7 @@
             <a:fld id="{D8E3BBD6-5DF7-411E-B793-6A3558CCCDCA}" type="datetimeFigureOut">
               <a:rPr lang="fr-FR" smtClean="0"/>
               <a:pPr/>
-              <a:t>05/10/2016</a:t>
+              <a:t>15/11/2016</a:t>
             </a:fld>
             <a:endParaRPr lang="fr-FR" dirty="0"/>
           </a:p>
@@ -14403,7 +14363,7 @@
             <a:fld id="{D8E3BBD6-5DF7-411E-B793-6A3558CCCDCA}" type="datetimeFigureOut">
               <a:rPr lang="fr-FR" smtClean="0"/>
               <a:pPr/>
-              <a:t>05/10/2016</a:t>
+              <a:t>15/11/2016</a:t>
             </a:fld>
             <a:endParaRPr lang="fr-FR" dirty="0"/>
           </a:p>
@@ -14646,7 +14606,7 @@
             <a:fld id="{D8E3BBD6-5DF7-411E-B793-6A3558CCCDCA}" type="datetimeFigureOut">
               <a:rPr lang="fr-FR" smtClean="0"/>
               <a:pPr/>
-              <a:t>05/10/2016</a:t>
+              <a:t>15/11/2016</a:t>
             </a:fld>
             <a:endParaRPr lang="fr-FR" dirty="0"/>
           </a:p>
@@ -14848,7 +14808,7 @@
             <a:fld id="{D8E3BBD6-5DF7-411E-B793-6A3558CCCDCA}" type="datetimeFigureOut">
               <a:rPr lang="fr-FR" smtClean="0"/>
               <a:pPr/>
-              <a:t>05/10/2016</a:t>
+              <a:t>15/11/2016</a:t>
             </a:fld>
             <a:endParaRPr lang="fr-FR" dirty="0"/>
           </a:p>
@@ -21894,12 +21854,12 @@
       </p:grpSpPr>
       <p:sp>
         <p:nvSpPr>
-          <p:cNvPr id="11" name="Subtitle 10"/>
+          <p:cNvPr id="2" name="Slide Number Placeholder 1"/>
           <p:cNvSpPr>
             <a:spLocks noGrp="1"/>
           </p:cNvSpPr>
           <p:nvPr>
-            <p:ph type="subTitle" idx="1"/>
+            <p:ph type="sldNum" sz="quarter" idx="10"/>
           </p:nvPr>
         </p:nvSpPr>
         <p:spPr/>
@@ -21907,49 +21867,650 @@
           <a:bodyPr/>
           <a:lstStyle/>
           <a:p>
-            <a:r>
-              <a:rPr lang="en-US" dirty="0" smtClean="0"/>
-              <a:t>Graphic Templates</a:t>
-            </a:r>
-            <a:endParaRPr lang="en-US" dirty="0"/>
-          </a:p>
-        </p:txBody>
-      </p:sp>
-      <p:sp>
-        <p:nvSpPr>
-          <p:cNvPr id="10" name="Title 9"/>
+            <a:pPr>
+              <a:buClr>
+                <a:prstClr val="black"/>
+              </a:buClr>
+            </a:pPr>
+            <a:fld id="{F71C7896-8E11-4384-BFC5-C0974CDBC83D}" type="slidenum">
+              <a:rPr lang="en-US" smtClean="0">
+                <a:solidFill>
+                  <a:srgbClr val="000000">
+                    <a:lumMod val="65000"/>
+                    <a:lumOff val="35000"/>
+                  </a:srgbClr>
+                </a:solidFill>
+              </a:rPr>
+              <a:pPr>
+                <a:buClr>
+                  <a:prstClr val="black"/>
+                </a:buClr>
+              </a:pPr>
+              <a:t>12</a:t>
+            </a:fld>
+            <a:endParaRPr lang="en-US" dirty="0">
+              <a:solidFill>
+                <a:srgbClr val="000000">
+                  <a:lumMod val="65000"/>
+                  <a:lumOff val="35000"/>
+                </a:srgbClr>
+              </a:solidFill>
+            </a:endParaRPr>
+          </a:p>
+        </p:txBody>
+      </p:sp>
+      <p:sp>
+        <p:nvSpPr>
+          <p:cNvPr id="5" name="Title 1"/>
           <p:cNvSpPr>
             <a:spLocks noGrp="1"/>
           </p:cNvSpPr>
           <p:nvPr>
-            <p:ph type="ctrTitle" sz="quarter"/>
+            <p:ph type="title"/>
           </p:nvPr>
         </p:nvSpPr>
-        <p:spPr/>
+        <p:spPr>
+          <a:xfrm>
+            <a:off x="320040" y="237738"/>
+            <a:ext cx="8503920" cy="378565"/>
+          </a:xfrm>
+        </p:spPr>
         <p:txBody>
           <a:bodyPr/>
           <a:lstStyle/>
           <a:p>
             <a:r>
               <a:rPr lang="en-US" dirty="0" smtClean="0"/>
-              <a:t>PowerPoint Templates</a:t>
+              <a:t>PowerPoint Templates – Text </a:t>
+            </a:r>
+            <a:r>
+              <a:rPr lang="en-US" dirty="0" smtClean="0"/>
+              <a:t>[4]</a:t>
             </a:r>
             <a:endParaRPr lang="en-US" dirty="0"/>
           </a:p>
         </p:txBody>
       </p:sp>
+      <p:sp>
+        <p:nvSpPr>
+          <p:cNvPr id="6" name="Rounded Rectangle 5"/>
+          <p:cNvSpPr/>
+          <p:nvPr/>
+        </p:nvSpPr>
+        <p:spPr>
+          <a:xfrm>
+            <a:off x="1187624" y="848940"/>
+            <a:ext cx="6624736" cy="5172348"/>
+          </a:xfrm>
+          <a:prstGeom prst="roundRect">
+            <a:avLst>
+              <a:gd name="adj" fmla="val 4881"/>
+            </a:avLst>
+          </a:prstGeom>
+          <a:solidFill>
+            <a:schemeClr val="bg1">
+              <a:lumMod val="95000"/>
+            </a:schemeClr>
+          </a:solidFill>
+          <a:ln>
+            <a:noFill/>
+          </a:ln>
+          <a:effectLst/>
+        </p:spPr>
+        <p:style>
+          <a:lnRef idx="1">
+            <a:schemeClr val="accent5"/>
+          </a:lnRef>
+          <a:fillRef idx="3">
+            <a:schemeClr val="accent5"/>
+          </a:fillRef>
+          <a:effectRef idx="2">
+            <a:schemeClr val="accent5"/>
+          </a:effectRef>
+          <a:fontRef idx="minor">
+            <a:schemeClr val="lt1"/>
+          </a:fontRef>
+        </p:style>
+        <p:txBody>
+          <a:bodyPr rtlCol="0" anchor="ctr"/>
+          <a:lstStyle/>
+          <a:p>
+            <a:pPr algn="ctr"/>
+            <a:endParaRPr lang="en-US" dirty="0">
+              <a:solidFill>
+                <a:schemeClr val="lt1"/>
+              </a:solidFill>
+            </a:endParaRPr>
+          </a:p>
+        </p:txBody>
+      </p:sp>
+      <p:sp>
+        <p:nvSpPr>
+          <p:cNvPr id="7" name="TextBox 6"/>
+          <p:cNvSpPr txBox="1"/>
+          <p:nvPr/>
+        </p:nvSpPr>
+        <p:spPr>
+          <a:xfrm>
+            <a:off x="1115616" y="899428"/>
+            <a:ext cx="4314002" cy="369332"/>
+          </a:xfrm>
+          <a:prstGeom prst="rect">
+            <a:avLst/>
+          </a:prstGeom>
+          <a:noFill/>
+        </p:spPr>
+        <p:txBody>
+          <a:bodyPr wrap="square" lIns="180000" rIns="180000" rtlCol="0">
+            <a:spAutoFit/>
+          </a:bodyPr>
+          <a:lstStyle>
+            <a:defPPr>
+              <a:defRPr lang="fr-FR"/>
+            </a:defPPr>
+            <a:lvl1pPr>
+              <a:defRPr sz="2000" b="1">
+                <a:solidFill>
+                  <a:schemeClr val="tx1">
+                    <a:lumMod val="75000"/>
+                    <a:lumOff val="25000"/>
+                  </a:schemeClr>
+                </a:solidFill>
+              </a:defRPr>
+            </a:lvl1pPr>
+          </a:lstStyle>
+          <a:p>
+            <a:r>
+              <a:rPr lang="en-US" sz="1800" dirty="0" smtClean="0"/>
+              <a:t>Custom Expression</a:t>
+            </a:r>
+            <a:endParaRPr lang="en-US" sz="1800" dirty="0"/>
+          </a:p>
+        </p:txBody>
+      </p:sp>
+      <p:sp>
+        <p:nvSpPr>
+          <p:cNvPr id="8" name="TextBox 7"/>
+          <p:cNvSpPr txBox="1"/>
+          <p:nvPr/>
+        </p:nvSpPr>
+        <p:spPr>
+          <a:xfrm>
+            <a:off x="2771800" y="1296056"/>
+            <a:ext cx="4097978" cy="338554"/>
+          </a:xfrm>
+          <a:prstGeom prst="rect">
+            <a:avLst/>
+          </a:prstGeom>
+          <a:noFill/>
+        </p:spPr>
+        <p:txBody>
+          <a:bodyPr wrap="square" rtlCol="0">
+            <a:spAutoFit/>
+          </a:bodyPr>
+          <a:lstStyle>
+            <a:defPPr>
+              <a:defRPr lang="fr-FR"/>
+            </a:defPPr>
+            <a:lvl1pPr>
+              <a:defRPr sz="2000" b="1">
+                <a:solidFill>
+                  <a:srgbClr val="5E5E5E"/>
+                </a:solidFill>
+              </a:defRPr>
+            </a:lvl1pPr>
+          </a:lstStyle>
+          <a:p>
+            <a:r>
+              <a:rPr lang="en-US" sz="1600" dirty="0" smtClean="0"/>
+              <a:t>PF_CUSTOM_EXPRESSION</a:t>
+            </a:r>
+            <a:endParaRPr lang="en-US" sz="1600" dirty="0"/>
+          </a:p>
+        </p:txBody>
+      </p:sp>
+      <p:sp>
+        <p:nvSpPr>
+          <p:cNvPr id="9" name="TextBox 8"/>
+          <p:cNvSpPr txBox="1"/>
+          <p:nvPr/>
+        </p:nvSpPr>
+        <p:spPr>
+          <a:xfrm>
+            <a:off x="2300183" y="3296044"/>
+            <a:ext cx="436338" cy="400110"/>
+          </a:xfrm>
+          <a:prstGeom prst="rect">
+            <a:avLst/>
+          </a:prstGeom>
+          <a:noFill/>
+        </p:spPr>
+        <p:txBody>
+          <a:bodyPr wrap="square" rtlCol="0">
+            <a:normAutofit/>
+          </a:bodyPr>
+          <a:lstStyle>
+            <a:defPPr>
+              <a:defRPr lang="fr-FR"/>
+            </a:defPPr>
+            <a:lvl1pPr>
+              <a:defRPr sz="2000" b="1">
+                <a:solidFill>
+                  <a:schemeClr val="bg1">
+                    <a:lumMod val="50000"/>
+                  </a:schemeClr>
+                </a:solidFill>
+              </a:defRPr>
+            </a:lvl1pPr>
+          </a:lstStyle>
+          <a:p>
+            <a:r>
+              <a:rPr lang="en-US" dirty="0" smtClean="0">
+                <a:sym typeface="Wingdings" pitchFamily="2" charset="2"/>
+              </a:rPr>
+              <a:t></a:t>
+            </a:r>
+            <a:endParaRPr lang="en-US" dirty="0"/>
+          </a:p>
+        </p:txBody>
+      </p:sp>
+      <p:sp>
+        <p:nvSpPr>
+          <p:cNvPr id="10" name="TextBox 9"/>
+          <p:cNvSpPr txBox="1"/>
+          <p:nvPr/>
+        </p:nvSpPr>
+        <p:spPr>
+          <a:xfrm>
+            <a:off x="1214964" y="1259468"/>
+            <a:ext cx="1556836" cy="369332"/>
+          </a:xfrm>
+          <a:prstGeom prst="rect">
+            <a:avLst/>
+          </a:prstGeom>
+          <a:noFill/>
+        </p:spPr>
+        <p:txBody>
+          <a:bodyPr wrap="none" rtlCol="0">
+            <a:spAutoFit/>
+          </a:bodyPr>
+          <a:lstStyle>
+            <a:defPPr>
+              <a:defRPr lang="fr-FR"/>
+            </a:defPPr>
+            <a:lvl1pPr algn="r">
+              <a:defRPr sz="2000">
+                <a:solidFill>
+                  <a:schemeClr val="bg1">
+                    <a:lumMod val="50000"/>
+                  </a:schemeClr>
+                </a:solidFill>
+              </a:defRPr>
+            </a:lvl1pPr>
+          </a:lstStyle>
+          <a:p>
+            <a:r>
+              <a:rPr lang="en-US" sz="1800" dirty="0" smtClean="0"/>
+              <a:t>Block Name :</a:t>
+            </a:r>
+            <a:endParaRPr lang="en-US" sz="1800" dirty="0"/>
+          </a:p>
+        </p:txBody>
+      </p:sp>
+      <p:sp>
+        <p:nvSpPr>
+          <p:cNvPr id="11" name="TextBox 10"/>
+          <p:cNvSpPr txBox="1"/>
+          <p:nvPr/>
+        </p:nvSpPr>
+        <p:spPr>
+          <a:xfrm>
+            <a:off x="2771800" y="1588730"/>
+            <a:ext cx="4824536" cy="1615827"/>
+          </a:xfrm>
+          <a:prstGeom prst="rect">
+            <a:avLst/>
+          </a:prstGeom>
+          <a:noFill/>
+        </p:spPr>
+        <p:txBody>
+          <a:bodyPr wrap="square" rtlCol="0">
+            <a:spAutoFit/>
+          </a:bodyPr>
+          <a:lstStyle>
+            <a:defPPr>
+              <a:defRPr lang="fr-FR"/>
+            </a:defPPr>
+            <a:lvl1pPr>
+              <a:defRPr sz="2000" i="1">
+                <a:solidFill>
+                  <a:schemeClr val="bg1">
+                    <a:lumMod val="50000"/>
+                  </a:schemeClr>
+                </a:solidFill>
+              </a:defRPr>
+            </a:lvl1pPr>
+          </a:lstStyle>
+          <a:p>
+            <a:r>
+              <a:rPr lang="en-US" sz="1100" dirty="0" smtClean="0"/>
+              <a:t>- PARAMS=SZ </a:t>
+            </a:r>
+            <a:r>
+              <a:rPr lang="en-US" sz="1100" dirty="0"/>
+              <a:t>a SZ b, (SZ pour sizing measure, QR pour quality rule, BF for background fact)</a:t>
+            </a:r>
+          </a:p>
+          <a:p>
+            <a:r>
+              <a:rPr lang="en-US" sz="1100" dirty="0" smtClean="0"/>
+              <a:t>- EXPR=b/a</a:t>
+            </a:r>
+            <a:r>
+              <a:rPr lang="en-US" sz="1100" dirty="0"/>
+              <a:t>, (operators can be +, -, *, / , (, ) )</a:t>
+            </a:r>
+          </a:p>
+          <a:p>
+            <a:r>
+              <a:rPr lang="en-US" sz="1100" dirty="0" smtClean="0"/>
+              <a:t>- a=67011</a:t>
+            </a:r>
+            <a:r>
+              <a:rPr lang="en-US" sz="1100" dirty="0"/>
+              <a:t>,</a:t>
+            </a:r>
+          </a:p>
+          <a:p>
+            <a:r>
+              <a:rPr lang="en-US" sz="1100" dirty="0" smtClean="0"/>
+              <a:t>- b=67010</a:t>
+            </a:r>
+            <a:r>
+              <a:rPr lang="en-US" sz="1100" dirty="0"/>
+              <a:t>,</a:t>
+            </a:r>
+          </a:p>
+          <a:p>
+            <a:r>
+              <a:rPr lang="en-US" sz="1100" dirty="0" smtClean="0"/>
+              <a:t>- FORMAT=N0 </a:t>
+            </a:r>
+            <a:r>
+              <a:rPr lang="en-US" sz="1100" dirty="0"/>
+              <a:t>(N2 by default, if nothing or erroneous format is set),</a:t>
+            </a:r>
+          </a:p>
+          <a:p>
+            <a:r>
+              <a:rPr lang="en-US" sz="1100" dirty="0" smtClean="0"/>
+              <a:t>- AGGREGATOR=SUM|AVERAGE </a:t>
+            </a:r>
+            <a:r>
+              <a:rPr lang="en-US" sz="1100" dirty="0"/>
+              <a:t>(for portfolio component, to aggregate results of all applications for the custom expression, AVERAGE by default or if erroneous format is set)</a:t>
+            </a:r>
+            <a:endParaRPr lang="en-US" sz="1100" dirty="0"/>
+          </a:p>
+        </p:txBody>
+      </p:sp>
+      <p:sp>
+        <p:nvSpPr>
+          <p:cNvPr id="12" name="TextBox 11"/>
+          <p:cNvSpPr txBox="1"/>
+          <p:nvPr/>
+        </p:nvSpPr>
+        <p:spPr>
+          <a:xfrm>
+            <a:off x="1663804" y="1619508"/>
+            <a:ext cx="1107996" cy="369332"/>
+          </a:xfrm>
+          <a:prstGeom prst="rect">
+            <a:avLst/>
+          </a:prstGeom>
+          <a:noFill/>
+        </p:spPr>
+        <p:txBody>
+          <a:bodyPr wrap="none" rtlCol="0">
+            <a:spAutoFit/>
+          </a:bodyPr>
+          <a:lstStyle>
+            <a:defPPr>
+              <a:defRPr lang="fr-FR"/>
+            </a:defPPr>
+            <a:lvl1pPr algn="r">
+              <a:defRPr sz="2000">
+                <a:solidFill>
+                  <a:schemeClr val="bg1">
+                    <a:lumMod val="50000"/>
+                  </a:schemeClr>
+                </a:solidFill>
+              </a:defRPr>
+            </a:lvl1pPr>
+          </a:lstStyle>
+          <a:p>
+            <a:r>
+              <a:rPr lang="en-US" sz="1800" dirty="0" smtClean="0"/>
+              <a:t>Options :</a:t>
+            </a:r>
+            <a:endParaRPr lang="en-US" sz="1800" dirty="0"/>
+          </a:p>
+        </p:txBody>
+      </p:sp>
+      <p:sp>
+        <p:nvSpPr>
+          <p:cNvPr id="13" name="Rounded Rectangle 12"/>
+          <p:cNvSpPr/>
+          <p:nvPr/>
+        </p:nvSpPr>
+        <p:spPr>
+          <a:xfrm>
+            <a:off x="2809636" y="3302205"/>
+            <a:ext cx="3634572" cy="393949"/>
+          </a:xfrm>
+          <a:prstGeom prst="roundRect">
+            <a:avLst>
+              <a:gd name="adj" fmla="val 4881"/>
+            </a:avLst>
+          </a:prstGeom>
+          <a:solidFill>
+            <a:schemeClr val="bg1">
+              <a:lumMod val="75000"/>
+              <a:alpha val="45000"/>
+            </a:schemeClr>
+          </a:solidFill>
+          <a:ln>
+            <a:noFill/>
+          </a:ln>
+          <a:effectLst/>
+        </p:spPr>
+        <p:style>
+          <a:lnRef idx="1">
+            <a:schemeClr val="accent5"/>
+          </a:lnRef>
+          <a:fillRef idx="3">
+            <a:schemeClr val="accent5"/>
+          </a:fillRef>
+          <a:effectRef idx="2">
+            <a:schemeClr val="accent5"/>
+          </a:effectRef>
+          <a:fontRef idx="minor">
+            <a:schemeClr val="lt1"/>
+          </a:fontRef>
+        </p:style>
+        <p:txBody>
+          <a:bodyPr rtlCol="0" anchor="ctr"/>
+          <a:lstStyle/>
+          <a:p>
+            <a:pPr algn="ctr"/>
+            <a:endParaRPr lang="en-US" dirty="0"/>
+          </a:p>
+        </p:txBody>
+      </p:sp>
+      <p:sp>
+        <p:nvSpPr>
+          <p:cNvPr id="14" name="TextBox 13" descr="TEXT;PF_CUSTOM_EXPRESSION;PARAMS=SZ a SZ b,EXPR = a/b,a=67011, b=67211,FORMAT=N0,AGGREGATOR=SUM"/>
+          <p:cNvSpPr txBox="1"/>
+          <p:nvPr/>
+        </p:nvSpPr>
+        <p:spPr>
+          <a:xfrm>
+            <a:off x="2808529" y="3284984"/>
+            <a:ext cx="3844118" cy="400110"/>
+          </a:xfrm>
+          <a:prstGeom prst="rect">
+            <a:avLst/>
+          </a:prstGeom>
+          <a:noFill/>
+        </p:spPr>
+        <p:txBody>
+          <a:bodyPr wrap="square" rtlCol="0">
+            <a:normAutofit/>
+          </a:bodyPr>
+          <a:lstStyle>
+            <a:defPPr>
+              <a:defRPr lang="fr-FR"/>
+            </a:defPPr>
+            <a:lvl1pPr>
+              <a:defRPr sz="2000" b="1">
+                <a:solidFill>
+                  <a:schemeClr val="bg1">
+                    <a:lumMod val="50000"/>
+                  </a:schemeClr>
+                </a:solidFill>
+              </a:defRPr>
+            </a:lvl1pPr>
+          </a:lstStyle>
+          <a:p>
+            <a:r>
+              <a:rPr lang="en-US" dirty="0" smtClean="0"/>
+              <a:t>Value</a:t>
+            </a:r>
+            <a:endParaRPr lang="en-US" dirty="0"/>
+          </a:p>
+        </p:txBody>
+      </p:sp>
+      <p:sp>
+        <p:nvSpPr>
+          <p:cNvPr id="34" name="TextBox 33"/>
+          <p:cNvSpPr txBox="1"/>
+          <p:nvPr/>
+        </p:nvSpPr>
+        <p:spPr>
+          <a:xfrm>
+            <a:off x="1828111" y="3863690"/>
+            <a:ext cx="4824536" cy="1954381"/>
+          </a:xfrm>
+          <a:prstGeom prst="rect">
+            <a:avLst/>
+          </a:prstGeom>
+          <a:noFill/>
+        </p:spPr>
+        <p:txBody>
+          <a:bodyPr wrap="square" rtlCol="0">
+            <a:spAutoFit/>
+          </a:bodyPr>
+          <a:lstStyle>
+            <a:defPPr>
+              <a:defRPr lang="fr-FR"/>
+            </a:defPPr>
+            <a:lvl1pPr>
+              <a:defRPr sz="2000" i="1">
+                <a:solidFill>
+                  <a:schemeClr val="bg1">
+                    <a:lumMod val="50000"/>
+                  </a:schemeClr>
+                </a:solidFill>
+              </a:defRPr>
+            </a:lvl1pPr>
+          </a:lstStyle>
+          <a:p>
+            <a:r>
+              <a:rPr lang="en-GB" sz="1100" dirty="0"/>
+              <a:t>you could have as number of parameters as you want (</a:t>
+            </a:r>
+            <a:r>
+              <a:rPr lang="en-GB" sz="1100" dirty="0" err="1"/>
+              <a:t>theorical</a:t>
+            </a:r>
+            <a:r>
+              <a:rPr lang="en-GB" sz="1100" dirty="0"/>
+              <a:t> limit is 16383 !!)</a:t>
+            </a:r>
+            <a:endParaRPr lang="en-US" sz="1100" dirty="0"/>
+          </a:p>
+          <a:p>
+            <a:r>
+              <a:rPr lang="en-GB" sz="1100" dirty="0" err="1"/>
+              <a:t>cf</a:t>
+            </a:r>
+            <a:r>
+              <a:rPr lang="en-GB" sz="1100" dirty="0"/>
+              <a:t> https://msdn.microsoft.com/en-us/library/dwhawy9k.aspx for the format</a:t>
+            </a:r>
+            <a:endParaRPr lang="en-US" sz="1100" dirty="0"/>
+          </a:p>
+          <a:p>
+            <a:r>
+              <a:rPr lang="en-GB" sz="1100" dirty="0"/>
+              <a:t>(examples for double https://msdn.microsoft.com/en-us/library/kfsatb94.aspx)</a:t>
+            </a:r>
+            <a:endParaRPr lang="en-US" sz="1100" dirty="0"/>
+          </a:p>
+          <a:p>
+            <a:r>
+              <a:rPr lang="en-GB" sz="1100" dirty="0"/>
+              <a:t>only N format is interesting here :</a:t>
+            </a:r>
+            <a:endParaRPr lang="en-US" sz="1100" dirty="0"/>
+          </a:p>
+          <a:p>
+            <a:r>
+              <a:rPr lang="en-GB" sz="1100" dirty="0"/>
+              <a:t>N: -195,489,100.84</a:t>
+            </a:r>
+            <a:endParaRPr lang="en-US" sz="1100" dirty="0"/>
+          </a:p>
+          <a:p>
+            <a:r>
+              <a:rPr lang="en-GB" sz="1100" dirty="0"/>
+              <a:t>N0: -195,489,101</a:t>
+            </a:r>
+            <a:endParaRPr lang="en-US" sz="1100" dirty="0"/>
+          </a:p>
+          <a:p>
+            <a:r>
+              <a:rPr lang="en-GB" sz="1100" dirty="0"/>
+              <a:t>N1: -195,489,100.8</a:t>
+            </a:r>
+            <a:endParaRPr lang="en-US" sz="1100" dirty="0"/>
+          </a:p>
+          <a:p>
+            <a:r>
+              <a:rPr lang="en-GB" sz="1100" dirty="0"/>
+              <a:t>N2: -195,489,100.84</a:t>
+            </a:r>
+            <a:endParaRPr lang="en-US" sz="1100" dirty="0"/>
+          </a:p>
+          <a:p>
+            <a:r>
+              <a:rPr lang="en-GB" sz="1100" dirty="0"/>
+              <a:t>N3: -195,489,100.838</a:t>
+            </a:r>
+            <a:endParaRPr lang="en-US" sz="1100" dirty="0"/>
+          </a:p>
+        </p:txBody>
+      </p:sp>
     </p:spTree>
+    <p:extLst>
+      <p:ext uri="{BB962C8B-B14F-4D97-AF65-F5344CB8AC3E}">
+        <p14:creationId xmlns:p14="http://schemas.microsoft.com/office/powerpoint/2010/main" val="2392893736"/>
+      </p:ext>
+    </p:extLst>
   </p:cSld>
   <p:clrMapOvr>
     <a:masterClrMapping/>
   </p:clrMapOvr>
-  <p:timing>
-    <p:tnLst>
-      <p:par>
-        <p:cTn id="1" dur="indefinite" restart="never" nodeType="tmRoot"/>
-      </p:par>
-    </p:tnLst>
-  </p:timing>
 </p:sld>
 </file>
 
@@ -21972,80 +22533,47 @@
       </p:grpSpPr>
       <p:sp>
         <p:nvSpPr>
-          <p:cNvPr id="2" name="Title 1"/>
+          <p:cNvPr id="11" name="Subtitle 10"/>
           <p:cNvSpPr>
             <a:spLocks noGrp="1"/>
           </p:cNvSpPr>
           <p:nvPr>
-            <p:ph type="title"/>
+            <p:ph type="subTitle" idx="1"/>
           </p:nvPr>
         </p:nvSpPr>
         <p:spPr/>
         <p:txBody>
-          <a:bodyPr>
-            <a:normAutofit/>
-          </a:bodyPr>
+          <a:bodyPr/>
           <a:lstStyle/>
           <a:p>
             <a:r>
-              <a:rPr lang="fr-FR" dirty="0" smtClean="0"/>
-              <a:t>PowerPoint Templates – Graphics [1]</a:t>
-            </a:r>
-            <a:endParaRPr lang="fr-FR" dirty="0"/>
-          </a:p>
-        </p:txBody>
-      </p:sp>
-      <p:sp>
-        <p:nvSpPr>
-          <p:cNvPr id="78" name="Content Placeholder 77"/>
+              <a:rPr lang="en-US" dirty="0" smtClean="0"/>
+              <a:t>Graphic Templates</a:t>
+            </a:r>
+            <a:endParaRPr lang="en-US" dirty="0"/>
+          </a:p>
+        </p:txBody>
+      </p:sp>
+      <p:sp>
+        <p:nvSpPr>
+          <p:cNvPr id="10" name="Title 9"/>
           <p:cNvSpPr>
             <a:spLocks noGrp="1"/>
           </p:cNvSpPr>
           <p:nvPr>
-            <p:ph type="body" sz="quarter" idx="11"/>
+            <p:ph type="ctrTitle" sz="quarter"/>
           </p:nvPr>
         </p:nvSpPr>
-        <p:spPr>
-          <a:xfrm>
-            <a:off x="325438" y="907126"/>
-            <a:ext cx="8504237" cy="1749197"/>
-          </a:xfrm>
-        </p:spPr>
+        <p:spPr/>
         <p:txBody>
           <a:bodyPr/>
           <a:lstStyle/>
           <a:p>
             <a:r>
-              <a:rPr lang="fr-FR" sz="2400" dirty="0" smtClean="0"/>
-              <a:t>This kind of template is identified by a type value as</a:t>
-            </a:r>
-            <a:br>
-              <a:rPr lang="fr-FR" sz="2400" dirty="0" smtClean="0"/>
-            </a:br>
-            <a:r>
-              <a:rPr lang="fr-FR" sz="2400" dirty="0" smtClean="0"/>
-              <a:t>			</a:t>
-            </a:r>
-          </a:p>
-          <a:p>
-            <a:pPr marL="0" indent="0">
-              <a:buNone/>
-            </a:pPr>
-            <a:r>
-              <a:rPr lang="fr-FR" sz="2400" dirty="0"/>
-              <a:t>	</a:t>
-            </a:r>
-            <a:r>
-              <a:rPr lang="fr-FR" sz="2400" dirty="0" smtClean="0"/>
-              <a:t>		Type = </a:t>
-            </a:r>
-            <a:r>
-              <a:rPr lang="fr-FR" sz="2400" b="1" dirty="0" smtClean="0"/>
-              <a:t>GRAPH</a:t>
-            </a:r>
-          </a:p>
-          <a:p>
-            <a:endParaRPr lang="fr-FR" sz="2400" b="1" dirty="0" smtClean="0"/>
+              <a:rPr lang="en-US" dirty="0" smtClean="0"/>
+              <a:t>PowerPoint Templates</a:t>
+            </a:r>
+            <a:endParaRPr lang="en-US" dirty="0"/>
           </a:p>
         </p:txBody>
       </p:sp>
@@ -22065,6 +22593,117 @@
 </file>
 
 <file path=ppt/slides/slide14.xml><?xml version="1.0" encoding="utf-8"?>
+<p:sld xmlns:a="http://schemas.openxmlformats.org/drawingml/2006/main" xmlns:r="http://schemas.openxmlformats.org/officeDocument/2006/relationships" xmlns:p="http://schemas.openxmlformats.org/presentationml/2006/main">
+  <p:cSld>
+    <p:spTree>
+      <p:nvGrpSpPr>
+        <p:cNvPr id="1" name=""/>
+        <p:cNvGrpSpPr/>
+        <p:nvPr/>
+      </p:nvGrpSpPr>
+      <p:grpSpPr>
+        <a:xfrm>
+          <a:off x="0" y="0"/>
+          <a:ext cx="0" cy="0"/>
+          <a:chOff x="0" y="0"/>
+          <a:chExt cx="0" cy="0"/>
+        </a:xfrm>
+      </p:grpSpPr>
+      <p:sp>
+        <p:nvSpPr>
+          <p:cNvPr id="2" name="Title 1"/>
+          <p:cNvSpPr>
+            <a:spLocks noGrp="1"/>
+          </p:cNvSpPr>
+          <p:nvPr>
+            <p:ph type="title"/>
+          </p:nvPr>
+        </p:nvSpPr>
+        <p:spPr/>
+        <p:txBody>
+          <a:bodyPr>
+            <a:normAutofit/>
+          </a:bodyPr>
+          <a:lstStyle/>
+          <a:p>
+            <a:r>
+              <a:rPr lang="fr-FR" dirty="0" smtClean="0"/>
+              <a:t>PowerPoint Templates – Graphics [1]</a:t>
+            </a:r>
+            <a:endParaRPr lang="fr-FR" dirty="0"/>
+          </a:p>
+        </p:txBody>
+      </p:sp>
+      <p:sp>
+        <p:nvSpPr>
+          <p:cNvPr id="78" name="Content Placeholder 77"/>
+          <p:cNvSpPr>
+            <a:spLocks noGrp="1"/>
+          </p:cNvSpPr>
+          <p:nvPr>
+            <p:ph type="body" sz="quarter" idx="11"/>
+          </p:nvPr>
+        </p:nvSpPr>
+        <p:spPr>
+          <a:xfrm>
+            <a:off x="325438" y="907126"/>
+            <a:ext cx="8504237" cy="1749197"/>
+          </a:xfrm>
+        </p:spPr>
+        <p:txBody>
+          <a:bodyPr/>
+          <a:lstStyle/>
+          <a:p>
+            <a:r>
+              <a:rPr lang="fr-FR" sz="2400" dirty="0" smtClean="0"/>
+              <a:t>This kind of template is identified by a type value as</a:t>
+            </a:r>
+            <a:br>
+              <a:rPr lang="fr-FR" sz="2400" dirty="0" smtClean="0"/>
+            </a:br>
+            <a:r>
+              <a:rPr lang="fr-FR" sz="2400" dirty="0" smtClean="0"/>
+              <a:t>			</a:t>
+            </a:r>
+          </a:p>
+          <a:p>
+            <a:pPr marL="0" indent="0">
+              <a:buNone/>
+            </a:pPr>
+            <a:r>
+              <a:rPr lang="fr-FR" sz="2400" dirty="0"/>
+              <a:t>	</a:t>
+            </a:r>
+            <a:r>
+              <a:rPr lang="fr-FR" sz="2400" dirty="0" smtClean="0"/>
+              <a:t>		Type = </a:t>
+            </a:r>
+            <a:r>
+              <a:rPr lang="fr-FR" sz="2400" b="1" dirty="0" smtClean="0"/>
+              <a:t>GRAPH</a:t>
+            </a:r>
+          </a:p>
+          <a:p>
+            <a:endParaRPr lang="fr-FR" sz="2400" b="1" dirty="0" smtClean="0"/>
+          </a:p>
+        </p:txBody>
+      </p:sp>
+    </p:spTree>
+  </p:cSld>
+  <p:clrMapOvr>
+    <a:masterClrMapping/>
+  </p:clrMapOvr>
+  <p:timing>
+    <p:tnLst>
+      <p:par>
+        <p:cTn id="1" dur="indefinite" restart="never" nodeType="tmRoot"/>
+      </p:par>
+    </p:tnLst>
+  </p:timing>
+</p:sld>
+</file>
+
+<file path=ppt/slides/slide15.xml><?xml version="1.0" encoding="utf-8"?>
 <p:sld xmlns:a="http://schemas.openxmlformats.org/drawingml/2006/main" xmlns:r="http://schemas.openxmlformats.org/officeDocument/2006/relationships" xmlns:p="http://schemas.openxmlformats.org/presentationml/2006/main">
   <p:cSld>
     <p:spTree>
@@ -22496,7 +23135,7 @@
 </p:sld>
 </file>
 
-<file path=ppt/slides/slide15.xml><?xml version="1.0" encoding="utf-8"?>
+<file path=ppt/slides/slide16.xml><?xml version="1.0" encoding="utf-8"?>
 <p:sld xmlns:a="http://schemas.openxmlformats.org/drawingml/2006/main" xmlns:r="http://schemas.openxmlformats.org/officeDocument/2006/relationships" xmlns:p="http://schemas.openxmlformats.org/presentationml/2006/main">
   <p:cSld>
     <p:spTree>
@@ -22937,7 +23576,7 @@
 </p:sld>
 </file>
 
-<file path=ppt/slides/slide16.xml><?xml version="1.0" encoding="utf-8"?>
+<file path=ppt/slides/slide17.xml><?xml version="1.0" encoding="utf-8"?>
 <p:sld xmlns:a="http://schemas.openxmlformats.org/drawingml/2006/main" xmlns:r="http://schemas.openxmlformats.org/officeDocument/2006/relationships" xmlns:p="http://schemas.openxmlformats.org/presentationml/2006/main">
   <p:cSld>
     <p:spTree>
@@ -23386,84 +24025,6 @@
 </p:sld>
 </file>
 
-<file path=ppt/slides/slide17.xml><?xml version="1.0" encoding="utf-8"?>
-<p:sld xmlns:a="http://schemas.openxmlformats.org/drawingml/2006/main" xmlns:r="http://schemas.openxmlformats.org/officeDocument/2006/relationships" xmlns:p="http://schemas.openxmlformats.org/presentationml/2006/main">
-  <p:cSld>
-    <p:spTree>
-      <p:nvGrpSpPr>
-        <p:cNvPr id="1" name=""/>
-        <p:cNvGrpSpPr/>
-        <p:nvPr/>
-      </p:nvGrpSpPr>
-      <p:grpSpPr>
-        <a:xfrm>
-          <a:off x="0" y="0"/>
-          <a:ext cx="0" cy="0"/>
-          <a:chOff x="0" y="0"/>
-          <a:chExt cx="0" cy="0"/>
-        </a:xfrm>
-      </p:grpSpPr>
-      <p:sp>
-        <p:nvSpPr>
-          <p:cNvPr id="11" name="Subtitle 10"/>
-          <p:cNvSpPr>
-            <a:spLocks noGrp="1"/>
-          </p:cNvSpPr>
-          <p:nvPr>
-            <p:ph type="subTitle" idx="1"/>
-          </p:nvPr>
-        </p:nvSpPr>
-        <p:spPr/>
-        <p:txBody>
-          <a:bodyPr/>
-          <a:lstStyle/>
-          <a:p>
-            <a:r>
-              <a:rPr lang="en-US" dirty="0" smtClean="0"/>
-              <a:t>Table Templates</a:t>
-            </a:r>
-            <a:endParaRPr lang="en-US" dirty="0"/>
-          </a:p>
-        </p:txBody>
-      </p:sp>
-      <p:sp>
-        <p:nvSpPr>
-          <p:cNvPr id="10" name="Title 9"/>
-          <p:cNvSpPr>
-            <a:spLocks noGrp="1"/>
-          </p:cNvSpPr>
-          <p:nvPr>
-            <p:ph type="ctrTitle" sz="quarter"/>
-          </p:nvPr>
-        </p:nvSpPr>
-        <p:spPr/>
-        <p:txBody>
-          <a:bodyPr/>
-          <a:lstStyle/>
-          <a:p>
-            <a:r>
-              <a:rPr lang="en-US" dirty="0" smtClean="0"/>
-              <a:t>PowerPoint Templates</a:t>
-            </a:r>
-            <a:endParaRPr lang="en-US" dirty="0"/>
-          </a:p>
-        </p:txBody>
-      </p:sp>
-    </p:spTree>
-  </p:cSld>
-  <p:clrMapOvr>
-    <a:masterClrMapping/>
-  </p:clrMapOvr>
-  <p:timing>
-    <p:tnLst>
-      <p:par>
-        <p:cTn id="1" dur="indefinite" restart="never" nodeType="tmRoot"/>
-      </p:par>
-    </p:tnLst>
-  </p:timing>
-</p:sld>
-</file>
-
 <file path=ppt/slides/slide18.xml><?xml version="1.0" encoding="utf-8"?>
 <p:sld xmlns:a="http://schemas.openxmlformats.org/drawingml/2006/main" xmlns:r="http://schemas.openxmlformats.org/officeDocument/2006/relationships" xmlns:p="http://schemas.openxmlformats.org/presentationml/2006/main">
   <p:cSld>
@@ -23483,85 +24044,47 @@
       </p:grpSpPr>
       <p:sp>
         <p:nvSpPr>
-          <p:cNvPr id="2" name="Title 1"/>
+          <p:cNvPr id="11" name="Subtitle 10"/>
           <p:cNvSpPr>
             <a:spLocks noGrp="1"/>
           </p:cNvSpPr>
           <p:nvPr>
-            <p:ph type="title"/>
+            <p:ph type="subTitle" idx="1"/>
           </p:nvPr>
         </p:nvSpPr>
         <p:spPr/>
         <p:txBody>
-          <a:bodyPr>
-            <a:normAutofit/>
-          </a:bodyPr>
+          <a:bodyPr/>
           <a:lstStyle/>
           <a:p>
             <a:r>
-              <a:rPr lang="fr-FR" dirty="0" smtClean="0"/>
-              <a:t>PowerPoint Templates – Tables [1]</a:t>
-            </a:r>
-            <a:endParaRPr lang="fr-FR" dirty="0"/>
-          </a:p>
-        </p:txBody>
-      </p:sp>
-      <p:sp>
-        <p:nvSpPr>
-          <p:cNvPr id="78" name="Content Placeholder 77"/>
+              <a:rPr lang="en-US" dirty="0" smtClean="0"/>
+              <a:t>Table Templates</a:t>
+            </a:r>
+            <a:endParaRPr lang="en-US" dirty="0"/>
+          </a:p>
+        </p:txBody>
+      </p:sp>
+      <p:sp>
+        <p:nvSpPr>
+          <p:cNvPr id="10" name="Title 9"/>
           <p:cNvSpPr>
             <a:spLocks noGrp="1"/>
           </p:cNvSpPr>
           <p:nvPr>
-            <p:ph type="body" sz="quarter" idx="11"/>
+            <p:ph type="ctrTitle" sz="quarter"/>
           </p:nvPr>
         </p:nvSpPr>
-        <p:spPr>
-          <a:xfrm>
-            <a:off x="325438" y="907126"/>
-            <a:ext cx="8504237" cy="2208297"/>
-          </a:xfrm>
-        </p:spPr>
+        <p:spPr/>
         <p:txBody>
           <a:bodyPr/>
           <a:lstStyle/>
           <a:p>
             <a:r>
-              <a:rPr lang="fr-FR" sz="2400" dirty="0" smtClean="0"/>
-              <a:t>This kind of template is identified by a type value as</a:t>
-            </a:r>
-            <a:br>
-              <a:rPr lang="fr-FR" sz="2400" dirty="0" smtClean="0"/>
-            </a:br>
-            <a:r>
-              <a:rPr lang="fr-FR" sz="2400" dirty="0" smtClean="0"/>
-              <a:t>			</a:t>
-            </a:r>
-          </a:p>
-          <a:p>
-            <a:pPr marL="0" indent="0">
-              <a:buNone/>
-            </a:pPr>
-            <a:r>
-              <a:rPr lang="fr-FR" sz="2400" dirty="0" smtClean="0"/>
-              <a:t>			Type = </a:t>
-            </a:r>
-            <a:r>
-              <a:rPr lang="fr-FR" sz="2400" b="1" dirty="0" smtClean="0"/>
-              <a:t>TABLE</a:t>
-            </a:r>
-          </a:p>
-          <a:p>
-            <a:pPr marL="0" indent="0">
-              <a:buNone/>
-            </a:pPr>
-            <a:endParaRPr lang="fr-FR" sz="2400" b="1" dirty="0" smtClean="0"/>
-          </a:p>
-          <a:p>
-            <a:pPr marL="0" indent="0">
-              <a:buNone/>
-            </a:pPr>
-            <a:endParaRPr lang="fr-FR" sz="2400" b="1" dirty="0" smtClean="0"/>
+              <a:rPr lang="en-US" dirty="0" smtClean="0"/>
+              <a:t>PowerPoint Templates</a:t>
+            </a:r>
+            <a:endParaRPr lang="en-US" dirty="0"/>
           </a:p>
         </p:txBody>
       </p:sp>
@@ -23581,6 +24104,212 @@
 </file>
 
 <file path=ppt/slides/slide19.xml><?xml version="1.0" encoding="utf-8"?>
+<p:sld xmlns:a="http://schemas.openxmlformats.org/drawingml/2006/main" xmlns:r="http://schemas.openxmlformats.org/officeDocument/2006/relationships" xmlns:p="http://schemas.openxmlformats.org/presentationml/2006/main">
+  <p:cSld>
+    <p:spTree>
+      <p:nvGrpSpPr>
+        <p:cNvPr id="1" name=""/>
+        <p:cNvGrpSpPr/>
+        <p:nvPr/>
+      </p:nvGrpSpPr>
+      <p:grpSpPr>
+        <a:xfrm>
+          <a:off x="0" y="0"/>
+          <a:ext cx="0" cy="0"/>
+          <a:chOff x="0" y="0"/>
+          <a:chExt cx="0" cy="0"/>
+        </a:xfrm>
+      </p:grpSpPr>
+      <p:sp>
+        <p:nvSpPr>
+          <p:cNvPr id="2" name="Title 1"/>
+          <p:cNvSpPr>
+            <a:spLocks noGrp="1"/>
+          </p:cNvSpPr>
+          <p:nvPr>
+            <p:ph type="title"/>
+          </p:nvPr>
+        </p:nvSpPr>
+        <p:spPr/>
+        <p:txBody>
+          <a:bodyPr>
+            <a:normAutofit/>
+          </a:bodyPr>
+          <a:lstStyle/>
+          <a:p>
+            <a:r>
+              <a:rPr lang="fr-FR" dirty="0" smtClean="0"/>
+              <a:t>PowerPoint Templates – Tables [1]</a:t>
+            </a:r>
+            <a:endParaRPr lang="fr-FR" dirty="0"/>
+          </a:p>
+        </p:txBody>
+      </p:sp>
+      <p:sp>
+        <p:nvSpPr>
+          <p:cNvPr id="78" name="Content Placeholder 77"/>
+          <p:cNvSpPr>
+            <a:spLocks noGrp="1"/>
+          </p:cNvSpPr>
+          <p:nvPr>
+            <p:ph type="body" sz="quarter" idx="11"/>
+          </p:nvPr>
+        </p:nvSpPr>
+        <p:spPr>
+          <a:xfrm>
+            <a:off x="325438" y="907126"/>
+            <a:ext cx="8504237" cy="2208297"/>
+          </a:xfrm>
+        </p:spPr>
+        <p:txBody>
+          <a:bodyPr/>
+          <a:lstStyle/>
+          <a:p>
+            <a:r>
+              <a:rPr lang="fr-FR" sz="2400" dirty="0" smtClean="0"/>
+              <a:t>This kind of template is identified by a type value as</a:t>
+            </a:r>
+            <a:br>
+              <a:rPr lang="fr-FR" sz="2400" dirty="0" smtClean="0"/>
+            </a:br>
+            <a:r>
+              <a:rPr lang="fr-FR" sz="2400" dirty="0" smtClean="0"/>
+              <a:t>			</a:t>
+            </a:r>
+          </a:p>
+          <a:p>
+            <a:pPr marL="0" indent="0">
+              <a:buNone/>
+            </a:pPr>
+            <a:r>
+              <a:rPr lang="fr-FR" sz="2400" dirty="0" smtClean="0"/>
+              <a:t>			Type = </a:t>
+            </a:r>
+            <a:r>
+              <a:rPr lang="fr-FR" sz="2400" b="1" dirty="0" smtClean="0"/>
+              <a:t>TABLE</a:t>
+            </a:r>
+          </a:p>
+          <a:p>
+            <a:pPr marL="0" indent="0">
+              <a:buNone/>
+            </a:pPr>
+            <a:endParaRPr lang="fr-FR" sz="2400" b="1" dirty="0" smtClean="0"/>
+          </a:p>
+          <a:p>
+            <a:pPr marL="0" indent="0">
+              <a:buNone/>
+            </a:pPr>
+            <a:endParaRPr lang="fr-FR" sz="2400" b="1" dirty="0" smtClean="0"/>
+          </a:p>
+        </p:txBody>
+      </p:sp>
+    </p:spTree>
+  </p:cSld>
+  <p:clrMapOvr>
+    <a:masterClrMapping/>
+  </p:clrMapOvr>
+  <p:timing>
+    <p:tnLst>
+      <p:par>
+        <p:cTn id="1" dur="indefinite" restart="never" nodeType="tmRoot"/>
+      </p:par>
+    </p:tnLst>
+  </p:timing>
+</p:sld>
+</file>
+
+<file path=ppt/slides/slide2.xml><?xml version="1.0" encoding="utf-8"?>
+<p:sld xmlns:a="http://schemas.openxmlformats.org/drawingml/2006/main" xmlns:r="http://schemas.openxmlformats.org/officeDocument/2006/relationships" xmlns:p="http://schemas.openxmlformats.org/presentationml/2006/main">
+  <p:cSld>
+    <p:spTree>
+      <p:nvGrpSpPr>
+        <p:cNvPr id="1" name=""/>
+        <p:cNvGrpSpPr/>
+        <p:nvPr/>
+      </p:nvGrpSpPr>
+      <p:grpSpPr>
+        <a:xfrm>
+          <a:off x="0" y="0"/>
+          <a:ext cx="0" cy="0"/>
+          <a:chOff x="0" y="0"/>
+          <a:chExt cx="0" cy="0"/>
+        </a:xfrm>
+      </p:grpSpPr>
+      <p:sp>
+        <p:nvSpPr>
+          <p:cNvPr id="2" name="Title 1"/>
+          <p:cNvSpPr>
+            <a:spLocks noGrp="1"/>
+          </p:cNvSpPr>
+          <p:nvPr>
+            <p:ph type="title"/>
+          </p:nvPr>
+        </p:nvSpPr>
+        <p:spPr/>
+        <p:txBody>
+          <a:bodyPr/>
+          <a:lstStyle/>
+          <a:p>
+            <a:r>
+              <a:rPr lang="fr-FR" dirty="0" smtClean="0"/>
+              <a:t>Powerpoint Templates</a:t>
+            </a:r>
+            <a:endParaRPr lang="fr-FR" dirty="0"/>
+          </a:p>
+        </p:txBody>
+      </p:sp>
+      <p:sp>
+        <p:nvSpPr>
+          <p:cNvPr id="3" name="Content Placeholder 2"/>
+          <p:cNvSpPr>
+            <a:spLocks noGrp="1"/>
+          </p:cNvSpPr>
+          <p:nvPr>
+            <p:ph type="body" sz="quarter" idx="11"/>
+          </p:nvPr>
+        </p:nvSpPr>
+        <p:spPr/>
+        <p:txBody>
+          <a:bodyPr/>
+          <a:lstStyle/>
+          <a:p>
+            <a:pPr algn="just"/>
+            <a:r>
+              <a:rPr lang="fr-FR" dirty="0" smtClean="0"/>
+              <a:t>When Word uses placeholder to target a customizable component, PowerPoint uses alternative text property of TextBox, Table or ChartArea</a:t>
+            </a:r>
+          </a:p>
+          <a:p>
+            <a:pPr algn="just"/>
+            <a:endParaRPr lang="fr-FR" dirty="0" smtClean="0"/>
+          </a:p>
+          <a:p>
+            <a:pPr algn="just"/>
+            <a:r>
+              <a:rPr lang="fr-FR" dirty="0" smtClean="0"/>
+              <a:t>To see alternative text property of all component, you should activate « Size and Position »  button in Powerpoint properties</a:t>
+            </a:r>
+            <a:endParaRPr lang="fr-FR" dirty="0"/>
+          </a:p>
+        </p:txBody>
+      </p:sp>
+    </p:spTree>
+  </p:cSld>
+  <p:clrMapOvr>
+    <a:masterClrMapping/>
+  </p:clrMapOvr>
+  <p:timing>
+    <p:tnLst>
+      <p:par>
+        <p:cTn id="1" dur="indefinite" restart="never" nodeType="tmRoot"/>
+      </p:par>
+    </p:tnLst>
+  </p:timing>
+</p:sld>
+</file>
+
+<file path=ppt/slides/slide20.xml><?xml version="1.0" encoding="utf-8"?>
 <p:sld xmlns:a="http://schemas.openxmlformats.org/drawingml/2006/main" xmlns:r="http://schemas.openxmlformats.org/officeDocument/2006/relationships" xmlns:p="http://schemas.openxmlformats.org/presentationml/2006/main">
   <p:cSld>
     <p:spTree>
@@ -25407,97 +26136,7 @@
 </p:sld>
 </file>
 
-<file path=ppt/slides/slide2.xml><?xml version="1.0" encoding="utf-8"?>
-<p:sld xmlns:a="http://schemas.openxmlformats.org/drawingml/2006/main" xmlns:r="http://schemas.openxmlformats.org/officeDocument/2006/relationships" xmlns:p="http://schemas.openxmlformats.org/presentationml/2006/main">
-  <p:cSld>
-    <p:spTree>
-      <p:nvGrpSpPr>
-        <p:cNvPr id="1" name=""/>
-        <p:cNvGrpSpPr/>
-        <p:nvPr/>
-      </p:nvGrpSpPr>
-      <p:grpSpPr>
-        <a:xfrm>
-          <a:off x="0" y="0"/>
-          <a:ext cx="0" cy="0"/>
-          <a:chOff x="0" y="0"/>
-          <a:chExt cx="0" cy="0"/>
-        </a:xfrm>
-      </p:grpSpPr>
-      <p:sp>
-        <p:nvSpPr>
-          <p:cNvPr id="2" name="Title 1"/>
-          <p:cNvSpPr>
-            <a:spLocks noGrp="1"/>
-          </p:cNvSpPr>
-          <p:nvPr>
-            <p:ph type="title"/>
-          </p:nvPr>
-        </p:nvSpPr>
-        <p:spPr/>
-        <p:txBody>
-          <a:bodyPr/>
-          <a:lstStyle/>
-          <a:p>
-            <a:r>
-              <a:rPr lang="fr-FR" dirty="0" smtClean="0"/>
-              <a:t>Powerpoint Templates</a:t>
-            </a:r>
-            <a:endParaRPr lang="fr-FR" dirty="0"/>
-          </a:p>
-        </p:txBody>
-      </p:sp>
-      <p:sp>
-        <p:nvSpPr>
-          <p:cNvPr id="3" name="Content Placeholder 2"/>
-          <p:cNvSpPr>
-            <a:spLocks noGrp="1"/>
-          </p:cNvSpPr>
-          <p:nvPr>
-            <p:ph type="body" sz="quarter" idx="11"/>
-          </p:nvPr>
-        </p:nvSpPr>
-        <p:spPr/>
-        <p:txBody>
-          <a:bodyPr/>
-          <a:lstStyle/>
-          <a:p>
-            <a:pPr algn="just"/>
-            <a:r>
-              <a:rPr lang="fr-FR" dirty="0" smtClean="0"/>
-              <a:t>When Word uses placeholder to target a customizable component, PowerPoint uses alternative text property of TextBox, Table or ChartArea</a:t>
-            </a:r>
-          </a:p>
-          <a:p>
-            <a:pPr algn="just"/>
-            <a:endParaRPr lang="fr-FR" dirty="0" smtClean="0"/>
-          </a:p>
-          <a:p>
-            <a:pPr algn="just"/>
-            <a:r>
-              <a:rPr lang="fr-FR" dirty="0" smtClean="0"/>
-              <a:t>To see alternative text property of all component, you should activate « Size and Position »  button in Powerpoint properties</a:t>
-            </a:r>
-            <a:endParaRPr lang="fr-FR" dirty="0"/>
-          </a:p>
-        </p:txBody>
-      </p:sp>
-    </p:spTree>
-  </p:cSld>
-  <p:clrMapOvr>
-    <a:masterClrMapping/>
-  </p:clrMapOvr>
-  <p:timing>
-    <p:tnLst>
-      <p:par>
-        <p:cTn id="1" dur="indefinite" restart="never" nodeType="tmRoot"/>
-      </p:par>
-    </p:tnLst>
-  </p:timing>
-</p:sld>
-</file>
-
-<file path=ppt/slides/slide20.xml><?xml version="1.0" encoding="utf-8"?>
+<file path=ppt/slides/slide21.xml><?xml version="1.0" encoding="utf-8"?>
 <p:sld xmlns:a="http://schemas.openxmlformats.org/drawingml/2006/main" xmlns:r="http://schemas.openxmlformats.org/officeDocument/2006/relationships" xmlns:p="http://schemas.openxmlformats.org/presentationml/2006/main">
   <p:cSld>
     <p:spTree>
@@ -27663,7 +28302,7 @@
 </p:sld>
 </file>
 
-<file path=ppt/slides/slide21.xml><?xml version="1.0" encoding="utf-8"?>
+<file path=ppt/slides/slide22.xml><?xml version="1.0" encoding="utf-8"?>
 <p:sld xmlns:a="http://schemas.openxmlformats.org/drawingml/2006/main" xmlns:r="http://schemas.openxmlformats.org/officeDocument/2006/relationships" xmlns:p="http://schemas.openxmlformats.org/presentationml/2006/main">
   <p:cSld>
     <p:spTree>
@@ -28806,7 +29445,7 @@
 </p:sld>
 </file>
 
-<file path=ppt/slides/slide22.xml><?xml version="1.0" encoding="utf-8"?>
+<file path=ppt/slides/slide23.xml><?xml version="1.0" encoding="utf-8"?>
 <p:sld xmlns:a="http://schemas.openxmlformats.org/drawingml/2006/main" xmlns:r="http://schemas.openxmlformats.org/officeDocument/2006/relationships" xmlns:p="http://schemas.openxmlformats.org/presentationml/2006/main">
   <p:cSld>
     <p:spTree>
@@ -28857,7 +29496,7 @@
                   <a:prstClr val="black"/>
                 </a:buClr>
               </a:pPr>
-              <a:t>22</a:t>
+              <a:t>23</a:t>
             </a:fld>
             <a:endParaRPr lang="en-US" dirty="0">
               <a:solidFill>

--- a/CastReporting.Reporting/PortfolioTemplatesFiles/1- Portfolio-Powerpoint-components-library.pptx
+++ b/CastReporting.Reporting/PortfolioTemplatesFiles/1- Portfolio-Powerpoint-components-library.pptx
@@ -330,11 +330,11 @@
         </c:dLbls>
         <c:gapWidth val="150"/>
         <c:overlap val="100"/>
-        <c:axId val="348383072"/>
-        <c:axId val="348385032"/>
+        <c:axId val="431822856"/>
+        <c:axId val="431812664"/>
       </c:barChart>
       <c:catAx>
-        <c:axId val="348383072"/>
+        <c:axId val="431822856"/>
         <c:scaling>
           <c:orientation val="minMax"/>
         </c:scaling>
@@ -353,7 +353,7 @@
             </a:solidFill>
           </a:ln>
         </c:spPr>
-        <c:crossAx val="348385032"/>
+        <c:crossAx val="431812664"/>
         <c:crosses val="autoZero"/>
         <c:auto val="0"/>
         <c:lblAlgn val="ctr"/>
@@ -361,7 +361,7 @@
         <c:noMultiLvlLbl val="1"/>
       </c:catAx>
       <c:valAx>
-        <c:axId val="348385032"/>
+        <c:axId val="431812664"/>
         <c:scaling>
           <c:orientation val="minMax"/>
         </c:scaling>
@@ -381,7 +381,7 @@
             </a:solidFill>
           </a:ln>
         </c:spPr>
-        <c:crossAx val="348383072"/>
+        <c:crossAx val="431822856"/>
         <c:crosses val="autoZero"/>
         <c:crossBetween val="between"/>
       </c:valAx>
@@ -597,11 +597,11 @@
         </c:dLbls>
         <c:gapWidth val="150"/>
         <c:overlap val="100"/>
-        <c:axId val="348384248"/>
-        <c:axId val="236237000"/>
+        <c:axId val="431818544"/>
+        <c:axId val="431818936"/>
       </c:barChart>
       <c:catAx>
-        <c:axId val="348384248"/>
+        <c:axId val="431818544"/>
         <c:scaling>
           <c:orientation val="minMax"/>
         </c:scaling>
@@ -620,7 +620,7 @@
             </a:solidFill>
           </a:ln>
         </c:spPr>
-        <c:crossAx val="236237000"/>
+        <c:crossAx val="431818936"/>
         <c:crosses val="autoZero"/>
         <c:auto val="0"/>
         <c:lblAlgn val="ctr"/>
@@ -628,7 +628,7 @@
         <c:noMultiLvlLbl val="1"/>
       </c:catAx>
       <c:valAx>
-        <c:axId val="236237000"/>
+        <c:axId val="431818936"/>
         <c:scaling>
           <c:orientation val="minMax"/>
         </c:scaling>
@@ -648,7 +648,7 @@
             </a:solidFill>
           </a:ln>
         </c:spPr>
-        <c:crossAx val="348384248"/>
+        <c:crossAx val="431818544"/>
         <c:crosses val="autoZero"/>
         <c:crossBetween val="between"/>
       </c:valAx>
@@ -1433,8 +1433,8 @@
         <c:bubbleScale val="100"/>
         <c:showNegBubbles val="0"/>
         <c:sizeRepresents val="w"/>
-        <c:axId val="327138488"/>
-        <c:axId val="327133392"/>
+        <c:axId val="431813840"/>
+        <c:axId val="431814232"/>
         <c:extLst>
           <c:ext xmlns:c15="http://schemas.microsoft.com/office/drawing/2012/chart" uri="{02D57815-91ED-43cb-92C2-25804820EDAC}">
             <c15:filteredBubbleSeries>
@@ -1624,7 +1624,7 @@
         </c:extLst>
       </c:bubbleChart>
       <c:valAx>
-        <c:axId val="327138488"/>
+        <c:axId val="431813840"/>
         <c:scaling>
           <c:orientation val="minMax"/>
           <c:max val="4"/>
@@ -1709,13 +1709,13 @@
             <a:endParaRPr lang="en-US"/>
           </a:p>
         </c:txPr>
-        <c:crossAx val="327133392"/>
+        <c:crossAx val="431814232"/>
         <c:crosses val="autoZero"/>
         <c:crossBetween val="midCat"/>
         <c:minorUnit val="0.25"/>
       </c:valAx>
       <c:valAx>
-        <c:axId val="327133392"/>
+        <c:axId val="431814232"/>
         <c:scaling>
           <c:orientation val="minMax"/>
           <c:min val="0"/>
@@ -1799,7 +1799,7 @@
             <a:endParaRPr lang="en-US"/>
           </a:p>
         </c:txPr>
-        <c:crossAx val="327138488"/>
+        <c:crossAx val="431813840"/>
         <c:crosses val="autoZero"/>
         <c:crossBetween val="midCat"/>
       </c:valAx>
@@ -21921,11 +21921,7 @@
           <a:p>
             <a:r>
               <a:rPr lang="en-US" dirty="0" smtClean="0"/>
-              <a:t>PowerPoint Templates – Text </a:t>
-            </a:r>
-            <a:r>
-              <a:rPr lang="en-US" dirty="0" smtClean="0"/>
-              <a:t>[4]</a:t>
+              <a:t>PowerPoint Templates – Text [4]</a:t>
             </a:r>
             <a:endParaRPr lang="en-US" dirty="0"/>
           </a:p>
@@ -22250,7 +22246,6 @@
               <a:rPr lang="en-US" sz="1100" dirty="0"/>
               <a:t>(for portfolio component, to aggregate results of all applications for the custom expression, AVERAGE by default or if erroneous format is set)</a:t>
             </a:r>
-            <a:endParaRPr lang="en-US" sz="1100" dirty="0"/>
           </a:p>
         </p:txBody>
       </p:sp>
@@ -22349,7 +22344,7 @@
       </p:sp>
       <p:sp>
         <p:nvSpPr>
-          <p:cNvPr id="14" name="TextBox 13" descr="TEXT;PF_CUSTOM_EXPRESSION;PARAMS=SZ a SZ b,EXPR = a/b,a=67011, b=67211,FORMAT=N0,AGGREGATOR=SUM"/>
+          <p:cNvPr id="14" name="TextBox 13" descr="TEXT;PF_CUSTOM_EXPRESSION;PARAMS=SZ a SZ b,EXPR = a/b,a=67010, b=67011,FORMAT=N0,AGGREGATOR=SUM"/>
           <p:cNvSpPr txBox="1"/>
           <p:nvPr/>
         </p:nvSpPr>

--- a/CastReporting.Reporting/PortfolioTemplatesFiles/1- Portfolio-Powerpoint-components-library.pptx
+++ b/CastReporting.Reporting/PortfolioTemplatesFiles/1- Portfolio-Powerpoint-components-library.pptx
@@ -330,11 +330,11 @@
         </c:dLbls>
         <c:gapWidth val="150"/>
         <c:overlap val="100"/>
-        <c:axId val="431822856"/>
-        <c:axId val="431812664"/>
+        <c:axId val="249590528"/>
+        <c:axId val="249592880"/>
       </c:barChart>
       <c:catAx>
-        <c:axId val="431822856"/>
+        <c:axId val="249590528"/>
         <c:scaling>
           <c:orientation val="minMax"/>
         </c:scaling>
@@ -353,7 +353,7 @@
             </a:solidFill>
           </a:ln>
         </c:spPr>
-        <c:crossAx val="431812664"/>
+        <c:crossAx val="249592880"/>
         <c:crosses val="autoZero"/>
         <c:auto val="0"/>
         <c:lblAlgn val="ctr"/>
@@ -361,7 +361,7 @@
         <c:noMultiLvlLbl val="1"/>
       </c:catAx>
       <c:valAx>
-        <c:axId val="431812664"/>
+        <c:axId val="249592880"/>
         <c:scaling>
           <c:orientation val="minMax"/>
         </c:scaling>
@@ -381,7 +381,7 @@
             </a:solidFill>
           </a:ln>
         </c:spPr>
-        <c:crossAx val="431822856"/>
+        <c:crossAx val="249590528"/>
         <c:crosses val="autoZero"/>
         <c:crossBetween val="between"/>
       </c:valAx>
@@ -597,11 +597,11 @@
         </c:dLbls>
         <c:gapWidth val="150"/>
         <c:overlap val="100"/>
-        <c:axId val="431818544"/>
-        <c:axId val="431818936"/>
+        <c:axId val="249595624"/>
+        <c:axId val="249596016"/>
       </c:barChart>
       <c:catAx>
-        <c:axId val="431818544"/>
+        <c:axId val="249595624"/>
         <c:scaling>
           <c:orientation val="minMax"/>
         </c:scaling>
@@ -620,7 +620,7 @@
             </a:solidFill>
           </a:ln>
         </c:spPr>
-        <c:crossAx val="431818936"/>
+        <c:crossAx val="249596016"/>
         <c:crosses val="autoZero"/>
         <c:auto val="0"/>
         <c:lblAlgn val="ctr"/>
@@ -628,7 +628,7 @@
         <c:noMultiLvlLbl val="1"/>
       </c:catAx>
       <c:valAx>
-        <c:axId val="431818936"/>
+        <c:axId val="249596016"/>
         <c:scaling>
           <c:orientation val="minMax"/>
         </c:scaling>
@@ -648,7 +648,7 @@
             </a:solidFill>
           </a:ln>
         </c:spPr>
-        <c:crossAx val="431818544"/>
+        <c:crossAx val="249595624"/>
         <c:crosses val="autoZero"/>
         <c:crossBetween val="between"/>
       </c:valAx>
@@ -1433,8 +1433,8 @@
         <c:bubbleScale val="100"/>
         <c:showNegBubbles val="0"/>
         <c:sizeRepresents val="w"/>
-        <c:axId val="431813840"/>
-        <c:axId val="431814232"/>
+        <c:axId val="249597192"/>
+        <c:axId val="332531192"/>
         <c:extLst>
           <c:ext xmlns:c15="http://schemas.microsoft.com/office/drawing/2012/chart" uri="{02D57815-91ED-43cb-92C2-25804820EDAC}">
             <c15:filteredBubbleSeries>
@@ -1624,7 +1624,7 @@
         </c:extLst>
       </c:bubbleChart>
       <c:valAx>
-        <c:axId val="431813840"/>
+        <c:axId val="249597192"/>
         <c:scaling>
           <c:orientation val="minMax"/>
           <c:max val="4"/>
@@ -1709,13 +1709,13 @@
             <a:endParaRPr lang="en-US"/>
           </a:p>
         </c:txPr>
-        <c:crossAx val="431814232"/>
+        <c:crossAx val="332531192"/>
         <c:crosses val="autoZero"/>
         <c:crossBetween val="midCat"/>
         <c:minorUnit val="0.25"/>
       </c:valAx>
       <c:valAx>
-        <c:axId val="431814232"/>
+        <c:axId val="332531192"/>
         <c:scaling>
           <c:orientation val="minMax"/>
           <c:min val="0"/>
@@ -1799,7 +1799,7 @@
             <a:endParaRPr lang="en-US"/>
           </a:p>
         </c:txPr>
-        <c:crossAx val="431813840"/>
+        <c:crossAx val="249597192"/>
         <c:crosses val="autoZero"/>
         <c:crossBetween val="midCat"/>
       </c:valAx>
@@ -1920,7 +1920,7 @@
           <a:p>
             <a:fld id="{268042A1-6D91-4513-A62D-1E3FD70C84BE}" type="datetimeFigureOut">
               <a:rPr lang="fr-FR" smtClean="0"/>
-              <a:t>15/11/2016</a:t>
+              <a:t>17/11/2016</a:t>
             </a:fld>
             <a:endParaRPr lang="fr-FR"/>
           </a:p>
@@ -2523,7 +2523,7 @@
             <a:fld id="{D8E3BBD6-5DF7-411E-B793-6A3558CCCDCA}" type="datetimeFigureOut">
               <a:rPr lang="fr-FR" smtClean="0"/>
               <a:pPr/>
-              <a:t>15/11/2016</a:t>
+              <a:t>17/11/2016</a:t>
             </a:fld>
             <a:endParaRPr lang="fr-FR" dirty="0"/>
           </a:p>
@@ -2688,7 +2688,7 @@
             <a:fld id="{D8E3BBD6-5DF7-411E-B793-6A3558CCCDCA}" type="datetimeFigureOut">
               <a:rPr lang="fr-FR" smtClean="0"/>
               <a:pPr/>
-              <a:t>15/11/2016</a:t>
+              <a:t>17/11/2016</a:t>
             </a:fld>
             <a:endParaRPr lang="fr-FR" dirty="0"/>
           </a:p>
@@ -4222,7 +4222,7 @@
             <a:fld id="{D8E3BBD6-5DF7-411E-B793-6A3558CCCDCA}" type="datetimeFigureOut">
               <a:rPr lang="fr-FR" smtClean="0"/>
               <a:pPr/>
-              <a:t>15/11/2016</a:t>
+              <a:t>17/11/2016</a:t>
             </a:fld>
             <a:endParaRPr lang="fr-FR" dirty="0"/>
           </a:p>
@@ -6647,7 +6647,7 @@
             <a:fld id="{D8E3BBD6-5DF7-411E-B793-6A3558CCCDCA}" type="datetimeFigureOut">
               <a:rPr lang="fr-FR" smtClean="0"/>
               <a:pPr/>
-              <a:t>15/11/2016</a:t>
+              <a:t>17/11/2016</a:t>
             </a:fld>
             <a:endParaRPr lang="fr-FR" dirty="0"/>
           </a:p>
@@ -9328,7 +9328,7 @@
             <a:fld id="{D8E3BBD6-5DF7-411E-B793-6A3558CCCDCA}" type="datetimeFigureOut">
               <a:rPr lang="fr-FR" smtClean="0"/>
               <a:pPr/>
-              <a:t>15/11/2016</a:t>
+              <a:t>17/11/2016</a:t>
             </a:fld>
             <a:endParaRPr lang="fr-FR" dirty="0"/>
           </a:p>
@@ -12234,7 +12234,7 @@
             <a:fld id="{D8E3BBD6-5DF7-411E-B793-6A3558CCCDCA}" type="datetimeFigureOut">
               <a:rPr lang="fr-FR" smtClean="0"/>
               <a:pPr/>
-              <a:t>15/11/2016</a:t>
+              <a:t>17/11/2016</a:t>
             </a:fld>
             <a:endParaRPr lang="fr-FR" dirty="0"/>
           </a:p>
@@ -14021,7 +14021,7 @@
             <a:fld id="{D8E3BBD6-5DF7-411E-B793-6A3558CCCDCA}" type="datetimeFigureOut">
               <a:rPr lang="fr-FR" smtClean="0"/>
               <a:pPr/>
-              <a:t>15/11/2016</a:t>
+              <a:t>17/11/2016</a:t>
             </a:fld>
             <a:endParaRPr lang="fr-FR" dirty="0"/>
           </a:p>
@@ -14101,7 +14101,7 @@
             <a:fld id="{D8E3BBD6-5DF7-411E-B793-6A3558CCCDCA}" type="datetimeFigureOut">
               <a:rPr lang="fr-FR" smtClean="0"/>
               <a:pPr/>
-              <a:t>15/11/2016</a:t>
+              <a:t>17/11/2016</a:t>
             </a:fld>
             <a:endParaRPr lang="fr-FR" dirty="0"/>
           </a:p>
@@ -14363,7 +14363,7 @@
             <a:fld id="{D8E3BBD6-5DF7-411E-B793-6A3558CCCDCA}" type="datetimeFigureOut">
               <a:rPr lang="fr-FR" smtClean="0"/>
               <a:pPr/>
-              <a:t>15/11/2016</a:t>
+              <a:t>17/11/2016</a:t>
             </a:fld>
             <a:endParaRPr lang="fr-FR" dirty="0"/>
           </a:p>
@@ -14606,7 +14606,7 @@
             <a:fld id="{D8E3BBD6-5DF7-411E-B793-6A3558CCCDCA}" type="datetimeFigureOut">
               <a:rPr lang="fr-FR" smtClean="0"/>
               <a:pPr/>
-              <a:t>15/11/2016</a:t>
+              <a:t>17/11/2016</a:t>
             </a:fld>
             <a:endParaRPr lang="fr-FR" dirty="0"/>
           </a:p>
@@ -14808,7 +14808,7 @@
             <a:fld id="{D8E3BBD6-5DF7-411E-B793-6A3558CCCDCA}" type="datetimeFigureOut">
               <a:rPr lang="fr-FR" smtClean="0"/>
               <a:pPr/>
-              <a:t>15/11/2016</a:t>
+              <a:t>17/11/2016</a:t>
             </a:fld>
             <a:endParaRPr lang="fr-FR" dirty="0"/>
           </a:p>
@@ -22344,7 +22344,7 @@
       </p:sp>
       <p:sp>
         <p:nvSpPr>
-          <p:cNvPr id="14" name="TextBox 13" descr="TEXT;PF_CUSTOM_EXPRESSION;PARAMS=SZ a SZ b,EXPR = a/b,a=67010, b=67011,FORMAT=N0,AGGREGATOR=SUM"/>
+          <p:cNvPr id="14" name="TextBox 13" descr="TEXT;PF_CUSTOM_EXPRESSION;PARAMS=SZ a SZ b,EXPR=a/b,a=67010,b=67011,FORMAT=N2,AGGREGATOR=SUM"/>
           <p:cNvSpPr txBox="1"/>
           <p:nvPr/>
         </p:nvSpPr>
@@ -22393,8 +22393,8 @@
         </p:nvSpPr>
         <p:spPr>
           <a:xfrm>
-            <a:off x="1828111" y="3863690"/>
-            <a:ext cx="4824536" cy="1954381"/>
+            <a:off x="1576290" y="4050807"/>
+            <a:ext cx="5760640" cy="1615827"/>
           </a:xfrm>
           <a:prstGeom prst="rect">
             <a:avLst/>
@@ -22422,7 +22422,7 @@
           <a:p>
             <a:r>
               <a:rPr lang="en-GB" sz="1100" dirty="0"/>
-              <a:t>you could have as number of parameters as you want (</a:t>
+              <a:t>You can have as number of parameters as you want (</a:t>
             </a:r>
             <a:r>
               <a:rPr lang="en-GB" sz="1100" dirty="0" err="1"/>
@@ -22430,32 +22430,34 @@
             </a:r>
             <a:r>
               <a:rPr lang="en-GB" sz="1100" dirty="0"/>
-              <a:t> limit is 16383 !!)</a:t>
+              <a:t> limit is 16383…).</a:t>
             </a:r>
             <a:endParaRPr lang="en-US" sz="1100" dirty="0"/>
           </a:p>
           <a:p>
             <a:r>
-              <a:rPr lang="en-GB" sz="1100" dirty="0" err="1"/>
-              <a:t>cf</a:t>
-            </a:r>
-            <a:r>
               <a:rPr lang="en-GB" sz="1100" dirty="0"/>
-              <a:t> https://msdn.microsoft.com/en-us/library/dwhawy9k.aspx for the format</a:t>
-            </a:r>
-            <a:endParaRPr lang="en-US" sz="1100" dirty="0"/>
-          </a:p>
-          <a:p>
+              <a:t>The format of return value is explained here : </a:t>
+            </a:r>
+            <a:r>
+              <a:rPr lang="en-GB" sz="1100" dirty="0">
+                <a:hlinkClick r:id="rId2"/>
+              </a:rPr>
+              <a:t>https://msdn.microsoft.com/en-us/library/dwhawy9k.aspx</a:t>
+            </a:r>
             <a:r>
               <a:rPr lang="en-GB" sz="1100" dirty="0"/>
-              <a:t>(examples for double https://msdn.microsoft.com/en-us/library/kfsatb94.aspx)</a:t>
-            </a:r>
-            <a:endParaRPr lang="en-US" sz="1100" dirty="0"/>
-          </a:p>
-          <a:p>
+              <a:t>, with examples for double here : </a:t>
+            </a:r>
+            <a:r>
+              <a:rPr lang="en-GB" sz="1100" dirty="0">
+                <a:hlinkClick r:id="rId3"/>
+              </a:rPr>
+              <a:t>https://msdn.microsoft.com/en-us/library/kfsatb94.aspx</a:t>
+            </a:r>
             <a:r>
               <a:rPr lang="en-GB" sz="1100" dirty="0"/>
-              <a:t>only N format is interesting here :</a:t>
+              <a:t> ), only N format is interesting here :</a:t>
             </a:r>
             <a:endParaRPr lang="en-US" sz="1100" dirty="0"/>
           </a:p>
@@ -22490,9 +22492,8 @@
           <a:p>
             <a:r>
               <a:rPr lang="en-GB" sz="1100" dirty="0"/>
-              <a:t>N3: -195,489,100.838</a:t>
-            </a:r>
-            <a:endParaRPr lang="en-US" sz="1100" dirty="0"/>
+              <a:t>/!\ don’t put blank char in the definition of parameters (,a=67011,b=67010,c=…)</a:t>
+            </a:r>
           </a:p>
         </p:txBody>
       </p:sp>

--- a/CastReporting.Reporting/PortfolioTemplatesFiles/1- Portfolio-Powerpoint-components-library.pptx
+++ b/CastReporting.Reporting/PortfolioTemplatesFiles/1- Portfolio-Powerpoint-components-library.pptx
@@ -10,7 +10,7 @@
     <p:sldMasterId id="2147483713" r:id="rId6"/>
   </p:sldMasterIdLst>
   <p:notesMasterIdLst>
-    <p:notesMasterId r:id="rId30"/>
+    <p:notesMasterId r:id="rId31"/>
   </p:notesMasterIdLst>
   <p:sldIdLst>
     <p:sldId id="262" r:id="rId7"/>
@@ -34,8 +34,9 @@
     <p:sldId id="280" r:id="rId25"/>
     <p:sldId id="332" r:id="rId26"/>
     <p:sldId id="303" r:id="rId27"/>
-    <p:sldId id="333" r:id="rId28"/>
-    <p:sldId id="318" r:id="rId29"/>
+    <p:sldId id="335" r:id="rId28"/>
+    <p:sldId id="333" r:id="rId29"/>
+    <p:sldId id="318" r:id="rId30"/>
   </p:sldIdLst>
   <p:sldSz cx="9144000" cy="6858000" type="screen4x3"/>
   <p:notesSz cx="6858000" cy="9144000"/>
@@ -330,11 +331,11 @@
         </c:dLbls>
         <c:gapWidth val="150"/>
         <c:overlap val="100"/>
-        <c:axId val="249590528"/>
-        <c:axId val="249592880"/>
+        <c:axId val="471426128"/>
+        <c:axId val="471425344"/>
       </c:barChart>
       <c:catAx>
-        <c:axId val="249590528"/>
+        <c:axId val="471426128"/>
         <c:scaling>
           <c:orientation val="minMax"/>
         </c:scaling>
@@ -353,7 +354,7 @@
             </a:solidFill>
           </a:ln>
         </c:spPr>
-        <c:crossAx val="249592880"/>
+        <c:crossAx val="471425344"/>
         <c:crosses val="autoZero"/>
         <c:auto val="0"/>
         <c:lblAlgn val="ctr"/>
@@ -361,7 +362,7 @@
         <c:noMultiLvlLbl val="1"/>
       </c:catAx>
       <c:valAx>
-        <c:axId val="249592880"/>
+        <c:axId val="471425344"/>
         <c:scaling>
           <c:orientation val="minMax"/>
         </c:scaling>
@@ -381,7 +382,7 @@
             </a:solidFill>
           </a:ln>
         </c:spPr>
-        <c:crossAx val="249590528"/>
+        <c:crossAx val="471426128"/>
         <c:crosses val="autoZero"/>
         <c:crossBetween val="between"/>
       </c:valAx>
@@ -597,11 +598,11 @@
         </c:dLbls>
         <c:gapWidth val="150"/>
         <c:overlap val="100"/>
-        <c:axId val="249595624"/>
-        <c:axId val="249596016"/>
+        <c:axId val="471422600"/>
+        <c:axId val="471419072"/>
       </c:barChart>
       <c:catAx>
-        <c:axId val="249595624"/>
+        <c:axId val="471422600"/>
         <c:scaling>
           <c:orientation val="minMax"/>
         </c:scaling>
@@ -620,7 +621,7 @@
             </a:solidFill>
           </a:ln>
         </c:spPr>
-        <c:crossAx val="249596016"/>
+        <c:crossAx val="471419072"/>
         <c:crosses val="autoZero"/>
         <c:auto val="0"/>
         <c:lblAlgn val="ctr"/>
@@ -628,7 +629,7 @@
         <c:noMultiLvlLbl val="1"/>
       </c:catAx>
       <c:valAx>
-        <c:axId val="249596016"/>
+        <c:axId val="471419072"/>
         <c:scaling>
           <c:orientation val="minMax"/>
         </c:scaling>
@@ -648,7 +649,7 @@
             </a:solidFill>
           </a:ln>
         </c:spPr>
-        <c:crossAx val="249595624"/>
+        <c:crossAx val="471422600"/>
         <c:crosses val="autoZero"/>
         <c:crossBetween val="between"/>
       </c:valAx>
@@ -738,6 +739,7 @@
           <c:dLbls>
             <c:dLbl>
               <c:idx val="0"/>
+              <c:layout/>
               <c:tx>
                 <c:rich>
                   <a:bodyPr/>
@@ -765,6 +767,7 @@
               <c:showBubbleSize val="0"/>
               <c:extLst>
                 <c:ext xmlns:c15="http://schemas.microsoft.com/office/drawing/2012/chart" uri="{CE6537A1-D6FC-4f65-9D91-7224C49458BB}">
+                  <c15:layout/>
                   <c15:dlblFieldTable/>
                   <c15:showDataLabelsRange val="1"/>
                 </c:ext>
@@ -772,6 +775,7 @@
             </c:dLbl>
             <c:dLbl>
               <c:idx val="1"/>
+              <c:layout/>
               <c:tx>
                 <c:rich>
                   <a:bodyPr/>
@@ -799,6 +803,7 @@
               <c:showBubbleSize val="0"/>
               <c:extLst>
                 <c:ext xmlns:c15="http://schemas.microsoft.com/office/drawing/2012/chart" uri="{CE6537A1-D6FC-4f65-9D91-7224C49458BB}">
+                  <c15:layout/>
                   <c15:dlblFieldTable/>
                   <c15:showDataLabelsRange val="1"/>
                 </c:ext>
@@ -806,6 +811,7 @@
             </c:dLbl>
             <c:dLbl>
               <c:idx val="2"/>
+              <c:layout/>
               <c:tx>
                 <c:rich>
                   <a:bodyPr/>
@@ -833,6 +839,7 @@
               <c:showBubbleSize val="0"/>
               <c:extLst>
                 <c:ext xmlns:c15="http://schemas.microsoft.com/office/drawing/2012/chart" uri="{CE6537A1-D6FC-4f65-9D91-7224C49458BB}">
+                  <c15:layout/>
                   <c15:dlblFieldTable/>
                   <c15:showDataLabelsRange val="1"/>
                 </c:ext>
@@ -840,6 +847,7 @@
             </c:dLbl>
             <c:dLbl>
               <c:idx val="3"/>
+              <c:layout/>
               <c:tx>
                 <c:rich>
                   <a:bodyPr/>
@@ -867,6 +875,7 @@
               <c:showBubbleSize val="0"/>
               <c:extLst>
                 <c:ext xmlns:c15="http://schemas.microsoft.com/office/drawing/2012/chart" uri="{CE6537A1-D6FC-4f65-9D91-7224C49458BB}">
+                  <c15:layout/>
                   <c15:dlblFieldTable/>
                   <c15:showDataLabelsRange val="1"/>
                 </c:ext>
@@ -874,6 +883,7 @@
             </c:dLbl>
             <c:dLbl>
               <c:idx val="4"/>
+              <c:layout/>
               <c:tx>
                 <c:rich>
                   <a:bodyPr/>
@@ -901,6 +911,7 @@
               <c:showBubbleSize val="0"/>
               <c:extLst>
                 <c:ext xmlns:c15="http://schemas.microsoft.com/office/drawing/2012/chart" uri="{CE6537A1-D6FC-4f65-9D91-7224C49458BB}">
+                  <c15:layout/>
                   <c15:dlblFieldTable/>
                   <c15:showDataLabelsRange val="1"/>
                 </c:ext>
@@ -908,6 +919,7 @@
             </c:dLbl>
             <c:dLbl>
               <c:idx val="5"/>
+              <c:layout/>
               <c:tx>
                 <c:rich>
                   <a:bodyPr/>
@@ -935,6 +947,7 @@
               <c:showBubbleSize val="0"/>
               <c:extLst>
                 <c:ext xmlns:c15="http://schemas.microsoft.com/office/drawing/2012/chart" uri="{CE6537A1-D6FC-4f65-9D91-7224C49458BB}">
+                  <c15:layout/>
                   <c15:dlblFieldTable/>
                   <c15:showDataLabelsRange val="1"/>
                 </c:ext>
@@ -942,6 +955,7 @@
             </c:dLbl>
             <c:dLbl>
               <c:idx val="6"/>
+              <c:layout/>
               <c:tx>
                 <c:rich>
                   <a:bodyPr/>
@@ -969,6 +983,7 @@
               <c:showBubbleSize val="0"/>
               <c:extLst>
                 <c:ext xmlns:c15="http://schemas.microsoft.com/office/drawing/2012/chart" uri="{CE6537A1-D6FC-4f65-9D91-7224C49458BB}">
+                  <c15:layout/>
                   <c15:dlblFieldTable/>
                   <c15:showDataLabelsRange val="1"/>
                 </c:ext>
@@ -976,6 +991,7 @@
             </c:dLbl>
             <c:dLbl>
               <c:idx val="7"/>
+              <c:layout/>
               <c:tx>
                 <c:rich>
                   <a:bodyPr/>
@@ -1003,6 +1019,7 @@
               <c:showBubbleSize val="0"/>
               <c:extLst>
                 <c:ext xmlns:c15="http://schemas.microsoft.com/office/drawing/2012/chart" uri="{CE6537A1-D6FC-4f65-9D91-7224C49458BB}">
+                  <c15:layout/>
                   <c15:dlblFieldTable/>
                   <c15:showDataLabelsRange val="1"/>
                 </c:ext>
@@ -1010,6 +1027,7 @@
             </c:dLbl>
             <c:dLbl>
               <c:idx val="8"/>
+              <c:layout/>
               <c:tx>
                 <c:rich>
                   <a:bodyPr/>
@@ -1037,6 +1055,7 @@
               <c:showBubbleSize val="0"/>
               <c:extLst>
                 <c:ext xmlns:c15="http://schemas.microsoft.com/office/drawing/2012/chart" uri="{CE6537A1-D6FC-4f65-9D91-7224C49458BB}">
+                  <c15:layout/>
                   <c15:dlblFieldTable/>
                   <c15:showDataLabelsRange val="1"/>
                 </c:ext>
@@ -1044,6 +1063,7 @@
             </c:dLbl>
             <c:dLbl>
               <c:idx val="9"/>
+              <c:layout/>
               <c:tx>
                 <c:rich>
                   <a:bodyPr/>
@@ -1071,6 +1091,7 @@
               <c:showBubbleSize val="0"/>
               <c:extLst>
                 <c:ext xmlns:c15="http://schemas.microsoft.com/office/drawing/2012/chart" uri="{CE6537A1-D6FC-4f65-9D91-7224C49458BB}">
+                  <c15:layout/>
                   <c15:dlblFieldTable/>
                   <c15:showDataLabelsRange val="1"/>
                 </c:ext>
@@ -1078,6 +1099,7 @@
             </c:dLbl>
             <c:dLbl>
               <c:idx val="10"/>
+              <c:layout/>
               <c:tx>
                 <c:rich>
                   <a:bodyPr/>
@@ -1105,6 +1127,7 @@
               <c:showBubbleSize val="0"/>
               <c:extLst>
                 <c:ext xmlns:c15="http://schemas.microsoft.com/office/drawing/2012/chart" uri="{CE6537A1-D6FC-4f65-9D91-7224C49458BB}">
+                  <c15:layout/>
                   <c15:dlblFieldTable/>
                   <c15:showDataLabelsRange val="1"/>
                 </c:ext>
@@ -1112,6 +1135,7 @@
             </c:dLbl>
             <c:dLbl>
               <c:idx val="11"/>
+              <c:layout/>
               <c:tx>
                 <c:rich>
                   <a:bodyPr/>
@@ -1139,6 +1163,7 @@
               <c:showBubbleSize val="0"/>
               <c:extLst>
                 <c:ext xmlns:c15="http://schemas.microsoft.com/office/drawing/2012/chart" uri="{CE6537A1-D6FC-4f65-9D91-7224C49458BB}">
+                  <c15:layout/>
                   <c15:dlblFieldTable/>
                   <c15:showDataLabelsRange val="1"/>
                 </c:ext>
@@ -1146,6 +1171,7 @@
             </c:dLbl>
             <c:dLbl>
               <c:idx val="12"/>
+              <c:layout/>
               <c:tx>
                 <c:rich>
                   <a:bodyPr/>
@@ -1173,6 +1199,7 @@
               <c:showBubbleSize val="0"/>
               <c:extLst>
                 <c:ext xmlns:c15="http://schemas.microsoft.com/office/drawing/2012/chart" uri="{CE6537A1-D6FC-4f65-9D91-7224C49458BB}">
+                  <c15:layout/>
                   <c15:dlblFieldTable/>
                   <c15:showDataLabelsRange val="1"/>
                 </c:ext>
@@ -1433,8 +1460,8 @@
         <c:bubbleScale val="100"/>
         <c:showNegBubbles val="0"/>
         <c:sizeRepresents val="w"/>
-        <c:axId val="249597192"/>
-        <c:axId val="332531192"/>
+        <c:axId val="471426912"/>
+        <c:axId val="471432008"/>
         <c:extLst>
           <c:ext xmlns:c15="http://schemas.microsoft.com/office/drawing/2012/chart" uri="{02D57815-91ED-43cb-92C2-25804820EDAC}">
             <c15:filteredBubbleSeries>
@@ -1624,7 +1651,7 @@
         </c:extLst>
       </c:bubbleChart>
       <c:valAx>
-        <c:axId val="249597192"/>
+        <c:axId val="471426912"/>
         <c:scaling>
           <c:orientation val="minMax"/>
           <c:max val="4"/>
@@ -1675,6 +1702,7 @@
               </a:p>
             </c:rich>
           </c:tx>
+          <c:layout/>
           <c:overlay val="0"/>
         </c:title>
         <c:numFmt formatCode="0.00" sourceLinked="0"/>
@@ -1709,13 +1737,13 @@
             <a:endParaRPr lang="en-US"/>
           </a:p>
         </c:txPr>
-        <c:crossAx val="332531192"/>
+        <c:crossAx val="471432008"/>
         <c:crosses val="autoZero"/>
         <c:crossBetween val="midCat"/>
         <c:minorUnit val="0.25"/>
       </c:valAx>
       <c:valAx>
-        <c:axId val="332531192"/>
+        <c:axId val="471432008"/>
         <c:scaling>
           <c:orientation val="minMax"/>
           <c:min val="0"/>
@@ -1765,6 +1793,7 @@
               </a:p>
             </c:rich>
           </c:tx>
+          <c:layout/>
           <c:overlay val="0"/>
         </c:title>
         <c:numFmt formatCode="General" sourceLinked="0"/>
@@ -1799,7 +1828,7 @@
             <a:endParaRPr lang="en-US"/>
           </a:p>
         </c:txPr>
-        <c:crossAx val="249597192"/>
+        <c:crossAx val="471426912"/>
         <c:crosses val="autoZero"/>
         <c:crossBetween val="midCat"/>
       </c:valAx>
@@ -1920,7 +1949,7 @@
           <a:p>
             <a:fld id="{268042A1-6D91-4513-A62D-1E3FD70C84BE}" type="datetimeFigureOut">
               <a:rPr lang="fr-FR" smtClean="0"/>
-              <a:t>17/11/2016</a:t>
+              <a:t>30/12/2016</a:t>
             </a:fld>
             <a:endParaRPr lang="fr-FR"/>
           </a:p>
@@ -2523,7 +2552,7 @@
             <a:fld id="{D8E3BBD6-5DF7-411E-B793-6A3558CCCDCA}" type="datetimeFigureOut">
               <a:rPr lang="fr-FR" smtClean="0"/>
               <a:pPr/>
-              <a:t>17/11/2016</a:t>
+              <a:t>30/12/2016</a:t>
             </a:fld>
             <a:endParaRPr lang="fr-FR" dirty="0"/>
           </a:p>
@@ -2688,7 +2717,7 @@
             <a:fld id="{D8E3BBD6-5DF7-411E-B793-6A3558CCCDCA}" type="datetimeFigureOut">
               <a:rPr lang="fr-FR" smtClean="0"/>
               <a:pPr/>
-              <a:t>17/11/2016</a:t>
+              <a:t>30/12/2016</a:t>
             </a:fld>
             <a:endParaRPr lang="fr-FR" dirty="0"/>
           </a:p>
@@ -4222,7 +4251,7 @@
             <a:fld id="{D8E3BBD6-5DF7-411E-B793-6A3558CCCDCA}" type="datetimeFigureOut">
               <a:rPr lang="fr-FR" smtClean="0"/>
               <a:pPr/>
-              <a:t>17/11/2016</a:t>
+              <a:t>30/12/2016</a:t>
             </a:fld>
             <a:endParaRPr lang="fr-FR" dirty="0"/>
           </a:p>
@@ -6647,7 +6676,7 @@
             <a:fld id="{D8E3BBD6-5DF7-411E-B793-6A3558CCCDCA}" type="datetimeFigureOut">
               <a:rPr lang="fr-FR" smtClean="0"/>
               <a:pPr/>
-              <a:t>17/11/2016</a:t>
+              <a:t>30/12/2016</a:t>
             </a:fld>
             <a:endParaRPr lang="fr-FR" dirty="0"/>
           </a:p>
@@ -9328,7 +9357,7 @@
             <a:fld id="{D8E3BBD6-5DF7-411E-B793-6A3558CCCDCA}" type="datetimeFigureOut">
               <a:rPr lang="fr-FR" smtClean="0"/>
               <a:pPr/>
-              <a:t>17/11/2016</a:t>
+              <a:t>30/12/2016</a:t>
             </a:fld>
             <a:endParaRPr lang="fr-FR" dirty="0"/>
           </a:p>
@@ -12234,7 +12263,7 @@
             <a:fld id="{D8E3BBD6-5DF7-411E-B793-6A3558CCCDCA}" type="datetimeFigureOut">
               <a:rPr lang="fr-FR" smtClean="0"/>
               <a:pPr/>
-              <a:t>17/11/2016</a:t>
+              <a:t>30/12/2016</a:t>
             </a:fld>
             <a:endParaRPr lang="fr-FR" dirty="0"/>
           </a:p>
@@ -14021,7 +14050,7 @@
             <a:fld id="{D8E3BBD6-5DF7-411E-B793-6A3558CCCDCA}" type="datetimeFigureOut">
               <a:rPr lang="fr-FR" smtClean="0"/>
               <a:pPr/>
-              <a:t>17/11/2016</a:t>
+              <a:t>30/12/2016</a:t>
             </a:fld>
             <a:endParaRPr lang="fr-FR" dirty="0"/>
           </a:p>
@@ -14101,7 +14130,7 @@
             <a:fld id="{D8E3BBD6-5DF7-411E-B793-6A3558CCCDCA}" type="datetimeFigureOut">
               <a:rPr lang="fr-FR" smtClean="0"/>
               <a:pPr/>
-              <a:t>17/11/2016</a:t>
+              <a:t>30/12/2016</a:t>
             </a:fld>
             <a:endParaRPr lang="fr-FR" dirty="0"/>
           </a:p>
@@ -14363,7 +14392,7 @@
             <a:fld id="{D8E3BBD6-5DF7-411E-B793-6A3558CCCDCA}" type="datetimeFigureOut">
               <a:rPr lang="fr-FR" smtClean="0"/>
               <a:pPr/>
-              <a:t>17/11/2016</a:t>
+              <a:t>30/12/2016</a:t>
             </a:fld>
             <a:endParaRPr lang="fr-FR" dirty="0"/>
           </a:p>
@@ -14606,7 +14635,7 @@
             <a:fld id="{D8E3BBD6-5DF7-411E-B793-6A3558CCCDCA}" type="datetimeFigureOut">
               <a:rPr lang="fr-FR" smtClean="0"/>
               <a:pPr/>
-              <a:t>17/11/2016</a:t>
+              <a:t>30/12/2016</a:t>
             </a:fld>
             <a:endParaRPr lang="fr-FR" dirty="0"/>
           </a:p>
@@ -14808,7 +14837,7 @@
             <a:fld id="{D8E3BBD6-5DF7-411E-B793-6A3558CCCDCA}" type="datetimeFigureOut">
               <a:rPr lang="fr-FR" smtClean="0"/>
               <a:pPr/>
-              <a:t>17/11/2016</a:t>
+              <a:t>30/12/2016</a:t>
             </a:fld>
             <a:endParaRPr lang="fr-FR" dirty="0"/>
           </a:p>
@@ -19333,7 +19362,11 @@
           <a:p>
             <a:r>
               <a:rPr lang="en-US" dirty="0" smtClean="0"/>
-              <a:t>PowerPoint Templates – Text [2]</a:t>
+              <a:t>PowerPoint Templates – </a:t>
+            </a:r>
+            <a:r>
+              <a:rPr lang="en-US" dirty="0" smtClean="0"/>
+              <a:t>Text</a:t>
             </a:r>
             <a:endParaRPr lang="en-US" dirty="0"/>
           </a:p>
@@ -20597,7 +20630,11 @@
           <a:p>
             <a:r>
               <a:rPr lang="en-US" dirty="0" smtClean="0"/>
-              <a:t>PowerPoint Templates – Text [3]</a:t>
+              <a:t>PowerPoint Templates – </a:t>
+            </a:r>
+            <a:r>
+              <a:rPr lang="en-US" dirty="0" smtClean="0"/>
+              <a:t>Text</a:t>
             </a:r>
             <a:endParaRPr lang="en-US" dirty="0"/>
           </a:p>
@@ -21921,7 +21958,11 @@
           <a:p>
             <a:r>
               <a:rPr lang="en-US" dirty="0" smtClean="0"/>
-              <a:t>PowerPoint Templates – Text [4]</a:t>
+              <a:t>PowerPoint Templates – </a:t>
+            </a:r>
+            <a:r>
+              <a:rPr lang="en-US" dirty="0" smtClean="0"/>
+              <a:t>Text</a:t>
             </a:r>
             <a:endParaRPr lang="en-US" dirty="0"/>
           </a:p>
@@ -22624,7 +22665,11 @@
           <a:p>
             <a:r>
               <a:rPr lang="fr-FR" dirty="0" smtClean="0"/>
-              <a:t>PowerPoint Templates – Graphics [1]</a:t>
+              <a:t>PowerPoint Templates – </a:t>
+            </a:r>
+            <a:r>
+              <a:rPr lang="fr-FR" dirty="0" smtClean="0"/>
+              <a:t>Graphics</a:t>
             </a:r>
             <a:endParaRPr lang="fr-FR" dirty="0"/>
           </a:p>
@@ -22735,7 +22780,11 @@
           <a:p>
             <a:r>
               <a:rPr lang="en-US" dirty="0" smtClean="0"/>
-              <a:t>PowerPoint Templates – Graphics [5]</a:t>
+              <a:t>PowerPoint Templates – </a:t>
+            </a:r>
+            <a:r>
+              <a:rPr lang="en-US" dirty="0" smtClean="0"/>
+              <a:t>Graphics</a:t>
             </a:r>
             <a:endParaRPr lang="en-US" dirty="0"/>
           </a:p>
@@ -23167,7 +23216,11 @@
           <a:p>
             <a:r>
               <a:rPr lang="en-US" dirty="0" smtClean="0"/>
-              <a:t>PowerPoint Templates – Graphics [5]</a:t>
+              <a:t>PowerPoint Templates – </a:t>
+            </a:r>
+            <a:r>
+              <a:rPr lang="en-US" dirty="0" smtClean="0"/>
+              <a:t>Graphics</a:t>
             </a:r>
             <a:endParaRPr lang="en-US" dirty="0"/>
           </a:p>
@@ -23611,12 +23664,8 @@
               <a:t>PowerPoint Templates – </a:t>
             </a:r>
             <a:r>
-              <a:rPr lang="fr-FR" dirty="0" err="1" smtClean="0"/>
+              <a:rPr lang="fr-FR" dirty="0" smtClean="0"/>
               <a:t>Graphics</a:t>
-            </a:r>
-            <a:r>
-              <a:rPr lang="fr-FR" dirty="0" smtClean="0"/>
-              <a:t> [6]</a:t>
             </a:r>
             <a:endParaRPr lang="fr-FR" dirty="0"/>
           </a:p>
@@ -24135,7 +24184,11 @@
           <a:p>
             <a:r>
               <a:rPr lang="fr-FR" dirty="0" smtClean="0"/>
-              <a:t>PowerPoint Templates – Tables [1]</a:t>
+              <a:t>PowerPoint Templates – </a:t>
+            </a:r>
+            <a:r>
+              <a:rPr lang="fr-FR" dirty="0" smtClean="0"/>
+              <a:t>Tables</a:t>
             </a:r>
             <a:endParaRPr lang="fr-FR" dirty="0"/>
           </a:p>
@@ -24341,7 +24394,11 @@
           <a:p>
             <a:r>
               <a:rPr lang="en-US" dirty="0" smtClean="0"/>
-              <a:t>PowerPoint Templates – Tables – [8]</a:t>
+              <a:t>PowerPoint Templates – </a:t>
+            </a:r>
+            <a:r>
+              <a:rPr lang="en-US" dirty="0" smtClean="0"/>
+              <a:t>Tables</a:t>
             </a:r>
             <a:endParaRPr lang="en-US" dirty="0"/>
           </a:p>
@@ -26168,7 +26225,11 @@
           <a:p>
             <a:r>
               <a:rPr lang="en-US" dirty="0" smtClean="0"/>
-              <a:t>PowerPoint Templates – Tables – [9]</a:t>
+              <a:t>PowerPoint Templates – </a:t>
+            </a:r>
+            <a:r>
+              <a:rPr lang="en-US" dirty="0" smtClean="0"/>
+              <a:t>Tables</a:t>
             </a:r>
             <a:endParaRPr lang="en-US" dirty="0"/>
           </a:p>
@@ -26503,13 +26564,13 @@
           <p:nvPr>
             <p:extLst>
               <p:ext uri="{D42A27DB-BD31-4B8C-83A1-F6EECF244321}">
-                <p14:modId xmlns:p14="http://schemas.microsoft.com/office/powerpoint/2010/main" val="3399398948"/>
+                <p14:modId xmlns:p14="http://schemas.microsoft.com/office/powerpoint/2010/main" val="1441438410"/>
               </p:ext>
             </p:extLst>
           </p:nvPr>
         </p:nvGraphicFramePr>
         <p:xfrm>
-          <a:off x="827584" y="3755990"/>
+          <a:off x="827583" y="3896588"/>
           <a:ext cx="7488834" cy="2697346"/>
         </p:xfrm>
         <a:graphic>
@@ -28047,201 +28108,6 @@
       </p:graphicFrame>
       <p:sp>
         <p:nvSpPr>
-          <p:cNvPr id="2" name="Rectangle 1"/>
-          <p:cNvSpPr/>
-          <p:nvPr/>
-        </p:nvSpPr>
-        <p:spPr>
-          <a:xfrm>
-            <a:off x="1985510" y="2248996"/>
-            <a:ext cx="6785832" cy="1615827"/>
-          </a:xfrm>
-          <a:prstGeom prst="rect">
-            <a:avLst/>
-          </a:prstGeom>
-          <a:noFill/>
-        </p:spPr>
-        <p:txBody>
-          <a:bodyPr wrap="none" rtlCol="0">
-            <a:spAutoFit/>
-          </a:bodyPr>
-          <a:lstStyle/>
-          <a:p>
-            <a:r>
-              <a:rPr lang="en-US" sz="1100" b="1" dirty="0" smtClean="0">
-                <a:solidFill>
-                  <a:schemeClr val="bg1">
-                    <a:lumMod val="50000"/>
-                  </a:schemeClr>
-                </a:solidFill>
-              </a:rPr>
-              <a:t>SLA Assessment thresholds</a:t>
-            </a:r>
-          </a:p>
-          <a:p>
-            <a:pPr lvl="1"/>
-            <a:r>
-              <a:rPr lang="en-US" sz="1100" dirty="0" smtClean="0">
-                <a:solidFill>
-                  <a:schemeClr val="bg1">
-                    <a:lumMod val="50000"/>
-                  </a:schemeClr>
-                </a:solidFill>
-              </a:rPr>
-              <a:t>Good if % difference between Target and Actual is less than 2%</a:t>
-            </a:r>
-          </a:p>
-          <a:p>
-            <a:pPr lvl="1"/>
-            <a:r>
-              <a:rPr lang="en-US" sz="1100" dirty="0" smtClean="0">
-                <a:solidFill>
-                  <a:schemeClr val="bg1">
-                    <a:lumMod val="50000"/>
-                  </a:schemeClr>
-                </a:solidFill>
-              </a:rPr>
-              <a:t>Acceptable if &amp; difference between Target and Actual is between 2% and 5%</a:t>
-            </a:r>
-          </a:p>
-          <a:p>
-            <a:pPr lvl="1"/>
-            <a:r>
-              <a:rPr lang="en-US" sz="1100" dirty="0" smtClean="0">
-                <a:solidFill>
-                  <a:schemeClr val="bg1">
-                    <a:lumMod val="50000"/>
-                  </a:schemeClr>
-                </a:solidFill>
-              </a:rPr>
-              <a:t>Poor if % difference between Target and Actual is greater than 5%</a:t>
-            </a:r>
-          </a:p>
-          <a:p>
-            <a:r>
-              <a:rPr lang="en-US" sz="1100" b="1" dirty="0" smtClean="0">
-                <a:solidFill>
-                  <a:schemeClr val="bg1">
-                    <a:lumMod val="50000"/>
-                  </a:schemeClr>
-                </a:solidFill>
-              </a:rPr>
-              <a:t>Actual score </a:t>
-            </a:r>
-            <a:r>
-              <a:rPr lang="en-US" sz="1100" dirty="0" smtClean="0">
-                <a:solidFill>
-                  <a:schemeClr val="bg1">
-                    <a:lumMod val="50000"/>
-                  </a:schemeClr>
-                </a:solidFill>
-              </a:rPr>
-              <a:t>: average score using latest snapshot data (even if snapshot date is before current quarter</a:t>
-            </a:r>
-          </a:p>
-          <a:p>
-            <a:r>
-              <a:rPr lang="en-US" sz="1100" b="1" dirty="0" smtClean="0">
-                <a:solidFill>
-                  <a:schemeClr val="bg1">
-                    <a:lumMod val="50000"/>
-                  </a:schemeClr>
-                </a:solidFill>
-              </a:rPr>
-              <a:t>Target score</a:t>
-            </a:r>
-            <a:r>
-              <a:rPr lang="en-US" sz="1100" dirty="0" smtClean="0">
-                <a:solidFill>
-                  <a:schemeClr val="bg1">
-                    <a:lumMod val="50000"/>
-                  </a:schemeClr>
-                </a:solidFill>
-              </a:rPr>
-              <a:t>: score to reach, to be configured as an option of the component</a:t>
-            </a:r>
-          </a:p>
-          <a:p>
-            <a:r>
-              <a:rPr lang="en-US" sz="1100" b="1" dirty="0" smtClean="0">
-                <a:solidFill>
-                  <a:schemeClr val="bg1">
-                    <a:lumMod val="50000"/>
-                  </a:schemeClr>
-                </a:solidFill>
-              </a:rPr>
-              <a:t>Score </a:t>
-            </a:r>
-            <a:r>
-              <a:rPr lang="en-US" sz="1100" b="1" dirty="0">
-                <a:solidFill>
-                  <a:schemeClr val="bg1">
-                    <a:lumMod val="50000"/>
-                  </a:schemeClr>
-                </a:solidFill>
-              </a:rPr>
-              <a:t>from previous quarter</a:t>
-            </a:r>
-            <a:r>
-              <a:rPr lang="en-US" sz="1100" dirty="0">
-                <a:solidFill>
-                  <a:schemeClr val="bg1">
-                    <a:lumMod val="50000"/>
-                  </a:schemeClr>
-                </a:solidFill>
-              </a:rPr>
-              <a:t>: average score using snapshot from previous quarter. If last snapshot date </a:t>
-            </a:r>
-            <a:br>
-              <a:rPr lang="en-US" sz="1100" dirty="0">
-                <a:solidFill>
-                  <a:schemeClr val="bg1">
-                    <a:lumMod val="50000"/>
-                  </a:schemeClr>
-                </a:solidFill>
-              </a:rPr>
-            </a:br>
-            <a:r>
-              <a:rPr lang="en-US" sz="1100" dirty="0">
-                <a:solidFill>
-                  <a:schemeClr val="bg1">
-                    <a:lumMod val="50000"/>
-                  </a:schemeClr>
-                </a:solidFill>
-              </a:rPr>
-              <a:t>is </a:t>
-            </a:r>
-            <a:r>
-              <a:rPr lang="en-US" sz="1100" dirty="0" smtClean="0">
-                <a:solidFill>
-                  <a:schemeClr val="bg1">
-                    <a:lumMod val="50000"/>
-                  </a:schemeClr>
-                </a:solidFill>
-              </a:rPr>
-              <a:t>old and previous current quarter, last snapshot date will be used also for previous quarter calculation</a:t>
-            </a:r>
-            <a:endParaRPr lang="en-US" sz="1100" dirty="0">
-              <a:solidFill>
-                <a:schemeClr val="bg1">
-                  <a:lumMod val="50000"/>
-                </a:schemeClr>
-              </a:solidFill>
-            </a:endParaRPr>
-          </a:p>
-          <a:p>
-            <a:endParaRPr lang="en-US" sz="1100" dirty="0">
-              <a:solidFill>
-                <a:schemeClr val="bg1">
-                  <a:lumMod val="50000"/>
-                </a:schemeClr>
-              </a:solidFill>
-            </a:endParaRPr>
-          </a:p>
-        </p:txBody>
-      </p:sp>
-      <p:sp>
-        <p:nvSpPr>
           <p:cNvPr id="19" name="TextBox 18"/>
           <p:cNvSpPr txBox="1"/>
           <p:nvPr/>
@@ -28280,6 +28146,193 @@
               <a:t>Note :</a:t>
             </a:r>
             <a:endParaRPr lang="en-US" sz="1800" dirty="0"/>
+          </a:p>
+        </p:txBody>
+      </p:sp>
+      <p:sp>
+        <p:nvSpPr>
+          <p:cNvPr id="18" name="Rectangle 17"/>
+          <p:cNvSpPr/>
+          <p:nvPr/>
+        </p:nvSpPr>
+        <p:spPr>
+          <a:xfrm>
+            <a:off x="1943741" y="2264164"/>
+            <a:ext cx="6702476" cy="1785104"/>
+          </a:xfrm>
+          <a:prstGeom prst="rect">
+            <a:avLst/>
+          </a:prstGeom>
+          <a:noFill/>
+        </p:spPr>
+        <p:txBody>
+          <a:bodyPr wrap="none" rtlCol="0">
+            <a:spAutoFit/>
+          </a:bodyPr>
+          <a:lstStyle/>
+          <a:p>
+            <a:r>
+              <a:rPr lang="en-US" sz="1100" b="1" dirty="0">
+                <a:solidFill>
+                  <a:schemeClr val="bg1">
+                    <a:lumMod val="50000"/>
+                  </a:schemeClr>
+                </a:solidFill>
+              </a:rPr>
+              <a:t>-SLA Assessment thresholds</a:t>
+            </a:r>
+          </a:p>
+          <a:p>
+            <a:pPr lvl="1"/>
+            <a:r>
+              <a:rPr lang="en-US" sz="1100" dirty="0">
+                <a:solidFill>
+                  <a:schemeClr val="bg1">
+                    <a:lumMod val="50000"/>
+                  </a:schemeClr>
+                </a:solidFill>
+              </a:rPr>
+              <a:t>Good if % difference between Target and Actual is less than 2%</a:t>
+            </a:r>
+          </a:p>
+          <a:p>
+            <a:pPr lvl="1"/>
+            <a:r>
+              <a:rPr lang="en-US" sz="1100" dirty="0">
+                <a:solidFill>
+                  <a:schemeClr val="bg1">
+                    <a:lumMod val="50000"/>
+                  </a:schemeClr>
+                </a:solidFill>
+              </a:rPr>
+              <a:t>Acceptable if &amp; difference between Target and Actual is between 2% and 5%</a:t>
+            </a:r>
+          </a:p>
+          <a:p>
+            <a:pPr lvl="1"/>
+            <a:r>
+              <a:rPr lang="en-US" sz="1100" dirty="0">
+                <a:solidFill>
+                  <a:schemeClr val="bg1">
+                    <a:lumMod val="50000"/>
+                  </a:schemeClr>
+                </a:solidFill>
+              </a:rPr>
+              <a:t>Poor if % difference between Target and Actual is greater than 5%</a:t>
+            </a:r>
+          </a:p>
+          <a:p>
+            <a:r>
+              <a:rPr lang="en-US" sz="1100" b="1" dirty="0">
+                <a:solidFill>
+                  <a:schemeClr val="bg1">
+                    <a:lumMod val="50000"/>
+                  </a:schemeClr>
+                </a:solidFill>
+              </a:rPr>
+              <a:t>-Actual score</a:t>
+            </a:r>
+            <a:r>
+              <a:rPr lang="en-US" sz="1100" dirty="0">
+                <a:solidFill>
+                  <a:schemeClr val="bg1">
+                    <a:lumMod val="50000"/>
+                  </a:schemeClr>
+                </a:solidFill>
+              </a:rPr>
+              <a:t>: for each app, score from latest snapshot (even if snapshot date is before current quarter), </a:t>
+            </a:r>
+            <a:br>
+              <a:rPr lang="en-US" sz="1100" dirty="0">
+                <a:solidFill>
+                  <a:schemeClr val="bg1">
+                    <a:lumMod val="50000"/>
+                  </a:schemeClr>
+                </a:solidFill>
+              </a:rPr>
+            </a:br>
+            <a:r>
+              <a:rPr lang="en-US" sz="1100" dirty="0">
+                <a:solidFill>
+                  <a:schemeClr val="bg1">
+                    <a:lumMod val="50000"/>
+                  </a:schemeClr>
+                </a:solidFill>
+              </a:rPr>
+              <a:t>then average for all apps</a:t>
+            </a:r>
+          </a:p>
+          <a:p>
+            <a:r>
+              <a:rPr lang="en-US" sz="1100" b="1" dirty="0">
+                <a:solidFill>
+                  <a:schemeClr val="bg1">
+                    <a:lumMod val="50000"/>
+                  </a:schemeClr>
+                </a:solidFill>
+              </a:rPr>
+              <a:t>-Target score</a:t>
+            </a:r>
+            <a:r>
+              <a:rPr lang="en-US" sz="1100" dirty="0">
+                <a:solidFill>
+                  <a:schemeClr val="bg1">
+                    <a:lumMod val="50000"/>
+                  </a:schemeClr>
+                </a:solidFill>
+              </a:rPr>
+              <a:t>: score to reach, to be configured as an option of the component. </a:t>
+            </a:r>
+          </a:p>
+          <a:p>
+            <a:r>
+              <a:rPr lang="en-US" sz="1100" b="1" dirty="0">
+                <a:solidFill>
+                  <a:schemeClr val="bg1">
+                    <a:lumMod val="50000"/>
+                  </a:schemeClr>
+                </a:solidFill>
+              </a:rPr>
+              <a:t>-Previous quarter</a:t>
+            </a:r>
+            <a:r>
+              <a:rPr lang="en-US" sz="1100" dirty="0">
+                <a:solidFill>
+                  <a:schemeClr val="bg1">
+                    <a:lumMod val="50000"/>
+                  </a:schemeClr>
+                </a:solidFill>
+              </a:rPr>
+              <a:t>: for each app, score from latest snapshot in previous quarter (even if snapshot date is </a:t>
+            </a:r>
+            <a:br>
+              <a:rPr lang="en-US" sz="1100" dirty="0">
+                <a:solidFill>
+                  <a:schemeClr val="bg1">
+                    <a:lumMod val="50000"/>
+                  </a:schemeClr>
+                </a:solidFill>
+              </a:rPr>
+            </a:br>
+            <a:r>
+              <a:rPr lang="en-US" sz="1100" dirty="0">
+                <a:solidFill>
+                  <a:schemeClr val="bg1">
+                    <a:lumMod val="50000"/>
+                  </a:schemeClr>
+                </a:solidFill>
+              </a:rPr>
+              <a:t>before previous quarter). then average for all apps</a:t>
+            </a:r>
+          </a:p>
+          <a:p>
+            <a:endParaRPr lang="en-US" sz="1100" dirty="0">
+              <a:solidFill>
+                <a:schemeClr val="bg1">
+                  <a:lumMod val="50000"/>
+                </a:schemeClr>
+              </a:solidFill>
+            </a:endParaRPr>
           </a:p>
         </p:txBody>
       </p:sp>
@@ -28317,6 +28370,259 @@
       </p:grpSpPr>
       <p:sp>
         <p:nvSpPr>
+          <p:cNvPr id="2" name="Slide Number Placeholder 1"/>
+          <p:cNvSpPr>
+            <a:spLocks noGrp="1"/>
+          </p:cNvSpPr>
+          <p:nvPr>
+            <p:ph type="sldNum" sz="quarter" idx="10"/>
+          </p:nvPr>
+        </p:nvSpPr>
+        <p:spPr/>
+        <p:txBody>
+          <a:bodyPr/>
+          <a:lstStyle/>
+          <a:p>
+            <a:pPr>
+              <a:buClr>
+                <a:prstClr val="black"/>
+              </a:buClr>
+            </a:pPr>
+            <a:fld id="{F71C7896-8E11-4384-BFC5-C0974CDBC83D}" type="slidenum">
+              <a:rPr lang="en-US" smtClean="0">
+                <a:solidFill>
+                  <a:srgbClr val="000000">
+                    <a:lumMod val="65000"/>
+                    <a:lumOff val="35000"/>
+                  </a:srgbClr>
+                </a:solidFill>
+              </a:rPr>
+              <a:pPr>
+                <a:buClr>
+                  <a:prstClr val="black"/>
+                </a:buClr>
+              </a:pPr>
+              <a:t>22</a:t>
+            </a:fld>
+            <a:endParaRPr lang="en-US" dirty="0">
+              <a:solidFill>
+                <a:srgbClr val="000000">
+                  <a:lumMod val="65000"/>
+                  <a:lumOff val="35000"/>
+                </a:srgbClr>
+              </a:solidFill>
+            </a:endParaRPr>
+          </a:p>
+        </p:txBody>
+      </p:sp>
+      <p:sp>
+        <p:nvSpPr>
+          <p:cNvPr id="3" name="Title 2"/>
+          <p:cNvSpPr>
+            <a:spLocks noGrp="1"/>
+          </p:cNvSpPr>
+          <p:nvPr>
+            <p:ph type="title"/>
+          </p:nvPr>
+        </p:nvSpPr>
+        <p:spPr/>
+        <p:txBody>
+          <a:bodyPr/>
+          <a:lstStyle/>
+          <a:p>
+            <a:r>
+              <a:rPr lang="en-US" dirty="0"/>
+              <a:t>PowerPoint Templates – </a:t>
+            </a:r>
+            <a:r>
+              <a:rPr lang="en-US" dirty="0" smtClean="0"/>
+              <a:t>Tables</a:t>
+            </a:r>
+            <a:endParaRPr lang="en-US" dirty="0"/>
+          </a:p>
+        </p:txBody>
+      </p:sp>
+      <p:sp>
+        <p:nvSpPr>
+          <p:cNvPr id="6" name="TextBox 5"/>
+          <p:cNvSpPr txBox="1"/>
+          <p:nvPr/>
+        </p:nvSpPr>
+        <p:spPr>
+          <a:xfrm>
+            <a:off x="395536" y="1218238"/>
+            <a:ext cx="8143200" cy="338554"/>
+          </a:xfrm>
+          <a:prstGeom prst="rect">
+            <a:avLst/>
+          </a:prstGeom>
+          <a:noFill/>
+        </p:spPr>
+        <p:txBody>
+          <a:bodyPr wrap="square" lIns="180000" rIns="180000" rtlCol="0">
+            <a:spAutoFit/>
+          </a:bodyPr>
+          <a:lstStyle>
+            <a:defPPr>
+              <a:defRPr lang="fr-FR"/>
+            </a:defPPr>
+            <a:lvl1pPr>
+              <a:defRPr sz="2000" b="1">
+                <a:solidFill>
+                  <a:schemeClr val="tx1">
+                    <a:lumMod val="75000"/>
+                    <a:lumOff val="25000"/>
+                  </a:schemeClr>
+                </a:solidFill>
+              </a:defRPr>
+            </a:lvl1pPr>
+          </a:lstStyle>
+          <a:p>
+            <a:r>
+              <a:rPr lang="en-US" sz="1600" b="0" dirty="0"/>
+              <a:t>Illustration to explain how scores are calculated</a:t>
+            </a:r>
+          </a:p>
+        </p:txBody>
+      </p:sp>
+      <p:sp>
+        <p:nvSpPr>
+          <p:cNvPr id="7" name="TextBox 6"/>
+          <p:cNvSpPr txBox="1"/>
+          <p:nvPr/>
+        </p:nvSpPr>
+        <p:spPr>
+          <a:xfrm>
+            <a:off x="2051720" y="724634"/>
+            <a:ext cx="6630534" cy="369332"/>
+          </a:xfrm>
+          <a:prstGeom prst="rect">
+            <a:avLst/>
+          </a:prstGeom>
+          <a:noFill/>
+        </p:spPr>
+        <p:txBody>
+          <a:bodyPr wrap="square" rtlCol="0">
+            <a:spAutoFit/>
+          </a:bodyPr>
+          <a:lstStyle>
+            <a:defPPr>
+              <a:defRPr lang="fr-FR"/>
+            </a:defPPr>
+            <a:lvl1pPr>
+              <a:defRPr sz="2000" b="1">
+                <a:solidFill>
+                  <a:srgbClr val="5E5E5E"/>
+                </a:solidFill>
+              </a:defRPr>
+            </a:lvl1pPr>
+          </a:lstStyle>
+          <a:p>
+            <a:r>
+              <a:rPr lang="en-US" sz="1800" dirty="0"/>
+              <a:t>PF_BC_RELEASE_PERFORMANCE</a:t>
+            </a:r>
+          </a:p>
+        </p:txBody>
+      </p:sp>
+      <p:sp>
+        <p:nvSpPr>
+          <p:cNvPr id="8" name="TextBox 7"/>
+          <p:cNvSpPr txBox="1"/>
+          <p:nvPr/>
+        </p:nvSpPr>
+        <p:spPr>
+          <a:xfrm>
+            <a:off x="467544" y="724634"/>
+            <a:ext cx="1709122" cy="400110"/>
+          </a:xfrm>
+          <a:prstGeom prst="rect">
+            <a:avLst/>
+          </a:prstGeom>
+          <a:noFill/>
+        </p:spPr>
+        <p:txBody>
+          <a:bodyPr wrap="none" rtlCol="0">
+            <a:spAutoFit/>
+          </a:bodyPr>
+          <a:lstStyle>
+            <a:defPPr>
+              <a:defRPr lang="fr-FR"/>
+            </a:defPPr>
+            <a:lvl1pPr algn="r">
+              <a:defRPr sz="2000">
+                <a:solidFill>
+                  <a:schemeClr val="bg1">
+                    <a:lumMod val="50000"/>
+                  </a:schemeClr>
+                </a:solidFill>
+              </a:defRPr>
+            </a:lvl1pPr>
+          </a:lstStyle>
+          <a:p>
+            <a:r>
+              <a:rPr lang="en-US" dirty="0"/>
+              <a:t>Block Name :</a:t>
+            </a:r>
+          </a:p>
+        </p:txBody>
+      </p:sp>
+      <p:pic>
+        <p:nvPicPr>
+          <p:cNvPr id="10" name="Picture 9"/>
+          <p:cNvPicPr>
+            <a:picLocks noChangeAspect="1"/>
+          </p:cNvPicPr>
+          <p:nvPr/>
+        </p:nvPicPr>
+        <p:blipFill>
+          <a:blip r:embed="rId2"/>
+          <a:stretch>
+            <a:fillRect/>
+          </a:stretch>
+        </p:blipFill>
+        <p:spPr>
+          <a:xfrm>
+            <a:off x="21223" y="1711934"/>
+            <a:ext cx="9144000" cy="4226011"/>
+          </a:xfrm>
+          <a:prstGeom prst="rect">
+            <a:avLst/>
+          </a:prstGeom>
+        </p:spPr>
+      </p:pic>
+    </p:spTree>
+    <p:extLst>
+      <p:ext uri="{BB962C8B-B14F-4D97-AF65-F5344CB8AC3E}">
+        <p14:creationId xmlns:p14="http://schemas.microsoft.com/office/powerpoint/2010/main" val="1344075048"/>
+      </p:ext>
+    </p:extLst>
+  </p:cSld>
+  <p:clrMapOvr>
+    <a:masterClrMapping/>
+  </p:clrMapOvr>
+</p:sld>
+</file>
+
+<file path=ppt/slides/slide23.xml><?xml version="1.0" encoding="utf-8"?>
+<p:sld xmlns:a="http://schemas.openxmlformats.org/drawingml/2006/main" xmlns:r="http://schemas.openxmlformats.org/officeDocument/2006/relationships" xmlns:p="http://schemas.openxmlformats.org/presentationml/2006/main">
+  <p:cSld>
+    <p:spTree>
+      <p:nvGrpSpPr>
+        <p:cNvPr id="1" name=""/>
+        <p:cNvGrpSpPr/>
+        <p:nvPr/>
+      </p:nvGrpSpPr>
+      <p:grpSpPr>
+        <a:xfrm>
+          <a:off x="0" y="0"/>
+          <a:ext cx="0" cy="0"/>
+          <a:chOff x="0" y="0"/>
+          <a:chExt cx="0" cy="0"/>
+        </a:xfrm>
+      </p:grpSpPr>
+      <p:sp>
+        <p:nvSpPr>
           <p:cNvPr id="24" name="Title 1"/>
           <p:cNvSpPr>
             <a:spLocks noGrp="1"/>
@@ -28334,7 +28640,11 @@
           <a:p>
             <a:r>
               <a:rPr lang="en-US" dirty="0" smtClean="0"/>
-              <a:t>PowerPoint Templates – Tables – [9]</a:t>
+              <a:t>PowerPoint Templates – </a:t>
+            </a:r>
+            <a:r>
+              <a:rPr lang="en-US" dirty="0" smtClean="0"/>
+              <a:t>Tables</a:t>
             </a:r>
             <a:endParaRPr lang="en-US" dirty="0"/>
           </a:p>
@@ -29441,7 +29751,7 @@
 </p:sld>
 </file>
 
-<file path=ppt/slides/slide23.xml><?xml version="1.0" encoding="utf-8"?>
+<file path=ppt/slides/slide24.xml><?xml version="1.0" encoding="utf-8"?>
 <p:sld xmlns:a="http://schemas.openxmlformats.org/drawingml/2006/main" xmlns:r="http://schemas.openxmlformats.org/officeDocument/2006/relationships" xmlns:p="http://schemas.openxmlformats.org/presentationml/2006/main">
   <p:cSld>
     <p:spTree>
@@ -29492,7 +29802,7 @@
                   <a:prstClr val="black"/>
                 </a:buClr>
               </a:pPr>
-              <a:t>23</a:t>
+              <a:t>24</a:t>
             </a:fld>
             <a:endParaRPr lang="en-US" dirty="0">
               <a:solidFill>
@@ -29522,11 +29832,11 @@
           <a:p>
             <a:r>
               <a:rPr lang="en-US" dirty="0"/>
-              <a:t>PowerPoint Templates – Tables </a:t>
+              <a:t>PowerPoint Templates – </a:t>
             </a:r>
             <a:r>
               <a:rPr lang="en-US" dirty="0" smtClean="0"/>
-              <a:t>[11]</a:t>
+              <a:t>Tables</a:t>
             </a:r>
             <a:endParaRPr lang="en-US" dirty="0"/>
           </a:p>
@@ -31815,7 +32125,11 @@
           <a:p>
             <a:r>
               <a:rPr lang="fr-FR" dirty="0" smtClean="0"/>
-              <a:t>PowerPoint Templates – Text [1]</a:t>
+              <a:t>PowerPoint Templates – </a:t>
+            </a:r>
+            <a:r>
+              <a:rPr lang="fr-FR" dirty="0" err="1" smtClean="0"/>
+              <a:t>Text</a:t>
             </a:r>
             <a:endParaRPr lang="fr-FR" dirty="0"/>
           </a:p>

--- a/CastReporting.Reporting/PortfolioTemplatesFiles/1- Portfolio-Powerpoint-components-library.pptx
+++ b/CastReporting.Reporting/PortfolioTemplatesFiles/1- Portfolio-Powerpoint-components-library.pptx
@@ -10,7 +10,7 @@
     <p:sldMasterId id="2147483713" r:id="rId6"/>
   </p:sldMasterIdLst>
   <p:notesMasterIdLst>
-    <p:notesMasterId r:id="rId29"/>
+    <p:notesMasterId r:id="rId30"/>
   </p:notesMasterIdLst>
   <p:sldIdLst>
     <p:sldId id="262" r:id="rId7"/>
@@ -33,8 +33,9 @@
     <p:sldId id="280" r:id="rId24"/>
     <p:sldId id="332" r:id="rId25"/>
     <p:sldId id="303" r:id="rId26"/>
-    <p:sldId id="333" r:id="rId27"/>
-    <p:sldId id="318" r:id="rId28"/>
+    <p:sldId id="334" r:id="rId27"/>
+    <p:sldId id="333" r:id="rId28"/>
+    <p:sldId id="318" r:id="rId29"/>
   </p:sldIdLst>
   <p:sldSz cx="9144000" cy="6858000" type="screen4x3"/>
   <p:notesSz cx="6858000" cy="9144000"/>
@@ -135,7 +136,7 @@
   </p:defaultTextStyle>
   <p:extLst>
     <p:ext uri="{EFAFB233-063F-42B5-8137-9DF3F51BA10A}">
-      <p15:sldGuideLst xmlns:p15="http://schemas.microsoft.com/office/powerpoint/2012/main" xmlns="">
+      <p15:sldGuideLst xmlns:p15="http://schemas.microsoft.com/office/powerpoint/2012/main">
         <p15:guide id="1" orient="horz" pos="2160">
           <p15:clr>
             <a:srgbClr val="A4A3A4"/>
@@ -329,11 +330,11 @@
         </c:dLbls>
         <c:gapWidth val="150"/>
         <c:overlap val="100"/>
-        <c:axId val="189446016"/>
-        <c:axId val="189447552"/>
+        <c:axId val="245096512"/>
+        <c:axId val="245097296"/>
       </c:barChart>
       <c:catAx>
-        <c:axId val="189446016"/>
+        <c:axId val="245096512"/>
         <c:scaling>
           <c:orientation val="minMax"/>
         </c:scaling>
@@ -352,7 +353,7 @@
             </a:solidFill>
           </a:ln>
         </c:spPr>
-        <c:crossAx val="189447552"/>
+        <c:crossAx val="245097296"/>
         <c:crosses val="autoZero"/>
         <c:auto val="0"/>
         <c:lblAlgn val="ctr"/>
@@ -360,7 +361,7 @@
         <c:noMultiLvlLbl val="1"/>
       </c:catAx>
       <c:valAx>
-        <c:axId val="189447552"/>
+        <c:axId val="245097296"/>
         <c:scaling>
           <c:orientation val="minMax"/>
         </c:scaling>
@@ -380,7 +381,7 @@
             </a:solidFill>
           </a:ln>
         </c:spPr>
-        <c:crossAx val="189446016"/>
+        <c:crossAx val="245096512"/>
         <c:crosses val="autoZero"/>
         <c:crossBetween val="between"/>
       </c:valAx>
@@ -596,11 +597,11 @@
         </c:dLbls>
         <c:gapWidth val="150"/>
         <c:overlap val="100"/>
-        <c:axId val="189513728"/>
-        <c:axId val="189515264"/>
+        <c:axId val="245100040"/>
+        <c:axId val="245098080"/>
       </c:barChart>
       <c:catAx>
-        <c:axId val="189513728"/>
+        <c:axId val="245100040"/>
         <c:scaling>
           <c:orientation val="minMax"/>
         </c:scaling>
@@ -619,7 +620,7 @@
             </a:solidFill>
           </a:ln>
         </c:spPr>
-        <c:crossAx val="189515264"/>
+        <c:crossAx val="245098080"/>
         <c:crosses val="autoZero"/>
         <c:auto val="0"/>
         <c:lblAlgn val="ctr"/>
@@ -627,7 +628,7 @@
         <c:noMultiLvlLbl val="1"/>
       </c:catAx>
       <c:valAx>
-        <c:axId val="189515264"/>
+        <c:axId val="245098080"/>
         <c:scaling>
           <c:orientation val="minMax"/>
         </c:scaling>
@@ -647,7 +648,7 @@
             </a:solidFill>
           </a:ln>
         </c:spPr>
-        <c:crossAx val="189513728"/>
+        <c:crossAx val="245100040"/>
         <c:crosses val="autoZero"/>
         <c:crossBetween val="between"/>
       </c:valAx>
@@ -767,7 +768,6 @@
                 <c:ext xmlns:c15="http://schemas.microsoft.com/office/drawing/2012/chart" uri="{CE6537A1-D6FC-4f65-9D91-7224C49458BB}">
                   <c15:layout/>
                   <c15:dlblFieldTable/>
-                  <c15:xForSave val="1"/>
                   <c15:showDataLabelsRange val="1"/>
                 </c:ext>
               </c:extLst>
@@ -804,7 +804,6 @@
                 <c:ext xmlns:c15="http://schemas.microsoft.com/office/drawing/2012/chart" uri="{CE6537A1-D6FC-4f65-9D91-7224C49458BB}">
                   <c15:layout/>
                   <c15:dlblFieldTable/>
-                  <c15:xForSave val="1"/>
                   <c15:showDataLabelsRange val="1"/>
                 </c:ext>
               </c:extLst>
@@ -841,7 +840,6 @@
                 <c:ext xmlns:c15="http://schemas.microsoft.com/office/drawing/2012/chart" uri="{CE6537A1-D6FC-4f65-9D91-7224C49458BB}">
                   <c15:layout/>
                   <c15:dlblFieldTable/>
-                  <c15:xForSave val="1"/>
                   <c15:showDataLabelsRange val="1"/>
                 </c:ext>
               </c:extLst>
@@ -878,7 +876,6 @@
                 <c:ext xmlns:c15="http://schemas.microsoft.com/office/drawing/2012/chart" uri="{CE6537A1-D6FC-4f65-9D91-7224C49458BB}">
                   <c15:layout/>
                   <c15:dlblFieldTable/>
-                  <c15:xForSave val="1"/>
                   <c15:showDataLabelsRange val="1"/>
                 </c:ext>
               </c:extLst>
@@ -915,7 +912,6 @@
                 <c:ext xmlns:c15="http://schemas.microsoft.com/office/drawing/2012/chart" uri="{CE6537A1-D6FC-4f65-9D91-7224C49458BB}">
                   <c15:layout/>
                   <c15:dlblFieldTable/>
-                  <c15:xForSave val="1"/>
                   <c15:showDataLabelsRange val="1"/>
                 </c:ext>
               </c:extLst>
@@ -952,7 +948,6 @@
                 <c:ext xmlns:c15="http://schemas.microsoft.com/office/drawing/2012/chart" uri="{CE6537A1-D6FC-4f65-9D91-7224C49458BB}">
                   <c15:layout/>
                   <c15:dlblFieldTable/>
-                  <c15:xForSave val="1"/>
                   <c15:showDataLabelsRange val="1"/>
                 </c:ext>
               </c:extLst>
@@ -989,7 +984,6 @@
                 <c:ext xmlns:c15="http://schemas.microsoft.com/office/drawing/2012/chart" uri="{CE6537A1-D6FC-4f65-9D91-7224C49458BB}">
                   <c15:layout/>
                   <c15:dlblFieldTable/>
-                  <c15:xForSave val="1"/>
                   <c15:showDataLabelsRange val="1"/>
                 </c:ext>
               </c:extLst>
@@ -1026,7 +1020,6 @@
                 <c:ext xmlns:c15="http://schemas.microsoft.com/office/drawing/2012/chart" uri="{CE6537A1-D6FC-4f65-9D91-7224C49458BB}">
                   <c15:layout/>
                   <c15:dlblFieldTable/>
-                  <c15:xForSave val="1"/>
                   <c15:showDataLabelsRange val="1"/>
                 </c:ext>
               </c:extLst>
@@ -1063,7 +1056,6 @@
                 <c:ext xmlns:c15="http://schemas.microsoft.com/office/drawing/2012/chart" uri="{CE6537A1-D6FC-4f65-9D91-7224C49458BB}">
                   <c15:layout/>
                   <c15:dlblFieldTable/>
-                  <c15:xForSave val="1"/>
                   <c15:showDataLabelsRange val="1"/>
                 </c:ext>
               </c:extLst>
@@ -1100,7 +1092,6 @@
                 <c:ext xmlns:c15="http://schemas.microsoft.com/office/drawing/2012/chart" uri="{CE6537A1-D6FC-4f65-9D91-7224C49458BB}">
                   <c15:layout/>
                   <c15:dlblFieldTable/>
-                  <c15:xForSave val="1"/>
                   <c15:showDataLabelsRange val="1"/>
                 </c:ext>
               </c:extLst>
@@ -1137,7 +1128,6 @@
                 <c:ext xmlns:c15="http://schemas.microsoft.com/office/drawing/2012/chart" uri="{CE6537A1-D6FC-4f65-9D91-7224C49458BB}">
                   <c15:layout/>
                   <c15:dlblFieldTable/>
-                  <c15:xForSave val="1"/>
                   <c15:showDataLabelsRange val="1"/>
                 </c:ext>
               </c:extLst>
@@ -1159,7 +1149,7 @@
                       <a:pPr/>
                       <a:t>[CELLRANGE]</a:t>
                     </a:fld>
-                    <a:endParaRPr lang="en-US" dirty="0"/>
+                    <a:endParaRPr lang="en-US"/>
                   </a:p>
                 </c:rich>
               </c:tx>
@@ -1174,7 +1164,6 @@
                 <c:ext xmlns:c15="http://schemas.microsoft.com/office/drawing/2012/chart" uri="{CE6537A1-D6FC-4f65-9D91-7224C49458BB}">
                   <c15:layout/>
                   <c15:dlblFieldTable/>
-                  <c15:xForSave val="1"/>
                   <c15:showDataLabelsRange val="1"/>
                 </c:ext>
               </c:extLst>
@@ -1196,7 +1185,7 @@
                       <a:pPr/>
                       <a:t>[CELLRANGE]</a:t>
                     </a:fld>
-                    <a:endParaRPr lang="en-US" dirty="0"/>
+                    <a:endParaRPr lang="en-US"/>
                   </a:p>
                 </c:rich>
               </c:tx>
@@ -1211,7 +1200,6 @@
                 <c:ext xmlns:c15="http://schemas.microsoft.com/office/drawing/2012/chart" uri="{CE6537A1-D6FC-4f65-9D91-7224C49458BB}">
                   <c15:layout/>
                   <c15:dlblFieldTable/>
-                  <c15:xForSave val="1"/>
                   <c15:showDataLabelsRange val="1"/>
                 </c:ext>
               </c:extLst>
@@ -1252,6 +1240,7 @@
             <c:showSerName val="0"/>
             <c:showPercent val="0"/>
             <c:showBubbleSize val="0"/>
+            <c:showLeaderLines val="0"/>
             <c:extLst>
               <c:ext xmlns:c15="http://schemas.microsoft.com/office/drawing/2012/chart" uri="{CE6537A1-D6FC-4f65-9D91-7224C49458BB}">
                 <c15:spPr xmlns:c15="http://schemas.microsoft.com/office/drawing/2012/chart">
@@ -1259,7 +1248,6 @@
                     <a:avLst/>
                   </a:prstGeom>
                 </c15:spPr>
-                <c15:layout/>
                 <c15:showDataLabelsRange val="1"/>
                 <c15:showLeaderLines val="0"/>
               </c:ext>
@@ -1471,8 +1459,8 @@
         <c:bubbleScale val="100"/>
         <c:showNegBubbles val="0"/>
         <c:sizeRepresents val="w"/>
-        <c:axId val="189667584"/>
-        <c:axId val="189714816"/>
+        <c:axId val="316622016"/>
+        <c:axId val="316622800"/>
         <c:extLst>
           <c:ext xmlns:c15="http://schemas.microsoft.com/office/drawing/2012/chart" uri="{02D57815-91ED-43cb-92C2-25804820EDAC}">
             <c15:filteredBubbleSeries>
@@ -1662,7 +1650,7 @@
         </c:extLst>
       </c:bubbleChart>
       <c:valAx>
-        <c:axId val="189667584"/>
+        <c:axId val="316622016"/>
         <c:scaling>
           <c:orientation val="minMax"/>
           <c:max val="4"/>
@@ -1748,13 +1736,13 @@
             <a:endParaRPr lang="en-US"/>
           </a:p>
         </c:txPr>
-        <c:crossAx val="189714816"/>
+        <c:crossAx val="316622800"/>
         <c:crosses val="autoZero"/>
         <c:crossBetween val="midCat"/>
         <c:minorUnit val="0.25"/>
       </c:valAx>
       <c:valAx>
-        <c:axId val="189714816"/>
+        <c:axId val="316622800"/>
         <c:scaling>
           <c:orientation val="minMax"/>
           <c:min val="0"/>
@@ -1839,7 +1827,7 @@
             <a:endParaRPr lang="en-US"/>
           </a:p>
         </c:txPr>
-        <c:crossAx val="189667584"/>
+        <c:crossAx val="316622016"/>
         <c:crosses val="autoZero"/>
         <c:crossBetween val="midCat"/>
       </c:valAx>
@@ -1960,7 +1948,7 @@
           <a:p>
             <a:fld id="{268042A1-6D91-4513-A62D-1E3FD70C84BE}" type="datetimeFigureOut">
               <a:rPr lang="fr-FR" smtClean="0"/>
-              <a:t>05/10/2016</a:t>
+              <a:t>17/01/2017</a:t>
             </a:fld>
             <a:endParaRPr lang="fr-FR"/>
           </a:p>
@@ -2563,7 +2551,7 @@
             <a:fld id="{D8E3BBD6-5DF7-411E-B793-6A3558CCCDCA}" type="datetimeFigureOut">
               <a:rPr lang="fr-FR" smtClean="0"/>
               <a:pPr/>
-              <a:t>05/10/2016</a:t>
+              <a:t>17/01/2017</a:t>
             </a:fld>
             <a:endParaRPr lang="fr-FR" dirty="0"/>
           </a:p>
@@ -2728,7 +2716,7 @@
             <a:fld id="{D8E3BBD6-5DF7-411E-B793-6A3558CCCDCA}" type="datetimeFigureOut">
               <a:rPr lang="fr-FR" smtClean="0"/>
               <a:pPr/>
-              <a:t>05/10/2016</a:t>
+              <a:t>17/01/2017</a:t>
             </a:fld>
             <a:endParaRPr lang="fr-FR" dirty="0"/>
           </a:p>
@@ -4262,7 +4250,7 @@
             <a:fld id="{D8E3BBD6-5DF7-411E-B793-6A3558CCCDCA}" type="datetimeFigureOut">
               <a:rPr lang="fr-FR" smtClean="0"/>
               <a:pPr/>
-              <a:t>05/10/2016</a:t>
+              <a:t>17/01/2017</a:t>
             </a:fld>
             <a:endParaRPr lang="fr-FR" dirty="0"/>
           </a:p>
@@ -6687,7 +6675,7 @@
             <a:fld id="{D8E3BBD6-5DF7-411E-B793-6A3558CCCDCA}" type="datetimeFigureOut">
               <a:rPr lang="fr-FR" smtClean="0"/>
               <a:pPr/>
-              <a:t>05/10/2016</a:t>
+              <a:t>17/01/2017</a:t>
             </a:fld>
             <a:endParaRPr lang="fr-FR" dirty="0"/>
           </a:p>
@@ -9368,7 +9356,7 @@
             <a:fld id="{D8E3BBD6-5DF7-411E-B793-6A3558CCCDCA}" type="datetimeFigureOut">
               <a:rPr lang="fr-FR" smtClean="0"/>
               <a:pPr/>
-              <a:t>05/10/2016</a:t>
+              <a:t>17/01/2017</a:t>
             </a:fld>
             <a:endParaRPr lang="fr-FR" dirty="0"/>
           </a:p>
@@ -12274,7 +12262,7 @@
             <a:fld id="{D8E3BBD6-5DF7-411E-B793-6A3558CCCDCA}" type="datetimeFigureOut">
               <a:rPr lang="fr-FR" smtClean="0"/>
               <a:pPr/>
-              <a:t>05/10/2016</a:t>
+              <a:t>17/01/2017</a:t>
             </a:fld>
             <a:endParaRPr lang="fr-FR" dirty="0"/>
           </a:p>
@@ -14061,7 +14049,7 @@
             <a:fld id="{D8E3BBD6-5DF7-411E-B793-6A3558CCCDCA}" type="datetimeFigureOut">
               <a:rPr lang="fr-FR" smtClean="0"/>
               <a:pPr/>
-              <a:t>05/10/2016</a:t>
+              <a:t>17/01/2017</a:t>
             </a:fld>
             <a:endParaRPr lang="fr-FR" dirty="0"/>
           </a:p>
@@ -14141,7 +14129,7 @@
             <a:fld id="{D8E3BBD6-5DF7-411E-B793-6A3558CCCDCA}" type="datetimeFigureOut">
               <a:rPr lang="fr-FR" smtClean="0"/>
               <a:pPr/>
-              <a:t>05/10/2016</a:t>
+              <a:t>17/01/2017</a:t>
             </a:fld>
             <a:endParaRPr lang="fr-FR" dirty="0"/>
           </a:p>
@@ -14403,7 +14391,7 @@
             <a:fld id="{D8E3BBD6-5DF7-411E-B793-6A3558CCCDCA}" type="datetimeFigureOut">
               <a:rPr lang="fr-FR" smtClean="0"/>
               <a:pPr/>
-              <a:t>05/10/2016</a:t>
+              <a:t>17/01/2017</a:t>
             </a:fld>
             <a:endParaRPr lang="fr-FR" dirty="0"/>
           </a:p>
@@ -14646,7 +14634,7 @@
             <a:fld id="{D8E3BBD6-5DF7-411E-B793-6A3558CCCDCA}" type="datetimeFigureOut">
               <a:rPr lang="fr-FR" smtClean="0"/>
               <a:pPr/>
-              <a:t>05/10/2016</a:t>
+              <a:t>17/01/2017</a:t>
             </a:fld>
             <a:endParaRPr lang="fr-FR" dirty="0"/>
           </a:p>
@@ -14848,7 +14836,7 @@
             <a:fld id="{D8E3BBD6-5DF7-411E-B793-6A3558CCCDCA}" type="datetimeFigureOut">
               <a:rPr lang="fr-FR" smtClean="0"/>
               <a:pPr/>
-              <a:t>05/10/2016</a:t>
+              <a:t>17/01/2017</a:t>
             </a:fld>
             <a:endParaRPr lang="fr-FR" dirty="0"/>
           </a:p>
@@ -27682,6 +27670,254 @@
       </p:grpSpPr>
       <p:sp>
         <p:nvSpPr>
+          <p:cNvPr id="2" name="Slide Number Placeholder 1"/>
+          <p:cNvSpPr>
+            <a:spLocks noGrp="1"/>
+          </p:cNvSpPr>
+          <p:nvPr>
+            <p:ph type="sldNum" sz="quarter" idx="10"/>
+          </p:nvPr>
+        </p:nvSpPr>
+        <p:spPr/>
+        <p:txBody>
+          <a:bodyPr/>
+          <a:lstStyle/>
+          <a:p>
+            <a:pPr>
+              <a:buClr>
+                <a:prstClr val="black"/>
+              </a:buClr>
+            </a:pPr>
+            <a:fld id="{F71C7896-8E11-4384-BFC5-C0974CDBC83D}" type="slidenum">
+              <a:rPr lang="en-US" smtClean="0">
+                <a:solidFill>
+                  <a:srgbClr val="000000">
+                    <a:lumMod val="65000"/>
+                    <a:lumOff val="35000"/>
+                  </a:srgbClr>
+                </a:solidFill>
+              </a:rPr>
+              <a:pPr>
+                <a:buClr>
+                  <a:prstClr val="black"/>
+                </a:buClr>
+              </a:pPr>
+              <a:t>21</a:t>
+            </a:fld>
+            <a:endParaRPr lang="en-US" dirty="0">
+              <a:solidFill>
+                <a:srgbClr val="000000">
+                  <a:lumMod val="65000"/>
+                  <a:lumOff val="35000"/>
+                </a:srgbClr>
+              </a:solidFill>
+            </a:endParaRPr>
+          </a:p>
+        </p:txBody>
+      </p:sp>
+      <p:sp>
+        <p:nvSpPr>
+          <p:cNvPr id="3" name="Title 2"/>
+          <p:cNvSpPr>
+            <a:spLocks noGrp="1"/>
+          </p:cNvSpPr>
+          <p:nvPr>
+            <p:ph type="title"/>
+          </p:nvPr>
+        </p:nvSpPr>
+        <p:spPr/>
+        <p:txBody>
+          <a:bodyPr/>
+          <a:lstStyle/>
+          <a:p>
+            <a:r>
+              <a:rPr lang="en-US" dirty="0"/>
+              <a:t>PowerPoint Templates – Tables – [9]</a:t>
+            </a:r>
+          </a:p>
+        </p:txBody>
+      </p:sp>
+      <p:sp>
+        <p:nvSpPr>
+          <p:cNvPr id="6" name="TextBox 5"/>
+          <p:cNvSpPr txBox="1"/>
+          <p:nvPr/>
+        </p:nvSpPr>
+        <p:spPr>
+          <a:xfrm>
+            <a:off x="395536" y="1218238"/>
+            <a:ext cx="8143200" cy="338554"/>
+          </a:xfrm>
+          <a:prstGeom prst="rect">
+            <a:avLst/>
+          </a:prstGeom>
+          <a:noFill/>
+        </p:spPr>
+        <p:txBody>
+          <a:bodyPr wrap="square" lIns="180000" rIns="180000" rtlCol="0">
+            <a:spAutoFit/>
+          </a:bodyPr>
+          <a:lstStyle>
+            <a:defPPr>
+              <a:defRPr lang="fr-FR"/>
+            </a:defPPr>
+            <a:lvl1pPr>
+              <a:defRPr sz="2000" b="1">
+                <a:solidFill>
+                  <a:schemeClr val="tx1">
+                    <a:lumMod val="75000"/>
+                    <a:lumOff val="25000"/>
+                  </a:schemeClr>
+                </a:solidFill>
+              </a:defRPr>
+            </a:lvl1pPr>
+          </a:lstStyle>
+          <a:p>
+            <a:r>
+              <a:rPr lang="en-US" sz="1600" b="0" dirty="0"/>
+              <a:t>Illustration to explain how scores are calculated</a:t>
+            </a:r>
+          </a:p>
+        </p:txBody>
+      </p:sp>
+      <p:sp>
+        <p:nvSpPr>
+          <p:cNvPr id="7" name="TextBox 6"/>
+          <p:cNvSpPr txBox="1"/>
+          <p:nvPr/>
+        </p:nvSpPr>
+        <p:spPr>
+          <a:xfrm>
+            <a:off x="2051720" y="724634"/>
+            <a:ext cx="6630534" cy="369332"/>
+          </a:xfrm>
+          <a:prstGeom prst="rect">
+            <a:avLst/>
+          </a:prstGeom>
+          <a:noFill/>
+        </p:spPr>
+        <p:txBody>
+          <a:bodyPr wrap="square" rtlCol="0">
+            <a:spAutoFit/>
+          </a:bodyPr>
+          <a:lstStyle>
+            <a:defPPr>
+              <a:defRPr lang="fr-FR"/>
+            </a:defPPr>
+            <a:lvl1pPr>
+              <a:defRPr sz="2000" b="1">
+                <a:solidFill>
+                  <a:srgbClr val="5E5E5E"/>
+                </a:solidFill>
+              </a:defRPr>
+            </a:lvl1pPr>
+          </a:lstStyle>
+          <a:p>
+            <a:r>
+              <a:rPr lang="en-US" sz="1800" dirty="0"/>
+              <a:t>PF_BC_RELEASE_PERFORMANCE</a:t>
+            </a:r>
+          </a:p>
+        </p:txBody>
+      </p:sp>
+      <p:sp>
+        <p:nvSpPr>
+          <p:cNvPr id="8" name="TextBox 7"/>
+          <p:cNvSpPr txBox="1"/>
+          <p:nvPr/>
+        </p:nvSpPr>
+        <p:spPr>
+          <a:xfrm>
+            <a:off x="467544" y="724634"/>
+            <a:ext cx="1709122" cy="400110"/>
+          </a:xfrm>
+          <a:prstGeom prst="rect">
+            <a:avLst/>
+          </a:prstGeom>
+          <a:noFill/>
+        </p:spPr>
+        <p:txBody>
+          <a:bodyPr wrap="none" rtlCol="0">
+            <a:spAutoFit/>
+          </a:bodyPr>
+          <a:lstStyle>
+            <a:defPPr>
+              <a:defRPr lang="fr-FR"/>
+            </a:defPPr>
+            <a:lvl1pPr algn="r">
+              <a:defRPr sz="2000">
+                <a:solidFill>
+                  <a:schemeClr val="bg1">
+                    <a:lumMod val="50000"/>
+                  </a:schemeClr>
+                </a:solidFill>
+              </a:defRPr>
+            </a:lvl1pPr>
+          </a:lstStyle>
+          <a:p>
+            <a:r>
+              <a:rPr lang="en-US" dirty="0"/>
+              <a:t>Block Name :</a:t>
+            </a:r>
+          </a:p>
+        </p:txBody>
+      </p:sp>
+      <p:pic>
+        <p:nvPicPr>
+          <p:cNvPr id="10" name="Picture 9"/>
+          <p:cNvPicPr>
+            <a:picLocks noChangeAspect="1"/>
+          </p:cNvPicPr>
+          <p:nvPr/>
+        </p:nvPicPr>
+        <p:blipFill>
+          <a:blip r:embed="rId2"/>
+          <a:stretch>
+            <a:fillRect/>
+          </a:stretch>
+        </p:blipFill>
+        <p:spPr>
+          <a:xfrm>
+            <a:off x="21223" y="1711934"/>
+            <a:ext cx="9144000" cy="4226011"/>
+          </a:xfrm>
+          <a:prstGeom prst="rect">
+            <a:avLst/>
+          </a:prstGeom>
+        </p:spPr>
+      </p:pic>
+    </p:spTree>
+    <p:extLst>
+      <p:ext uri="{BB962C8B-B14F-4D97-AF65-F5344CB8AC3E}">
+        <p14:creationId xmlns:p14="http://schemas.microsoft.com/office/powerpoint/2010/main" val="629001227"/>
+      </p:ext>
+    </p:extLst>
+  </p:cSld>
+  <p:clrMapOvr>
+    <a:masterClrMapping/>
+  </p:clrMapOvr>
+</p:sld>
+</file>
+
+<file path=ppt/slides/slide22.xml><?xml version="1.0" encoding="utf-8"?>
+<p:sld xmlns:a="http://schemas.openxmlformats.org/drawingml/2006/main" xmlns:r="http://schemas.openxmlformats.org/officeDocument/2006/relationships" xmlns:p="http://schemas.openxmlformats.org/presentationml/2006/main">
+  <p:cSld>
+    <p:spTree>
+      <p:nvGrpSpPr>
+        <p:cNvPr id="1" name=""/>
+        <p:cNvGrpSpPr/>
+        <p:nvPr/>
+      </p:nvGrpSpPr>
+      <p:grpSpPr>
+        <a:xfrm>
+          <a:off x="0" y="0"/>
+          <a:ext cx="0" cy="0"/>
+          <a:chOff x="0" y="0"/>
+          <a:chExt cx="0" cy="0"/>
+        </a:xfrm>
+      </p:grpSpPr>
+      <p:sp>
+        <p:nvSpPr>
           <p:cNvPr id="24" name="Title 1"/>
           <p:cNvSpPr>
             <a:spLocks noGrp="1"/>
@@ -27699,7 +27935,11 @@
           <a:p>
             <a:r>
               <a:rPr lang="en-US" dirty="0" smtClean="0"/>
-              <a:t>PowerPoint Templates – Tables – [9]</a:t>
+              <a:t>PowerPoint Templates – Tables – </a:t>
+            </a:r>
+            <a:r>
+              <a:rPr lang="en-US" dirty="0" smtClean="0"/>
+              <a:t>[10]</a:t>
             </a:r>
             <a:endParaRPr lang="en-US" dirty="0"/>
           </a:p>
@@ -28806,7 +29046,7 @@
 </p:sld>
 </file>
 
-<file path=ppt/slides/slide22.xml><?xml version="1.0" encoding="utf-8"?>
+<file path=ppt/slides/slide23.xml><?xml version="1.0" encoding="utf-8"?>
 <p:sld xmlns:a="http://schemas.openxmlformats.org/drawingml/2006/main" xmlns:r="http://schemas.openxmlformats.org/officeDocument/2006/relationships" xmlns:p="http://schemas.openxmlformats.org/presentationml/2006/main">
   <p:cSld>
     <p:spTree>
@@ -28857,7 +29097,7 @@
                   <a:prstClr val="black"/>
                 </a:buClr>
               </a:pPr>
-              <a:t>22</a:t>
+              <a:t>23</a:t>
             </a:fld>
             <a:endParaRPr lang="en-US" dirty="0">
               <a:solidFill>

--- a/CastReporting.Reporting/PortfolioTemplatesFiles/1- Portfolio-Powerpoint-components-library.pptx
+++ b/CastReporting.Reporting/PortfolioTemplatesFiles/1- Portfolio-Powerpoint-components-library.pptx
@@ -10,7 +10,7 @@
     <p:sldMasterId id="2147483713" r:id="rId6"/>
   </p:sldMasterIdLst>
   <p:notesMasterIdLst>
-    <p:notesMasterId r:id="rId31"/>
+    <p:notesMasterId r:id="rId32"/>
   </p:notesMasterIdLst>
   <p:sldIdLst>
     <p:sldId id="262" r:id="rId7"/>
@@ -30,13 +30,14 @@
     <p:sldId id="279" r:id="rId21"/>
     <p:sldId id="331" r:id="rId22"/>
     <p:sldId id="297" r:id="rId23"/>
-    <p:sldId id="294" r:id="rId24"/>
-    <p:sldId id="280" r:id="rId25"/>
-    <p:sldId id="332" r:id="rId26"/>
-    <p:sldId id="303" r:id="rId27"/>
-    <p:sldId id="335" r:id="rId28"/>
-    <p:sldId id="333" r:id="rId29"/>
-    <p:sldId id="318" r:id="rId30"/>
+    <p:sldId id="336" r:id="rId24"/>
+    <p:sldId id="294" r:id="rId25"/>
+    <p:sldId id="280" r:id="rId26"/>
+    <p:sldId id="332" r:id="rId27"/>
+    <p:sldId id="303" r:id="rId28"/>
+    <p:sldId id="335" r:id="rId29"/>
+    <p:sldId id="333" r:id="rId30"/>
+    <p:sldId id="318" r:id="rId31"/>
   </p:sldIdLst>
   <p:sldSz cx="9144000" cy="6858000" type="screen4x3"/>
   <p:notesSz cx="6858000" cy="9144000"/>
@@ -331,11 +332,11 @@
         </c:dLbls>
         <c:gapWidth val="150"/>
         <c:overlap val="100"/>
-        <c:axId val="471426128"/>
-        <c:axId val="471425344"/>
+        <c:axId val="487024024"/>
+        <c:axId val="487022456"/>
       </c:barChart>
       <c:catAx>
-        <c:axId val="471426128"/>
+        <c:axId val="487024024"/>
         <c:scaling>
           <c:orientation val="minMax"/>
         </c:scaling>
@@ -354,7 +355,7 @@
             </a:solidFill>
           </a:ln>
         </c:spPr>
-        <c:crossAx val="471425344"/>
+        <c:crossAx val="487022456"/>
         <c:crosses val="autoZero"/>
         <c:auto val="0"/>
         <c:lblAlgn val="ctr"/>
@@ -362,7 +363,7 @@
         <c:noMultiLvlLbl val="1"/>
       </c:catAx>
       <c:valAx>
-        <c:axId val="471425344"/>
+        <c:axId val="487022456"/>
         <c:scaling>
           <c:orientation val="minMax"/>
         </c:scaling>
@@ -382,7 +383,7 @@
             </a:solidFill>
           </a:ln>
         </c:spPr>
-        <c:crossAx val="471426128"/>
+        <c:crossAx val="487024024"/>
         <c:crosses val="autoZero"/>
         <c:crossBetween val="between"/>
       </c:valAx>
@@ -598,11 +599,11 @@
         </c:dLbls>
         <c:gapWidth val="150"/>
         <c:overlap val="100"/>
-        <c:axId val="471422600"/>
-        <c:axId val="471419072"/>
+        <c:axId val="487022848"/>
+        <c:axId val="492357792"/>
       </c:barChart>
       <c:catAx>
-        <c:axId val="471422600"/>
+        <c:axId val="487022848"/>
         <c:scaling>
           <c:orientation val="minMax"/>
         </c:scaling>
@@ -621,7 +622,7 @@
             </a:solidFill>
           </a:ln>
         </c:spPr>
-        <c:crossAx val="471419072"/>
+        <c:crossAx val="492357792"/>
         <c:crosses val="autoZero"/>
         <c:auto val="0"/>
         <c:lblAlgn val="ctr"/>
@@ -629,7 +630,7 @@
         <c:noMultiLvlLbl val="1"/>
       </c:catAx>
       <c:valAx>
-        <c:axId val="471419072"/>
+        <c:axId val="492357792"/>
         <c:scaling>
           <c:orientation val="minMax"/>
         </c:scaling>
@@ -649,7 +650,7 @@
             </a:solidFill>
           </a:ln>
         </c:spPr>
-        <c:crossAx val="471422600"/>
+        <c:crossAx val="487022848"/>
         <c:crosses val="autoZero"/>
         <c:crossBetween val="between"/>
       </c:valAx>
@@ -739,7 +740,6 @@
           <c:dLbls>
             <c:dLbl>
               <c:idx val="0"/>
-              <c:layout/>
               <c:tx>
                 <c:rich>
                   <a:bodyPr/>
@@ -767,7 +767,6 @@
               <c:showBubbleSize val="0"/>
               <c:extLst>
                 <c:ext xmlns:c15="http://schemas.microsoft.com/office/drawing/2012/chart" uri="{CE6537A1-D6FC-4f65-9D91-7224C49458BB}">
-                  <c15:layout/>
                   <c15:dlblFieldTable/>
                   <c15:showDataLabelsRange val="1"/>
                 </c:ext>
@@ -775,7 +774,6 @@
             </c:dLbl>
             <c:dLbl>
               <c:idx val="1"/>
-              <c:layout/>
               <c:tx>
                 <c:rich>
                   <a:bodyPr/>
@@ -803,7 +801,6 @@
               <c:showBubbleSize val="0"/>
               <c:extLst>
                 <c:ext xmlns:c15="http://schemas.microsoft.com/office/drawing/2012/chart" uri="{CE6537A1-D6FC-4f65-9D91-7224C49458BB}">
-                  <c15:layout/>
                   <c15:dlblFieldTable/>
                   <c15:showDataLabelsRange val="1"/>
                 </c:ext>
@@ -811,7 +808,6 @@
             </c:dLbl>
             <c:dLbl>
               <c:idx val="2"/>
-              <c:layout/>
               <c:tx>
                 <c:rich>
                   <a:bodyPr/>
@@ -839,7 +835,6 @@
               <c:showBubbleSize val="0"/>
               <c:extLst>
                 <c:ext xmlns:c15="http://schemas.microsoft.com/office/drawing/2012/chart" uri="{CE6537A1-D6FC-4f65-9D91-7224C49458BB}">
-                  <c15:layout/>
                   <c15:dlblFieldTable/>
                   <c15:showDataLabelsRange val="1"/>
                 </c:ext>
@@ -847,7 +842,6 @@
             </c:dLbl>
             <c:dLbl>
               <c:idx val="3"/>
-              <c:layout/>
               <c:tx>
                 <c:rich>
                   <a:bodyPr/>
@@ -875,7 +869,6 @@
               <c:showBubbleSize val="0"/>
               <c:extLst>
                 <c:ext xmlns:c15="http://schemas.microsoft.com/office/drawing/2012/chart" uri="{CE6537A1-D6FC-4f65-9D91-7224C49458BB}">
-                  <c15:layout/>
                   <c15:dlblFieldTable/>
                   <c15:showDataLabelsRange val="1"/>
                 </c:ext>
@@ -883,7 +876,6 @@
             </c:dLbl>
             <c:dLbl>
               <c:idx val="4"/>
-              <c:layout/>
               <c:tx>
                 <c:rich>
                   <a:bodyPr/>
@@ -911,7 +903,6 @@
               <c:showBubbleSize val="0"/>
               <c:extLst>
                 <c:ext xmlns:c15="http://schemas.microsoft.com/office/drawing/2012/chart" uri="{CE6537A1-D6FC-4f65-9D91-7224C49458BB}">
-                  <c15:layout/>
                   <c15:dlblFieldTable/>
                   <c15:showDataLabelsRange val="1"/>
                 </c:ext>
@@ -919,7 +910,6 @@
             </c:dLbl>
             <c:dLbl>
               <c:idx val="5"/>
-              <c:layout/>
               <c:tx>
                 <c:rich>
                   <a:bodyPr/>
@@ -947,7 +937,6 @@
               <c:showBubbleSize val="0"/>
               <c:extLst>
                 <c:ext xmlns:c15="http://schemas.microsoft.com/office/drawing/2012/chart" uri="{CE6537A1-D6FC-4f65-9D91-7224C49458BB}">
-                  <c15:layout/>
                   <c15:dlblFieldTable/>
                   <c15:showDataLabelsRange val="1"/>
                 </c:ext>
@@ -955,7 +944,6 @@
             </c:dLbl>
             <c:dLbl>
               <c:idx val="6"/>
-              <c:layout/>
               <c:tx>
                 <c:rich>
                   <a:bodyPr/>
@@ -983,7 +971,6 @@
               <c:showBubbleSize val="0"/>
               <c:extLst>
                 <c:ext xmlns:c15="http://schemas.microsoft.com/office/drawing/2012/chart" uri="{CE6537A1-D6FC-4f65-9D91-7224C49458BB}">
-                  <c15:layout/>
                   <c15:dlblFieldTable/>
                   <c15:showDataLabelsRange val="1"/>
                 </c:ext>
@@ -991,7 +978,6 @@
             </c:dLbl>
             <c:dLbl>
               <c:idx val="7"/>
-              <c:layout/>
               <c:tx>
                 <c:rich>
                   <a:bodyPr/>
@@ -1019,7 +1005,6 @@
               <c:showBubbleSize val="0"/>
               <c:extLst>
                 <c:ext xmlns:c15="http://schemas.microsoft.com/office/drawing/2012/chart" uri="{CE6537A1-D6FC-4f65-9D91-7224C49458BB}">
-                  <c15:layout/>
                   <c15:dlblFieldTable/>
                   <c15:showDataLabelsRange val="1"/>
                 </c:ext>
@@ -1027,7 +1012,6 @@
             </c:dLbl>
             <c:dLbl>
               <c:idx val="8"/>
-              <c:layout/>
               <c:tx>
                 <c:rich>
                   <a:bodyPr/>
@@ -1055,7 +1039,6 @@
               <c:showBubbleSize val="0"/>
               <c:extLst>
                 <c:ext xmlns:c15="http://schemas.microsoft.com/office/drawing/2012/chart" uri="{CE6537A1-D6FC-4f65-9D91-7224C49458BB}">
-                  <c15:layout/>
                   <c15:dlblFieldTable/>
                   <c15:showDataLabelsRange val="1"/>
                 </c:ext>
@@ -1063,7 +1046,6 @@
             </c:dLbl>
             <c:dLbl>
               <c:idx val="9"/>
-              <c:layout/>
               <c:tx>
                 <c:rich>
                   <a:bodyPr/>
@@ -1091,7 +1073,6 @@
               <c:showBubbleSize val="0"/>
               <c:extLst>
                 <c:ext xmlns:c15="http://schemas.microsoft.com/office/drawing/2012/chart" uri="{CE6537A1-D6FC-4f65-9D91-7224C49458BB}">
-                  <c15:layout/>
                   <c15:dlblFieldTable/>
                   <c15:showDataLabelsRange val="1"/>
                 </c:ext>
@@ -1099,7 +1080,6 @@
             </c:dLbl>
             <c:dLbl>
               <c:idx val="10"/>
-              <c:layout/>
               <c:tx>
                 <c:rich>
                   <a:bodyPr/>
@@ -1127,7 +1107,6 @@
               <c:showBubbleSize val="0"/>
               <c:extLst>
                 <c:ext xmlns:c15="http://schemas.microsoft.com/office/drawing/2012/chart" uri="{CE6537A1-D6FC-4f65-9D91-7224C49458BB}">
-                  <c15:layout/>
                   <c15:dlblFieldTable/>
                   <c15:showDataLabelsRange val="1"/>
                 </c:ext>
@@ -1135,7 +1114,6 @@
             </c:dLbl>
             <c:dLbl>
               <c:idx val="11"/>
-              <c:layout/>
               <c:tx>
                 <c:rich>
                   <a:bodyPr/>
@@ -1163,7 +1141,6 @@
               <c:showBubbleSize val="0"/>
               <c:extLst>
                 <c:ext xmlns:c15="http://schemas.microsoft.com/office/drawing/2012/chart" uri="{CE6537A1-D6FC-4f65-9D91-7224C49458BB}">
-                  <c15:layout/>
                   <c15:dlblFieldTable/>
                   <c15:showDataLabelsRange val="1"/>
                 </c:ext>
@@ -1171,7 +1148,6 @@
             </c:dLbl>
             <c:dLbl>
               <c:idx val="12"/>
-              <c:layout/>
               <c:tx>
                 <c:rich>
                   <a:bodyPr/>
@@ -1199,7 +1175,6 @@
               <c:showBubbleSize val="0"/>
               <c:extLst>
                 <c:ext xmlns:c15="http://schemas.microsoft.com/office/drawing/2012/chart" uri="{CE6537A1-D6FC-4f65-9D91-7224C49458BB}">
-                  <c15:layout/>
                   <c15:dlblFieldTable/>
                   <c15:showDataLabelsRange val="1"/>
                 </c:ext>
@@ -1460,8 +1435,8 @@
         <c:bubbleScale val="100"/>
         <c:showNegBubbles val="0"/>
         <c:sizeRepresents val="w"/>
-        <c:axId val="471426912"/>
-        <c:axId val="471432008"/>
+        <c:axId val="492355048"/>
+        <c:axId val="492355832"/>
         <c:extLst>
           <c:ext xmlns:c15="http://schemas.microsoft.com/office/drawing/2012/chart" uri="{02D57815-91ED-43cb-92C2-25804820EDAC}">
             <c15:filteredBubbleSeries>
@@ -1651,7 +1626,7 @@
         </c:extLst>
       </c:bubbleChart>
       <c:valAx>
-        <c:axId val="471426912"/>
+        <c:axId val="492355048"/>
         <c:scaling>
           <c:orientation val="minMax"/>
           <c:max val="4"/>
@@ -1702,7 +1677,6 @@
               </a:p>
             </c:rich>
           </c:tx>
-          <c:layout/>
           <c:overlay val="0"/>
         </c:title>
         <c:numFmt formatCode="0.00" sourceLinked="0"/>
@@ -1737,13 +1711,13 @@
             <a:endParaRPr lang="en-US"/>
           </a:p>
         </c:txPr>
-        <c:crossAx val="471432008"/>
+        <c:crossAx val="492355832"/>
         <c:crosses val="autoZero"/>
         <c:crossBetween val="midCat"/>
         <c:minorUnit val="0.25"/>
       </c:valAx>
       <c:valAx>
-        <c:axId val="471432008"/>
+        <c:axId val="492355832"/>
         <c:scaling>
           <c:orientation val="minMax"/>
           <c:min val="0"/>
@@ -1793,7 +1767,6 @@
               </a:p>
             </c:rich>
           </c:tx>
-          <c:layout/>
           <c:overlay val="0"/>
         </c:title>
         <c:numFmt formatCode="General" sourceLinked="0"/>
@@ -1828,7 +1801,7 @@
             <a:endParaRPr lang="en-US"/>
           </a:p>
         </c:txPr>
-        <c:crossAx val="471426912"/>
+        <c:crossAx val="492355048"/>
         <c:crosses val="autoZero"/>
         <c:crossBetween val="midCat"/>
       </c:valAx>
@@ -1867,6 +1840,202 @@
 </c:chartSpace>
 </file>
 
+<file path=ppt/charts/chart4.xml><?xml version="1.0" encoding="utf-8"?>
+<c:chartSpace xmlns:c="http://schemas.openxmlformats.org/drawingml/2006/chart" xmlns:a="http://schemas.openxmlformats.org/drawingml/2006/main" xmlns:r="http://schemas.openxmlformats.org/officeDocument/2006/relationships">
+  <c:date1904 val="0"/>
+  <c:lang val="en-US"/>
+  <c:roundedCorners val="0"/>
+  <mc:AlternateContent xmlns:mc="http://schemas.openxmlformats.org/markup-compatibility/2006">
+    <mc:Choice xmlns:c14="http://schemas.microsoft.com/office/drawing/2007/8/2/chart" Requires="c14">
+      <c14:style val="102"/>
+    </mc:Choice>
+    <mc:Fallback>
+      <c:style val="2"/>
+    </mc:Fallback>
+  </mc:AlternateContent>
+  <c:chart>
+    <c:title>
+      <c:layout>
+        <c:manualLayout>
+          <c:xMode val="edge"/>
+          <c:yMode val="edge"/>
+          <c:x val="0.4261355426706076"/>
+          <c:y val="7.189568384014558E-2"/>
+        </c:manualLayout>
+      </c:layout>
+      <c:overlay val="0"/>
+    </c:title>
+    <c:autoTitleDeleted val="0"/>
+    <c:plotArea>
+      <c:layout>
+        <c:manualLayout>
+          <c:layoutTarget val="inner"/>
+          <c:xMode val="edge"/>
+          <c:yMode val="edge"/>
+          <c:x val="0.15304370393752798"/>
+          <c:y val="0.23455799593740495"/>
+          <c:w val="0.6433020470685219"/>
+          <c:h val="0.59729289338221658"/>
+        </c:manualLayout>
+      </c:layout>
+      <c:barChart>
+        <c:barDir val="col"/>
+        <c:grouping val="clustered"/>
+        <c:varyColors val="0"/>
+        <c:ser>
+          <c:idx val="1"/>
+          <c:order val="0"/>
+          <c:tx>
+            <c:strRef>
+              <c:f>Sheet1!$B$1</c:f>
+              <c:strCache>
+                <c:ptCount val="1"/>
+                <c:pt idx="0">
+                  <c:v>My Metric</c:v>
+                </c:pt>
+              </c:strCache>
+            </c:strRef>
+          </c:tx>
+          <c:spPr>
+            <a:solidFill>
+              <a:schemeClr val="accent5">
+                <a:lumMod val="50000"/>
+                <a:lumOff val="50000"/>
+              </a:schemeClr>
+            </a:solidFill>
+            <a:ln w="12700">
+              <a:noFill/>
+            </a:ln>
+          </c:spPr>
+          <c:invertIfNegative val="0"/>
+          <c:cat>
+            <c:strRef>
+              <c:f>Sheet1!$A$2:$A$5</c:f>
+              <c:strCache>
+                <c:ptCount val="4"/>
+                <c:pt idx="0">
+                  <c:v>Appli1</c:v>
+                </c:pt>
+                <c:pt idx="1">
+                  <c:v>Appli2</c:v>
+                </c:pt>
+                <c:pt idx="2">
+                  <c:v>Appli3</c:v>
+                </c:pt>
+                <c:pt idx="3">
+                  <c:v>Appli4</c:v>
+                </c:pt>
+              </c:strCache>
+            </c:strRef>
+          </c:cat>
+          <c:val>
+            <c:numRef>
+              <c:f>Sheet1!$B$2:$B$5</c:f>
+              <c:numCache>
+                <c:formatCode>#,##0.00</c:formatCode>
+                <c:ptCount val="4"/>
+                <c:pt idx="0">
+                  <c:v>2.5</c:v>
+                </c:pt>
+                <c:pt idx="1">
+                  <c:v>3.2</c:v>
+                </c:pt>
+                <c:pt idx="2">
+                  <c:v>2.2999999999999998</c:v>
+                </c:pt>
+                <c:pt idx="3">
+                  <c:v>1.3</c:v>
+                </c:pt>
+              </c:numCache>
+            </c:numRef>
+          </c:val>
+        </c:ser>
+        <c:dLbls>
+          <c:showLegendKey val="0"/>
+          <c:showVal val="0"/>
+          <c:showCatName val="0"/>
+          <c:showSerName val="0"/>
+          <c:showPercent val="0"/>
+          <c:showBubbleSize val="0"/>
+        </c:dLbls>
+        <c:gapWidth val="150"/>
+        <c:overlap val="100"/>
+        <c:axId val="495542144"/>
+        <c:axId val="495542928"/>
+      </c:barChart>
+      <c:catAx>
+        <c:axId val="495542144"/>
+        <c:scaling>
+          <c:orientation val="minMax"/>
+        </c:scaling>
+        <c:delete val="0"/>
+        <c:axPos val="b"/>
+        <c:numFmt formatCode="General" sourceLinked="1"/>
+        <c:majorTickMark val="out"/>
+        <c:minorTickMark val="none"/>
+        <c:tickLblPos val="low"/>
+        <c:spPr>
+          <a:ln w="12700">
+            <a:solidFill>
+              <a:prstClr val="white">
+                <a:lumMod val="50000"/>
+              </a:prstClr>
+            </a:solidFill>
+          </a:ln>
+        </c:spPr>
+        <c:crossAx val="495542928"/>
+        <c:crosses val="autoZero"/>
+        <c:auto val="0"/>
+        <c:lblAlgn val="ctr"/>
+        <c:lblOffset val="100"/>
+        <c:noMultiLvlLbl val="1"/>
+      </c:catAx>
+      <c:valAx>
+        <c:axId val="495542928"/>
+        <c:scaling>
+          <c:orientation val="minMax"/>
+        </c:scaling>
+        <c:delete val="0"/>
+        <c:axPos val="l"/>
+        <c:majorGridlines/>
+        <c:numFmt formatCode="#,##0.00" sourceLinked="1"/>
+        <c:majorTickMark val="cross"/>
+        <c:minorTickMark val="none"/>
+        <c:tickLblPos val="nextTo"/>
+        <c:spPr>
+          <a:ln>
+            <a:solidFill>
+              <a:prstClr val="white">
+                <a:lumMod val="50000"/>
+              </a:prstClr>
+            </a:solidFill>
+          </a:ln>
+        </c:spPr>
+        <c:crossAx val="495542144"/>
+        <c:crosses val="autoZero"/>
+        <c:crossBetween val="between"/>
+      </c:valAx>
+    </c:plotArea>
+    <c:plotVisOnly val="1"/>
+    <c:dispBlanksAs val="gap"/>
+    <c:showDLblsOverMax val="0"/>
+  </c:chart>
+  <c:txPr>
+    <a:bodyPr/>
+    <a:lstStyle/>
+    <a:p>
+      <a:pPr>
+        <a:defRPr sz="1200"/>
+      </a:pPr>
+      <a:endParaRPr lang="en-US"/>
+    </a:p>
+  </c:txPr>
+  <c:externalData r:id="rId1">
+    <c:autoUpdate val="0"/>
+  </c:externalData>
+</c:chartSpace>
+</file>
+
 <file path=ppt/notesMasters/notesMaster1.xml><?xml version="1.0" encoding="utf-8"?>
 <p:notesMaster xmlns:a="http://schemas.openxmlformats.org/drawingml/2006/main" xmlns:r="http://schemas.openxmlformats.org/officeDocument/2006/relationships" xmlns:p="http://schemas.openxmlformats.org/presentationml/2006/main">
   <p:cSld>
@@ -1949,7 +2118,7 @@
           <a:p>
             <a:fld id="{268042A1-6D91-4513-A62D-1E3FD70C84BE}" type="datetimeFigureOut">
               <a:rPr lang="fr-FR" smtClean="0"/>
-              <a:t>30/12/2016</a:t>
+              <a:t>31/01/2017</a:t>
             </a:fld>
             <a:endParaRPr lang="fr-FR"/>
           </a:p>
@@ -2552,7 +2721,7 @@
             <a:fld id="{D8E3BBD6-5DF7-411E-B793-6A3558CCCDCA}" type="datetimeFigureOut">
               <a:rPr lang="fr-FR" smtClean="0"/>
               <a:pPr/>
-              <a:t>30/12/2016</a:t>
+              <a:t>31/01/2017</a:t>
             </a:fld>
             <a:endParaRPr lang="fr-FR" dirty="0"/>
           </a:p>
@@ -2717,7 +2886,7 @@
             <a:fld id="{D8E3BBD6-5DF7-411E-B793-6A3558CCCDCA}" type="datetimeFigureOut">
               <a:rPr lang="fr-FR" smtClean="0"/>
               <a:pPr/>
-              <a:t>30/12/2016</a:t>
+              <a:t>31/01/2017</a:t>
             </a:fld>
             <a:endParaRPr lang="fr-FR" dirty="0"/>
           </a:p>
@@ -4251,7 +4420,7 @@
             <a:fld id="{D8E3BBD6-5DF7-411E-B793-6A3558CCCDCA}" type="datetimeFigureOut">
               <a:rPr lang="fr-FR" smtClean="0"/>
               <a:pPr/>
-              <a:t>30/12/2016</a:t>
+              <a:t>31/01/2017</a:t>
             </a:fld>
             <a:endParaRPr lang="fr-FR" dirty="0"/>
           </a:p>
@@ -6676,7 +6845,7 @@
             <a:fld id="{D8E3BBD6-5DF7-411E-B793-6A3558CCCDCA}" type="datetimeFigureOut">
               <a:rPr lang="fr-FR" smtClean="0"/>
               <a:pPr/>
-              <a:t>30/12/2016</a:t>
+              <a:t>31/01/2017</a:t>
             </a:fld>
             <a:endParaRPr lang="fr-FR" dirty="0"/>
           </a:p>
@@ -9357,7 +9526,7 @@
             <a:fld id="{D8E3BBD6-5DF7-411E-B793-6A3558CCCDCA}" type="datetimeFigureOut">
               <a:rPr lang="fr-FR" smtClean="0"/>
               <a:pPr/>
-              <a:t>30/12/2016</a:t>
+              <a:t>31/01/2017</a:t>
             </a:fld>
             <a:endParaRPr lang="fr-FR" dirty="0"/>
           </a:p>
@@ -12263,7 +12432,7 @@
             <a:fld id="{D8E3BBD6-5DF7-411E-B793-6A3558CCCDCA}" type="datetimeFigureOut">
               <a:rPr lang="fr-FR" smtClean="0"/>
               <a:pPr/>
-              <a:t>30/12/2016</a:t>
+              <a:t>31/01/2017</a:t>
             </a:fld>
             <a:endParaRPr lang="fr-FR" dirty="0"/>
           </a:p>
@@ -14050,7 +14219,7 @@
             <a:fld id="{D8E3BBD6-5DF7-411E-B793-6A3558CCCDCA}" type="datetimeFigureOut">
               <a:rPr lang="fr-FR" smtClean="0"/>
               <a:pPr/>
-              <a:t>30/12/2016</a:t>
+              <a:t>31/01/2017</a:t>
             </a:fld>
             <a:endParaRPr lang="fr-FR" dirty="0"/>
           </a:p>
@@ -14130,7 +14299,7 @@
             <a:fld id="{D8E3BBD6-5DF7-411E-B793-6A3558CCCDCA}" type="datetimeFigureOut">
               <a:rPr lang="fr-FR" smtClean="0"/>
               <a:pPr/>
-              <a:t>30/12/2016</a:t>
+              <a:t>31/01/2017</a:t>
             </a:fld>
             <a:endParaRPr lang="fr-FR" dirty="0"/>
           </a:p>
@@ -14392,7 +14561,7 @@
             <a:fld id="{D8E3BBD6-5DF7-411E-B793-6A3558CCCDCA}" type="datetimeFigureOut">
               <a:rPr lang="fr-FR" smtClean="0"/>
               <a:pPr/>
-              <a:t>30/12/2016</a:t>
+              <a:t>31/01/2017</a:t>
             </a:fld>
             <a:endParaRPr lang="fr-FR" dirty="0"/>
           </a:p>
@@ -14635,7 +14804,7 @@
             <a:fld id="{D8E3BBD6-5DF7-411E-B793-6A3558CCCDCA}" type="datetimeFigureOut">
               <a:rPr lang="fr-FR" smtClean="0"/>
               <a:pPr/>
-              <a:t>30/12/2016</a:t>
+              <a:t>31/01/2017</a:t>
             </a:fld>
             <a:endParaRPr lang="fr-FR" dirty="0"/>
           </a:p>
@@ -14837,7 +15006,7 @@
             <a:fld id="{D8E3BBD6-5DF7-411E-B793-6A3558CCCDCA}" type="datetimeFigureOut">
               <a:rPr lang="fr-FR" smtClean="0"/>
               <a:pPr/>
-              <a:t>30/12/2016</a:t>
+              <a:t>31/01/2017</a:t>
             </a:fld>
             <a:endParaRPr lang="fr-FR" dirty="0"/>
           </a:p>
@@ -19362,11 +19531,7 @@
           <a:p>
             <a:r>
               <a:rPr lang="en-US" dirty="0" smtClean="0"/>
-              <a:t>PowerPoint Templates – </a:t>
-            </a:r>
-            <a:r>
-              <a:rPr lang="en-US" dirty="0" smtClean="0"/>
-              <a:t>Text</a:t>
+              <a:t>PowerPoint Templates – Text</a:t>
             </a:r>
             <a:endParaRPr lang="en-US" dirty="0"/>
           </a:p>
@@ -20630,11 +20795,7 @@
           <a:p>
             <a:r>
               <a:rPr lang="en-US" dirty="0" smtClean="0"/>
-              <a:t>PowerPoint Templates – </a:t>
-            </a:r>
-            <a:r>
-              <a:rPr lang="en-US" dirty="0" smtClean="0"/>
-              <a:t>Text</a:t>
+              <a:t>PowerPoint Templates – Text</a:t>
             </a:r>
             <a:endParaRPr lang="en-US" dirty="0"/>
           </a:p>
@@ -21958,11 +22119,7 @@
           <a:p>
             <a:r>
               <a:rPr lang="en-US" dirty="0" smtClean="0"/>
-              <a:t>PowerPoint Templates – </a:t>
-            </a:r>
-            <a:r>
-              <a:rPr lang="en-US" dirty="0" smtClean="0"/>
-              <a:t>Text</a:t>
+              <a:t>PowerPoint Templates – Text</a:t>
             </a:r>
             <a:endParaRPr lang="en-US" dirty="0"/>
           </a:p>
@@ -22665,11 +22822,7 @@
           <a:p>
             <a:r>
               <a:rPr lang="fr-FR" dirty="0" smtClean="0"/>
-              <a:t>PowerPoint Templates – </a:t>
-            </a:r>
-            <a:r>
-              <a:rPr lang="fr-FR" dirty="0" smtClean="0"/>
-              <a:t>Graphics</a:t>
+              <a:t>PowerPoint Templates – Graphics</a:t>
             </a:r>
             <a:endParaRPr lang="fr-FR" dirty="0"/>
           </a:p>
@@ -22780,11 +22933,7 @@
           <a:p>
             <a:r>
               <a:rPr lang="en-US" dirty="0" smtClean="0"/>
-              <a:t>PowerPoint Templates – </a:t>
-            </a:r>
-            <a:r>
-              <a:rPr lang="en-US" dirty="0" smtClean="0"/>
-              <a:t>Graphics</a:t>
+              <a:t>PowerPoint Templates – Graphics</a:t>
             </a:r>
             <a:endParaRPr lang="en-US" dirty="0"/>
           </a:p>
@@ -23216,11 +23365,7 @@
           <a:p>
             <a:r>
               <a:rPr lang="en-US" dirty="0" smtClean="0"/>
-              <a:t>PowerPoint Templates – </a:t>
-            </a:r>
-            <a:r>
-              <a:rPr lang="en-US" dirty="0" smtClean="0"/>
-              <a:t>Graphics</a:t>
+              <a:t>PowerPoint Templates – Graphics</a:t>
             </a:r>
             <a:endParaRPr lang="en-US" dirty="0"/>
           </a:p>
@@ -23661,11 +23806,7 @@
           <a:p>
             <a:r>
               <a:rPr lang="fr-FR" dirty="0" smtClean="0"/>
-              <a:t>PowerPoint Templates – </a:t>
-            </a:r>
-            <a:r>
-              <a:rPr lang="fr-FR" dirty="0" smtClean="0"/>
-              <a:t>Graphics</a:t>
+              <a:t>PowerPoint Templates – Graphics</a:t>
             </a:r>
             <a:endParaRPr lang="fr-FR" dirty="0"/>
           </a:p>
@@ -24089,22 +24230,24 @@
       </p:grpSpPr>
       <p:sp>
         <p:nvSpPr>
-          <p:cNvPr id="11" name="Subtitle 10"/>
+          <p:cNvPr id="24" name="Title 1"/>
           <p:cNvSpPr>
             <a:spLocks noGrp="1"/>
           </p:cNvSpPr>
           <p:nvPr>
-            <p:ph type="subTitle" idx="1"/>
+            <p:ph type="title"/>
           </p:nvPr>
         </p:nvSpPr>
         <p:spPr/>
         <p:txBody>
-          <a:bodyPr/>
+          <a:bodyPr>
+            <a:normAutofit/>
+          </a:bodyPr>
           <a:lstStyle/>
           <a:p>
             <a:r>
               <a:rPr lang="en-US" dirty="0" smtClean="0"/>
-              <a:t>Table Templates</a:t>
+              <a:t>PowerPoint Templates – Graphics</a:t>
             </a:r>
             <a:endParaRPr lang="en-US" dirty="0"/>
           </a:p>
@@ -24112,28 +24255,303 @@
       </p:sp>
       <p:sp>
         <p:nvSpPr>
-          <p:cNvPr id="10" name="Title 9"/>
-          <p:cNvSpPr>
-            <a:spLocks noGrp="1"/>
-          </p:cNvSpPr>
+          <p:cNvPr id="33" name="Rounded Rectangle 32"/>
+          <p:cNvSpPr/>
+          <p:nvPr/>
+        </p:nvSpPr>
+        <p:spPr>
+          <a:xfrm>
+            <a:off x="276935" y="908720"/>
+            <a:ext cx="8327272" cy="5585266"/>
+          </a:xfrm>
+          <a:prstGeom prst="roundRect">
+            <a:avLst>
+              <a:gd name="adj" fmla="val 3762"/>
+            </a:avLst>
+          </a:prstGeom>
+          <a:solidFill>
+            <a:schemeClr val="bg1">
+              <a:lumMod val="95000"/>
+            </a:schemeClr>
+          </a:solidFill>
+          <a:ln>
+            <a:noFill/>
+          </a:ln>
+          <a:effectLst/>
+        </p:spPr>
+        <p:style>
+          <a:lnRef idx="1">
+            <a:schemeClr val="accent5"/>
+          </a:lnRef>
+          <a:fillRef idx="3">
+            <a:schemeClr val="accent5"/>
+          </a:fillRef>
+          <a:effectRef idx="2">
+            <a:schemeClr val="accent5"/>
+          </a:effectRef>
+          <a:fontRef idx="minor">
+            <a:schemeClr val="lt1"/>
+          </a:fontRef>
+        </p:style>
+        <p:txBody>
+          <a:bodyPr rtlCol="0" anchor="ctr"/>
+          <a:lstStyle/>
+          <a:p>
+            <a:pPr algn="ctr"/>
+            <a:endParaRPr lang="en-US" dirty="0">
+              <a:solidFill>
+                <a:schemeClr val="lt1"/>
+              </a:solidFill>
+            </a:endParaRPr>
+          </a:p>
+        </p:txBody>
+      </p:sp>
+      <p:sp>
+        <p:nvSpPr>
+          <p:cNvPr id="34" name="TextBox 33"/>
+          <p:cNvSpPr txBox="1"/>
+          <p:nvPr/>
+        </p:nvSpPr>
+        <p:spPr>
+          <a:xfrm>
+            <a:off x="251520" y="1052736"/>
+            <a:ext cx="8143200" cy="369332"/>
+          </a:xfrm>
+          <a:prstGeom prst="rect">
+            <a:avLst/>
+          </a:prstGeom>
+          <a:noFill/>
+        </p:spPr>
+        <p:txBody>
+          <a:bodyPr wrap="square" lIns="180000" rIns="180000" rtlCol="0">
+            <a:spAutoFit/>
+          </a:bodyPr>
+          <a:lstStyle>
+            <a:defPPr>
+              <a:defRPr lang="fr-FR"/>
+            </a:defPPr>
+            <a:lvl1pPr>
+              <a:defRPr sz="2000" b="1">
+                <a:solidFill>
+                  <a:schemeClr val="tx1">
+                    <a:lumMod val="75000"/>
+                    <a:lumOff val="25000"/>
+                  </a:schemeClr>
+                </a:solidFill>
+              </a:defRPr>
+            </a:lvl1pPr>
+          </a:lstStyle>
+          <a:p>
+            <a:r>
+              <a:rPr lang="en-US" sz="1800" dirty="0" smtClean="0"/>
+              <a:t>List of applications regarding a specific indicator</a:t>
+            </a:r>
+            <a:endParaRPr lang="en-US" sz="1800" dirty="0"/>
+          </a:p>
+        </p:txBody>
+      </p:sp>
+      <p:sp>
+        <p:nvSpPr>
+          <p:cNvPr id="36" name="TextBox 35"/>
+          <p:cNvSpPr txBox="1"/>
+          <p:nvPr/>
+        </p:nvSpPr>
+        <p:spPr>
+          <a:xfrm>
+            <a:off x="1907704" y="1484784"/>
+            <a:ext cx="6630534" cy="369332"/>
+          </a:xfrm>
+          <a:prstGeom prst="rect">
+            <a:avLst/>
+          </a:prstGeom>
+          <a:noFill/>
+        </p:spPr>
+        <p:txBody>
+          <a:bodyPr wrap="square" rtlCol="0">
+            <a:spAutoFit/>
+          </a:bodyPr>
+          <a:lstStyle>
+            <a:defPPr>
+              <a:defRPr lang="fr-FR"/>
+            </a:defPPr>
+            <a:lvl1pPr>
+              <a:defRPr sz="2000" b="1">
+                <a:solidFill>
+                  <a:srgbClr val="5E5E5E"/>
+                </a:solidFill>
+              </a:defRPr>
+            </a:lvl1pPr>
+          </a:lstStyle>
+          <a:p>
+            <a:r>
+              <a:rPr lang="en-US" sz="1800" dirty="0" smtClean="0"/>
+              <a:t>PF_BAR_CHART</a:t>
+            </a:r>
+            <a:endParaRPr lang="en-US" sz="1800" dirty="0"/>
+          </a:p>
+        </p:txBody>
+      </p:sp>
+      <p:sp>
+        <p:nvSpPr>
+          <p:cNvPr id="37" name="TextBox 36"/>
+          <p:cNvSpPr txBox="1"/>
+          <p:nvPr/>
+        </p:nvSpPr>
+        <p:spPr>
+          <a:xfrm>
+            <a:off x="395536" y="1475492"/>
+            <a:ext cx="1556836" cy="369332"/>
+          </a:xfrm>
+          <a:prstGeom prst="rect">
+            <a:avLst/>
+          </a:prstGeom>
+          <a:noFill/>
+        </p:spPr>
+        <p:txBody>
+          <a:bodyPr wrap="none" rtlCol="0">
+            <a:spAutoFit/>
+          </a:bodyPr>
+          <a:lstStyle>
+            <a:defPPr>
+              <a:defRPr lang="fr-FR"/>
+            </a:defPPr>
+            <a:lvl1pPr algn="r">
+              <a:defRPr sz="2000">
+                <a:solidFill>
+                  <a:schemeClr val="bg1">
+                    <a:lumMod val="50000"/>
+                  </a:schemeClr>
+                </a:solidFill>
+              </a:defRPr>
+            </a:lvl1pPr>
+          </a:lstStyle>
+          <a:p>
+            <a:r>
+              <a:rPr lang="en-US" sz="1800" dirty="0" smtClean="0"/>
+              <a:t>Block Name :</a:t>
+            </a:r>
+            <a:endParaRPr lang="en-US" sz="1800" dirty="0"/>
+          </a:p>
+        </p:txBody>
+      </p:sp>
+      <p:sp>
+        <p:nvSpPr>
+          <p:cNvPr id="38" name="TextBox 37"/>
+          <p:cNvSpPr txBox="1"/>
+          <p:nvPr/>
+        </p:nvSpPr>
+        <p:spPr>
+          <a:xfrm>
+            <a:off x="1907704" y="1835532"/>
+            <a:ext cx="6192688" cy="646331"/>
+          </a:xfrm>
+          <a:prstGeom prst="rect">
+            <a:avLst/>
+          </a:prstGeom>
+          <a:noFill/>
+        </p:spPr>
+        <p:txBody>
+          <a:bodyPr wrap="square" rtlCol="0">
+            <a:spAutoFit/>
+          </a:bodyPr>
+          <a:lstStyle>
+            <a:defPPr>
+              <a:defRPr lang="fr-FR"/>
+            </a:defPPr>
+            <a:lvl1pPr>
+              <a:defRPr sz="2000" i="1">
+                <a:solidFill>
+                  <a:schemeClr val="bg1">
+                    <a:lumMod val="50000"/>
+                  </a:schemeClr>
+                </a:solidFill>
+              </a:defRPr>
+            </a:lvl1pPr>
+          </a:lstStyle>
+          <a:p>
+            <a:r>
+              <a:rPr lang="en-US" sz="1800" b="1" dirty="0" smtClean="0"/>
+              <a:t>METRIC=ID</a:t>
+            </a:r>
+            <a:r>
+              <a:rPr lang="en-US" sz="1800" dirty="0" smtClean="0"/>
+              <a:t> (where ID can be a quality indicator or a background fact)</a:t>
+            </a:r>
+            <a:endParaRPr lang="en-US" sz="1800" dirty="0"/>
+          </a:p>
+        </p:txBody>
+      </p:sp>
+      <p:sp>
+        <p:nvSpPr>
+          <p:cNvPr id="39" name="TextBox 38"/>
+          <p:cNvSpPr txBox="1"/>
+          <p:nvPr/>
+        </p:nvSpPr>
+        <p:spPr>
+          <a:xfrm>
+            <a:off x="827584" y="1835532"/>
+            <a:ext cx="1107996" cy="369332"/>
+          </a:xfrm>
+          <a:prstGeom prst="rect">
+            <a:avLst/>
+          </a:prstGeom>
+          <a:noFill/>
+        </p:spPr>
+        <p:txBody>
+          <a:bodyPr wrap="none" rtlCol="0">
+            <a:spAutoFit/>
+          </a:bodyPr>
+          <a:lstStyle>
+            <a:defPPr>
+              <a:defRPr lang="fr-FR"/>
+            </a:defPPr>
+            <a:lvl1pPr algn="r">
+              <a:defRPr sz="2000">
+                <a:solidFill>
+                  <a:schemeClr val="bg1">
+                    <a:lumMod val="50000"/>
+                  </a:schemeClr>
+                </a:solidFill>
+              </a:defRPr>
+            </a:lvl1pPr>
+          </a:lstStyle>
+          <a:p>
+            <a:r>
+              <a:rPr lang="en-US" sz="1800" dirty="0" smtClean="0"/>
+              <a:t>Options :</a:t>
+            </a:r>
+            <a:endParaRPr lang="en-US" sz="1800" dirty="0"/>
+          </a:p>
+        </p:txBody>
+      </p:sp>
+      <p:graphicFrame>
+        <p:nvGraphicFramePr>
+          <p:cNvPr id="10" name="Chart 9" descr="GRAPH;PF_BAR_CHART;METRIC=60014"/>
+          <p:cNvGraphicFramePr/>
           <p:nvPr>
-            <p:ph type="ctrTitle" sz="quarter"/>
+            <p:extLst>
+              <p:ext uri="{D42A27DB-BD31-4B8C-83A1-F6EECF244321}">
+                <p14:modId xmlns:p14="http://schemas.microsoft.com/office/powerpoint/2010/main" val="1818613036"/>
+              </p:ext>
+            </p:extLst>
           </p:nvPr>
-        </p:nvSpPr>
-        <p:spPr/>
-        <p:txBody>
-          <a:bodyPr/>
-          <a:lstStyle/>
-          <a:p>
-            <a:r>
-              <a:rPr lang="en-US" dirty="0" smtClean="0"/>
-              <a:t>PowerPoint Templates</a:t>
-            </a:r>
-            <a:endParaRPr lang="en-US" dirty="0"/>
-          </a:p>
-        </p:txBody>
-      </p:sp>
+        </p:nvGraphicFramePr>
+        <p:xfrm>
+          <a:off x="539552" y="2497280"/>
+          <a:ext cx="7945188" cy="3795237"/>
+        </p:xfrm>
+        <a:graphic>
+          <a:graphicData uri="http://schemas.openxmlformats.org/drawingml/2006/chart">
+            <c:chart xmlns:c="http://schemas.openxmlformats.org/drawingml/2006/chart" xmlns:r="http://schemas.openxmlformats.org/officeDocument/2006/relationships" r:id="rId2"/>
+          </a:graphicData>
+        </a:graphic>
+      </p:graphicFrame>
     </p:spTree>
+    <p:extLst>
+      <p:ext uri="{BB962C8B-B14F-4D97-AF65-F5344CB8AC3E}">
+        <p14:creationId xmlns:p14="http://schemas.microsoft.com/office/powerpoint/2010/main" val="4039169699"/>
+      </p:ext>
+    </p:extLst>
   </p:cSld>
   <p:clrMapOvr>
     <a:masterClrMapping/>
@@ -24167,89 +24585,47 @@
       </p:grpSpPr>
       <p:sp>
         <p:nvSpPr>
-          <p:cNvPr id="2" name="Title 1"/>
+          <p:cNvPr id="11" name="Subtitle 10"/>
           <p:cNvSpPr>
             <a:spLocks noGrp="1"/>
           </p:cNvSpPr>
           <p:nvPr>
-            <p:ph type="title"/>
+            <p:ph type="subTitle" idx="1"/>
           </p:nvPr>
         </p:nvSpPr>
         <p:spPr/>
         <p:txBody>
-          <a:bodyPr>
-            <a:normAutofit/>
-          </a:bodyPr>
+          <a:bodyPr/>
           <a:lstStyle/>
           <a:p>
             <a:r>
-              <a:rPr lang="fr-FR" dirty="0" smtClean="0"/>
-              <a:t>PowerPoint Templates – </a:t>
-            </a:r>
-            <a:r>
-              <a:rPr lang="fr-FR" dirty="0" smtClean="0"/>
-              <a:t>Tables</a:t>
-            </a:r>
-            <a:endParaRPr lang="fr-FR" dirty="0"/>
-          </a:p>
-        </p:txBody>
-      </p:sp>
-      <p:sp>
-        <p:nvSpPr>
-          <p:cNvPr id="78" name="Content Placeholder 77"/>
+              <a:rPr lang="en-US" dirty="0" smtClean="0"/>
+              <a:t>Table Templates</a:t>
+            </a:r>
+            <a:endParaRPr lang="en-US" dirty="0"/>
+          </a:p>
+        </p:txBody>
+      </p:sp>
+      <p:sp>
+        <p:nvSpPr>
+          <p:cNvPr id="10" name="Title 9"/>
           <p:cNvSpPr>
             <a:spLocks noGrp="1"/>
           </p:cNvSpPr>
           <p:nvPr>
-            <p:ph type="body" sz="quarter" idx="11"/>
+            <p:ph type="ctrTitle" sz="quarter"/>
           </p:nvPr>
         </p:nvSpPr>
-        <p:spPr>
-          <a:xfrm>
-            <a:off x="325438" y="907126"/>
-            <a:ext cx="8504237" cy="2208297"/>
-          </a:xfrm>
-        </p:spPr>
+        <p:spPr/>
         <p:txBody>
           <a:bodyPr/>
           <a:lstStyle/>
           <a:p>
             <a:r>
-              <a:rPr lang="fr-FR" sz="2400" dirty="0" smtClean="0"/>
-              <a:t>This kind of template is identified by a type value as</a:t>
-            </a:r>
-            <a:br>
-              <a:rPr lang="fr-FR" sz="2400" dirty="0" smtClean="0"/>
-            </a:br>
-            <a:r>
-              <a:rPr lang="fr-FR" sz="2400" dirty="0" smtClean="0"/>
-              <a:t>			</a:t>
-            </a:r>
-          </a:p>
-          <a:p>
-            <a:pPr marL="0" indent="0">
-              <a:buNone/>
-            </a:pPr>
-            <a:r>
-              <a:rPr lang="fr-FR" sz="2400" dirty="0" smtClean="0"/>
-              <a:t>			Type = </a:t>
-            </a:r>
-            <a:r>
-              <a:rPr lang="fr-FR" sz="2400" b="1" dirty="0" smtClean="0"/>
-              <a:t>TABLE</a:t>
-            </a:r>
-          </a:p>
-          <a:p>
-            <a:pPr marL="0" indent="0">
-              <a:buNone/>
-            </a:pPr>
-            <a:endParaRPr lang="fr-FR" sz="2400" b="1" dirty="0" smtClean="0"/>
-          </a:p>
-          <a:p>
-            <a:pPr marL="0" indent="0">
-              <a:buNone/>
-            </a:pPr>
-            <a:endParaRPr lang="fr-FR" sz="2400" b="1" dirty="0" smtClean="0"/>
+              <a:rPr lang="en-US" dirty="0" smtClean="0"/>
+              <a:t>PowerPoint Templates</a:t>
+            </a:r>
+            <a:endParaRPr lang="en-US" dirty="0"/>
           </a:p>
         </p:txBody>
       </p:sp>
@@ -24377,6 +24753,122 @@
       </p:grpSpPr>
       <p:sp>
         <p:nvSpPr>
+          <p:cNvPr id="2" name="Title 1"/>
+          <p:cNvSpPr>
+            <a:spLocks noGrp="1"/>
+          </p:cNvSpPr>
+          <p:nvPr>
+            <p:ph type="title"/>
+          </p:nvPr>
+        </p:nvSpPr>
+        <p:spPr/>
+        <p:txBody>
+          <a:bodyPr>
+            <a:normAutofit/>
+          </a:bodyPr>
+          <a:lstStyle/>
+          <a:p>
+            <a:r>
+              <a:rPr lang="fr-FR" dirty="0" smtClean="0"/>
+              <a:t>PowerPoint Templates – Tables</a:t>
+            </a:r>
+            <a:endParaRPr lang="fr-FR" dirty="0"/>
+          </a:p>
+        </p:txBody>
+      </p:sp>
+      <p:sp>
+        <p:nvSpPr>
+          <p:cNvPr id="78" name="Content Placeholder 77"/>
+          <p:cNvSpPr>
+            <a:spLocks noGrp="1"/>
+          </p:cNvSpPr>
+          <p:nvPr>
+            <p:ph type="body" sz="quarter" idx="11"/>
+          </p:nvPr>
+        </p:nvSpPr>
+        <p:spPr>
+          <a:xfrm>
+            <a:off x="325438" y="907126"/>
+            <a:ext cx="8504237" cy="2208297"/>
+          </a:xfrm>
+        </p:spPr>
+        <p:txBody>
+          <a:bodyPr/>
+          <a:lstStyle/>
+          <a:p>
+            <a:r>
+              <a:rPr lang="fr-FR" sz="2400" dirty="0" smtClean="0"/>
+              <a:t>This kind of template is identified by a type value as</a:t>
+            </a:r>
+            <a:br>
+              <a:rPr lang="fr-FR" sz="2400" dirty="0" smtClean="0"/>
+            </a:br>
+            <a:r>
+              <a:rPr lang="fr-FR" sz="2400" dirty="0" smtClean="0"/>
+              <a:t>			</a:t>
+            </a:r>
+          </a:p>
+          <a:p>
+            <a:pPr marL="0" indent="0">
+              <a:buNone/>
+            </a:pPr>
+            <a:r>
+              <a:rPr lang="fr-FR" sz="2400" dirty="0" smtClean="0"/>
+              <a:t>			Type = </a:t>
+            </a:r>
+            <a:r>
+              <a:rPr lang="fr-FR" sz="2400" b="1" dirty="0" smtClean="0"/>
+              <a:t>TABLE</a:t>
+            </a:r>
+          </a:p>
+          <a:p>
+            <a:pPr marL="0" indent="0">
+              <a:buNone/>
+            </a:pPr>
+            <a:endParaRPr lang="fr-FR" sz="2400" b="1" dirty="0" smtClean="0"/>
+          </a:p>
+          <a:p>
+            <a:pPr marL="0" indent="0">
+              <a:buNone/>
+            </a:pPr>
+            <a:endParaRPr lang="fr-FR" sz="2400" b="1" dirty="0" smtClean="0"/>
+          </a:p>
+        </p:txBody>
+      </p:sp>
+    </p:spTree>
+  </p:cSld>
+  <p:clrMapOvr>
+    <a:masterClrMapping/>
+  </p:clrMapOvr>
+  <p:timing>
+    <p:tnLst>
+      <p:par>
+        <p:cTn id="1" dur="indefinite" restart="never" nodeType="tmRoot"/>
+      </p:par>
+    </p:tnLst>
+  </p:timing>
+</p:sld>
+</file>
+
+<file path=ppt/slides/slide21.xml><?xml version="1.0" encoding="utf-8"?>
+<p:sld xmlns:a="http://schemas.openxmlformats.org/drawingml/2006/main" xmlns:r="http://schemas.openxmlformats.org/officeDocument/2006/relationships" xmlns:p="http://schemas.openxmlformats.org/presentationml/2006/main">
+  <p:cSld>
+    <p:spTree>
+      <p:nvGrpSpPr>
+        <p:cNvPr id="1" name=""/>
+        <p:cNvGrpSpPr/>
+        <p:nvPr/>
+      </p:nvGrpSpPr>
+      <p:grpSpPr>
+        <a:xfrm>
+          <a:off x="0" y="0"/>
+          <a:ext cx="0" cy="0"/>
+          <a:chOff x="0" y="0"/>
+          <a:chExt cx="0" cy="0"/>
+        </a:xfrm>
+      </p:grpSpPr>
+      <p:sp>
+        <p:nvSpPr>
           <p:cNvPr id="24" name="Title 1"/>
           <p:cNvSpPr>
             <a:spLocks noGrp="1"/>
@@ -24394,11 +24886,7 @@
           <a:p>
             <a:r>
               <a:rPr lang="en-US" dirty="0" smtClean="0"/>
-              <a:t>PowerPoint Templates – </a:t>
-            </a:r>
-            <a:r>
-              <a:rPr lang="en-US" dirty="0" smtClean="0"/>
-              <a:t>Tables</a:t>
+              <a:t>PowerPoint Templates – Tables</a:t>
             </a:r>
             <a:endParaRPr lang="en-US" dirty="0"/>
           </a:p>
@@ -26189,7 +26677,7 @@
 </p:sld>
 </file>
 
-<file path=ppt/slides/slide21.xml><?xml version="1.0" encoding="utf-8"?>
+<file path=ppt/slides/slide22.xml><?xml version="1.0" encoding="utf-8"?>
 <p:sld xmlns:a="http://schemas.openxmlformats.org/drawingml/2006/main" xmlns:r="http://schemas.openxmlformats.org/officeDocument/2006/relationships" xmlns:p="http://schemas.openxmlformats.org/presentationml/2006/main">
   <p:cSld>
     <p:spTree>
@@ -26225,11 +26713,7 @@
           <a:p>
             <a:r>
               <a:rPr lang="en-US" dirty="0" smtClean="0"/>
-              <a:t>PowerPoint Templates – </a:t>
-            </a:r>
-            <a:r>
-              <a:rPr lang="en-US" dirty="0" smtClean="0"/>
-              <a:t>Tables</a:t>
+              <a:t>PowerPoint Templates – Tables</a:t>
             </a:r>
             <a:endParaRPr lang="en-US" dirty="0"/>
           </a:p>
@@ -28351,7 +28835,7 @@
 </p:sld>
 </file>
 
-<file path=ppt/slides/slide22.xml><?xml version="1.0" encoding="utf-8"?>
+<file path=ppt/slides/slide23.xml><?xml version="1.0" encoding="utf-8"?>
 <p:sld xmlns:a="http://schemas.openxmlformats.org/drawingml/2006/main" xmlns:r="http://schemas.openxmlformats.org/officeDocument/2006/relationships" xmlns:p="http://schemas.openxmlformats.org/presentationml/2006/main">
   <p:cSld>
     <p:spTree>
@@ -28402,7 +28886,7 @@
                   <a:prstClr val="black"/>
                 </a:buClr>
               </a:pPr>
-              <a:t>22</a:t>
+              <a:t>23</a:t>
             </a:fld>
             <a:endParaRPr lang="en-US" dirty="0">
               <a:solidFill>
@@ -28604,7 +29088,7 @@
 </p:sld>
 </file>
 
-<file path=ppt/slides/slide23.xml><?xml version="1.0" encoding="utf-8"?>
+<file path=ppt/slides/slide24.xml><?xml version="1.0" encoding="utf-8"?>
 <p:sld xmlns:a="http://schemas.openxmlformats.org/drawingml/2006/main" xmlns:r="http://schemas.openxmlformats.org/officeDocument/2006/relationships" xmlns:p="http://schemas.openxmlformats.org/presentationml/2006/main">
   <p:cSld>
     <p:spTree>
@@ -28640,11 +29124,7 @@
           <a:p>
             <a:r>
               <a:rPr lang="en-US" dirty="0" smtClean="0"/>
-              <a:t>PowerPoint Templates – </a:t>
-            </a:r>
-            <a:r>
-              <a:rPr lang="en-US" dirty="0" smtClean="0"/>
-              <a:t>Tables</a:t>
+              <a:t>PowerPoint Templates – Tables</a:t>
             </a:r>
             <a:endParaRPr lang="en-US" dirty="0"/>
           </a:p>
@@ -29751,7 +30231,7 @@
 </p:sld>
 </file>
 
-<file path=ppt/slides/slide24.xml><?xml version="1.0" encoding="utf-8"?>
+<file path=ppt/slides/slide25.xml><?xml version="1.0" encoding="utf-8"?>
 <p:sld xmlns:a="http://schemas.openxmlformats.org/drawingml/2006/main" xmlns:r="http://schemas.openxmlformats.org/officeDocument/2006/relationships" xmlns:p="http://schemas.openxmlformats.org/presentationml/2006/main">
   <p:cSld>
     <p:spTree>
@@ -29802,7 +30282,7 @@
                   <a:prstClr val="black"/>
                 </a:buClr>
               </a:pPr>
-              <a:t>24</a:t>
+              <a:t>25</a:t>
             </a:fld>
             <a:endParaRPr lang="en-US" dirty="0">
               <a:solidFill>

--- a/CastReporting.Reporting/PortfolioTemplatesFiles/1- Portfolio-Powerpoint-components-library.pptx
+++ b/CastReporting.Reporting/PortfolioTemplatesFiles/1- Portfolio-Powerpoint-components-library.pptx
@@ -156,7 +156,7 @@
 </file>
 
 <file path=ppt/charts/chart1.xml><?xml version="1.0" encoding="utf-8"?>
-<c:chartSpace xmlns:c="http://schemas.openxmlformats.org/drawingml/2006/chart" xmlns:a="http://schemas.openxmlformats.org/drawingml/2006/main" xmlns:r="http://schemas.openxmlformats.org/officeDocument/2006/relationships">
+<c:chartSpace xmlns:c="http://schemas.openxmlformats.org/drawingml/2006/chart" xmlns:a="http://schemas.openxmlformats.org/drawingml/2006/main" xmlns:r="http://schemas.openxmlformats.org/officeDocument/2006/relationships" xmlns:c16r2="http://schemas.microsoft.com/office/drawing/2015/06/chart">
   <c:date1904 val="0"/>
   <c:lang val="en-US"/>
   <c:roundedCorners val="0"/>
@@ -253,6 +253,11 @@
               </c:numCache>
             </c:numRef>
           </c:val>
+          <c:extLst>
+            <c:ext xmlns:c16="http://schemas.microsoft.com/office/drawing/2014/chart" uri="{C3380CC4-5D6E-409C-BE32-E72D297353CC}">
+              <c16:uniqueId val="{00000000-B079-400E-8814-167D55B7D281}"/>
+            </c:ext>
+          </c:extLst>
         </c:ser>
         <c:ser>
           <c:idx val="1"/>
@@ -321,6 +326,11 @@
               </c:numCache>
             </c:numRef>
           </c:val>
+          <c:extLst>
+            <c:ext xmlns:c16="http://schemas.microsoft.com/office/drawing/2014/chart" uri="{C3380CC4-5D6E-409C-BE32-E72D297353CC}">
+              <c16:uniqueId val="{00000001-B079-400E-8814-167D55B7D281}"/>
+            </c:ext>
+          </c:extLst>
         </c:ser>
         <c:dLbls>
           <c:showLegendKey val="0"/>
@@ -423,7 +433,7 @@
 </file>
 
 <file path=ppt/charts/chart2.xml><?xml version="1.0" encoding="utf-8"?>
-<c:chartSpace xmlns:c="http://schemas.openxmlformats.org/drawingml/2006/chart" xmlns:a="http://schemas.openxmlformats.org/drawingml/2006/main" xmlns:r="http://schemas.openxmlformats.org/officeDocument/2006/relationships">
+<c:chartSpace xmlns:c="http://schemas.openxmlformats.org/drawingml/2006/chart" xmlns:a="http://schemas.openxmlformats.org/drawingml/2006/main" xmlns:r="http://schemas.openxmlformats.org/officeDocument/2006/relationships" xmlns:c16r2="http://schemas.microsoft.com/office/drawing/2015/06/chart">
   <c:date1904 val="0"/>
   <c:lang val="en-US"/>
   <c:roundedCorners val="0"/>
@@ -520,6 +530,11 @@
               </c:numCache>
             </c:numRef>
           </c:val>
+          <c:extLst>
+            <c:ext xmlns:c16="http://schemas.microsoft.com/office/drawing/2014/chart" uri="{C3380CC4-5D6E-409C-BE32-E72D297353CC}">
+              <c16:uniqueId val="{00000000-663A-40C6-8F05-C5C7EFFC7C14}"/>
+            </c:ext>
+          </c:extLst>
         </c:ser>
         <c:ser>
           <c:idx val="1"/>
@@ -588,6 +603,11 @@
               </c:numCache>
             </c:numRef>
           </c:val>
+          <c:extLst>
+            <c:ext xmlns:c16="http://schemas.microsoft.com/office/drawing/2014/chart" uri="{C3380CC4-5D6E-409C-BE32-E72D297353CC}">
+              <c16:uniqueId val="{00000001-663A-40C6-8F05-C5C7EFFC7C14}"/>
+            </c:ext>
+          </c:extLst>
         </c:ser>
         <c:dLbls>
           <c:showLegendKey val="0"/>
@@ -690,7 +710,7 @@
 </file>
 
 <file path=ppt/charts/chart3.xml><?xml version="1.0" encoding="utf-8"?>
-<c:chartSpace xmlns:c="http://schemas.openxmlformats.org/drawingml/2006/chart" xmlns:a="http://schemas.openxmlformats.org/drawingml/2006/main" xmlns:r="http://schemas.openxmlformats.org/officeDocument/2006/relationships">
+<c:chartSpace xmlns:c="http://schemas.openxmlformats.org/drawingml/2006/chart" xmlns:a="http://schemas.openxmlformats.org/drawingml/2006/main" xmlns:r="http://schemas.openxmlformats.org/officeDocument/2006/relationships" xmlns:c16r2="http://schemas.microsoft.com/office/drawing/2015/06/chart">
   <c:date1904 val="0"/>
   <c:lang val="en-US"/>
   <c:roundedCorners val="0"/>
@@ -770,6 +790,9 @@
                   <c15:dlblFieldTable/>
                   <c15:showDataLabelsRange val="1"/>
                 </c:ext>
+                <c:ext xmlns:c16="http://schemas.microsoft.com/office/drawing/2014/chart" uri="{C3380CC4-5D6E-409C-BE32-E72D297353CC}">
+                  <c16:uniqueId val="{00000000-D677-41CB-8957-5A549F9DC177}"/>
+                </c:ext>
               </c:extLst>
             </c:dLbl>
             <c:dLbl>
@@ -803,6 +826,9 @@
                 <c:ext xmlns:c15="http://schemas.microsoft.com/office/drawing/2012/chart" uri="{CE6537A1-D6FC-4f65-9D91-7224C49458BB}">
                   <c15:dlblFieldTable/>
                   <c15:showDataLabelsRange val="1"/>
+                </c:ext>
+                <c:ext xmlns:c16="http://schemas.microsoft.com/office/drawing/2014/chart" uri="{C3380CC4-5D6E-409C-BE32-E72D297353CC}">
+                  <c16:uniqueId val="{00000001-D677-41CB-8957-5A549F9DC177}"/>
                 </c:ext>
               </c:extLst>
             </c:dLbl>
@@ -838,6 +864,9 @@
                   <c15:dlblFieldTable/>
                   <c15:showDataLabelsRange val="1"/>
                 </c:ext>
+                <c:ext xmlns:c16="http://schemas.microsoft.com/office/drawing/2014/chart" uri="{C3380CC4-5D6E-409C-BE32-E72D297353CC}">
+                  <c16:uniqueId val="{00000002-D677-41CB-8957-5A549F9DC177}"/>
+                </c:ext>
               </c:extLst>
             </c:dLbl>
             <c:dLbl>
@@ -871,6 +900,9 @@
                 <c:ext xmlns:c15="http://schemas.microsoft.com/office/drawing/2012/chart" uri="{CE6537A1-D6FC-4f65-9D91-7224C49458BB}">
                   <c15:dlblFieldTable/>
                   <c15:showDataLabelsRange val="1"/>
+                </c:ext>
+                <c:ext xmlns:c16="http://schemas.microsoft.com/office/drawing/2014/chart" uri="{C3380CC4-5D6E-409C-BE32-E72D297353CC}">
+                  <c16:uniqueId val="{00000003-D677-41CB-8957-5A549F9DC177}"/>
                 </c:ext>
               </c:extLst>
             </c:dLbl>
@@ -906,6 +938,9 @@
                   <c15:dlblFieldTable/>
                   <c15:showDataLabelsRange val="1"/>
                 </c:ext>
+                <c:ext xmlns:c16="http://schemas.microsoft.com/office/drawing/2014/chart" uri="{C3380CC4-5D6E-409C-BE32-E72D297353CC}">
+                  <c16:uniqueId val="{00000004-D677-41CB-8957-5A549F9DC177}"/>
+                </c:ext>
               </c:extLst>
             </c:dLbl>
             <c:dLbl>
@@ -939,6 +974,9 @@
                 <c:ext xmlns:c15="http://schemas.microsoft.com/office/drawing/2012/chart" uri="{CE6537A1-D6FC-4f65-9D91-7224C49458BB}">
                   <c15:dlblFieldTable/>
                   <c15:showDataLabelsRange val="1"/>
+                </c:ext>
+                <c:ext xmlns:c16="http://schemas.microsoft.com/office/drawing/2014/chart" uri="{C3380CC4-5D6E-409C-BE32-E72D297353CC}">
+                  <c16:uniqueId val="{00000005-D677-41CB-8957-5A549F9DC177}"/>
                 </c:ext>
               </c:extLst>
             </c:dLbl>
@@ -974,6 +1012,9 @@
                   <c15:dlblFieldTable/>
                   <c15:showDataLabelsRange val="1"/>
                 </c:ext>
+                <c:ext xmlns:c16="http://schemas.microsoft.com/office/drawing/2014/chart" uri="{C3380CC4-5D6E-409C-BE32-E72D297353CC}">
+                  <c16:uniqueId val="{00000006-D677-41CB-8957-5A549F9DC177}"/>
+                </c:ext>
               </c:extLst>
             </c:dLbl>
             <c:dLbl>
@@ -1007,6 +1048,9 @@
                 <c:ext xmlns:c15="http://schemas.microsoft.com/office/drawing/2012/chart" uri="{CE6537A1-D6FC-4f65-9D91-7224C49458BB}">
                   <c15:dlblFieldTable/>
                   <c15:showDataLabelsRange val="1"/>
+                </c:ext>
+                <c:ext xmlns:c16="http://schemas.microsoft.com/office/drawing/2014/chart" uri="{C3380CC4-5D6E-409C-BE32-E72D297353CC}">
+                  <c16:uniqueId val="{00000007-D677-41CB-8957-5A549F9DC177}"/>
                 </c:ext>
               </c:extLst>
             </c:dLbl>
@@ -1042,6 +1086,9 @@
                   <c15:dlblFieldTable/>
                   <c15:showDataLabelsRange val="1"/>
                 </c:ext>
+                <c:ext xmlns:c16="http://schemas.microsoft.com/office/drawing/2014/chart" uri="{C3380CC4-5D6E-409C-BE32-E72D297353CC}">
+                  <c16:uniqueId val="{00000008-D677-41CB-8957-5A549F9DC177}"/>
+                </c:ext>
               </c:extLst>
             </c:dLbl>
             <c:dLbl>
@@ -1075,6 +1122,9 @@
                 <c:ext xmlns:c15="http://schemas.microsoft.com/office/drawing/2012/chart" uri="{CE6537A1-D6FC-4f65-9D91-7224C49458BB}">
                   <c15:dlblFieldTable/>
                   <c15:showDataLabelsRange val="1"/>
+                </c:ext>
+                <c:ext xmlns:c16="http://schemas.microsoft.com/office/drawing/2014/chart" uri="{C3380CC4-5D6E-409C-BE32-E72D297353CC}">
+                  <c16:uniqueId val="{00000009-D677-41CB-8957-5A549F9DC177}"/>
                 </c:ext>
               </c:extLst>
             </c:dLbl>
@@ -1110,6 +1160,9 @@
                   <c15:dlblFieldTable/>
                   <c15:showDataLabelsRange val="1"/>
                 </c:ext>
+                <c:ext xmlns:c16="http://schemas.microsoft.com/office/drawing/2014/chart" uri="{C3380CC4-5D6E-409C-BE32-E72D297353CC}">
+                  <c16:uniqueId val="{0000000A-D677-41CB-8957-5A549F9DC177}"/>
+                </c:ext>
               </c:extLst>
             </c:dLbl>
             <c:dLbl>
@@ -1144,6 +1197,9 @@
                   <c15:dlblFieldTable/>
                   <c15:showDataLabelsRange val="1"/>
                 </c:ext>
+                <c:ext xmlns:c16="http://schemas.microsoft.com/office/drawing/2014/chart" uri="{C3380CC4-5D6E-409C-BE32-E72D297353CC}">
+                  <c16:uniqueId val="{0000000B-D677-41CB-8957-5A549F9DC177}"/>
+                </c:ext>
               </c:extLst>
             </c:dLbl>
             <c:dLbl>
@@ -1177,6 +1233,9 @@
                 <c:ext xmlns:c15="http://schemas.microsoft.com/office/drawing/2012/chart" uri="{CE6537A1-D6FC-4f65-9D91-7224C49458BB}">
                   <c15:dlblFieldTable/>
                   <c15:showDataLabelsRange val="1"/>
+                </c:ext>
+                <c:ext xmlns:c16="http://schemas.microsoft.com/office/drawing/2014/chart" uri="{C3380CC4-5D6E-409C-BE32-E72D297353CC}">
+                  <c16:uniqueId val="{0000000C-D677-41CB-8957-5A549F9DC177}"/>
                 </c:ext>
               </c:extLst>
             </c:dLbl>
@@ -1422,6 +1481,9 @@
                 </c15:dlblRangeCache>
               </c15:datalabelsRange>
             </c:ext>
+            <c:ext xmlns:c16="http://schemas.microsoft.com/office/drawing/2014/chart" uri="{C3380CC4-5D6E-409C-BE32-E72D297353CC}">
+              <c16:uniqueId val="{0000000D-D677-41CB-8957-5A549F9DC177}"/>
+            </c:ext>
           </c:extLst>
         </c:ser>
         <c:dLbls>
@@ -1620,6 +1682,11 @@
                   </c:numLit>
                 </c:bubbleSize>
                 <c:bubble3D val="1"/>
+                <c:extLst>
+                  <c:ext xmlns:c16="http://schemas.microsoft.com/office/drawing/2014/chart" uri="{C3380CC4-5D6E-409C-BE32-E72D297353CC}">
+                    <c16:uniqueId val="{0000000E-D677-41CB-8957-5A549F9DC177}"/>
+                  </c:ext>
+                </c:extLst>
               </c15:ser>
             </c15:filteredBubbleSeries>
           </c:ext>
@@ -1662,18 +1729,13 @@
                   </a:defRPr>
                 </a:pPr>
                 <a:r>
-                  <a:rPr lang="en-US" sz="1200" b="0" dirty="0" smtClean="0">
+                  <a:rPr lang="en-US" sz="1200" b="0" dirty="0">
                     <a:solidFill>
                       <a:sysClr val="windowText" lastClr="000000"/>
                     </a:solidFill>
                   </a:rPr>
                   <a:t>TQI</a:t>
                 </a:r>
-                <a:endParaRPr lang="en-US" sz="1200" b="0" dirty="0">
-                  <a:solidFill>
-                    <a:sysClr val="windowText" lastClr="000000"/>
-                  </a:solidFill>
-                </a:endParaRPr>
               </a:p>
             </c:rich>
           </c:tx>
@@ -1752,18 +1814,13 @@
                   </a:defRPr>
                 </a:pPr>
                 <a:r>
-                  <a:rPr lang="en-US" sz="1200" b="0" dirty="0" smtClean="0">
+                  <a:rPr lang="en-US" sz="1200" b="0" dirty="0">
                     <a:solidFill>
                       <a:sysClr val="windowText" lastClr="000000"/>
                     </a:solidFill>
                   </a:rPr>
                   <a:t>CV/LoC</a:t>
                 </a:r>
-                <a:endParaRPr lang="en-US" sz="1200" b="0" dirty="0">
-                  <a:solidFill>
-                    <a:sysClr val="windowText" lastClr="000000"/>
-                  </a:solidFill>
-                </a:endParaRPr>
               </a:p>
             </c:rich>
           </c:tx>
@@ -1841,7 +1898,7 @@
 </file>
 
 <file path=ppt/charts/chart4.xml><?xml version="1.0" encoding="utf-8"?>
-<c:chartSpace xmlns:c="http://schemas.openxmlformats.org/drawingml/2006/chart" xmlns:a="http://schemas.openxmlformats.org/drawingml/2006/main" xmlns:r="http://schemas.openxmlformats.org/officeDocument/2006/relationships">
+<c:chartSpace xmlns:c="http://schemas.openxmlformats.org/drawingml/2006/chart" xmlns:a="http://schemas.openxmlformats.org/drawingml/2006/main" xmlns:r="http://schemas.openxmlformats.org/officeDocument/2006/relationships" xmlns:c16r2="http://schemas.microsoft.com/office/drawing/2015/06/chart">
   <c:date1904 val="0"/>
   <c:lang val="en-US"/>
   <c:roundedCorners val="0"/>
@@ -1949,6 +2006,11 @@
               </c:numCache>
             </c:numRef>
           </c:val>
+          <c:extLst>
+            <c:ext xmlns:c16="http://schemas.microsoft.com/office/drawing/2014/chart" uri="{C3380CC4-5D6E-409C-BE32-E72D297353CC}">
+              <c16:uniqueId val="{00000000-E2FD-4910-941E-6F94DE440256}"/>
+            </c:ext>
+          </c:extLst>
         </c:ser>
         <c:dLbls>
           <c:showLegendKey val="0"/>
@@ -2118,7 +2180,7 @@
           <a:p>
             <a:fld id="{268042A1-6D91-4513-A62D-1E3FD70C84BE}" type="datetimeFigureOut">
               <a:rPr lang="fr-FR" smtClean="0"/>
-              <a:t>31/01/2017</a:t>
+              <a:t>21/01/2019</a:t>
             </a:fld>
             <a:endParaRPr lang="fr-FR"/>
           </a:p>
@@ -2182,38 +2244,37 @@
           <a:p>
             <a:pPr lvl="0"/>
             <a:r>
-              <a:rPr lang="fr-FR" smtClean="0"/>
+              <a:rPr lang="fr-FR"/>
               <a:t>Modifiez les styles du texte du masque</a:t>
             </a:r>
           </a:p>
           <a:p>
             <a:pPr lvl="1"/>
             <a:r>
-              <a:rPr lang="fr-FR" smtClean="0"/>
+              <a:rPr lang="fr-FR"/>
               <a:t>Deuxième niveau</a:t>
             </a:r>
           </a:p>
           <a:p>
             <a:pPr lvl="2"/>
             <a:r>
-              <a:rPr lang="fr-FR" smtClean="0"/>
+              <a:rPr lang="fr-FR"/>
               <a:t>Troisième niveau</a:t>
             </a:r>
           </a:p>
           <a:p>
             <a:pPr lvl="3"/>
             <a:r>
-              <a:rPr lang="fr-FR" smtClean="0"/>
+              <a:rPr lang="fr-FR"/>
               <a:t>Quatrième niveau</a:t>
             </a:r>
           </a:p>
           <a:p>
             <a:pPr lvl="4"/>
             <a:r>
-              <a:rPr lang="fr-FR" smtClean="0"/>
+              <a:rPr lang="fr-FR"/>
               <a:t>Cinquième niveau</a:t>
             </a:r>
-            <a:endParaRPr lang="fr-FR"/>
           </a:p>
         </p:txBody>
       </p:sp>
@@ -2492,10 +2553,9 @@
           </a:lstStyle>
           <a:p>
             <a:r>
-              <a:rPr lang="en-US" smtClean="0"/>
+              <a:rPr lang="en-US"/>
               <a:t>Click to edit Master title style</a:t>
             </a:r>
-            <a:endParaRPr lang="en-US"/>
           </a:p>
         </p:txBody>
       </p:sp>
@@ -2531,10 +2591,9 @@
           </a:lstStyle>
           <a:p>
             <a:r>
-              <a:rPr lang="en-US" smtClean="0"/>
+              <a:rPr lang="en-US"/>
               <a:t>Click to edit Master subtitle style</a:t>
             </a:r>
-            <a:endParaRPr lang="en-US"/>
           </a:p>
         </p:txBody>
       </p:sp>
@@ -2613,10 +2672,9 @@
           <a:lstStyle/>
           <a:p>
             <a:r>
-              <a:rPr lang="en-US" smtClean="0"/>
+              <a:rPr lang="en-US"/>
               <a:t>Click to edit Master title style</a:t>
             </a:r>
-            <a:endParaRPr lang="en-US"/>
           </a:p>
         </p:txBody>
       </p:sp>
@@ -2637,38 +2695,37 @@
           <a:p>
             <a:pPr lvl="0"/>
             <a:r>
-              <a:rPr lang="en-US" smtClean="0"/>
+              <a:rPr lang="en-US"/>
               <a:t>Click to edit Master text styles</a:t>
             </a:r>
           </a:p>
           <a:p>
             <a:pPr lvl="1"/>
             <a:r>
-              <a:rPr lang="en-US" smtClean="0"/>
+              <a:rPr lang="en-US"/>
               <a:t>Second level</a:t>
             </a:r>
           </a:p>
           <a:p>
             <a:pPr lvl="2"/>
             <a:r>
-              <a:rPr lang="en-US" smtClean="0"/>
+              <a:rPr lang="en-US"/>
               <a:t>Third level</a:t>
             </a:r>
           </a:p>
           <a:p>
             <a:pPr lvl="3"/>
             <a:r>
-              <a:rPr lang="en-US" smtClean="0"/>
+              <a:rPr lang="en-US"/>
               <a:t>Fourth level</a:t>
             </a:r>
           </a:p>
           <a:p>
             <a:pPr lvl="4"/>
             <a:r>
-              <a:rPr lang="en-US" smtClean="0"/>
+              <a:rPr lang="en-US"/>
               <a:t>Fifth level</a:t>
             </a:r>
-            <a:endParaRPr lang="en-US"/>
           </a:p>
         </p:txBody>
       </p:sp>
@@ -2721,7 +2778,7 @@
             <a:fld id="{D8E3BBD6-5DF7-411E-B793-6A3558CCCDCA}" type="datetimeFigureOut">
               <a:rPr lang="fr-FR" smtClean="0"/>
               <a:pPr/>
-              <a:t>31/01/2017</a:t>
+              <a:t>21/01/2019</a:t>
             </a:fld>
             <a:endParaRPr lang="fr-FR" dirty="0"/>
           </a:p>
@@ -2773,10 +2830,9 @@
           <a:lstStyle/>
           <a:p>
             <a:r>
-              <a:rPr lang="en-US" smtClean="0"/>
+              <a:rPr lang="en-US"/>
               <a:t>Click to edit Master title style</a:t>
             </a:r>
-            <a:endParaRPr lang="en-US"/>
           </a:p>
         </p:txBody>
       </p:sp>
@@ -2802,38 +2858,37 @@
           <a:p>
             <a:pPr lvl="0"/>
             <a:r>
-              <a:rPr lang="en-US" smtClean="0"/>
+              <a:rPr lang="en-US"/>
               <a:t>Click to edit Master text styles</a:t>
             </a:r>
           </a:p>
           <a:p>
             <a:pPr lvl="1"/>
             <a:r>
-              <a:rPr lang="en-US" smtClean="0"/>
+              <a:rPr lang="en-US"/>
               <a:t>Second level</a:t>
             </a:r>
           </a:p>
           <a:p>
             <a:pPr lvl="2"/>
             <a:r>
-              <a:rPr lang="en-US" smtClean="0"/>
+              <a:rPr lang="en-US"/>
               <a:t>Third level</a:t>
             </a:r>
           </a:p>
           <a:p>
             <a:pPr lvl="3"/>
             <a:r>
-              <a:rPr lang="en-US" smtClean="0"/>
+              <a:rPr lang="en-US"/>
               <a:t>Fourth level</a:t>
             </a:r>
           </a:p>
           <a:p>
             <a:pPr lvl="4"/>
             <a:r>
-              <a:rPr lang="en-US" smtClean="0"/>
+              <a:rPr lang="en-US"/>
               <a:t>Fifth level</a:t>
             </a:r>
-            <a:endParaRPr lang="en-US"/>
           </a:p>
         </p:txBody>
       </p:sp>
@@ -2886,7 +2941,7 @@
             <a:fld id="{D8E3BBD6-5DF7-411E-B793-6A3558CCCDCA}" type="datetimeFigureOut">
               <a:rPr lang="fr-FR" smtClean="0"/>
               <a:pPr/>
-              <a:t>31/01/2017</a:t>
+              <a:t>21/01/2019</a:t>
             </a:fld>
             <a:endParaRPr lang="fr-FR" dirty="0"/>
           </a:p>
@@ -2974,10 +3029,9 @@
           </a:lstStyle>
           <a:p>
             <a:r>
-              <a:rPr lang="en-US" smtClean="0"/>
+              <a:rPr lang="en-US"/>
               <a:t>Click to edit Master title style</a:t>
             </a:r>
-            <a:endParaRPr lang="en-US"/>
           </a:p>
         </p:txBody>
       </p:sp>
@@ -3013,10 +3067,9 @@
           </a:lstStyle>
           <a:p>
             <a:r>
-              <a:rPr lang="en-US" smtClean="0"/>
+              <a:rPr lang="en-US"/>
               <a:t>Click to edit Master subtitle style</a:t>
             </a:r>
-            <a:endParaRPr lang="en-US"/>
           </a:p>
         </p:txBody>
       </p:sp>
@@ -3062,10 +3115,9 @@
               <a:defRPr/>
             </a:pPr>
             <a:r>
-              <a:rPr lang="en-US" dirty="0" smtClean="0"/>
+              <a:rPr lang="en-US" dirty="0"/>
               <a:t>Copyright CAST 2011   </a:t>
             </a:r>
-            <a:endParaRPr lang="en-US" dirty="0"/>
           </a:p>
         </p:txBody>
       </p:sp>
@@ -3113,7 +3165,7 @@
           <a:lstStyle/>
           <a:p>
             <a:r>
-              <a:rPr lang="en-US" smtClean="0"/>
+              <a:rPr lang="en-US"/>
               <a:t>Click to edit Master title style</a:t>
             </a:r>
             <a:endParaRPr lang="de-DE"/>
@@ -3137,35 +3189,35 @@
           <a:p>
             <a:pPr lvl="0"/>
             <a:r>
-              <a:rPr lang="en-US" smtClean="0"/>
+              <a:rPr lang="en-US"/>
               <a:t>Click to edit Master text styles</a:t>
             </a:r>
           </a:p>
           <a:p>
             <a:pPr lvl="1"/>
             <a:r>
-              <a:rPr lang="en-US" smtClean="0"/>
+              <a:rPr lang="en-US"/>
               <a:t>Second level</a:t>
             </a:r>
           </a:p>
           <a:p>
             <a:pPr lvl="2"/>
             <a:r>
-              <a:rPr lang="en-US" smtClean="0"/>
+              <a:rPr lang="en-US"/>
               <a:t>Third level</a:t>
             </a:r>
           </a:p>
           <a:p>
             <a:pPr lvl="3"/>
             <a:r>
-              <a:rPr lang="en-US" smtClean="0"/>
+              <a:rPr lang="en-US"/>
               <a:t>Fourth level</a:t>
             </a:r>
           </a:p>
           <a:p>
             <a:pPr lvl="4"/>
             <a:r>
-              <a:rPr lang="en-US" smtClean="0"/>
+              <a:rPr lang="en-US"/>
               <a:t>Fifth level</a:t>
             </a:r>
             <a:endParaRPr lang="de-DE"/>
@@ -3214,10 +3266,9 @@
               <a:defRPr/>
             </a:pPr>
             <a:r>
-              <a:rPr lang="en-US" dirty="0" smtClean="0"/>
+              <a:rPr lang="en-US" dirty="0"/>
               <a:t>Copyright CAST 2011   </a:t>
             </a:r>
-            <a:endParaRPr lang="en-US" dirty="0"/>
           </a:p>
         </p:txBody>
       </p:sp>
@@ -3310,7 +3361,7 @@
           <a:lstStyle/>
           <a:p>
             <a:r>
-              <a:rPr lang="en-US" smtClean="0"/>
+              <a:rPr lang="en-US"/>
               <a:t>Click to edit Master title style</a:t>
             </a:r>
             <a:endParaRPr lang="de-DE"/>
@@ -3359,10 +3410,9 @@
               <a:defRPr/>
             </a:pPr>
             <a:r>
-              <a:rPr lang="en-US" dirty="0" smtClean="0"/>
+              <a:rPr lang="en-US" dirty="0"/>
               <a:t>Copyright CAST 2011   </a:t>
             </a:r>
-            <a:endParaRPr lang="en-US" dirty="0"/>
           </a:p>
         </p:txBody>
       </p:sp>
@@ -3481,10 +3531,9 @@
               <a:defRPr/>
             </a:pPr>
             <a:r>
-              <a:rPr lang="en-US" dirty="0" smtClean="0"/>
+              <a:rPr lang="en-US" dirty="0"/>
               <a:t>Copyright CAST 2011   </a:t>
             </a:r>
-            <a:endParaRPr lang="en-US" dirty="0"/>
           </a:p>
         </p:txBody>
       </p:sp>
@@ -3582,7 +3631,7 @@
           <a:lstStyle/>
           <a:p>
             <a:r>
-              <a:rPr lang="en-US" smtClean="0"/>
+              <a:rPr lang="en-US"/>
               <a:t>Click to edit Master title style</a:t>
             </a:r>
             <a:endParaRPr lang="fr-FR"/>
@@ -3611,7 +3660,7 @@
           <a:p>
             <a:pPr lvl="0"/>
             <a:r>
-              <a:rPr lang="en-US" noProof="0" smtClean="0"/>
+              <a:rPr lang="en-US" noProof="0"/>
               <a:t>Click icon to add chart</a:t>
             </a:r>
             <a:endParaRPr lang="fr-FR" noProof="0" dirty="0"/>
@@ -3660,10 +3709,9 @@
               <a:defRPr/>
             </a:pPr>
             <a:r>
-              <a:rPr lang="en-US" dirty="0" smtClean="0"/>
+              <a:rPr lang="en-US" dirty="0"/>
               <a:t>Copyright CAST 2011   </a:t>
             </a:r>
-            <a:endParaRPr lang="en-US" dirty="0"/>
           </a:p>
         </p:txBody>
       </p:sp>
@@ -3761,10 +3809,9 @@
           <a:lstStyle/>
           <a:p>
             <a:r>
-              <a:rPr lang="en-US" smtClean="0"/>
+              <a:rPr lang="en-US"/>
               <a:t>Click to edit Master title style</a:t>
             </a:r>
-            <a:endParaRPr lang="en-US"/>
           </a:p>
         </p:txBody>
       </p:sp>
@@ -3826,10 +3873,9 @@
           </a:lstStyle>
           <a:p>
             <a:r>
-              <a:rPr lang="en-US" smtClean="0"/>
+              <a:rPr lang="en-US"/>
               <a:t>Click to edit Master subtitle style</a:t>
             </a:r>
-            <a:endParaRPr lang="en-US"/>
           </a:p>
         </p:txBody>
       </p:sp>
@@ -3858,18 +3904,13 @@
               <a:defRPr/>
             </a:pPr>
             <a:r>
-              <a:rPr lang="en-US" dirty="0" smtClean="0">
+              <a:rPr lang="en-US" dirty="0">
                 <a:solidFill>
                   <a:srgbClr val="FFFFFF"/>
                 </a:solidFill>
               </a:rPr>
               <a:t>Copyright CAST 2011   </a:t>
             </a:r>
-            <a:endParaRPr lang="en-US" dirty="0">
-              <a:solidFill>
-                <a:srgbClr val="FFFFFF"/>
-              </a:solidFill>
-            </a:endParaRPr>
           </a:p>
         </p:txBody>
       </p:sp>
@@ -3946,10 +3987,9 @@
           <a:lstStyle/>
           <a:p>
             <a:r>
-              <a:rPr lang="en-US" smtClean="0"/>
+              <a:rPr lang="en-US"/>
               <a:t>Click to edit Master title style</a:t>
             </a:r>
-            <a:endParaRPr lang="en-US"/>
           </a:p>
         </p:txBody>
       </p:sp>
@@ -3970,38 +4010,37 @@
           <a:p>
             <a:pPr lvl="0"/>
             <a:r>
-              <a:rPr lang="en-US" smtClean="0"/>
+              <a:rPr lang="en-US"/>
               <a:t>Click to edit Master text styles</a:t>
             </a:r>
           </a:p>
           <a:p>
             <a:pPr lvl="1"/>
             <a:r>
-              <a:rPr lang="en-US" smtClean="0"/>
+              <a:rPr lang="en-US"/>
               <a:t>Second level</a:t>
             </a:r>
           </a:p>
           <a:p>
             <a:pPr lvl="2"/>
             <a:r>
-              <a:rPr lang="en-US" smtClean="0"/>
+              <a:rPr lang="en-US"/>
               <a:t>Third level</a:t>
             </a:r>
           </a:p>
           <a:p>
             <a:pPr lvl="3"/>
             <a:r>
-              <a:rPr lang="en-US" smtClean="0"/>
+              <a:rPr lang="en-US"/>
               <a:t>Fourth level</a:t>
             </a:r>
           </a:p>
           <a:p>
             <a:pPr lvl="4"/>
             <a:r>
-              <a:rPr lang="en-US" smtClean="0"/>
+              <a:rPr lang="en-US"/>
               <a:t>Fifth level</a:t>
             </a:r>
-            <a:endParaRPr lang="en-US"/>
           </a:p>
         </p:txBody>
       </p:sp>
@@ -4030,18 +4069,13 @@
               <a:defRPr/>
             </a:pPr>
             <a:r>
-              <a:rPr lang="en-US" dirty="0" smtClean="0">
+              <a:rPr lang="en-US" dirty="0">
                 <a:solidFill>
                   <a:srgbClr val="FFFFFF"/>
                 </a:solidFill>
               </a:rPr>
               <a:t>Copyright CAST 2011   </a:t>
             </a:r>
-            <a:endParaRPr lang="en-US" dirty="0">
-              <a:solidFill>
-                <a:srgbClr val="FFFFFF"/>
-              </a:solidFill>
-            </a:endParaRPr>
           </a:p>
         </p:txBody>
       </p:sp>
@@ -4127,10 +4161,9 @@
           </a:lstStyle>
           <a:p>
             <a:r>
-              <a:rPr lang="en-US" smtClean="0"/>
+              <a:rPr lang="en-US"/>
               <a:t>Click to edit Master title style</a:t>
             </a:r>
-            <a:endParaRPr lang="en-US"/>
           </a:p>
         </p:txBody>
       </p:sp>
@@ -4193,7 +4226,7 @@
           <a:p>
             <a:pPr lvl="0"/>
             <a:r>
-              <a:rPr lang="en-US" smtClean="0"/>
+              <a:rPr lang="en-US"/>
               <a:t>Click to edit Master text styles</a:t>
             </a:r>
           </a:p>
@@ -4224,18 +4257,13 @@
               <a:defRPr/>
             </a:pPr>
             <a:r>
-              <a:rPr lang="en-US" dirty="0" smtClean="0">
+              <a:rPr lang="en-US" dirty="0">
                 <a:solidFill>
                   <a:srgbClr val="FFFFFF"/>
                 </a:solidFill>
               </a:rPr>
               <a:t>Copyright CAST 2011   </a:t>
             </a:r>
-            <a:endParaRPr lang="en-US" dirty="0">
-              <a:solidFill>
-                <a:srgbClr val="FFFFFF"/>
-              </a:solidFill>
-            </a:endParaRPr>
           </a:p>
         </p:txBody>
       </p:sp>
@@ -4312,10 +4340,9 @@
           <a:lstStyle/>
           <a:p>
             <a:r>
-              <a:rPr lang="en-US" smtClean="0"/>
+              <a:rPr lang="en-US"/>
               <a:t>Click to edit Master title style</a:t>
             </a:r>
-            <a:endParaRPr lang="en-US"/>
           </a:p>
         </p:txBody>
       </p:sp>
@@ -4336,38 +4363,37 @@
           <a:p>
             <a:pPr lvl="0"/>
             <a:r>
-              <a:rPr lang="en-US" smtClean="0"/>
+              <a:rPr lang="en-US"/>
               <a:t>Click to edit Master text styles</a:t>
             </a:r>
           </a:p>
           <a:p>
             <a:pPr lvl="1"/>
             <a:r>
-              <a:rPr lang="en-US" smtClean="0"/>
+              <a:rPr lang="en-US"/>
               <a:t>Second level</a:t>
             </a:r>
           </a:p>
           <a:p>
             <a:pPr lvl="2"/>
             <a:r>
-              <a:rPr lang="en-US" smtClean="0"/>
+              <a:rPr lang="en-US"/>
               <a:t>Third level</a:t>
             </a:r>
           </a:p>
           <a:p>
             <a:pPr lvl="3"/>
             <a:r>
-              <a:rPr lang="en-US" smtClean="0"/>
+              <a:rPr lang="en-US"/>
               <a:t>Fourth level</a:t>
             </a:r>
           </a:p>
           <a:p>
             <a:pPr lvl="4"/>
             <a:r>
-              <a:rPr lang="en-US" smtClean="0"/>
+              <a:rPr lang="en-US"/>
               <a:t>Fifth level</a:t>
             </a:r>
-            <a:endParaRPr lang="en-US"/>
           </a:p>
         </p:txBody>
       </p:sp>
@@ -4420,7 +4446,7 @@
             <a:fld id="{D8E3BBD6-5DF7-411E-B793-6A3558CCCDCA}" type="datetimeFigureOut">
               <a:rPr lang="fr-FR" smtClean="0"/>
               <a:pPr/>
-              <a:t>31/01/2017</a:t>
+              <a:t>21/01/2019</a:t>
             </a:fld>
             <a:endParaRPr lang="fr-FR" dirty="0"/>
           </a:p>
@@ -4467,10 +4493,9 @@
           <a:lstStyle/>
           <a:p>
             <a:r>
-              <a:rPr lang="en-US" smtClean="0"/>
+              <a:rPr lang="en-US"/>
               <a:t>Click to edit Master title style</a:t>
             </a:r>
-            <a:endParaRPr lang="en-US"/>
           </a:p>
         </p:txBody>
       </p:sp>
@@ -4524,38 +4549,37 @@
           <a:p>
             <a:pPr lvl="0"/>
             <a:r>
-              <a:rPr lang="en-US" smtClean="0"/>
+              <a:rPr lang="en-US"/>
               <a:t>Click to edit Master text styles</a:t>
             </a:r>
           </a:p>
           <a:p>
             <a:pPr lvl="1"/>
             <a:r>
-              <a:rPr lang="en-US" smtClean="0"/>
+              <a:rPr lang="en-US"/>
               <a:t>Second level</a:t>
             </a:r>
           </a:p>
           <a:p>
             <a:pPr lvl="2"/>
             <a:r>
-              <a:rPr lang="en-US" smtClean="0"/>
+              <a:rPr lang="en-US"/>
               <a:t>Third level</a:t>
             </a:r>
           </a:p>
           <a:p>
             <a:pPr lvl="3"/>
             <a:r>
-              <a:rPr lang="en-US" smtClean="0"/>
+              <a:rPr lang="en-US"/>
               <a:t>Fourth level</a:t>
             </a:r>
           </a:p>
           <a:p>
             <a:pPr lvl="4"/>
             <a:r>
-              <a:rPr lang="en-US" smtClean="0"/>
+              <a:rPr lang="en-US"/>
               <a:t>Fifth level</a:t>
             </a:r>
-            <a:endParaRPr lang="en-US"/>
           </a:p>
         </p:txBody>
       </p:sp>
@@ -4609,38 +4633,37 @@
           <a:p>
             <a:pPr lvl="0"/>
             <a:r>
-              <a:rPr lang="en-US" smtClean="0"/>
+              <a:rPr lang="en-US"/>
               <a:t>Click to edit Master text styles</a:t>
             </a:r>
           </a:p>
           <a:p>
             <a:pPr lvl="1"/>
             <a:r>
-              <a:rPr lang="en-US" smtClean="0"/>
+              <a:rPr lang="en-US"/>
               <a:t>Second level</a:t>
             </a:r>
           </a:p>
           <a:p>
             <a:pPr lvl="2"/>
             <a:r>
-              <a:rPr lang="en-US" smtClean="0"/>
+              <a:rPr lang="en-US"/>
               <a:t>Third level</a:t>
             </a:r>
           </a:p>
           <a:p>
             <a:pPr lvl="3"/>
             <a:r>
-              <a:rPr lang="en-US" smtClean="0"/>
+              <a:rPr lang="en-US"/>
               <a:t>Fourth level</a:t>
             </a:r>
           </a:p>
           <a:p>
             <a:pPr lvl="4"/>
             <a:r>
-              <a:rPr lang="en-US" smtClean="0"/>
+              <a:rPr lang="en-US"/>
               <a:t>Fifth level</a:t>
             </a:r>
-            <a:endParaRPr lang="en-US"/>
           </a:p>
         </p:txBody>
       </p:sp>
@@ -4669,18 +4692,13 @@
               <a:defRPr/>
             </a:pPr>
             <a:r>
-              <a:rPr lang="en-US" dirty="0" smtClean="0">
+              <a:rPr lang="en-US" dirty="0">
                 <a:solidFill>
                   <a:srgbClr val="FFFFFF"/>
                 </a:solidFill>
               </a:rPr>
               <a:t>Copyright CAST 2011   </a:t>
             </a:r>
-            <a:endParaRPr lang="en-US" dirty="0">
-              <a:solidFill>
-                <a:srgbClr val="FFFFFF"/>
-              </a:solidFill>
-            </a:endParaRPr>
           </a:p>
         </p:txBody>
       </p:sp>
@@ -4766,10 +4784,9 @@
           </a:lstStyle>
           <a:p>
             <a:r>
-              <a:rPr lang="en-US" smtClean="0"/>
+              <a:rPr lang="en-US"/>
               <a:t>Click to edit Master title style</a:t>
             </a:r>
-            <a:endParaRPr lang="en-US"/>
           </a:p>
         </p:txBody>
       </p:sp>
@@ -4832,7 +4849,7 @@
           <a:p>
             <a:pPr lvl="0"/>
             <a:r>
-              <a:rPr lang="en-US" smtClean="0"/>
+              <a:rPr lang="en-US"/>
               <a:t>Click to edit Master text styles</a:t>
             </a:r>
           </a:p>
@@ -4888,38 +4905,37 @@
           <a:p>
             <a:pPr lvl="0"/>
             <a:r>
-              <a:rPr lang="en-US" smtClean="0"/>
+              <a:rPr lang="en-US"/>
               <a:t>Click to edit Master text styles</a:t>
             </a:r>
           </a:p>
           <a:p>
             <a:pPr lvl="1"/>
             <a:r>
-              <a:rPr lang="en-US" smtClean="0"/>
+              <a:rPr lang="en-US"/>
               <a:t>Second level</a:t>
             </a:r>
           </a:p>
           <a:p>
             <a:pPr lvl="2"/>
             <a:r>
-              <a:rPr lang="en-US" smtClean="0"/>
+              <a:rPr lang="en-US"/>
               <a:t>Third level</a:t>
             </a:r>
           </a:p>
           <a:p>
             <a:pPr lvl="3"/>
             <a:r>
-              <a:rPr lang="en-US" smtClean="0"/>
+              <a:rPr lang="en-US"/>
               <a:t>Fourth level</a:t>
             </a:r>
           </a:p>
           <a:p>
             <a:pPr lvl="4"/>
             <a:r>
-              <a:rPr lang="en-US" smtClean="0"/>
+              <a:rPr lang="en-US"/>
               <a:t>Fifth level</a:t>
             </a:r>
-            <a:endParaRPr lang="en-US"/>
           </a:p>
         </p:txBody>
       </p:sp>
@@ -4982,7 +4998,7 @@
           <a:p>
             <a:pPr lvl="0"/>
             <a:r>
-              <a:rPr lang="en-US" smtClean="0"/>
+              <a:rPr lang="en-US"/>
               <a:t>Click to edit Master text styles</a:t>
             </a:r>
           </a:p>
@@ -5038,38 +5054,37 @@
           <a:p>
             <a:pPr lvl="0"/>
             <a:r>
-              <a:rPr lang="en-US" smtClean="0"/>
+              <a:rPr lang="en-US"/>
               <a:t>Click to edit Master text styles</a:t>
             </a:r>
           </a:p>
           <a:p>
             <a:pPr lvl="1"/>
             <a:r>
-              <a:rPr lang="en-US" smtClean="0"/>
+              <a:rPr lang="en-US"/>
               <a:t>Second level</a:t>
             </a:r>
           </a:p>
           <a:p>
             <a:pPr lvl="2"/>
             <a:r>
-              <a:rPr lang="en-US" smtClean="0"/>
+              <a:rPr lang="en-US"/>
               <a:t>Third level</a:t>
             </a:r>
           </a:p>
           <a:p>
             <a:pPr lvl="3"/>
             <a:r>
-              <a:rPr lang="en-US" smtClean="0"/>
+              <a:rPr lang="en-US"/>
               <a:t>Fourth level</a:t>
             </a:r>
           </a:p>
           <a:p>
             <a:pPr lvl="4"/>
             <a:r>
-              <a:rPr lang="en-US" smtClean="0"/>
+              <a:rPr lang="en-US"/>
               <a:t>Fifth level</a:t>
             </a:r>
-            <a:endParaRPr lang="en-US"/>
           </a:p>
         </p:txBody>
       </p:sp>
@@ -5098,18 +5113,13 @@
               <a:defRPr/>
             </a:pPr>
             <a:r>
-              <a:rPr lang="en-US" dirty="0" smtClean="0">
+              <a:rPr lang="en-US" dirty="0">
                 <a:solidFill>
                   <a:srgbClr val="FFFFFF"/>
                 </a:solidFill>
               </a:rPr>
               <a:t>Copyright CAST 2011   </a:t>
             </a:r>
-            <a:endParaRPr lang="en-US" dirty="0">
-              <a:solidFill>
-                <a:srgbClr val="FFFFFF"/>
-              </a:solidFill>
-            </a:endParaRPr>
           </a:p>
         </p:txBody>
       </p:sp>
@@ -5186,10 +5196,9 @@
           <a:lstStyle/>
           <a:p>
             <a:r>
-              <a:rPr lang="en-US" smtClean="0"/>
+              <a:rPr lang="en-US"/>
               <a:t>Click to edit Master title style</a:t>
             </a:r>
-            <a:endParaRPr lang="en-US"/>
           </a:p>
         </p:txBody>
       </p:sp>
@@ -5218,18 +5227,13 @@
               <a:defRPr/>
             </a:pPr>
             <a:r>
-              <a:rPr lang="en-US" dirty="0" smtClean="0">
+              <a:rPr lang="en-US" dirty="0">
                 <a:solidFill>
                   <a:srgbClr val="FFFFFF"/>
                 </a:solidFill>
               </a:rPr>
               <a:t>Copyright CAST 2011   </a:t>
             </a:r>
-            <a:endParaRPr lang="en-US" dirty="0">
-              <a:solidFill>
-                <a:srgbClr val="FFFFFF"/>
-              </a:solidFill>
-            </a:endParaRPr>
           </a:p>
         </p:txBody>
       </p:sp>
@@ -5315,18 +5319,13 @@
               <a:defRPr/>
             </a:pPr>
             <a:r>
-              <a:rPr lang="en-US" dirty="0" smtClean="0">
+              <a:rPr lang="en-US" dirty="0">
                 <a:solidFill>
                   <a:srgbClr val="FFFFFF"/>
                 </a:solidFill>
               </a:rPr>
               <a:t>Copyright CAST 2011   </a:t>
             </a:r>
-            <a:endParaRPr lang="en-US" dirty="0">
-              <a:solidFill>
-                <a:srgbClr val="FFFFFF"/>
-              </a:solidFill>
-            </a:endParaRPr>
           </a:p>
         </p:txBody>
       </p:sp>
@@ -5412,10 +5411,9 @@
           </a:lstStyle>
           <a:p>
             <a:r>
-              <a:rPr lang="en-US" smtClean="0"/>
+              <a:rPr lang="en-US"/>
               <a:t>Click to edit Master title style</a:t>
             </a:r>
-            <a:endParaRPr lang="en-US"/>
           </a:p>
         </p:txBody>
       </p:sp>
@@ -5469,38 +5467,37 @@
           <a:p>
             <a:pPr lvl="0"/>
             <a:r>
-              <a:rPr lang="en-US" smtClean="0"/>
+              <a:rPr lang="en-US"/>
               <a:t>Click to edit Master text styles</a:t>
             </a:r>
           </a:p>
           <a:p>
             <a:pPr lvl="1"/>
             <a:r>
-              <a:rPr lang="en-US" smtClean="0"/>
+              <a:rPr lang="en-US"/>
               <a:t>Second level</a:t>
             </a:r>
           </a:p>
           <a:p>
             <a:pPr lvl="2"/>
             <a:r>
-              <a:rPr lang="en-US" smtClean="0"/>
+              <a:rPr lang="en-US"/>
               <a:t>Third level</a:t>
             </a:r>
           </a:p>
           <a:p>
             <a:pPr lvl="3"/>
             <a:r>
-              <a:rPr lang="en-US" smtClean="0"/>
+              <a:rPr lang="en-US"/>
               <a:t>Fourth level</a:t>
             </a:r>
           </a:p>
           <a:p>
             <a:pPr lvl="4"/>
             <a:r>
-              <a:rPr lang="en-US" smtClean="0"/>
+              <a:rPr lang="en-US"/>
               <a:t>Fifth level</a:t>
             </a:r>
-            <a:endParaRPr lang="en-US"/>
           </a:p>
         </p:txBody>
       </p:sp>
@@ -5563,7 +5560,7 @@
           <a:p>
             <a:pPr lvl="0"/>
             <a:r>
-              <a:rPr lang="en-US" smtClean="0"/>
+              <a:rPr lang="en-US"/>
               <a:t>Click to edit Master text styles</a:t>
             </a:r>
           </a:p>
@@ -5594,18 +5591,13 @@
               <a:defRPr/>
             </a:pPr>
             <a:r>
-              <a:rPr lang="en-US" dirty="0" smtClean="0">
+              <a:rPr lang="en-US" dirty="0">
                 <a:solidFill>
                   <a:srgbClr val="FFFFFF"/>
                 </a:solidFill>
               </a:rPr>
               <a:t>Copyright CAST 2011   </a:t>
             </a:r>
-            <a:endParaRPr lang="en-US" dirty="0">
-              <a:solidFill>
-                <a:srgbClr val="FFFFFF"/>
-              </a:solidFill>
-            </a:endParaRPr>
           </a:p>
         </p:txBody>
       </p:sp>
@@ -5691,10 +5683,9 @@
           </a:lstStyle>
           <a:p>
             <a:r>
-              <a:rPr lang="en-US" smtClean="0"/>
+              <a:rPr lang="en-US"/>
               <a:t>Click to edit Master title style</a:t>
             </a:r>
-            <a:endParaRPr lang="en-US"/>
           </a:p>
         </p:txBody>
       </p:sp>
@@ -5757,10 +5748,10 @@
           <a:p>
             <a:pPr lvl="0"/>
             <a:r>
-              <a:rPr lang="en-US" noProof="0" smtClean="0"/>
+              <a:rPr lang="en-US" noProof="0"/>
               <a:t>Click icon to add picture</a:t>
             </a:r>
-            <a:endParaRPr lang="en-US" noProof="0" dirty="0" smtClean="0"/>
+            <a:endParaRPr lang="en-US" noProof="0" dirty="0"/>
           </a:p>
         </p:txBody>
       </p:sp>
@@ -5823,7 +5814,7 @@
           <a:p>
             <a:pPr lvl="0"/>
             <a:r>
-              <a:rPr lang="en-US" smtClean="0"/>
+              <a:rPr lang="en-US"/>
               <a:t>Click to edit Master text styles</a:t>
             </a:r>
           </a:p>
@@ -5854,18 +5845,13 @@
               <a:defRPr/>
             </a:pPr>
             <a:r>
-              <a:rPr lang="en-US" dirty="0" smtClean="0">
+              <a:rPr lang="en-US" dirty="0">
                 <a:solidFill>
                   <a:srgbClr val="FFFFFF"/>
                 </a:solidFill>
               </a:rPr>
               <a:t>Copyright CAST 2011   </a:t>
             </a:r>
-            <a:endParaRPr lang="en-US" dirty="0">
-              <a:solidFill>
-                <a:srgbClr val="FFFFFF"/>
-              </a:solidFill>
-            </a:endParaRPr>
           </a:p>
         </p:txBody>
       </p:sp>
@@ -5942,10 +5928,9 @@
           <a:lstStyle/>
           <a:p>
             <a:r>
-              <a:rPr lang="en-US" smtClean="0"/>
+              <a:rPr lang="en-US"/>
               <a:t>Click to edit Master title style</a:t>
             </a:r>
-            <a:endParaRPr lang="en-US"/>
           </a:p>
         </p:txBody>
       </p:sp>
@@ -5966,38 +5951,37 @@
           <a:p>
             <a:pPr lvl="0"/>
             <a:r>
-              <a:rPr lang="en-US" smtClean="0"/>
+              <a:rPr lang="en-US"/>
               <a:t>Click to edit Master text styles</a:t>
             </a:r>
           </a:p>
           <a:p>
             <a:pPr lvl="1"/>
             <a:r>
-              <a:rPr lang="en-US" smtClean="0"/>
+              <a:rPr lang="en-US"/>
               <a:t>Second level</a:t>
             </a:r>
           </a:p>
           <a:p>
             <a:pPr lvl="2"/>
             <a:r>
-              <a:rPr lang="en-US" smtClean="0"/>
+              <a:rPr lang="en-US"/>
               <a:t>Third level</a:t>
             </a:r>
           </a:p>
           <a:p>
             <a:pPr lvl="3"/>
             <a:r>
-              <a:rPr lang="en-US" smtClean="0"/>
+              <a:rPr lang="en-US"/>
               <a:t>Fourth level</a:t>
             </a:r>
           </a:p>
           <a:p>
             <a:pPr lvl="4"/>
             <a:r>
-              <a:rPr lang="en-US" smtClean="0"/>
+              <a:rPr lang="en-US"/>
               <a:t>Fifth level</a:t>
             </a:r>
-            <a:endParaRPr lang="en-US"/>
           </a:p>
         </p:txBody>
       </p:sp>
@@ -6026,18 +6010,13 @@
               <a:defRPr/>
             </a:pPr>
             <a:r>
-              <a:rPr lang="en-US" dirty="0" smtClean="0">
+              <a:rPr lang="en-US" dirty="0">
                 <a:solidFill>
                   <a:srgbClr val="FFFFFF"/>
                 </a:solidFill>
               </a:rPr>
               <a:t>Copyright CAST 2011   </a:t>
             </a:r>
-            <a:endParaRPr lang="en-US" dirty="0">
-              <a:solidFill>
-                <a:srgbClr val="FFFFFF"/>
-              </a:solidFill>
-            </a:endParaRPr>
           </a:p>
         </p:txBody>
       </p:sp>
@@ -6119,10 +6098,9 @@
           <a:lstStyle/>
           <a:p>
             <a:r>
-              <a:rPr lang="en-US" smtClean="0"/>
+              <a:rPr lang="en-US"/>
               <a:t>Click to edit Master title style</a:t>
             </a:r>
-            <a:endParaRPr lang="en-US"/>
           </a:p>
         </p:txBody>
       </p:sp>
@@ -6148,38 +6126,37 @@
           <a:p>
             <a:pPr lvl="0"/>
             <a:r>
-              <a:rPr lang="en-US" smtClean="0"/>
+              <a:rPr lang="en-US"/>
               <a:t>Click to edit Master text styles</a:t>
             </a:r>
           </a:p>
           <a:p>
             <a:pPr lvl="1"/>
             <a:r>
-              <a:rPr lang="en-US" smtClean="0"/>
+              <a:rPr lang="en-US"/>
               <a:t>Second level</a:t>
             </a:r>
           </a:p>
           <a:p>
             <a:pPr lvl="2"/>
             <a:r>
-              <a:rPr lang="en-US" smtClean="0"/>
+              <a:rPr lang="en-US"/>
               <a:t>Third level</a:t>
             </a:r>
           </a:p>
           <a:p>
             <a:pPr lvl="3"/>
             <a:r>
-              <a:rPr lang="en-US" smtClean="0"/>
+              <a:rPr lang="en-US"/>
               <a:t>Fourth level</a:t>
             </a:r>
           </a:p>
           <a:p>
             <a:pPr lvl="4"/>
             <a:r>
-              <a:rPr lang="en-US" smtClean="0"/>
+              <a:rPr lang="en-US"/>
               <a:t>Fifth level</a:t>
             </a:r>
-            <a:endParaRPr lang="en-US"/>
           </a:p>
         </p:txBody>
       </p:sp>
@@ -6208,18 +6185,13 @@
               <a:defRPr/>
             </a:pPr>
             <a:r>
-              <a:rPr lang="en-US" dirty="0" smtClean="0">
+              <a:rPr lang="en-US" dirty="0">
                 <a:solidFill>
                   <a:srgbClr val="FFFFFF"/>
                 </a:solidFill>
               </a:rPr>
               <a:t>Copyright CAST 2011   </a:t>
             </a:r>
-            <a:endParaRPr lang="en-US" dirty="0">
-              <a:solidFill>
-                <a:srgbClr val="FFFFFF"/>
-              </a:solidFill>
-            </a:endParaRPr>
           </a:p>
         </p:txBody>
       </p:sp>
@@ -6301,10 +6273,9 @@
           <a:lstStyle/>
           <a:p>
             <a:r>
-              <a:rPr lang="en-US" smtClean="0"/>
+              <a:rPr lang="en-US"/>
               <a:t>Click to edit Master title style</a:t>
             </a:r>
-            <a:endParaRPr lang="en-US"/>
           </a:p>
         </p:txBody>
       </p:sp>
@@ -6330,38 +6301,37 @@
           <a:p>
             <a:pPr lvl="0"/>
             <a:r>
-              <a:rPr lang="en-US" smtClean="0"/>
+              <a:rPr lang="en-US"/>
               <a:t>Click to edit Master text styles</a:t>
             </a:r>
           </a:p>
           <a:p>
             <a:pPr lvl="1"/>
             <a:r>
-              <a:rPr lang="en-US" smtClean="0"/>
+              <a:rPr lang="en-US"/>
               <a:t>Second level</a:t>
             </a:r>
           </a:p>
           <a:p>
             <a:pPr lvl="2"/>
             <a:r>
-              <a:rPr lang="en-US" smtClean="0"/>
+              <a:rPr lang="en-US"/>
               <a:t>Third level</a:t>
             </a:r>
           </a:p>
           <a:p>
             <a:pPr lvl="3"/>
             <a:r>
-              <a:rPr lang="en-US" smtClean="0"/>
+              <a:rPr lang="en-US"/>
               <a:t>Fourth level</a:t>
             </a:r>
           </a:p>
           <a:p>
             <a:pPr lvl="4"/>
             <a:r>
-              <a:rPr lang="en-US" smtClean="0"/>
+              <a:rPr lang="en-US"/>
               <a:t>Fifth level</a:t>
             </a:r>
-            <a:endParaRPr lang="en-US"/>
           </a:p>
         </p:txBody>
       </p:sp>
@@ -6387,38 +6357,37 @@
           <a:p>
             <a:pPr lvl="0"/>
             <a:r>
-              <a:rPr lang="en-US" smtClean="0"/>
+              <a:rPr lang="en-US"/>
               <a:t>Click to edit Master text styles</a:t>
             </a:r>
           </a:p>
           <a:p>
             <a:pPr lvl="1"/>
             <a:r>
-              <a:rPr lang="en-US" smtClean="0"/>
+              <a:rPr lang="en-US"/>
               <a:t>Second level</a:t>
             </a:r>
           </a:p>
           <a:p>
             <a:pPr lvl="2"/>
             <a:r>
-              <a:rPr lang="en-US" smtClean="0"/>
+              <a:rPr lang="en-US"/>
               <a:t>Third level</a:t>
             </a:r>
           </a:p>
           <a:p>
             <a:pPr lvl="3"/>
             <a:r>
-              <a:rPr lang="en-US" smtClean="0"/>
+              <a:rPr lang="en-US"/>
               <a:t>Fourth level</a:t>
             </a:r>
           </a:p>
           <a:p>
             <a:pPr lvl="4"/>
             <a:r>
-              <a:rPr lang="en-US" smtClean="0"/>
+              <a:rPr lang="en-US"/>
               <a:t>Fifth level</a:t>
             </a:r>
-            <a:endParaRPr lang="en-US"/>
           </a:p>
         </p:txBody>
       </p:sp>
@@ -6444,38 +6413,37 @@
           <a:p>
             <a:pPr lvl="0"/>
             <a:r>
-              <a:rPr lang="en-US" smtClean="0"/>
+              <a:rPr lang="en-US"/>
               <a:t>Click to edit Master text styles</a:t>
             </a:r>
           </a:p>
           <a:p>
             <a:pPr lvl="1"/>
             <a:r>
-              <a:rPr lang="en-US" smtClean="0"/>
+              <a:rPr lang="en-US"/>
               <a:t>Second level</a:t>
             </a:r>
           </a:p>
           <a:p>
             <a:pPr lvl="2"/>
             <a:r>
-              <a:rPr lang="en-US" smtClean="0"/>
+              <a:rPr lang="en-US"/>
               <a:t>Third level</a:t>
             </a:r>
           </a:p>
           <a:p>
             <a:pPr lvl="3"/>
             <a:r>
-              <a:rPr lang="en-US" smtClean="0"/>
+              <a:rPr lang="en-US"/>
               <a:t>Fourth level</a:t>
             </a:r>
           </a:p>
           <a:p>
             <a:pPr lvl="4"/>
             <a:r>
-              <a:rPr lang="en-US" smtClean="0"/>
+              <a:rPr lang="en-US"/>
               <a:t>Fifth level</a:t>
             </a:r>
-            <a:endParaRPr lang="en-US"/>
           </a:p>
         </p:txBody>
       </p:sp>
@@ -6504,18 +6472,13 @@
               <a:defRPr/>
             </a:pPr>
             <a:r>
-              <a:rPr lang="en-US" dirty="0" smtClean="0">
+              <a:rPr lang="en-US" dirty="0">
                 <a:solidFill>
                   <a:srgbClr val="FFFFFF"/>
                 </a:solidFill>
               </a:rPr>
               <a:t>Copyright CAST 2011   </a:t>
             </a:r>
-            <a:endParaRPr lang="en-US" dirty="0">
-              <a:solidFill>
-                <a:srgbClr val="FFFFFF"/>
-              </a:solidFill>
-            </a:endParaRPr>
           </a:p>
         </p:txBody>
       </p:sp>
@@ -6600,10 +6563,9 @@
           <a:lstStyle/>
           <a:p>
             <a:r>
-              <a:rPr lang="en-US" smtClean="0"/>
+              <a:rPr lang="en-US"/>
               <a:t>Click to edit Master title style</a:t>
             </a:r>
-            <a:endParaRPr lang="en-US"/>
           </a:p>
         </p:txBody>
       </p:sp>
@@ -6629,10 +6591,10 @@
           <a:p>
             <a:pPr lvl="0"/>
             <a:r>
-              <a:rPr lang="en-US" noProof="0" smtClean="0"/>
+              <a:rPr lang="en-US" noProof="0"/>
               <a:t>Click icon to add table</a:t>
             </a:r>
-            <a:endParaRPr lang="en-US" noProof="0" dirty="0" smtClean="0"/>
+            <a:endParaRPr lang="en-US" noProof="0" dirty="0"/>
           </a:p>
         </p:txBody>
       </p:sp>
@@ -6724,10 +6686,9 @@
           </a:lstStyle>
           <a:p>
             <a:r>
-              <a:rPr lang="en-US" smtClean="0"/>
+              <a:rPr lang="en-US"/>
               <a:t>Click to edit Master title style</a:t>
             </a:r>
-            <a:endParaRPr lang="en-US"/>
           </a:p>
         </p:txBody>
       </p:sp>
@@ -6790,7 +6751,7 @@
           <a:p>
             <a:pPr lvl="0"/>
             <a:r>
-              <a:rPr lang="en-US" smtClean="0"/>
+              <a:rPr lang="en-US"/>
               <a:t>Click to edit Master text styles</a:t>
             </a:r>
           </a:p>
@@ -6845,7 +6806,7 @@
             <a:fld id="{D8E3BBD6-5DF7-411E-B793-6A3558CCCDCA}" type="datetimeFigureOut">
               <a:rPr lang="fr-FR" smtClean="0"/>
               <a:pPr/>
-              <a:t>31/01/2017</a:t>
+              <a:t>21/01/2019</a:t>
             </a:fld>
             <a:endParaRPr lang="fr-FR" dirty="0"/>
           </a:p>
@@ -6927,10 +6888,9 @@
           </a:lstStyle>
           <a:p>
             <a:r>
-              <a:rPr lang="en-US" smtClean="0"/>
+              <a:rPr lang="en-US"/>
               <a:t>Click to edit Master title style</a:t>
             </a:r>
-            <a:endParaRPr lang="en-US"/>
           </a:p>
         </p:txBody>
       </p:sp>
@@ -6966,10 +6926,9 @@
           </a:lstStyle>
           <a:p>
             <a:r>
-              <a:rPr lang="en-US" smtClean="0"/>
+              <a:rPr lang="en-US"/>
               <a:t>Click to edit Master subtitle style</a:t>
             </a:r>
-            <a:endParaRPr lang="en-US"/>
           </a:p>
         </p:txBody>
       </p:sp>
@@ -6998,18 +6957,13 @@
           </a:lstStyle>
           <a:p>
             <a:r>
-              <a:rPr lang="en-US" dirty="0" smtClean="0">
+              <a:rPr lang="en-US" dirty="0">
                 <a:solidFill>
                   <a:srgbClr val="FFFFFF"/>
                 </a:solidFill>
               </a:rPr>
               <a:t>Copyright CAST 2011   </a:t>
             </a:r>
-            <a:endParaRPr lang="en-US" dirty="0">
-              <a:solidFill>
-                <a:srgbClr val="FFFFFF"/>
-              </a:solidFill>
-            </a:endParaRPr>
           </a:p>
         </p:txBody>
       </p:sp>
@@ -7054,7 +7008,7 @@
           <a:lstStyle/>
           <a:p>
             <a:r>
-              <a:rPr lang="en-US" smtClean="0"/>
+              <a:rPr lang="en-US"/>
               <a:t>Click to edit Master title style</a:t>
             </a:r>
             <a:endParaRPr lang="fr-FR"/>
@@ -7078,35 +7032,35 @@
           <a:p>
             <a:pPr lvl="0"/>
             <a:r>
-              <a:rPr lang="en-US" smtClean="0"/>
+              <a:rPr lang="en-US"/>
               <a:t>Click to edit Master text styles</a:t>
             </a:r>
           </a:p>
           <a:p>
             <a:pPr lvl="1"/>
             <a:r>
-              <a:rPr lang="en-US" smtClean="0"/>
+              <a:rPr lang="en-US"/>
               <a:t>Second level</a:t>
             </a:r>
           </a:p>
           <a:p>
             <a:pPr lvl="2"/>
             <a:r>
-              <a:rPr lang="en-US" smtClean="0"/>
+              <a:rPr lang="en-US"/>
               <a:t>Third level</a:t>
             </a:r>
           </a:p>
           <a:p>
             <a:pPr lvl="3"/>
             <a:r>
-              <a:rPr lang="en-US" smtClean="0"/>
+              <a:rPr lang="en-US"/>
               <a:t>Fourth level</a:t>
             </a:r>
           </a:p>
           <a:p>
             <a:pPr lvl="4"/>
             <a:r>
-              <a:rPr lang="en-US" smtClean="0"/>
+              <a:rPr lang="en-US"/>
               <a:t>Fifth level</a:t>
             </a:r>
             <a:endParaRPr lang="fr-FR"/>
@@ -7169,18 +7123,13 @@
           </a:lstStyle>
           <a:p>
             <a:r>
-              <a:rPr lang="en-US" dirty="0" smtClean="0">
+              <a:rPr lang="en-US" dirty="0">
                 <a:solidFill>
                   <a:srgbClr val="FFFFFF"/>
                 </a:solidFill>
               </a:rPr>
               <a:t>Copyright CAST 2011   </a:t>
             </a:r>
-            <a:endParaRPr lang="en-US" dirty="0">
-              <a:solidFill>
-                <a:srgbClr val="FFFFFF"/>
-              </a:solidFill>
-            </a:endParaRPr>
           </a:p>
         </p:txBody>
       </p:sp>
@@ -7261,7 +7210,7 @@
           </a:lstStyle>
           <a:p>
             <a:r>
-              <a:rPr lang="en-US" smtClean="0"/>
+              <a:rPr lang="en-US"/>
               <a:t>Click to edit Master title style</a:t>
             </a:r>
             <a:endParaRPr lang="fr-FR"/>
@@ -7327,7 +7276,7 @@
           <a:p>
             <a:pPr lvl="0"/>
             <a:r>
-              <a:rPr lang="en-US" smtClean="0"/>
+              <a:rPr lang="en-US"/>
               <a:t>Click to edit Master text styles</a:t>
             </a:r>
           </a:p>
@@ -7389,18 +7338,13 @@
           </a:lstStyle>
           <a:p>
             <a:r>
-              <a:rPr lang="en-US" dirty="0" smtClean="0">
+              <a:rPr lang="en-US" dirty="0">
                 <a:solidFill>
                   <a:srgbClr val="FFFFFF"/>
                 </a:solidFill>
               </a:rPr>
               <a:t>Copyright CAST 2011   </a:t>
             </a:r>
-            <a:endParaRPr lang="en-US" dirty="0">
-              <a:solidFill>
-                <a:srgbClr val="FFFFFF"/>
-              </a:solidFill>
-            </a:endParaRPr>
           </a:p>
         </p:txBody>
       </p:sp>
@@ -7472,7 +7416,7 @@
           <a:lstStyle/>
           <a:p>
             <a:r>
-              <a:rPr lang="en-US" smtClean="0"/>
+              <a:rPr lang="en-US"/>
               <a:t>Click to edit Master title style</a:t>
             </a:r>
             <a:endParaRPr lang="fr-FR"/>
@@ -7529,35 +7473,35 @@
           <a:p>
             <a:pPr lvl="0"/>
             <a:r>
-              <a:rPr lang="en-US" smtClean="0"/>
+              <a:rPr lang="en-US"/>
               <a:t>Click to edit Master text styles</a:t>
             </a:r>
           </a:p>
           <a:p>
             <a:pPr lvl="1"/>
             <a:r>
-              <a:rPr lang="en-US" smtClean="0"/>
+              <a:rPr lang="en-US"/>
               <a:t>Second level</a:t>
             </a:r>
           </a:p>
           <a:p>
             <a:pPr lvl="2"/>
             <a:r>
-              <a:rPr lang="en-US" smtClean="0"/>
+              <a:rPr lang="en-US"/>
               <a:t>Third level</a:t>
             </a:r>
           </a:p>
           <a:p>
             <a:pPr lvl="3"/>
             <a:r>
-              <a:rPr lang="en-US" smtClean="0"/>
+              <a:rPr lang="en-US"/>
               <a:t>Fourth level</a:t>
             </a:r>
           </a:p>
           <a:p>
             <a:pPr lvl="4"/>
             <a:r>
-              <a:rPr lang="en-US" smtClean="0"/>
+              <a:rPr lang="en-US"/>
               <a:t>Fifth level</a:t>
             </a:r>
             <a:endParaRPr lang="fr-FR"/>
@@ -7614,35 +7558,35 @@
           <a:p>
             <a:pPr lvl="0"/>
             <a:r>
-              <a:rPr lang="en-US" smtClean="0"/>
+              <a:rPr lang="en-US"/>
               <a:t>Click to edit Master text styles</a:t>
             </a:r>
           </a:p>
           <a:p>
             <a:pPr lvl="1"/>
             <a:r>
-              <a:rPr lang="en-US" smtClean="0"/>
+              <a:rPr lang="en-US"/>
               <a:t>Second level</a:t>
             </a:r>
           </a:p>
           <a:p>
             <a:pPr lvl="2"/>
             <a:r>
-              <a:rPr lang="en-US" smtClean="0"/>
+              <a:rPr lang="en-US"/>
               <a:t>Third level</a:t>
             </a:r>
           </a:p>
           <a:p>
             <a:pPr lvl="3"/>
             <a:r>
-              <a:rPr lang="en-US" smtClean="0"/>
+              <a:rPr lang="en-US"/>
               <a:t>Fourth level</a:t>
             </a:r>
           </a:p>
           <a:p>
             <a:pPr lvl="4"/>
             <a:r>
-              <a:rPr lang="en-US" smtClean="0"/>
+              <a:rPr lang="en-US"/>
               <a:t>Fifth level</a:t>
             </a:r>
             <a:endParaRPr lang="fr-FR"/>
@@ -7705,18 +7649,13 @@
           </a:lstStyle>
           <a:p>
             <a:r>
-              <a:rPr lang="en-US" dirty="0" smtClean="0">
+              <a:rPr lang="en-US" dirty="0">
                 <a:solidFill>
                   <a:srgbClr val="FFFFFF"/>
                 </a:solidFill>
               </a:rPr>
               <a:t>Copyright CAST 2011   </a:t>
             </a:r>
-            <a:endParaRPr lang="en-US" dirty="0">
-              <a:solidFill>
-                <a:srgbClr val="FFFFFF"/>
-              </a:solidFill>
-            </a:endParaRPr>
           </a:p>
         </p:txBody>
       </p:sp>
@@ -7797,7 +7736,7 @@
           </a:lstStyle>
           <a:p>
             <a:r>
-              <a:rPr lang="en-US" smtClean="0"/>
+              <a:rPr lang="en-US"/>
               <a:t>Click to edit Master title style</a:t>
             </a:r>
             <a:endParaRPr lang="fr-FR"/>
@@ -7863,7 +7802,7 @@
           <a:p>
             <a:pPr lvl="0"/>
             <a:r>
-              <a:rPr lang="en-US" smtClean="0"/>
+              <a:rPr lang="en-US"/>
               <a:t>Click to edit Master text styles</a:t>
             </a:r>
           </a:p>
@@ -7919,35 +7858,35 @@
           <a:p>
             <a:pPr lvl="0"/>
             <a:r>
-              <a:rPr lang="en-US" smtClean="0"/>
+              <a:rPr lang="en-US"/>
               <a:t>Click to edit Master text styles</a:t>
             </a:r>
           </a:p>
           <a:p>
             <a:pPr lvl="1"/>
             <a:r>
-              <a:rPr lang="en-US" smtClean="0"/>
+              <a:rPr lang="en-US"/>
               <a:t>Second level</a:t>
             </a:r>
           </a:p>
           <a:p>
             <a:pPr lvl="2"/>
             <a:r>
-              <a:rPr lang="en-US" smtClean="0"/>
+              <a:rPr lang="en-US"/>
               <a:t>Third level</a:t>
             </a:r>
           </a:p>
           <a:p>
             <a:pPr lvl="3"/>
             <a:r>
-              <a:rPr lang="en-US" smtClean="0"/>
+              <a:rPr lang="en-US"/>
               <a:t>Fourth level</a:t>
             </a:r>
           </a:p>
           <a:p>
             <a:pPr lvl="4"/>
             <a:r>
-              <a:rPr lang="en-US" smtClean="0"/>
+              <a:rPr lang="en-US"/>
               <a:t>Fifth level</a:t>
             </a:r>
             <a:endParaRPr lang="fr-FR"/>
@@ -8013,7 +7952,7 @@
           <a:p>
             <a:pPr lvl="0"/>
             <a:r>
-              <a:rPr lang="en-US" smtClean="0"/>
+              <a:rPr lang="en-US"/>
               <a:t>Click to edit Master text styles</a:t>
             </a:r>
           </a:p>
@@ -8069,35 +8008,35 @@
           <a:p>
             <a:pPr lvl="0"/>
             <a:r>
-              <a:rPr lang="en-US" smtClean="0"/>
+              <a:rPr lang="en-US"/>
               <a:t>Click to edit Master text styles</a:t>
             </a:r>
           </a:p>
           <a:p>
             <a:pPr lvl="1"/>
             <a:r>
-              <a:rPr lang="en-US" smtClean="0"/>
+              <a:rPr lang="en-US"/>
               <a:t>Second level</a:t>
             </a:r>
           </a:p>
           <a:p>
             <a:pPr lvl="2"/>
             <a:r>
-              <a:rPr lang="en-US" smtClean="0"/>
+              <a:rPr lang="en-US"/>
               <a:t>Third level</a:t>
             </a:r>
           </a:p>
           <a:p>
             <a:pPr lvl="3"/>
             <a:r>
-              <a:rPr lang="en-US" smtClean="0"/>
+              <a:rPr lang="en-US"/>
               <a:t>Fourth level</a:t>
             </a:r>
           </a:p>
           <a:p>
             <a:pPr lvl="4"/>
             <a:r>
-              <a:rPr lang="en-US" smtClean="0"/>
+              <a:rPr lang="en-US"/>
               <a:t>Fifth level</a:t>
             </a:r>
             <a:endParaRPr lang="fr-FR"/>
@@ -8160,18 +8099,13 @@
           </a:lstStyle>
           <a:p>
             <a:r>
-              <a:rPr lang="en-US" dirty="0" smtClean="0">
+              <a:rPr lang="en-US" dirty="0">
                 <a:solidFill>
                   <a:srgbClr val="FFFFFF"/>
                 </a:solidFill>
               </a:rPr>
               <a:t>Copyright CAST 2011   </a:t>
             </a:r>
-            <a:endParaRPr lang="en-US" dirty="0">
-              <a:solidFill>
-                <a:srgbClr val="FFFFFF"/>
-              </a:solidFill>
-            </a:endParaRPr>
           </a:p>
         </p:txBody>
       </p:sp>
@@ -8243,7 +8177,7 @@
           <a:lstStyle/>
           <a:p>
             <a:r>
-              <a:rPr lang="en-US" smtClean="0"/>
+              <a:rPr lang="en-US"/>
               <a:t>Click to edit Master title style</a:t>
             </a:r>
             <a:endParaRPr lang="fr-FR"/>
@@ -8306,18 +8240,13 @@
           </a:lstStyle>
           <a:p>
             <a:r>
-              <a:rPr lang="en-US" dirty="0" smtClean="0">
+              <a:rPr lang="en-US" dirty="0">
                 <a:solidFill>
                   <a:srgbClr val="FFFFFF"/>
                 </a:solidFill>
               </a:rPr>
               <a:t>Copyright CAST 2011   </a:t>
             </a:r>
-            <a:endParaRPr lang="en-US" dirty="0">
-              <a:solidFill>
-                <a:srgbClr val="FFFFFF"/>
-              </a:solidFill>
-            </a:endParaRPr>
           </a:p>
         </p:txBody>
       </p:sp>
@@ -8429,18 +8358,13 @@
           </a:lstStyle>
           <a:p>
             <a:r>
-              <a:rPr lang="en-US" dirty="0" smtClean="0">
+              <a:rPr lang="en-US" dirty="0">
                 <a:solidFill>
                   <a:srgbClr val="FFFFFF"/>
                 </a:solidFill>
               </a:rPr>
               <a:t>Copyright CAST 2011   </a:t>
             </a:r>
-            <a:endParaRPr lang="en-US" dirty="0">
-              <a:solidFill>
-                <a:srgbClr val="FFFFFF"/>
-              </a:solidFill>
-            </a:endParaRPr>
           </a:p>
         </p:txBody>
       </p:sp>
@@ -8521,7 +8445,7 @@
           </a:lstStyle>
           <a:p>
             <a:r>
-              <a:rPr lang="en-US" smtClean="0"/>
+              <a:rPr lang="en-US"/>
               <a:t>Click to edit Master title style</a:t>
             </a:r>
             <a:endParaRPr lang="fr-FR"/>
@@ -8578,35 +8502,35 @@
           <a:p>
             <a:pPr lvl="0"/>
             <a:r>
-              <a:rPr lang="en-US" smtClean="0"/>
+              <a:rPr lang="en-US"/>
               <a:t>Click to edit Master text styles</a:t>
             </a:r>
           </a:p>
           <a:p>
             <a:pPr lvl="1"/>
             <a:r>
-              <a:rPr lang="en-US" smtClean="0"/>
+              <a:rPr lang="en-US"/>
               <a:t>Second level</a:t>
             </a:r>
           </a:p>
           <a:p>
             <a:pPr lvl="2"/>
             <a:r>
-              <a:rPr lang="en-US" smtClean="0"/>
+              <a:rPr lang="en-US"/>
               <a:t>Third level</a:t>
             </a:r>
           </a:p>
           <a:p>
             <a:pPr lvl="3"/>
             <a:r>
-              <a:rPr lang="en-US" smtClean="0"/>
+              <a:rPr lang="en-US"/>
               <a:t>Fourth level</a:t>
             </a:r>
           </a:p>
           <a:p>
             <a:pPr lvl="4"/>
             <a:r>
-              <a:rPr lang="en-US" smtClean="0"/>
+              <a:rPr lang="en-US"/>
               <a:t>Fifth level</a:t>
             </a:r>
             <a:endParaRPr lang="fr-FR"/>
@@ -8672,7 +8596,7 @@
           <a:p>
             <a:pPr lvl="0"/>
             <a:r>
-              <a:rPr lang="en-US" smtClean="0"/>
+              <a:rPr lang="en-US"/>
               <a:t>Click to edit Master text styles</a:t>
             </a:r>
           </a:p>
@@ -8734,18 +8658,13 @@
           </a:lstStyle>
           <a:p>
             <a:r>
-              <a:rPr lang="en-US" dirty="0" smtClean="0">
+              <a:rPr lang="en-US" dirty="0">
                 <a:solidFill>
                   <a:srgbClr val="FFFFFF"/>
                 </a:solidFill>
               </a:rPr>
               <a:t>Copyright CAST 2011   </a:t>
             </a:r>
-            <a:endParaRPr lang="en-US" dirty="0">
-              <a:solidFill>
-                <a:srgbClr val="FFFFFF"/>
-              </a:solidFill>
-            </a:endParaRPr>
           </a:p>
         </p:txBody>
       </p:sp>
@@ -8826,7 +8745,7 @@
           </a:lstStyle>
           <a:p>
             <a:r>
-              <a:rPr lang="en-US" smtClean="0"/>
+              <a:rPr lang="en-US"/>
               <a:t>Click to edit Master title style</a:t>
             </a:r>
             <a:endParaRPr lang="fr-FR"/>
@@ -8891,7 +8810,7 @@
           </a:lstStyle>
           <a:p>
             <a:r>
-              <a:rPr lang="en-US" smtClean="0"/>
+              <a:rPr lang="en-US"/>
               <a:t>Click icon to add picture</a:t>
             </a:r>
             <a:endParaRPr lang="fr-FR" dirty="0"/>
@@ -8957,7 +8876,7 @@
           <a:p>
             <a:pPr lvl="0"/>
             <a:r>
-              <a:rPr lang="en-US" smtClean="0"/>
+              <a:rPr lang="en-US"/>
               <a:t>Click to edit Master text styles</a:t>
             </a:r>
           </a:p>
@@ -9019,18 +8938,13 @@
           </a:lstStyle>
           <a:p>
             <a:r>
-              <a:rPr lang="en-US" dirty="0" smtClean="0">
+              <a:rPr lang="en-US" dirty="0">
                 <a:solidFill>
                   <a:srgbClr val="FFFFFF"/>
                 </a:solidFill>
               </a:rPr>
               <a:t>Copyright CAST 2011   </a:t>
             </a:r>
-            <a:endParaRPr lang="en-US" dirty="0">
-              <a:solidFill>
-                <a:srgbClr val="FFFFFF"/>
-              </a:solidFill>
-            </a:endParaRPr>
           </a:p>
         </p:txBody>
       </p:sp>
@@ -9102,7 +9016,7 @@
           <a:lstStyle/>
           <a:p>
             <a:r>
-              <a:rPr lang="en-US" smtClean="0"/>
+              <a:rPr lang="en-US"/>
               <a:t>Click to edit Master title style</a:t>
             </a:r>
             <a:endParaRPr lang="fr-FR"/>
@@ -9126,35 +9040,35 @@
           <a:p>
             <a:pPr lvl="0"/>
             <a:r>
-              <a:rPr lang="en-US" smtClean="0"/>
+              <a:rPr lang="en-US"/>
               <a:t>Click to edit Master text styles</a:t>
             </a:r>
           </a:p>
           <a:p>
             <a:pPr lvl="1"/>
             <a:r>
-              <a:rPr lang="en-US" smtClean="0"/>
+              <a:rPr lang="en-US"/>
               <a:t>Second level</a:t>
             </a:r>
           </a:p>
           <a:p>
             <a:pPr lvl="2"/>
             <a:r>
-              <a:rPr lang="en-US" smtClean="0"/>
+              <a:rPr lang="en-US"/>
               <a:t>Third level</a:t>
             </a:r>
           </a:p>
           <a:p>
             <a:pPr lvl="3"/>
             <a:r>
-              <a:rPr lang="en-US" smtClean="0"/>
+              <a:rPr lang="en-US"/>
               <a:t>Fourth level</a:t>
             </a:r>
           </a:p>
           <a:p>
             <a:pPr lvl="4"/>
             <a:r>
-              <a:rPr lang="en-US" smtClean="0"/>
+              <a:rPr lang="en-US"/>
               <a:t>Fifth level</a:t>
             </a:r>
             <a:endParaRPr lang="fr-FR"/>
@@ -9217,18 +9131,13 @@
           </a:lstStyle>
           <a:p>
             <a:r>
-              <a:rPr lang="en-US" dirty="0" smtClean="0">
+              <a:rPr lang="en-US" dirty="0">
                 <a:solidFill>
                   <a:srgbClr val="FFFFFF"/>
                 </a:solidFill>
               </a:rPr>
               <a:t>Copyright CAST 2011   </a:t>
             </a:r>
-            <a:endParaRPr lang="en-US" dirty="0">
-              <a:solidFill>
-                <a:srgbClr val="FFFFFF"/>
-              </a:solidFill>
-            </a:endParaRPr>
           </a:p>
         </p:txBody>
       </p:sp>
@@ -9300,10 +9209,9 @@
           <a:lstStyle/>
           <a:p>
             <a:r>
-              <a:rPr lang="en-US" smtClean="0"/>
+              <a:rPr lang="en-US"/>
               <a:t>Click to edit Master title style</a:t>
             </a:r>
-            <a:endParaRPr lang="en-US"/>
           </a:p>
         </p:txBody>
       </p:sp>
@@ -9357,38 +9265,37 @@
           <a:p>
             <a:pPr lvl="0"/>
             <a:r>
-              <a:rPr lang="en-US" smtClean="0"/>
+              <a:rPr lang="en-US"/>
               <a:t>Click to edit Master text styles</a:t>
             </a:r>
           </a:p>
           <a:p>
             <a:pPr lvl="1"/>
             <a:r>
-              <a:rPr lang="en-US" smtClean="0"/>
+              <a:rPr lang="en-US"/>
               <a:t>Second level</a:t>
             </a:r>
           </a:p>
           <a:p>
             <a:pPr lvl="2"/>
             <a:r>
-              <a:rPr lang="en-US" smtClean="0"/>
+              <a:rPr lang="en-US"/>
               <a:t>Third level</a:t>
             </a:r>
           </a:p>
           <a:p>
             <a:pPr lvl="3"/>
             <a:r>
-              <a:rPr lang="en-US" smtClean="0"/>
+              <a:rPr lang="en-US"/>
               <a:t>Fourth level</a:t>
             </a:r>
           </a:p>
           <a:p>
             <a:pPr lvl="4"/>
             <a:r>
-              <a:rPr lang="en-US" smtClean="0"/>
+              <a:rPr lang="en-US"/>
               <a:t>Fifth level</a:t>
             </a:r>
-            <a:endParaRPr lang="en-US"/>
           </a:p>
         </p:txBody>
       </p:sp>
@@ -9442,38 +9349,37 @@
           <a:p>
             <a:pPr lvl="0"/>
             <a:r>
-              <a:rPr lang="en-US" smtClean="0"/>
+              <a:rPr lang="en-US"/>
               <a:t>Click to edit Master text styles</a:t>
             </a:r>
           </a:p>
           <a:p>
             <a:pPr lvl="1"/>
             <a:r>
-              <a:rPr lang="en-US" smtClean="0"/>
+              <a:rPr lang="en-US"/>
               <a:t>Second level</a:t>
             </a:r>
           </a:p>
           <a:p>
             <a:pPr lvl="2"/>
             <a:r>
-              <a:rPr lang="en-US" smtClean="0"/>
+              <a:rPr lang="en-US"/>
               <a:t>Third level</a:t>
             </a:r>
           </a:p>
           <a:p>
             <a:pPr lvl="3"/>
             <a:r>
-              <a:rPr lang="en-US" smtClean="0"/>
+              <a:rPr lang="en-US"/>
               <a:t>Fourth level</a:t>
             </a:r>
           </a:p>
           <a:p>
             <a:pPr lvl="4"/>
             <a:r>
-              <a:rPr lang="en-US" smtClean="0"/>
+              <a:rPr lang="en-US"/>
               <a:t>Fifth level</a:t>
             </a:r>
-            <a:endParaRPr lang="en-US"/>
           </a:p>
         </p:txBody>
       </p:sp>
@@ -9526,7 +9432,7 @@
             <a:fld id="{D8E3BBD6-5DF7-411E-B793-6A3558CCCDCA}" type="datetimeFigureOut">
               <a:rPr lang="fr-FR" smtClean="0"/>
               <a:pPr/>
-              <a:t>31/01/2017</a:t>
+              <a:t>21/01/2019</a:t>
             </a:fld>
             <a:endParaRPr lang="fr-FR" dirty="0"/>
           </a:p>
@@ -9578,7 +9484,7 @@
           <a:lstStyle/>
           <a:p>
             <a:r>
-              <a:rPr lang="en-US" smtClean="0"/>
+              <a:rPr lang="en-US"/>
               <a:t>Click to edit Master title style</a:t>
             </a:r>
             <a:endParaRPr lang="fr-FR"/>
@@ -9607,35 +9513,35 @@
           <a:p>
             <a:pPr lvl="0"/>
             <a:r>
-              <a:rPr lang="en-US" smtClean="0"/>
+              <a:rPr lang="en-US"/>
               <a:t>Click to edit Master text styles</a:t>
             </a:r>
           </a:p>
           <a:p>
             <a:pPr lvl="1"/>
             <a:r>
-              <a:rPr lang="en-US" smtClean="0"/>
+              <a:rPr lang="en-US"/>
               <a:t>Second level</a:t>
             </a:r>
           </a:p>
           <a:p>
             <a:pPr lvl="2"/>
             <a:r>
-              <a:rPr lang="en-US" smtClean="0"/>
+              <a:rPr lang="en-US"/>
               <a:t>Third level</a:t>
             </a:r>
           </a:p>
           <a:p>
             <a:pPr lvl="3"/>
             <a:r>
-              <a:rPr lang="en-US" smtClean="0"/>
+              <a:rPr lang="en-US"/>
               <a:t>Fourth level</a:t>
             </a:r>
           </a:p>
           <a:p>
             <a:pPr lvl="4"/>
             <a:r>
-              <a:rPr lang="en-US" smtClean="0"/>
+              <a:rPr lang="en-US"/>
               <a:t>Fifth level</a:t>
             </a:r>
             <a:endParaRPr lang="fr-FR"/>
@@ -9698,18 +9604,13 @@
           </a:lstStyle>
           <a:p>
             <a:r>
-              <a:rPr lang="en-US" dirty="0" smtClean="0">
+              <a:rPr lang="en-US" dirty="0">
                 <a:solidFill>
                   <a:srgbClr val="FFFFFF"/>
                 </a:solidFill>
               </a:rPr>
               <a:t>Copyright CAST 2011   </a:t>
             </a:r>
-            <a:endParaRPr lang="en-US" dirty="0">
-              <a:solidFill>
-                <a:srgbClr val="FFFFFF"/>
-              </a:solidFill>
-            </a:endParaRPr>
           </a:p>
         </p:txBody>
       </p:sp>
@@ -9878,7 +9779,7 @@
                 </a:bodyPr>
                 <a:lstStyle/>
                 <a:p>
-                  <a:endParaRPr lang="en-US" sz="2400" dirty="0" smtClean="0">
+                  <a:endParaRPr lang="en-US" sz="2400" dirty="0">
                     <a:solidFill>
                       <a:prstClr val="black"/>
                     </a:solidFill>
@@ -9929,22 +9830,35 @@
         </p:grpSp>
         <p:pic>
           <p:nvPicPr>
-            <p:cNvPr id="6" name="Picture 5" descr="CAST_grey_100_bl.jpg"/>
+            <p:cNvPr id="6" name="Picture 5"/>
             <p:cNvPicPr>
               <a:picLocks noChangeAspect="1"/>
             </p:cNvPicPr>
             <p:nvPr userDrawn="1"/>
           </p:nvPicPr>
           <p:blipFill>
-            <a:blip r:embed="rId5" cstate="screen"/>
+            <a:blip r:embed="rId5">
+              <a:duotone>
+                <a:schemeClr val="accent6">
+                  <a:shade val="45000"/>
+                  <a:satMod val="135000"/>
+                </a:schemeClr>
+                <a:prstClr val="white"/>
+              </a:duotone>
+              <a:extLst>
+                <a:ext uri="{28A0092B-C50C-407E-A947-70E740481C1C}">
+                  <a14:useLocalDpi xmlns:a14="http://schemas.microsoft.com/office/drawing/2010/main" val="0"/>
+                </a:ext>
+              </a:extLst>
+            </a:blip>
             <a:stretch>
               <a:fillRect/>
             </a:stretch>
           </p:blipFill>
           <p:spPr>
             <a:xfrm>
-              <a:off x="5791726" y="457200"/>
-              <a:ext cx="2818874" cy="548640"/>
+              <a:off x="5801572" y="457200"/>
+              <a:ext cx="2799182" cy="548640"/>
             </a:xfrm>
             <a:prstGeom prst="rect">
               <a:avLst/>
@@ -9992,7 +9906,7 @@
               </a:tabLst>
             </a:pPr>
             <a:r>
-              <a:rPr lang="en-US" smtClean="0"/>
+              <a:rPr lang="en-US"/>
               <a:t>Click to edit Master subtitle style</a:t>
             </a:r>
             <a:endParaRPr lang="en-US" dirty="0"/>
@@ -10037,7 +9951,7 @@
           <a:p>
             <a:pPr lvl="0"/>
             <a:r>
-              <a:rPr lang="en-US" smtClean="0"/>
+              <a:rPr lang="en-US"/>
               <a:t>Click to edit Master title style</a:t>
             </a:r>
             <a:endParaRPr lang="en-US" dirty="0"/>
@@ -10141,10 +10055,9 @@
           <a:lstStyle/>
           <a:p>
             <a:r>
-              <a:rPr lang="en-US" smtClean="0"/>
+              <a:rPr lang="en-US"/>
               <a:t>Click to edit Master title style</a:t>
             </a:r>
-            <a:endParaRPr lang="en-US"/>
           </a:p>
         </p:txBody>
       </p:sp>
@@ -10170,35 +10083,35 @@
           <a:p>
             <a:pPr lvl="0"/>
             <a:r>
-              <a:rPr lang="en-US" smtClean="0"/>
+              <a:rPr lang="en-US"/>
               <a:t>Click to edit Master text styles</a:t>
             </a:r>
           </a:p>
           <a:p>
             <a:pPr lvl="1"/>
             <a:r>
-              <a:rPr lang="en-US" smtClean="0"/>
+              <a:rPr lang="en-US"/>
               <a:t>Second level</a:t>
             </a:r>
           </a:p>
           <a:p>
             <a:pPr lvl="2"/>
             <a:r>
-              <a:rPr lang="en-US" smtClean="0"/>
+              <a:rPr lang="en-US"/>
               <a:t>Third level</a:t>
             </a:r>
           </a:p>
           <a:p>
             <a:pPr lvl="3"/>
             <a:r>
-              <a:rPr lang="en-US" smtClean="0"/>
+              <a:rPr lang="en-US"/>
               <a:t>Fourth level</a:t>
             </a:r>
           </a:p>
           <a:p>
             <a:pPr lvl="4"/>
             <a:r>
-              <a:rPr lang="en-US" smtClean="0"/>
+              <a:rPr lang="en-US"/>
               <a:t>Fifth level</a:t>
             </a:r>
             <a:endParaRPr lang="en-US" dirty="0"/>
@@ -10279,7 +10192,7 @@
           <a:p>
             <a:pPr lvl="0"/>
             <a:r>
-              <a:rPr lang="en-US" smtClean="0"/>
+              <a:rPr lang="en-US"/>
               <a:t>Click to edit Master title style</a:t>
             </a:r>
             <a:endParaRPr lang="en-US" dirty="0"/>
@@ -10349,7 +10262,7 @@
               </a:tabLst>
             </a:pPr>
             <a:r>
-              <a:rPr lang="en-US" smtClean="0"/>
+              <a:rPr lang="en-US"/>
               <a:t>Click to edit Master text styles</a:t>
             </a:r>
           </a:p>
@@ -10389,7 +10302,7 @@
           </a:bodyPr>
           <a:lstStyle/>
           <a:p>
-            <a:endParaRPr lang="en-US" sz="2400" dirty="0" smtClean="0">
+            <a:endParaRPr lang="en-US" sz="2400" dirty="0">
               <a:solidFill>
                 <a:prstClr val="black"/>
               </a:solidFill>
@@ -10501,10 +10414,9 @@
           <a:lstStyle/>
           <a:p>
             <a:r>
-              <a:rPr lang="en-US" smtClean="0"/>
+              <a:rPr lang="en-US"/>
               <a:t>Click to edit Master title style</a:t>
             </a:r>
-            <a:endParaRPr lang="en-US"/>
           </a:p>
         </p:txBody>
       </p:sp>
@@ -10566,7 +10478,7 @@
               <a:buChar char="§"/>
             </a:pPr>
             <a:r>
-              <a:rPr lang="en-US" smtClean="0"/>
+              <a:rPr lang="en-US"/>
               <a:t>Click to edit Master text styles</a:t>
             </a:r>
           </a:p>
@@ -10592,7 +10504,7 @@
               <a:buChar char="§"/>
             </a:pPr>
             <a:r>
-              <a:rPr lang="en-US" smtClean="0"/>
+              <a:rPr lang="en-US"/>
               <a:t>Second level</a:t>
             </a:r>
           </a:p>
@@ -10618,7 +10530,7 @@
               <a:buChar char="§"/>
             </a:pPr>
             <a:r>
-              <a:rPr lang="en-US" smtClean="0"/>
+              <a:rPr lang="en-US"/>
               <a:t>Third level</a:t>
             </a:r>
           </a:p>
@@ -10644,7 +10556,7 @@
               <a:buChar char="§"/>
             </a:pPr>
             <a:r>
-              <a:rPr lang="en-US" smtClean="0"/>
+              <a:rPr lang="en-US"/>
               <a:t>Fourth level</a:t>
             </a:r>
           </a:p>
@@ -10670,7 +10582,7 @@
               <a:buChar char="§"/>
             </a:pPr>
             <a:r>
-              <a:rPr lang="en-US" smtClean="0"/>
+              <a:rPr lang="en-US"/>
               <a:t>Fifth level</a:t>
             </a:r>
             <a:endParaRPr lang="en-US" dirty="0"/>
@@ -10756,7 +10668,7 @@
               <a:buChar char="§"/>
             </a:pPr>
             <a:r>
-              <a:rPr lang="en-US" smtClean="0"/>
+              <a:rPr lang="en-US"/>
               <a:t>Click to edit Master text styles</a:t>
             </a:r>
           </a:p>
@@ -10782,7 +10694,7 @@
               <a:buChar char="§"/>
             </a:pPr>
             <a:r>
-              <a:rPr lang="en-US" smtClean="0"/>
+              <a:rPr lang="en-US"/>
               <a:t>Second level</a:t>
             </a:r>
           </a:p>
@@ -10808,7 +10720,7 @@
               <a:buChar char="§"/>
             </a:pPr>
             <a:r>
-              <a:rPr lang="en-US" smtClean="0"/>
+              <a:rPr lang="en-US"/>
               <a:t>Third level</a:t>
             </a:r>
           </a:p>
@@ -10834,7 +10746,7 @@
               <a:buChar char="§"/>
             </a:pPr>
             <a:r>
-              <a:rPr lang="en-US" smtClean="0"/>
+              <a:rPr lang="en-US"/>
               <a:t>Fourth level</a:t>
             </a:r>
           </a:p>
@@ -10860,7 +10772,7 @@
               <a:buChar char="§"/>
             </a:pPr>
             <a:r>
-              <a:rPr lang="en-US" smtClean="0"/>
+              <a:rPr lang="en-US"/>
               <a:t>Fifth level</a:t>
             </a:r>
             <a:endParaRPr lang="en-US" dirty="0"/>
@@ -10969,7 +10881,7 @@
           <a:p>
             <a:pPr lvl="0"/>
             <a:r>
-              <a:rPr lang="en-US" smtClean="0"/>
+              <a:rPr lang="en-US"/>
               <a:t>Click to edit Master text styles</a:t>
             </a:r>
           </a:p>
@@ -11009,7 +10921,7 @@
           <a:p>
             <a:pPr marL="0" lvl="0" indent="0"/>
             <a:r>
-              <a:rPr lang="en-US" smtClean="0"/>
+              <a:rPr lang="en-US"/>
               <a:t>Click to edit Master text styles</a:t>
             </a:r>
           </a:p>
@@ -11087,7 +10999,7 @@
           <a:lstStyle/>
           <a:p>
             <a:r>
-              <a:rPr lang="en-US" smtClean="0"/>
+              <a:rPr lang="en-US"/>
               <a:t>Click to edit Master title style</a:t>
             </a:r>
             <a:endParaRPr lang="en-US" dirty="0"/>
@@ -11161,7 +11073,7 @@
               <a:buChar char="§"/>
             </a:pPr>
             <a:r>
-              <a:rPr lang="en-US" smtClean="0"/>
+              <a:rPr lang="en-US"/>
               <a:t>Click to edit Master text styles</a:t>
             </a:r>
           </a:p>
@@ -11187,7 +11099,7 @@
               <a:buChar char="§"/>
             </a:pPr>
             <a:r>
-              <a:rPr lang="en-US" smtClean="0"/>
+              <a:rPr lang="en-US"/>
               <a:t>Second level</a:t>
             </a:r>
           </a:p>
@@ -11213,7 +11125,7 @@
               <a:buChar char="§"/>
             </a:pPr>
             <a:r>
-              <a:rPr lang="en-US" smtClean="0"/>
+              <a:rPr lang="en-US"/>
               <a:t>Third level</a:t>
             </a:r>
           </a:p>
@@ -11239,7 +11151,7 @@
               <a:buChar char="§"/>
             </a:pPr>
             <a:r>
-              <a:rPr lang="en-US" smtClean="0"/>
+              <a:rPr lang="en-US"/>
               <a:t>Fourth level</a:t>
             </a:r>
           </a:p>
@@ -11265,7 +11177,7 @@
               <a:buChar char="§"/>
             </a:pPr>
             <a:r>
-              <a:rPr lang="en-US" smtClean="0"/>
+              <a:rPr lang="en-US"/>
               <a:t>Fifth level</a:t>
             </a:r>
             <a:endParaRPr lang="en-US" dirty="0"/>
@@ -11375,7 +11287,7 @@
               <a:buChar char="§"/>
             </a:pPr>
             <a:r>
-              <a:rPr lang="en-US" smtClean="0"/>
+              <a:rPr lang="en-US"/>
               <a:t>Click to edit Master text styles</a:t>
             </a:r>
           </a:p>
@@ -11401,7 +11313,7 @@
               <a:buChar char="§"/>
             </a:pPr>
             <a:r>
-              <a:rPr lang="en-US" smtClean="0"/>
+              <a:rPr lang="en-US"/>
               <a:t>Second level</a:t>
             </a:r>
           </a:p>
@@ -11427,7 +11339,7 @@
               <a:buChar char="§"/>
             </a:pPr>
             <a:r>
-              <a:rPr lang="en-US" smtClean="0"/>
+              <a:rPr lang="en-US"/>
               <a:t>Third level</a:t>
             </a:r>
           </a:p>
@@ -11453,7 +11365,7 @@
               <a:buChar char="§"/>
             </a:pPr>
             <a:r>
-              <a:rPr lang="en-US" smtClean="0"/>
+              <a:rPr lang="en-US"/>
               <a:t>Fourth level</a:t>
             </a:r>
           </a:p>
@@ -11479,7 +11391,7 @@
               <a:buChar char="§"/>
             </a:pPr>
             <a:r>
-              <a:rPr lang="en-US" smtClean="0"/>
+              <a:rPr lang="en-US"/>
               <a:t>Fifth level</a:t>
             </a:r>
             <a:endParaRPr lang="en-US" dirty="0"/>
@@ -11532,7 +11444,7 @@
           <a:lstStyle/>
           <a:p>
             <a:r>
-              <a:rPr lang="en-US" smtClean="0"/>
+              <a:rPr lang="en-US"/>
               <a:t>Click to edit Master title style</a:t>
             </a:r>
             <a:endParaRPr lang="en-US" dirty="0"/>
@@ -11634,7 +11546,7 @@
               <a:buFont typeface="Webdings" pitchFamily="18" charset="2"/>
               <a:buNone/>
             </a:pPr>
-            <a:endParaRPr lang="en-US" sz="2200" dirty="0" err="1" smtClean="0">
+            <a:endParaRPr lang="en-US" sz="2200" dirty="0" err="1">
               <a:solidFill>
                 <a:srgbClr val="000000">
                   <a:lumMod val="65000"/>
@@ -11788,7 +11700,7 @@
           </a:lstStyle>
           <a:p>
             <a:r>
-              <a:rPr lang="en-US" smtClean="0"/>
+              <a:rPr lang="en-US"/>
               <a:t>Click to edit Master title style</a:t>
             </a:r>
             <a:endParaRPr lang="de-DE" dirty="0"/>
@@ -11824,7 +11736,7 @@
           <a:p>
             <a:pPr lvl="0"/>
             <a:r>
-              <a:rPr lang="en-US" smtClean="0"/>
+              <a:rPr lang="en-US"/>
               <a:t>Click to edit Master text styles</a:t>
             </a:r>
           </a:p>
@@ -11969,7 +11881,7 @@
               </a:tabLst>
             </a:pPr>
             <a:r>
-              <a:rPr lang="en-US" smtClean="0"/>
+              <a:rPr lang="en-US"/>
               <a:t>Click to edit Master subtitle style</a:t>
             </a:r>
             <a:endParaRPr lang="en-US" dirty="0"/>
@@ -12014,7 +11926,7 @@
           <a:p>
             <a:pPr lvl="0"/>
             <a:r>
-              <a:rPr lang="en-US" smtClean="0"/>
+              <a:rPr lang="en-US"/>
               <a:t>Click to edit Master title style</a:t>
             </a:r>
             <a:endParaRPr lang="en-US" dirty="0"/>
@@ -12076,10 +11988,9 @@
           </a:lstStyle>
           <a:p>
             <a:r>
-              <a:rPr lang="en-US" smtClean="0"/>
+              <a:rPr lang="en-US"/>
               <a:t>Click to edit Master title style</a:t>
             </a:r>
-            <a:endParaRPr lang="en-US"/>
           </a:p>
         </p:txBody>
       </p:sp>
@@ -12142,7 +12053,7 @@
           <a:p>
             <a:pPr lvl="0"/>
             <a:r>
-              <a:rPr lang="en-US" smtClean="0"/>
+              <a:rPr lang="en-US"/>
               <a:t>Click to edit Master text styles</a:t>
             </a:r>
           </a:p>
@@ -12198,38 +12109,37 @@
           <a:p>
             <a:pPr lvl="0"/>
             <a:r>
-              <a:rPr lang="en-US" smtClean="0"/>
+              <a:rPr lang="en-US"/>
               <a:t>Click to edit Master text styles</a:t>
             </a:r>
           </a:p>
           <a:p>
             <a:pPr lvl="1"/>
             <a:r>
-              <a:rPr lang="en-US" smtClean="0"/>
+              <a:rPr lang="en-US"/>
               <a:t>Second level</a:t>
             </a:r>
           </a:p>
           <a:p>
             <a:pPr lvl="2"/>
             <a:r>
-              <a:rPr lang="en-US" smtClean="0"/>
+              <a:rPr lang="en-US"/>
               <a:t>Third level</a:t>
             </a:r>
           </a:p>
           <a:p>
             <a:pPr lvl="3"/>
             <a:r>
-              <a:rPr lang="en-US" smtClean="0"/>
+              <a:rPr lang="en-US"/>
               <a:t>Fourth level</a:t>
             </a:r>
           </a:p>
           <a:p>
             <a:pPr lvl="4"/>
             <a:r>
-              <a:rPr lang="en-US" smtClean="0"/>
+              <a:rPr lang="en-US"/>
               <a:t>Fifth level</a:t>
             </a:r>
-            <a:endParaRPr lang="en-US"/>
           </a:p>
         </p:txBody>
       </p:sp>
@@ -12292,7 +12202,7 @@
           <a:p>
             <a:pPr lvl="0"/>
             <a:r>
-              <a:rPr lang="en-US" smtClean="0"/>
+              <a:rPr lang="en-US"/>
               <a:t>Click to edit Master text styles</a:t>
             </a:r>
           </a:p>
@@ -12348,38 +12258,37 @@
           <a:p>
             <a:pPr lvl="0"/>
             <a:r>
-              <a:rPr lang="en-US" smtClean="0"/>
+              <a:rPr lang="en-US"/>
               <a:t>Click to edit Master text styles</a:t>
             </a:r>
           </a:p>
           <a:p>
             <a:pPr lvl="1"/>
             <a:r>
-              <a:rPr lang="en-US" smtClean="0"/>
+              <a:rPr lang="en-US"/>
               <a:t>Second level</a:t>
             </a:r>
           </a:p>
           <a:p>
             <a:pPr lvl="2"/>
             <a:r>
-              <a:rPr lang="en-US" smtClean="0"/>
+              <a:rPr lang="en-US"/>
               <a:t>Third level</a:t>
             </a:r>
           </a:p>
           <a:p>
             <a:pPr lvl="3"/>
             <a:r>
-              <a:rPr lang="en-US" smtClean="0"/>
+              <a:rPr lang="en-US"/>
               <a:t>Fourth level</a:t>
             </a:r>
           </a:p>
           <a:p>
             <a:pPr lvl="4"/>
             <a:r>
-              <a:rPr lang="en-US" smtClean="0"/>
+              <a:rPr lang="en-US"/>
               <a:t>Fifth level</a:t>
             </a:r>
-            <a:endParaRPr lang="en-US"/>
           </a:p>
         </p:txBody>
       </p:sp>
@@ -12432,7 +12341,7 @@
             <a:fld id="{D8E3BBD6-5DF7-411E-B793-6A3558CCCDCA}" type="datetimeFigureOut">
               <a:rPr lang="fr-FR" smtClean="0"/>
               <a:pPr/>
-              <a:t>31/01/2017</a:t>
+              <a:t>21/01/2019</a:t>
             </a:fld>
             <a:endParaRPr lang="fr-FR" dirty="0"/>
           </a:p>
@@ -12530,10 +12439,9 @@
           <a:lstStyle/>
           <a:p>
             <a:r>
-              <a:rPr lang="en-US" smtClean="0"/>
+              <a:rPr lang="en-US"/>
               <a:t>Click to edit Master title style</a:t>
             </a:r>
-            <a:endParaRPr lang="en-US"/>
           </a:p>
         </p:txBody>
       </p:sp>
@@ -12559,35 +12467,35 @@
           <a:p>
             <a:pPr lvl="0"/>
             <a:r>
-              <a:rPr lang="en-US" smtClean="0"/>
+              <a:rPr lang="en-US"/>
               <a:t>Click to edit Master text styles</a:t>
             </a:r>
           </a:p>
           <a:p>
             <a:pPr lvl="1"/>
             <a:r>
-              <a:rPr lang="en-US" smtClean="0"/>
+              <a:rPr lang="en-US"/>
               <a:t>Second level</a:t>
             </a:r>
           </a:p>
           <a:p>
             <a:pPr lvl="2"/>
             <a:r>
-              <a:rPr lang="en-US" smtClean="0"/>
+              <a:rPr lang="en-US"/>
               <a:t>Third level</a:t>
             </a:r>
           </a:p>
           <a:p>
             <a:pPr lvl="3"/>
             <a:r>
-              <a:rPr lang="en-US" smtClean="0"/>
+              <a:rPr lang="en-US"/>
               <a:t>Fourth level</a:t>
             </a:r>
           </a:p>
           <a:p>
             <a:pPr lvl="4"/>
             <a:r>
-              <a:rPr lang="en-US" smtClean="0"/>
+              <a:rPr lang="en-US"/>
               <a:t>Fifth level</a:t>
             </a:r>
             <a:endParaRPr lang="en-US" dirty="0"/>
@@ -12668,7 +12576,7 @@
           <a:p>
             <a:pPr lvl="0"/>
             <a:r>
-              <a:rPr lang="en-US" smtClean="0"/>
+              <a:rPr lang="en-US"/>
               <a:t>Click to edit Master title style</a:t>
             </a:r>
             <a:endParaRPr lang="en-US" dirty="0"/>
@@ -12738,7 +12646,7 @@
               </a:tabLst>
             </a:pPr>
             <a:r>
-              <a:rPr lang="en-US" smtClean="0"/>
+              <a:rPr lang="en-US"/>
               <a:t>Click to edit Master text styles</a:t>
             </a:r>
           </a:p>
@@ -12778,7 +12686,7 @@
           </a:bodyPr>
           <a:lstStyle/>
           <a:p>
-            <a:endParaRPr lang="en-US" sz="2400" dirty="0" smtClean="0">
+            <a:endParaRPr lang="en-US" sz="2400" dirty="0">
               <a:solidFill>
                 <a:prstClr val="black"/>
               </a:solidFill>
@@ -12890,10 +12798,9 @@
           <a:lstStyle/>
           <a:p>
             <a:r>
-              <a:rPr lang="en-US" smtClean="0"/>
+              <a:rPr lang="en-US"/>
               <a:t>Click to edit Master title style</a:t>
             </a:r>
-            <a:endParaRPr lang="en-US"/>
           </a:p>
         </p:txBody>
       </p:sp>
@@ -12955,7 +12862,7 @@
               <a:buChar char="§"/>
             </a:pPr>
             <a:r>
-              <a:rPr lang="en-US" smtClean="0"/>
+              <a:rPr lang="en-US"/>
               <a:t>Click to edit Master text styles</a:t>
             </a:r>
           </a:p>
@@ -12981,7 +12888,7 @@
               <a:buChar char="§"/>
             </a:pPr>
             <a:r>
-              <a:rPr lang="en-US" smtClean="0"/>
+              <a:rPr lang="en-US"/>
               <a:t>Second level</a:t>
             </a:r>
           </a:p>
@@ -13007,7 +12914,7 @@
               <a:buChar char="§"/>
             </a:pPr>
             <a:r>
-              <a:rPr lang="en-US" smtClean="0"/>
+              <a:rPr lang="en-US"/>
               <a:t>Third level</a:t>
             </a:r>
           </a:p>
@@ -13033,7 +12940,7 @@
               <a:buChar char="§"/>
             </a:pPr>
             <a:r>
-              <a:rPr lang="en-US" smtClean="0"/>
+              <a:rPr lang="en-US"/>
               <a:t>Fourth level</a:t>
             </a:r>
           </a:p>
@@ -13059,7 +12966,7 @@
               <a:buChar char="§"/>
             </a:pPr>
             <a:r>
-              <a:rPr lang="en-US" smtClean="0"/>
+              <a:rPr lang="en-US"/>
               <a:t>Fifth level</a:t>
             </a:r>
             <a:endParaRPr lang="en-US" dirty="0"/>
@@ -13145,7 +13052,7 @@
               <a:buChar char="§"/>
             </a:pPr>
             <a:r>
-              <a:rPr lang="en-US" smtClean="0"/>
+              <a:rPr lang="en-US"/>
               <a:t>Click to edit Master text styles</a:t>
             </a:r>
           </a:p>
@@ -13171,7 +13078,7 @@
               <a:buChar char="§"/>
             </a:pPr>
             <a:r>
-              <a:rPr lang="en-US" smtClean="0"/>
+              <a:rPr lang="en-US"/>
               <a:t>Second level</a:t>
             </a:r>
           </a:p>
@@ -13197,7 +13104,7 @@
               <a:buChar char="§"/>
             </a:pPr>
             <a:r>
-              <a:rPr lang="en-US" smtClean="0"/>
+              <a:rPr lang="en-US"/>
               <a:t>Third level</a:t>
             </a:r>
           </a:p>
@@ -13223,7 +13130,7 @@
               <a:buChar char="§"/>
             </a:pPr>
             <a:r>
-              <a:rPr lang="en-US" smtClean="0"/>
+              <a:rPr lang="en-US"/>
               <a:t>Fourth level</a:t>
             </a:r>
           </a:p>
@@ -13249,7 +13156,7 @@
               <a:buChar char="§"/>
             </a:pPr>
             <a:r>
-              <a:rPr lang="en-US" smtClean="0"/>
+              <a:rPr lang="en-US"/>
               <a:t>Fifth level</a:t>
             </a:r>
             <a:endParaRPr lang="en-US" dirty="0"/>
@@ -13358,7 +13265,7 @@
           <a:p>
             <a:pPr lvl="0"/>
             <a:r>
-              <a:rPr lang="en-US" smtClean="0"/>
+              <a:rPr lang="en-US"/>
               <a:t>Click to edit Master text styles</a:t>
             </a:r>
           </a:p>
@@ -13398,7 +13305,7 @@
           <a:p>
             <a:pPr marL="0" lvl="0" indent="0"/>
             <a:r>
-              <a:rPr lang="en-US" smtClean="0"/>
+              <a:rPr lang="en-US"/>
               <a:t>Click to edit Master text styles</a:t>
             </a:r>
           </a:p>
@@ -13476,7 +13383,7 @@
           <a:lstStyle/>
           <a:p>
             <a:r>
-              <a:rPr lang="en-US" smtClean="0"/>
+              <a:rPr lang="en-US"/>
               <a:t>Click to edit Master title style</a:t>
             </a:r>
             <a:endParaRPr lang="en-US" dirty="0"/>
@@ -13550,7 +13457,7 @@
               <a:buChar char="§"/>
             </a:pPr>
             <a:r>
-              <a:rPr lang="en-US" smtClean="0"/>
+              <a:rPr lang="en-US"/>
               <a:t>Click to edit Master text styles</a:t>
             </a:r>
           </a:p>
@@ -13576,7 +13483,7 @@
               <a:buChar char="§"/>
             </a:pPr>
             <a:r>
-              <a:rPr lang="en-US" smtClean="0"/>
+              <a:rPr lang="en-US"/>
               <a:t>Second level</a:t>
             </a:r>
           </a:p>
@@ -13602,7 +13509,7 @@
               <a:buChar char="§"/>
             </a:pPr>
             <a:r>
-              <a:rPr lang="en-US" smtClean="0"/>
+              <a:rPr lang="en-US"/>
               <a:t>Third level</a:t>
             </a:r>
           </a:p>
@@ -13628,7 +13535,7 @@
               <a:buChar char="§"/>
             </a:pPr>
             <a:r>
-              <a:rPr lang="en-US" smtClean="0"/>
+              <a:rPr lang="en-US"/>
               <a:t>Fourth level</a:t>
             </a:r>
           </a:p>
@@ -13654,7 +13561,7 @@
               <a:buChar char="§"/>
             </a:pPr>
             <a:r>
-              <a:rPr lang="en-US" smtClean="0"/>
+              <a:rPr lang="en-US"/>
               <a:t>Fifth level</a:t>
             </a:r>
             <a:endParaRPr lang="en-US" dirty="0"/>
@@ -13764,7 +13671,7 @@
               <a:buChar char="§"/>
             </a:pPr>
             <a:r>
-              <a:rPr lang="en-US" smtClean="0"/>
+              <a:rPr lang="en-US"/>
               <a:t>Click to edit Master text styles</a:t>
             </a:r>
           </a:p>
@@ -13790,7 +13697,7 @@
               <a:buChar char="§"/>
             </a:pPr>
             <a:r>
-              <a:rPr lang="en-US" smtClean="0"/>
+              <a:rPr lang="en-US"/>
               <a:t>Second level</a:t>
             </a:r>
           </a:p>
@@ -13816,7 +13723,7 @@
               <a:buChar char="§"/>
             </a:pPr>
             <a:r>
-              <a:rPr lang="en-US" smtClean="0"/>
+              <a:rPr lang="en-US"/>
               <a:t>Third level</a:t>
             </a:r>
           </a:p>
@@ -13842,7 +13749,7 @@
               <a:buChar char="§"/>
             </a:pPr>
             <a:r>
-              <a:rPr lang="en-US" smtClean="0"/>
+              <a:rPr lang="en-US"/>
               <a:t>Fourth level</a:t>
             </a:r>
           </a:p>
@@ -13868,7 +13775,7 @@
               <a:buChar char="§"/>
             </a:pPr>
             <a:r>
-              <a:rPr lang="en-US" smtClean="0"/>
+              <a:rPr lang="en-US"/>
               <a:t>Fifth level</a:t>
             </a:r>
             <a:endParaRPr lang="en-US" dirty="0"/>
@@ -13921,7 +13828,7 @@
           <a:lstStyle/>
           <a:p>
             <a:r>
-              <a:rPr lang="en-US" smtClean="0"/>
+              <a:rPr lang="en-US"/>
               <a:t>Click to edit Master title style</a:t>
             </a:r>
             <a:endParaRPr lang="en-US" dirty="0"/>
@@ -14023,7 +13930,7 @@
               <a:buFont typeface="Webdings" pitchFamily="18" charset="2"/>
               <a:buNone/>
             </a:pPr>
-            <a:endParaRPr lang="en-US" sz="2200" dirty="0" err="1" smtClean="0">
+            <a:endParaRPr lang="en-US" sz="2200" dirty="0" err="1">
               <a:solidFill>
                 <a:srgbClr val="000000">
                   <a:lumMod val="65000"/>
@@ -14163,10 +14070,9 @@
           <a:lstStyle/>
           <a:p>
             <a:r>
-              <a:rPr lang="en-US" smtClean="0"/>
+              <a:rPr lang="en-US"/>
               <a:t>Click to edit Master title style</a:t>
             </a:r>
-            <a:endParaRPr lang="en-US"/>
           </a:p>
         </p:txBody>
       </p:sp>
@@ -14219,7 +14125,7 @@
             <a:fld id="{D8E3BBD6-5DF7-411E-B793-6A3558CCCDCA}" type="datetimeFigureOut">
               <a:rPr lang="fr-FR" smtClean="0"/>
               <a:pPr/>
-              <a:t>31/01/2017</a:t>
+              <a:t>21/01/2019</a:t>
             </a:fld>
             <a:endParaRPr lang="fr-FR" dirty="0"/>
           </a:p>
@@ -14299,7 +14205,7 @@
             <a:fld id="{D8E3BBD6-5DF7-411E-B793-6A3558CCCDCA}" type="datetimeFigureOut">
               <a:rPr lang="fr-FR" smtClean="0"/>
               <a:pPr/>
-              <a:t>31/01/2017</a:t>
+              <a:t>21/01/2019</a:t>
             </a:fld>
             <a:endParaRPr lang="fr-FR" dirty="0"/>
           </a:p>
@@ -14355,10 +14261,9 @@
           </a:lstStyle>
           <a:p>
             <a:r>
-              <a:rPr lang="en-US" smtClean="0"/>
+              <a:rPr lang="en-US"/>
               <a:t>Click to edit Master title style</a:t>
             </a:r>
-            <a:endParaRPr lang="en-US"/>
           </a:p>
         </p:txBody>
       </p:sp>
@@ -14412,38 +14317,37 @@
           <a:p>
             <a:pPr lvl="0"/>
             <a:r>
-              <a:rPr lang="en-US" smtClean="0"/>
+              <a:rPr lang="en-US"/>
               <a:t>Click to edit Master text styles</a:t>
             </a:r>
           </a:p>
           <a:p>
             <a:pPr lvl="1"/>
             <a:r>
-              <a:rPr lang="en-US" smtClean="0"/>
+              <a:rPr lang="en-US"/>
               <a:t>Second level</a:t>
             </a:r>
           </a:p>
           <a:p>
             <a:pPr lvl="2"/>
             <a:r>
-              <a:rPr lang="en-US" smtClean="0"/>
+              <a:rPr lang="en-US"/>
               <a:t>Third level</a:t>
             </a:r>
           </a:p>
           <a:p>
             <a:pPr lvl="3"/>
             <a:r>
-              <a:rPr lang="en-US" smtClean="0"/>
+              <a:rPr lang="en-US"/>
               <a:t>Fourth level</a:t>
             </a:r>
           </a:p>
           <a:p>
             <a:pPr lvl="4"/>
             <a:r>
-              <a:rPr lang="en-US" smtClean="0"/>
+              <a:rPr lang="en-US"/>
               <a:t>Fifth level</a:t>
             </a:r>
-            <a:endParaRPr lang="en-US"/>
           </a:p>
         </p:txBody>
       </p:sp>
@@ -14506,7 +14410,7 @@
           <a:p>
             <a:pPr lvl="0"/>
             <a:r>
-              <a:rPr lang="en-US" smtClean="0"/>
+              <a:rPr lang="en-US"/>
               <a:t>Click to edit Master text styles</a:t>
             </a:r>
           </a:p>
@@ -14561,7 +14465,7 @@
             <a:fld id="{D8E3BBD6-5DF7-411E-B793-6A3558CCCDCA}" type="datetimeFigureOut">
               <a:rPr lang="fr-FR" smtClean="0"/>
               <a:pPr/>
-              <a:t>31/01/2017</a:t>
+              <a:t>21/01/2019</a:t>
             </a:fld>
             <a:endParaRPr lang="fr-FR" dirty="0"/>
           </a:p>
@@ -14617,10 +14521,9 @@
           </a:lstStyle>
           <a:p>
             <a:r>
-              <a:rPr lang="en-US" smtClean="0"/>
+              <a:rPr lang="en-US"/>
               <a:t>Click to edit Master title style</a:t>
             </a:r>
-            <a:endParaRPr lang="en-US"/>
           </a:p>
         </p:txBody>
       </p:sp>
@@ -14683,10 +14586,10 @@
           <a:p>
             <a:pPr lvl="0"/>
             <a:r>
-              <a:rPr lang="en-US" noProof="0" smtClean="0"/>
+              <a:rPr lang="en-US" noProof="0"/>
               <a:t>Click icon to add picture</a:t>
             </a:r>
-            <a:endParaRPr lang="en-US" noProof="0" dirty="0" smtClean="0"/>
+            <a:endParaRPr lang="en-US" noProof="0" dirty="0"/>
           </a:p>
         </p:txBody>
       </p:sp>
@@ -14749,7 +14652,7 @@
           <a:p>
             <a:pPr lvl="0"/>
             <a:r>
-              <a:rPr lang="en-US" smtClean="0"/>
+              <a:rPr lang="en-US"/>
               <a:t>Click to edit Master text styles</a:t>
             </a:r>
           </a:p>
@@ -14804,7 +14707,7 @@
             <a:fld id="{D8E3BBD6-5DF7-411E-B793-6A3558CCCDCA}" type="datetimeFigureOut">
               <a:rPr lang="fr-FR" smtClean="0"/>
               <a:pPr/>
-              <a:t>31/01/2017</a:t>
+              <a:t>21/01/2019</a:t>
             </a:fld>
             <a:endParaRPr lang="fr-FR" dirty="0"/>
           </a:p>
@@ -14879,21 +14782,21 @@
           <a:p>
             <a:pPr lvl="0"/>
             <a:r>
-              <a:rPr lang="en-US" smtClean="0"/>
+              <a:rPr lang="en-US"/>
               <a:t>Click to edit Master text styles</a:t>
             </a:r>
           </a:p>
           <a:p>
             <a:pPr lvl="1"/>
             <a:r>
-              <a:rPr lang="en-US" smtClean="0"/>
+              <a:rPr lang="en-US"/>
               <a:t>Second level</a:t>
             </a:r>
           </a:p>
           <a:p>
             <a:pPr lvl="2"/>
             <a:r>
-              <a:rPr lang="en-US" smtClean="0"/>
+              <a:rPr lang="en-US"/>
               <a:t>Third level</a:t>
             </a:r>
           </a:p>
@@ -15006,7 +14909,7 @@
             <a:fld id="{D8E3BBD6-5DF7-411E-B793-6A3558CCCDCA}" type="datetimeFigureOut">
               <a:rPr lang="fr-FR" smtClean="0"/>
               <a:pPr/>
-              <a:t>31/01/2017</a:t>
+              <a:t>21/01/2019</a:t>
             </a:fld>
             <a:endParaRPr lang="fr-FR" dirty="0"/>
           </a:p>
@@ -15048,7 +14951,7 @@
           <a:p>
             <a:pPr lvl="0"/>
             <a:r>
-              <a:rPr lang="en-US" smtClean="0"/>
+              <a:rPr lang="en-US"/>
               <a:t>Click to edit Master title style</a:t>
             </a:r>
           </a:p>
@@ -15611,21 +15514,21 @@
           <a:p>
             <a:pPr lvl="0"/>
             <a:r>
-              <a:rPr lang="en-US" smtClean="0"/>
+              <a:rPr lang="en-US"/>
               <a:t>Click to edit Master text styles</a:t>
             </a:r>
           </a:p>
           <a:p>
             <a:pPr lvl="1"/>
             <a:r>
-              <a:rPr lang="en-US" smtClean="0"/>
+              <a:rPr lang="en-US"/>
               <a:t>Second level</a:t>
             </a:r>
           </a:p>
           <a:p>
             <a:pPr lvl="2"/>
             <a:r>
-              <a:rPr lang="en-US" smtClean="0"/>
+              <a:rPr lang="en-US"/>
               <a:t>Third level</a:t>
             </a:r>
           </a:p>
@@ -15667,7 +15570,7 @@
           <a:p>
             <a:pPr lvl="0"/>
             <a:r>
-              <a:rPr lang="en-US" smtClean="0"/>
+              <a:rPr lang="en-US"/>
               <a:t>Click to edit Master title style</a:t>
             </a:r>
           </a:p>
@@ -16164,21 +16067,21 @@
           <a:p>
             <a:pPr lvl="0"/>
             <a:r>
-              <a:rPr lang="en-US" smtClean="0"/>
+              <a:rPr lang="en-US"/>
               <a:t>Click to edit Master text styles</a:t>
             </a:r>
           </a:p>
           <a:p>
             <a:pPr lvl="1"/>
             <a:r>
-              <a:rPr lang="en-US" smtClean="0"/>
+              <a:rPr lang="en-US"/>
               <a:t>Second level</a:t>
             </a:r>
           </a:p>
           <a:p>
             <a:pPr lvl="2"/>
             <a:r>
-              <a:rPr lang="en-US" smtClean="0"/>
+              <a:rPr lang="en-US"/>
               <a:t>Third level</a:t>
             </a:r>
           </a:p>
@@ -16236,10 +16139,9 @@
               <a:defRPr/>
             </a:pPr>
             <a:r>
-              <a:rPr lang="en-US" dirty="0" smtClean="0"/>
+              <a:rPr lang="en-US" dirty="0"/>
               <a:t>Copyright CAST 2011   </a:t>
             </a:r>
-            <a:endParaRPr lang="en-US" dirty="0"/>
           </a:p>
         </p:txBody>
       </p:sp>
@@ -16339,7 +16241,7 @@
           <a:p>
             <a:pPr lvl="0"/>
             <a:r>
-              <a:rPr lang="en-US" smtClean="0"/>
+              <a:rPr lang="en-US"/>
               <a:t>Click to edit Master title style</a:t>
             </a:r>
           </a:p>
@@ -16900,21 +16802,21 @@
           <a:p>
             <a:pPr lvl="0"/>
             <a:r>
-              <a:rPr lang="en-US" smtClean="0"/>
+              <a:rPr lang="en-US"/>
               <a:t>Click to edit Master text styles</a:t>
             </a:r>
           </a:p>
           <a:p>
             <a:pPr lvl="1"/>
             <a:r>
-              <a:rPr lang="en-US" smtClean="0"/>
+              <a:rPr lang="en-US"/>
               <a:t>Second level</a:t>
             </a:r>
           </a:p>
           <a:p>
             <a:pPr lvl="2"/>
             <a:r>
-              <a:rPr lang="en-US" smtClean="0"/>
+              <a:rPr lang="en-US"/>
               <a:t>Third level</a:t>
             </a:r>
           </a:p>
@@ -16975,7 +16877,7 @@
               <a:pPr algn="ctr"/>
               <a:t>‹#›</a:t>
             </a:fld>
-            <a:endParaRPr lang="en-US" dirty="0" smtClean="0">
+            <a:endParaRPr lang="en-US" dirty="0">
               <a:solidFill>
                 <a:srgbClr val="FFFFFF"/>
               </a:solidFill>
@@ -17029,7 +16931,7 @@
           </a:lstStyle>
           <a:p>
             <a:r>
-              <a:rPr lang="en-US" dirty="0" smtClean="0">
+              <a:rPr lang="en-US" dirty="0">
                 <a:solidFill>
                   <a:srgbClr val="FFFFFF"/>
                 </a:solidFill>
@@ -17084,7 +16986,7 @@
             </a:lvl1pPr>
           </a:lstStyle>
           <a:p>
-            <a:endParaRPr lang="en-US" dirty="0" smtClean="0">
+            <a:endParaRPr lang="en-US" dirty="0">
               <a:solidFill>
                 <a:srgbClr val="FFFFFF"/>
               </a:solidFill>
@@ -17131,7 +17033,7 @@
           <a:p>
             <a:pPr lvl="0"/>
             <a:r>
-              <a:rPr lang="en-US" smtClean="0"/>
+              <a:rPr lang="en-US"/>
               <a:t>Click to edit Master title style</a:t>
             </a:r>
           </a:p>
@@ -17596,7 +17498,7 @@
               <a:defRPr/>
             </a:pPr>
             <a:r>
-              <a:rPr lang="en-US" sz="1000" dirty="0" smtClean="0">
+              <a:rPr lang="en-US" sz="1000" dirty="0">
                 <a:solidFill>
                   <a:srgbClr val="000000">
                     <a:lumMod val="65000"/>
@@ -17608,16 +17510,6 @@
               </a:rPr>
               <a:t>CAST Confidential</a:t>
             </a:r>
-            <a:endParaRPr lang="en-US" sz="1000" dirty="0">
-              <a:solidFill>
-                <a:srgbClr val="000000">
-                  <a:lumMod val="65000"/>
-                  <a:lumOff val="35000"/>
-                </a:srgbClr>
-              </a:solidFill>
-              <a:latin typeface="Arial"/>
-              <a:cs typeface="Arial" pitchFamily="34" charset="0"/>
-            </a:endParaRPr>
           </a:p>
         </p:txBody>
       </p:sp>
@@ -17684,10 +17576,10 @@
           <a:p>
             <a:pPr lvl="0"/>
             <a:r>
-              <a:rPr lang="en-US" smtClean="0"/>
+              <a:rPr lang="en-US"/>
               <a:t>Click to edit Master title style</a:t>
             </a:r>
-            <a:endParaRPr lang="en-US" dirty="0" smtClean="0"/>
+            <a:endParaRPr lang="en-US" dirty="0"/>
           </a:p>
         </p:txBody>
       </p:sp>
@@ -17809,38 +17701,38 @@
           <a:p>
             <a:pPr lvl="0"/>
             <a:r>
-              <a:rPr lang="en-US" smtClean="0"/>
+              <a:rPr lang="en-US"/>
               <a:t>Click to edit Master text styles</a:t>
             </a:r>
           </a:p>
           <a:p>
             <a:pPr lvl="1"/>
             <a:r>
-              <a:rPr lang="en-US" smtClean="0"/>
+              <a:rPr lang="en-US"/>
               <a:t>Second level</a:t>
             </a:r>
           </a:p>
           <a:p>
             <a:pPr lvl="2"/>
             <a:r>
-              <a:rPr lang="en-US" smtClean="0"/>
+              <a:rPr lang="en-US"/>
               <a:t>Third level</a:t>
             </a:r>
           </a:p>
           <a:p>
             <a:pPr lvl="3"/>
             <a:r>
-              <a:rPr lang="en-US" smtClean="0"/>
+              <a:rPr lang="en-US"/>
               <a:t>Fourth level</a:t>
             </a:r>
           </a:p>
           <a:p>
             <a:pPr lvl="4"/>
             <a:r>
-              <a:rPr lang="en-US" smtClean="0"/>
+              <a:rPr lang="en-US"/>
               <a:t>Fifth level</a:t>
             </a:r>
-            <a:endParaRPr lang="en-US" dirty="0" smtClean="0"/>
+            <a:endParaRPr lang="en-US" dirty="0"/>
           </a:p>
         </p:txBody>
       </p:sp>
@@ -17899,7 +17791,7 @@
           </a:bodyPr>
           <a:lstStyle/>
           <a:p>
-            <a:endParaRPr lang="en-US" sz="2400" dirty="0" smtClean="0">
+            <a:endParaRPr lang="en-US" sz="2400" dirty="0">
               <a:solidFill>
                 <a:prstClr val="black"/>
               </a:solidFill>
@@ -17953,7 +17845,7 @@
               <a:buFont typeface="Webdings" pitchFamily="18" charset="2"/>
               <a:buNone/>
             </a:pPr>
-            <a:endParaRPr lang="en-US" sz="2200" dirty="0" err="1" smtClean="0">
+            <a:endParaRPr lang="en-US" sz="2200" dirty="0" err="1">
               <a:solidFill>
                 <a:srgbClr val="000000">
                   <a:lumMod val="65000"/>
@@ -18537,7 +18429,7 @@
               <a:defRPr/>
             </a:pPr>
             <a:r>
-              <a:rPr lang="en-US" sz="1000" dirty="0" smtClean="0">
+              <a:rPr lang="en-US" sz="1000" dirty="0">
                 <a:solidFill>
                   <a:srgbClr val="000000">
                     <a:lumMod val="65000"/>
@@ -18549,16 +18441,6 @@
               </a:rPr>
               <a:t>CAST Confidential</a:t>
             </a:r>
-            <a:endParaRPr lang="en-US" sz="1000" dirty="0">
-              <a:solidFill>
-                <a:srgbClr val="000000">
-                  <a:lumMod val="65000"/>
-                  <a:lumOff val="35000"/>
-                </a:srgbClr>
-              </a:solidFill>
-              <a:latin typeface="Arial"/>
-              <a:cs typeface="Arial" pitchFamily="34" charset="0"/>
-            </a:endParaRPr>
           </a:p>
         </p:txBody>
       </p:sp>
@@ -18625,10 +18507,10 @@
           <a:p>
             <a:pPr lvl="0"/>
             <a:r>
-              <a:rPr lang="en-US" smtClean="0"/>
+              <a:rPr lang="en-US"/>
               <a:t>Click to edit Master title style</a:t>
             </a:r>
-            <a:endParaRPr lang="en-US" dirty="0" smtClean="0"/>
+            <a:endParaRPr lang="en-US" dirty="0"/>
           </a:p>
         </p:txBody>
       </p:sp>
@@ -18750,38 +18632,38 @@
           <a:p>
             <a:pPr lvl="0"/>
             <a:r>
-              <a:rPr lang="en-US" smtClean="0"/>
+              <a:rPr lang="en-US"/>
               <a:t>Click to edit Master text styles</a:t>
             </a:r>
           </a:p>
           <a:p>
             <a:pPr lvl="1"/>
             <a:r>
-              <a:rPr lang="en-US" smtClean="0"/>
+              <a:rPr lang="en-US"/>
               <a:t>Second level</a:t>
             </a:r>
           </a:p>
           <a:p>
             <a:pPr lvl="2"/>
             <a:r>
-              <a:rPr lang="en-US" smtClean="0"/>
+              <a:rPr lang="en-US"/>
               <a:t>Third level</a:t>
             </a:r>
           </a:p>
           <a:p>
             <a:pPr lvl="3"/>
             <a:r>
-              <a:rPr lang="en-US" smtClean="0"/>
+              <a:rPr lang="en-US"/>
               <a:t>Fourth level</a:t>
             </a:r>
           </a:p>
           <a:p>
             <a:pPr lvl="4"/>
             <a:r>
-              <a:rPr lang="en-US" smtClean="0"/>
+              <a:rPr lang="en-US"/>
               <a:t>Fifth level</a:t>
             </a:r>
-            <a:endParaRPr lang="en-US" dirty="0" smtClean="0"/>
+            <a:endParaRPr lang="en-US" dirty="0"/>
           </a:p>
         </p:txBody>
       </p:sp>
@@ -18840,7 +18722,7 @@
           </a:bodyPr>
           <a:lstStyle/>
           <a:p>
-            <a:endParaRPr lang="en-US" sz="2400" dirty="0" smtClean="0">
+            <a:endParaRPr lang="en-US" sz="2400" dirty="0">
               <a:solidFill>
                 <a:prstClr val="black"/>
               </a:solidFill>
@@ -18894,7 +18776,7 @@
               <a:buFont typeface="Webdings" pitchFamily="18" charset="2"/>
               <a:buNone/>
             </a:pPr>
-            <a:endParaRPr lang="en-US" sz="2200" dirty="0" err="1" smtClean="0">
+            <a:endParaRPr lang="en-US" sz="2200" dirty="0" err="1">
               <a:solidFill>
                 <a:srgbClr val="000000">
                   <a:lumMod val="65000"/>
@@ -19452,10 +19334,9 @@
           <a:lstStyle/>
           <a:p>
             <a:r>
-              <a:rPr lang="en-US" dirty="0" smtClean="0"/>
+              <a:rPr lang="en-US" dirty="0"/>
               <a:t>Components library</a:t>
             </a:r>
-            <a:endParaRPr lang="en-US" dirty="0"/>
           </a:p>
         </p:txBody>
       </p:sp>
@@ -19475,10 +19356,9 @@
           <a:lstStyle/>
           <a:p>
             <a:r>
-              <a:rPr lang="en-US" dirty="0" smtClean="0"/>
+              <a:rPr lang="en-US" dirty="0"/>
               <a:t>Portfolio PowerPoint Templates</a:t>
             </a:r>
-            <a:endParaRPr lang="en-US" dirty="0"/>
           </a:p>
         </p:txBody>
       </p:sp>
@@ -19487,13 +19367,6 @@
   <p:clrMapOvr>
     <a:masterClrMapping/>
   </p:clrMapOvr>
-  <p:timing>
-    <p:tnLst>
-      <p:par>
-        <p:cTn id="1" dur="indefinite" restart="never" nodeType="tmRoot"/>
-      </p:par>
-    </p:tnLst>
-  </p:timing>
 </p:sld>
 </file>
 
@@ -19530,10 +19403,9 @@
           <a:lstStyle/>
           <a:p>
             <a:r>
-              <a:rPr lang="en-US" dirty="0" smtClean="0"/>
+              <a:rPr lang="en-US" dirty="0"/>
               <a:t>PowerPoint Templates – Text</a:t>
             </a:r>
-            <a:endParaRPr lang="en-US" dirty="0"/>
           </a:p>
         </p:txBody>
       </p:sp>
@@ -19758,7 +19630,7 @@
           <a:lstStyle/>
           <a:p>
             <a:r>
-              <a:rPr lang="en-US" b="1" dirty="0" smtClean="0">
+              <a:rPr lang="en-US" b="1" dirty="0">
                 <a:solidFill>
                   <a:schemeClr val="tx1">
                     <a:lumMod val="75000"/>
@@ -19768,14 +19640,6 @@
               </a:rPr>
               <a:t>Tag</a:t>
             </a:r>
-            <a:endParaRPr lang="en-US" b="1" dirty="0">
-              <a:solidFill>
-                <a:schemeClr val="tx1">
-                  <a:lumMod val="75000"/>
-                  <a:lumOff val="25000"/>
-                </a:schemeClr>
-              </a:solidFill>
-            </a:endParaRPr>
           </a:p>
         </p:txBody>
       </p:sp>
@@ -19802,7 +19666,7 @@
           <a:lstStyle/>
           <a:p>
             <a:r>
-              <a:rPr lang="en-US" b="1" dirty="0" smtClean="0">
+              <a:rPr lang="en-US" b="1" dirty="0">
                 <a:solidFill>
                   <a:srgbClr val="5E5E5E"/>
                 </a:solidFill>
@@ -19836,7 +19700,7 @@
           <a:p>
             <a:pPr algn="r"/>
             <a:r>
-              <a:rPr lang="en-US" dirty="0" smtClean="0">
+              <a:rPr lang="en-US" dirty="0">
                 <a:solidFill>
                   <a:schemeClr val="bg1">
                     <a:lumMod val="50000"/>
@@ -19880,7 +19744,7 @@
           <a:p>
             <a:pPr algn="r"/>
             <a:r>
-              <a:rPr lang="en-US" dirty="0" smtClean="0">
+              <a:rPr lang="en-US" dirty="0">
                 <a:solidFill>
                   <a:schemeClr val="bg1">
                     <a:lumMod val="50000"/>
@@ -19889,13 +19753,6 @@
               </a:rPr>
               <a:t>Block Name :</a:t>
             </a:r>
-            <a:endParaRPr lang="en-US" dirty="0">
-              <a:solidFill>
-                <a:schemeClr val="bg1">
-                  <a:lumMod val="50000"/>
-                </a:schemeClr>
-              </a:solidFill>
-            </a:endParaRPr>
           </a:p>
         </p:txBody>
       </p:sp>
@@ -19922,7 +19779,7 @@
           <a:lstStyle/>
           <a:p>
             <a:r>
-              <a:rPr lang="en-US" i="1" dirty="0" smtClean="0">
+              <a:rPr lang="en-US" i="1" dirty="0">
                 <a:solidFill>
                   <a:schemeClr val="bg1">
                     <a:lumMod val="50000"/>
@@ -19958,7 +19815,7 @@
           <a:p>
             <a:pPr algn="r"/>
             <a:r>
-              <a:rPr lang="en-US" dirty="0" smtClean="0">
+              <a:rPr lang="en-US" dirty="0">
                 <a:solidFill>
                   <a:schemeClr val="bg1">
                     <a:lumMod val="50000"/>
@@ -19967,13 +19824,6 @@
               </a:rPr>
               <a:t>Note :</a:t>
             </a:r>
-            <a:endParaRPr lang="en-US" dirty="0">
-              <a:solidFill>
-                <a:schemeClr val="bg1">
-                  <a:lumMod val="50000"/>
-                </a:schemeClr>
-              </a:solidFill>
-            </a:endParaRPr>
           </a:p>
         </p:txBody>
       </p:sp>
@@ -20013,7 +19863,7 @@
           </a:lstStyle>
           <a:p>
             <a:r>
-              <a:rPr lang="en-US" sz="1800" dirty="0" err="1" smtClean="0"/>
+              <a:rPr lang="en-US" sz="1800" dirty="0" err="1"/>
               <a:t>TagName</a:t>
             </a:r>
             <a:endParaRPr lang="en-US" sz="1800" dirty="0"/>
@@ -20043,7 +19893,7 @@
           <a:lstStyle/>
           <a:p>
             <a:r>
-              <a:rPr lang="en-US" b="1" dirty="0" smtClean="0">
+              <a:rPr lang="en-US" b="1" dirty="0">
                 <a:solidFill>
                   <a:schemeClr val="tx1">
                     <a:lumMod val="75000"/>
@@ -20053,14 +19903,6 @@
               </a:rPr>
               <a:t>Category</a:t>
             </a:r>
-            <a:endParaRPr lang="en-US" b="1" dirty="0">
-              <a:solidFill>
-                <a:schemeClr val="tx1">
-                  <a:lumMod val="75000"/>
-                  <a:lumOff val="25000"/>
-                </a:schemeClr>
-              </a:solidFill>
-            </a:endParaRPr>
           </a:p>
         </p:txBody>
       </p:sp>
@@ -20100,7 +19942,7 @@
           </a:lstStyle>
           <a:p>
             <a:r>
-              <a:rPr lang="en-US" dirty="0" err="1" smtClean="0"/>
+              <a:rPr lang="en-US" dirty="0" err="1"/>
               <a:t>CategoryName</a:t>
             </a:r>
             <a:endParaRPr lang="en-US" dirty="0"/>
@@ -20131,7 +19973,7 @@
           <a:p>
             <a:pPr algn="r"/>
             <a:r>
-              <a:rPr lang="en-US" dirty="0" smtClean="0">
+              <a:rPr lang="en-US" dirty="0">
                 <a:solidFill>
                   <a:schemeClr val="bg1">
                     <a:lumMod val="50000"/>
@@ -20140,13 +19982,6 @@
               </a:rPr>
               <a:t>Block Name :</a:t>
             </a:r>
-            <a:endParaRPr lang="en-US" dirty="0">
-              <a:solidFill>
-                <a:schemeClr val="bg1">
-                  <a:lumMod val="50000"/>
-                </a:schemeClr>
-              </a:solidFill>
-            </a:endParaRPr>
           </a:p>
         </p:txBody>
       </p:sp>
@@ -20174,7 +20009,7 @@
           <a:p>
             <a:pPr algn="r"/>
             <a:r>
-              <a:rPr lang="en-US" dirty="0" smtClean="0">
+              <a:rPr lang="en-US" dirty="0">
                 <a:solidFill>
                   <a:schemeClr val="bg1">
                     <a:lumMod val="50000"/>
@@ -20183,13 +20018,6 @@
               </a:rPr>
               <a:t>Note :</a:t>
             </a:r>
-            <a:endParaRPr lang="en-US" dirty="0">
-              <a:solidFill>
-                <a:schemeClr val="bg1">
-                  <a:lumMod val="50000"/>
-                </a:schemeClr>
-              </a:solidFill>
-            </a:endParaRPr>
           </a:p>
         </p:txBody>
       </p:sp>
@@ -20217,7 +20045,7 @@
           <a:p>
             <a:pPr algn="r"/>
             <a:r>
-              <a:rPr lang="en-US" dirty="0" smtClean="0">
+              <a:rPr lang="en-US" dirty="0">
                 <a:solidFill>
                   <a:schemeClr val="bg1">
                     <a:lumMod val="50000"/>
@@ -20260,7 +20088,7 @@
           <a:lstStyle/>
           <a:p>
             <a:r>
-              <a:rPr lang="en-US" b="1" dirty="0" smtClean="0">
+              <a:rPr lang="en-US" b="1" dirty="0">
                 <a:solidFill>
                   <a:srgbClr val="5E5E5E"/>
                 </a:solidFill>
@@ -20293,7 +20121,7 @@
           <a:lstStyle/>
           <a:p>
             <a:r>
-              <a:rPr lang="en-US" i="1" dirty="0" smtClean="0">
+              <a:rPr lang="en-US" i="1" dirty="0">
                 <a:solidFill>
                   <a:schemeClr val="bg1">
                     <a:lumMod val="50000"/>
@@ -20427,7 +20255,7 @@
           <a:lstStyle/>
           <a:p>
             <a:r>
-              <a:rPr lang="en-US" b="1" dirty="0" smtClean="0">
+              <a:rPr lang="en-US" b="1" dirty="0">
                 <a:solidFill>
                   <a:schemeClr val="tx1">
                     <a:lumMod val="75000"/>
@@ -20437,14 +20265,6 @@
               </a:rPr>
               <a:t>Number of apps</a:t>
             </a:r>
-            <a:endParaRPr lang="en-US" b="1" dirty="0">
-              <a:solidFill>
-                <a:schemeClr val="tx1">
-                  <a:lumMod val="75000"/>
-                  <a:lumOff val="25000"/>
-                </a:schemeClr>
-              </a:solidFill>
-            </a:endParaRPr>
           </a:p>
         </p:txBody>
       </p:sp>
@@ -20471,7 +20291,7 @@
           <a:lstStyle/>
           <a:p>
             <a:r>
-              <a:rPr lang="en-US" b="1" dirty="0" smtClean="0">
+              <a:rPr lang="en-US" b="1" dirty="0">
                 <a:solidFill>
                   <a:srgbClr val="5E5E5E"/>
                 </a:solidFill>
@@ -20505,7 +20325,7 @@
           <a:p>
             <a:pPr algn="r"/>
             <a:r>
-              <a:rPr lang="en-US" dirty="0" smtClean="0">
+              <a:rPr lang="en-US" dirty="0">
                 <a:solidFill>
                   <a:schemeClr val="bg1">
                     <a:lumMod val="50000"/>
@@ -20549,7 +20369,7 @@
           <a:p>
             <a:pPr algn="r"/>
             <a:r>
-              <a:rPr lang="en-US" dirty="0" smtClean="0">
+              <a:rPr lang="en-US" dirty="0">
                 <a:solidFill>
                   <a:schemeClr val="bg1">
                     <a:lumMod val="50000"/>
@@ -20558,13 +20378,6 @@
               </a:rPr>
               <a:t>Block Name :</a:t>
             </a:r>
-            <a:endParaRPr lang="en-US" dirty="0">
-              <a:solidFill>
-                <a:schemeClr val="bg1">
-                  <a:lumMod val="50000"/>
-                </a:schemeClr>
-              </a:solidFill>
-            </a:endParaRPr>
           </a:p>
         </p:txBody>
       </p:sp>
@@ -20591,7 +20404,7 @@
           <a:lstStyle/>
           <a:p>
             <a:r>
-              <a:rPr lang="en-US" i="1" dirty="0" smtClean="0">
+              <a:rPr lang="en-US" i="1" dirty="0">
                 <a:solidFill>
                   <a:schemeClr val="bg1">
                     <a:lumMod val="50000"/>
@@ -20627,7 +20440,7 @@
           <a:p>
             <a:pPr algn="r"/>
             <a:r>
-              <a:rPr lang="en-US" dirty="0" smtClean="0">
+              <a:rPr lang="en-US" dirty="0">
                 <a:solidFill>
                   <a:schemeClr val="bg1">
                     <a:lumMod val="50000"/>
@@ -20636,13 +20449,6 @@
               </a:rPr>
               <a:t>Options :</a:t>
             </a:r>
-            <a:endParaRPr lang="en-US" dirty="0">
-              <a:solidFill>
-                <a:schemeClr val="bg1">
-                  <a:lumMod val="50000"/>
-                </a:schemeClr>
-              </a:solidFill>
-            </a:endParaRPr>
           </a:p>
         </p:txBody>
       </p:sp>
@@ -20682,7 +20488,7 @@
           </a:lstStyle>
           <a:p>
             <a:r>
-              <a:rPr lang="en-US" sz="1800" dirty="0" err="1" smtClean="0"/>
+              <a:rPr lang="en-US" sz="1800" dirty="0" err="1"/>
               <a:t>numberOfApps</a:t>
             </a:r>
             <a:endParaRPr lang="en-US" sz="1800" dirty="0"/>
@@ -20699,13 +20505,6 @@
   <p:clrMapOvr>
     <a:masterClrMapping/>
   </p:clrMapOvr>
-  <p:timing>
-    <p:tnLst>
-      <p:par>
-        <p:cTn id="1" dur="indefinite" restart="never" nodeType="tmRoot"/>
-      </p:par>
-    </p:tnLst>
-  </p:timing>
 </p:sld>
 </file>
 
@@ -20794,10 +20593,9 @@
           <a:lstStyle/>
           <a:p>
             <a:r>
-              <a:rPr lang="en-US" dirty="0" smtClean="0"/>
+              <a:rPr lang="en-US" dirty="0"/>
               <a:t>PowerPoint Templates – Text</a:t>
             </a:r>
-            <a:endParaRPr lang="en-US" dirty="0"/>
           </a:p>
         </p:txBody>
       </p:sp>
@@ -20891,10 +20689,9 @@
           </a:lstStyle>
           <a:p>
             <a:r>
-              <a:rPr lang="en-US" sz="1800" dirty="0" smtClean="0"/>
+              <a:rPr lang="en-US" sz="1800" dirty="0"/>
               <a:t>Technical Debt ratio per AFP</a:t>
             </a:r>
-            <a:endParaRPr lang="en-US" sz="1800" dirty="0"/>
           </a:p>
         </p:txBody>
       </p:sp>
@@ -20932,10 +20729,9 @@
           </a:lstStyle>
           <a:p>
             <a:r>
-              <a:rPr lang="en-US" sz="1600" dirty="0" smtClean="0"/>
+              <a:rPr lang="en-US" sz="1600" dirty="0"/>
               <a:t>PF_TECHDEBT_VS_AFP</a:t>
             </a:r>
-            <a:endParaRPr lang="en-US" sz="1600" dirty="0"/>
           </a:p>
         </p:txBody>
       </p:sp>
@@ -20975,7 +20771,7 @@
           </a:lstStyle>
           <a:p>
             <a:r>
-              <a:rPr lang="en-US" dirty="0" smtClean="0">
+              <a:rPr lang="en-US" dirty="0">
                 <a:sym typeface="Wingdings" pitchFamily="2" charset="2"/>
               </a:rPr>
               <a:t></a:t>
@@ -21020,10 +20816,9 @@
           </a:lstStyle>
           <a:p>
             <a:r>
-              <a:rPr lang="en-US" sz="1800" dirty="0" smtClean="0"/>
+              <a:rPr lang="en-US" sz="1800" dirty="0"/>
               <a:t>Block Name :</a:t>
             </a:r>
-            <a:endParaRPr lang="en-US" sz="1800" dirty="0"/>
           </a:p>
         </p:txBody>
       </p:sp>
@@ -21063,10 +20858,9 @@
           </a:lstStyle>
           <a:p>
             <a:r>
-              <a:rPr lang="en-US" dirty="0" smtClean="0"/>
+              <a:rPr lang="en-US" dirty="0"/>
               <a:t>none</a:t>
             </a:r>
-            <a:endParaRPr lang="en-US" dirty="0"/>
           </a:p>
         </p:txBody>
       </p:sp>
@@ -21106,10 +20900,9 @@
           </a:lstStyle>
           <a:p>
             <a:r>
-              <a:rPr lang="en-US" sz="1800" dirty="0" smtClean="0"/>
+              <a:rPr lang="en-US" sz="1800" dirty="0"/>
               <a:t>Options :</a:t>
             </a:r>
-            <a:endParaRPr lang="en-US" sz="1800" dirty="0"/>
           </a:p>
         </p:txBody>
       </p:sp>
@@ -21199,10 +20992,9 @@
           </a:lstStyle>
           <a:p>
             <a:r>
-              <a:rPr lang="en-US" dirty="0" smtClean="0"/>
+              <a:rPr lang="en-US" dirty="0"/>
               <a:t>Value</a:t>
             </a:r>
-            <a:endParaRPr lang="en-US" dirty="0"/>
           </a:p>
         </p:txBody>
       </p:sp>
@@ -21296,10 +21088,9 @@
           </a:lstStyle>
           <a:p>
             <a:r>
-              <a:rPr lang="en-US" sz="1800" dirty="0" smtClean="0"/>
+              <a:rPr lang="en-US" sz="1800" dirty="0"/>
               <a:t>Technical Debt ratio per LOC</a:t>
             </a:r>
-            <a:endParaRPr lang="en-US" sz="1800" dirty="0"/>
           </a:p>
         </p:txBody>
       </p:sp>
@@ -21337,10 +21128,9 @@
           </a:lstStyle>
           <a:p>
             <a:r>
-              <a:rPr lang="en-US" sz="1600" dirty="0" smtClean="0"/>
+              <a:rPr lang="en-US" sz="1600" dirty="0"/>
               <a:t>PF_TECHDEBT_VS_LOC</a:t>
             </a:r>
-            <a:endParaRPr lang="en-US" sz="1600" dirty="0"/>
           </a:p>
         </p:txBody>
       </p:sp>
@@ -21380,7 +21170,7 @@
           </a:lstStyle>
           <a:p>
             <a:r>
-              <a:rPr lang="en-US" dirty="0" smtClean="0">
+              <a:rPr lang="en-US" dirty="0">
                 <a:sym typeface="Wingdings" pitchFamily="2" charset="2"/>
               </a:rPr>
               <a:t></a:t>
@@ -21425,10 +21215,9 @@
           </a:lstStyle>
           <a:p>
             <a:r>
-              <a:rPr lang="en-US" sz="1800" dirty="0" smtClean="0"/>
+              <a:rPr lang="en-US" sz="1800" dirty="0"/>
               <a:t>Block Name :</a:t>
             </a:r>
-            <a:endParaRPr lang="en-US" sz="1800" dirty="0"/>
           </a:p>
         </p:txBody>
       </p:sp>
@@ -21468,10 +21257,9 @@
           </a:lstStyle>
           <a:p>
             <a:r>
-              <a:rPr lang="en-US" dirty="0" smtClean="0"/>
+              <a:rPr lang="en-US" dirty="0"/>
               <a:t>none</a:t>
             </a:r>
-            <a:endParaRPr lang="en-US" dirty="0"/>
           </a:p>
         </p:txBody>
       </p:sp>
@@ -21511,10 +21299,9 @@
           </a:lstStyle>
           <a:p>
             <a:r>
-              <a:rPr lang="en-US" sz="1800" dirty="0" smtClean="0"/>
+              <a:rPr lang="en-US" sz="1800" dirty="0"/>
               <a:t>Options :</a:t>
             </a:r>
-            <a:endParaRPr lang="en-US" sz="1800" dirty="0"/>
           </a:p>
         </p:txBody>
       </p:sp>
@@ -21604,10 +21391,9 @@
           </a:lstStyle>
           <a:p>
             <a:r>
-              <a:rPr lang="en-US" dirty="0" smtClean="0"/>
+              <a:rPr lang="en-US" dirty="0"/>
               <a:t>Value</a:t>
             </a:r>
-            <a:endParaRPr lang="en-US" dirty="0"/>
           </a:p>
         </p:txBody>
       </p:sp>
@@ -21701,10 +21487,9 @@
           </a:lstStyle>
           <a:p>
             <a:r>
-              <a:rPr lang="en-US" sz="1800" dirty="0" smtClean="0"/>
+              <a:rPr lang="en-US" sz="1800" dirty="0"/>
               <a:t>Critical Violations</a:t>
             </a:r>
-            <a:endParaRPr lang="en-US" sz="1800" dirty="0"/>
           </a:p>
         </p:txBody>
       </p:sp>
@@ -21742,10 +21527,9 @@
           </a:lstStyle>
           <a:p>
             <a:r>
-              <a:rPr lang="en-US" sz="1600" dirty="0" smtClean="0"/>
+              <a:rPr lang="en-US" sz="1600" dirty="0"/>
               <a:t>TEXT;PF_CRITICAL_VIOLATIONS</a:t>
             </a:r>
-            <a:endParaRPr lang="en-US" sz="1600" dirty="0"/>
           </a:p>
         </p:txBody>
       </p:sp>
@@ -21785,7 +21569,7 @@
           </a:lstStyle>
           <a:p>
             <a:r>
-              <a:rPr lang="en-US" dirty="0" smtClean="0">
+              <a:rPr lang="en-US" dirty="0">
                 <a:sym typeface="Wingdings" pitchFamily="2" charset="2"/>
               </a:rPr>
               <a:t></a:t>
@@ -21830,10 +21614,9 @@
           </a:lstStyle>
           <a:p>
             <a:r>
-              <a:rPr lang="en-US" sz="1800" dirty="0" smtClean="0"/>
+              <a:rPr lang="en-US" sz="1800" dirty="0"/>
               <a:t>Block Name :</a:t>
             </a:r>
-            <a:endParaRPr lang="en-US" sz="1800" dirty="0"/>
           </a:p>
         </p:txBody>
       </p:sp>
@@ -21873,10 +21656,9 @@
           </a:lstStyle>
           <a:p>
             <a:r>
-              <a:rPr lang="en-US" sz="1800" dirty="0" smtClean="0"/>
+              <a:rPr lang="en-US" sz="1800" dirty="0"/>
               <a:t>Options :</a:t>
             </a:r>
-            <a:endParaRPr lang="en-US" sz="1800" dirty="0"/>
           </a:p>
         </p:txBody>
       </p:sp>
@@ -21966,10 +21748,9 @@
           </a:lstStyle>
           <a:p>
             <a:r>
-              <a:rPr lang="en-US" dirty="0" smtClean="0"/>
+              <a:rPr lang="en-US" dirty="0"/>
               <a:t>Value</a:t>
             </a:r>
-            <a:endParaRPr lang="en-US" dirty="0"/>
           </a:p>
         </p:txBody>
       </p:sp>
@@ -22009,14 +21790,13 @@
           </a:lstStyle>
           <a:p>
             <a:r>
-              <a:rPr lang="en-US" sz="1400" b="1" dirty="0" smtClean="0"/>
+              <a:rPr lang="en-US" sz="1400" b="1" dirty="0"/>
               <a:t>BCID=N</a:t>
             </a:r>
             <a:r>
-              <a:rPr lang="en-US" sz="1400" dirty="0" smtClean="0"/>
+              <a:rPr lang="en-US" sz="1400" dirty="0"/>
               <a:t> (where N is an health factor (by default 60017)</a:t>
             </a:r>
-            <a:endParaRPr lang="en-US" sz="1400" dirty="0"/>
           </a:p>
         </p:txBody>
       </p:sp>
@@ -22118,10 +21898,9 @@
           <a:lstStyle/>
           <a:p>
             <a:r>
-              <a:rPr lang="en-US" dirty="0" smtClean="0"/>
+              <a:rPr lang="en-US" dirty="0"/>
               <a:t>PowerPoint Templates – Text</a:t>
             </a:r>
-            <a:endParaRPr lang="en-US" dirty="0"/>
           </a:p>
         </p:txBody>
       </p:sp>
@@ -22215,10 +21994,9 @@
           </a:lstStyle>
           <a:p>
             <a:r>
-              <a:rPr lang="en-US" sz="1800" dirty="0" smtClean="0"/>
+              <a:rPr lang="en-US" sz="1800" dirty="0"/>
               <a:t>Custom Expression</a:t>
             </a:r>
-            <a:endParaRPr lang="en-US" sz="1800" dirty="0"/>
           </a:p>
         </p:txBody>
       </p:sp>
@@ -22256,10 +22034,9 @@
           </a:lstStyle>
           <a:p>
             <a:r>
-              <a:rPr lang="en-US" sz="1600" dirty="0" smtClean="0"/>
+              <a:rPr lang="en-US" sz="1600" dirty="0"/>
               <a:t>PF_CUSTOM_EXPRESSION</a:t>
             </a:r>
-            <a:endParaRPr lang="en-US" sz="1600" dirty="0"/>
           </a:p>
         </p:txBody>
       </p:sp>
@@ -22299,7 +22076,7 @@
           </a:lstStyle>
           <a:p>
             <a:r>
-              <a:rPr lang="en-US" dirty="0" smtClean="0">
+              <a:rPr lang="en-US" dirty="0">
                 <a:sym typeface="Wingdings" pitchFamily="2" charset="2"/>
               </a:rPr>
               <a:t></a:t>
@@ -22344,10 +22121,9 @@
           </a:lstStyle>
           <a:p>
             <a:r>
-              <a:rPr lang="en-US" sz="1800" dirty="0" smtClean="0"/>
+              <a:rPr lang="en-US" sz="1800" dirty="0"/>
               <a:t>Block Name :</a:t>
             </a:r>
-            <a:endParaRPr lang="en-US" sz="1800" dirty="0"/>
           </a:p>
         </p:txBody>
       </p:sp>
@@ -22387,62 +22163,38 @@
           </a:lstStyle>
           <a:p>
             <a:r>
-              <a:rPr lang="en-US" sz="1100" dirty="0" smtClean="0"/>
-              <a:t>- PARAMS=SZ </a:t>
-            </a:r>
-            <a:r>
               <a:rPr lang="en-US" sz="1100" dirty="0"/>
-              <a:t>a SZ b, (SZ pour sizing measure, QR pour quality rule, BF for background fact)</a:t>
-            </a:r>
-          </a:p>
-          <a:p>
-            <a:r>
-              <a:rPr lang="en-US" sz="1100" dirty="0" smtClean="0"/>
-              <a:t>- EXPR=b/a</a:t>
-            </a:r>
+              <a:t>- PARAMS=SZ a SZ b, (SZ pour sizing measure, QR pour quality rule, BF for background fact)</a:t>
+            </a:r>
+          </a:p>
+          <a:p>
             <a:r>
               <a:rPr lang="en-US" sz="1100" dirty="0"/>
-              <a:t>, (operators can be +, -, *, / , (, ) )</a:t>
-            </a:r>
-          </a:p>
-          <a:p>
-            <a:r>
-              <a:rPr lang="en-US" sz="1100" dirty="0" smtClean="0"/>
-              <a:t>- a=67011</a:t>
-            </a:r>
+              <a:t>- EXPR=b/a, (operators can be +, -, *, / , (, ) )</a:t>
+            </a:r>
+          </a:p>
+          <a:p>
             <a:r>
               <a:rPr lang="en-US" sz="1100" dirty="0"/>
-              <a:t>,</a:t>
-            </a:r>
-          </a:p>
-          <a:p>
-            <a:r>
-              <a:rPr lang="en-US" sz="1100" dirty="0" smtClean="0"/>
-              <a:t>- b=67010</a:t>
-            </a:r>
+              <a:t>- a=67011,</a:t>
+            </a:r>
+          </a:p>
+          <a:p>
             <a:r>
               <a:rPr lang="en-US" sz="1100" dirty="0"/>
-              <a:t>,</a:t>
-            </a:r>
-          </a:p>
-          <a:p>
-            <a:r>
-              <a:rPr lang="en-US" sz="1100" dirty="0" smtClean="0"/>
-              <a:t>- FORMAT=N0 </a:t>
-            </a:r>
+              <a:t>- b=67010,</a:t>
+            </a:r>
+          </a:p>
+          <a:p>
             <a:r>
               <a:rPr lang="en-US" sz="1100" dirty="0"/>
-              <a:t>(N2 by default, if nothing or erroneous format is set),</a:t>
-            </a:r>
-          </a:p>
-          <a:p>
-            <a:r>
-              <a:rPr lang="en-US" sz="1100" dirty="0" smtClean="0"/>
-              <a:t>- AGGREGATOR=SUM|AVERAGE </a:t>
-            </a:r>
+              <a:t>- FORMAT=N0 (N2 by default, if nothing or erroneous format is set),</a:t>
+            </a:r>
+          </a:p>
+          <a:p>
             <a:r>
               <a:rPr lang="en-US" sz="1100" dirty="0"/>
-              <a:t>(for portfolio component, to aggregate results of all applications for the custom expression, AVERAGE by default or if erroneous format is set)</a:t>
+              <a:t>- AGGREGATOR=SUM|AVERAGE (for portfolio component, to aggregate results of all applications for the custom expression, AVERAGE by default or if erroneous format is set)</a:t>
             </a:r>
           </a:p>
         </p:txBody>
@@ -22483,10 +22235,9 @@
           </a:lstStyle>
           <a:p>
             <a:r>
-              <a:rPr lang="en-US" sz="1800" dirty="0" smtClean="0"/>
+              <a:rPr lang="en-US" sz="1800" dirty="0"/>
               <a:t>Options :</a:t>
             </a:r>
-            <a:endParaRPr lang="en-US" sz="1800" dirty="0"/>
           </a:p>
         </p:txBody>
       </p:sp>
@@ -22576,10 +22327,9 @@
           </a:lstStyle>
           <a:p>
             <a:r>
-              <a:rPr lang="en-US" dirty="0" smtClean="0"/>
+              <a:rPr lang="en-US" dirty="0"/>
               <a:t>Value</a:t>
             </a:r>
-            <a:endParaRPr lang="en-US" dirty="0"/>
           </a:p>
         </p:txBody>
       </p:sp>
@@ -22741,10 +22491,9 @@
           <a:lstStyle/>
           <a:p>
             <a:r>
-              <a:rPr lang="en-US" dirty="0" smtClean="0"/>
+              <a:rPr lang="en-US" dirty="0"/>
               <a:t>Graphic Templates</a:t>
             </a:r>
-            <a:endParaRPr lang="en-US" dirty="0"/>
           </a:p>
         </p:txBody>
       </p:sp>
@@ -22764,10 +22513,9 @@
           <a:lstStyle/>
           <a:p>
             <a:r>
-              <a:rPr lang="en-US" dirty="0" smtClean="0"/>
+              <a:rPr lang="en-US" dirty="0"/>
               <a:t>PowerPoint Templates</a:t>
             </a:r>
-            <a:endParaRPr lang="en-US" dirty="0"/>
           </a:p>
         </p:txBody>
       </p:sp>
@@ -22776,13 +22524,6 @@
   <p:clrMapOvr>
     <a:masterClrMapping/>
   </p:clrMapOvr>
-  <p:timing>
-    <p:tnLst>
-      <p:par>
-        <p:cTn id="1" dur="indefinite" restart="never" nodeType="tmRoot"/>
-      </p:par>
-    </p:tnLst>
-  </p:timing>
 </p:sld>
 </file>
 
@@ -22821,10 +22562,9 @@
           <a:lstStyle/>
           <a:p>
             <a:r>
-              <a:rPr lang="fr-FR" dirty="0" smtClean="0"/>
+              <a:rPr lang="fr-FR" dirty="0"/>
               <a:t>PowerPoint Templates – Graphics</a:t>
             </a:r>
-            <a:endParaRPr lang="fr-FR" dirty="0"/>
           </a:p>
         </p:txBody>
       </p:sp>
@@ -22849,14 +22589,14 @@
           <a:lstStyle/>
           <a:p>
             <a:r>
-              <a:rPr lang="fr-FR" sz="2400" dirty="0" smtClean="0"/>
+              <a:rPr lang="fr-FR" sz="2400" dirty="0"/>
               <a:t>This kind of template is identified by a type value as</a:t>
             </a:r>
             <a:br>
-              <a:rPr lang="fr-FR" sz="2400" dirty="0" smtClean="0"/>
+              <a:rPr lang="fr-FR" sz="2400" dirty="0"/>
             </a:br>
             <a:r>
-              <a:rPr lang="fr-FR" sz="2400" dirty="0" smtClean="0"/>
+              <a:rPr lang="fr-FR" sz="2400" dirty="0"/>
               <a:t>			</a:t>
             </a:r>
           </a:p>
@@ -22866,19 +22606,15 @@
             </a:pPr>
             <a:r>
               <a:rPr lang="fr-FR" sz="2400" dirty="0"/>
-              <a:t>	</a:t>
-            </a:r>
-            <a:r>
-              <a:rPr lang="fr-FR" sz="2400" dirty="0" smtClean="0"/>
-              <a:t>		Type = </a:t>
-            </a:r>
-            <a:r>
-              <a:rPr lang="fr-FR" sz="2400" b="1" dirty="0" smtClean="0"/>
+              <a:t>			Type = </a:t>
+            </a:r>
+            <a:r>
+              <a:rPr lang="fr-FR" sz="2400" b="1" dirty="0"/>
               <a:t>GRAPH</a:t>
             </a:r>
           </a:p>
           <a:p>
-            <a:endParaRPr lang="fr-FR" sz="2400" b="1" dirty="0" smtClean="0"/>
+            <a:endParaRPr lang="fr-FR" sz="2400" b="1" dirty="0"/>
           </a:p>
         </p:txBody>
       </p:sp>
@@ -22887,13 +22623,6 @@
   <p:clrMapOvr>
     <a:masterClrMapping/>
   </p:clrMapOvr>
-  <p:timing>
-    <p:tnLst>
-      <p:par>
-        <p:cTn id="1" dur="indefinite" restart="never" nodeType="tmRoot"/>
-      </p:par>
-    </p:tnLst>
-  </p:timing>
 </p:sld>
 </file>
 
@@ -22932,10 +22661,9 @@
           <a:lstStyle/>
           <a:p>
             <a:r>
-              <a:rPr lang="en-US" dirty="0" smtClean="0"/>
+              <a:rPr lang="en-US" dirty="0"/>
               <a:t>PowerPoint Templates – Graphics</a:t>
             </a:r>
-            <a:endParaRPr lang="en-US" dirty="0"/>
           </a:p>
         </p:txBody>
       </p:sp>
@@ -23029,10 +22757,9 @@
           </a:lstStyle>
           <a:p>
             <a:r>
-              <a:rPr lang="en-US" sz="1800" dirty="0" smtClean="0"/>
+              <a:rPr lang="en-US" sz="1800" dirty="0"/>
               <a:t>Technical Debt Trending Progression</a:t>
             </a:r>
-            <a:endParaRPr lang="en-US" sz="1800" dirty="0"/>
           </a:p>
         </p:txBody>
       </p:sp>
@@ -23070,10 +22797,9 @@
           </a:lstStyle>
           <a:p>
             <a:r>
-              <a:rPr lang="en-US" sz="1800" dirty="0" smtClean="0"/>
+              <a:rPr lang="en-US" sz="1800" dirty="0"/>
               <a:t>PF_TREND_TECH_DEBT</a:t>
             </a:r>
-            <a:endParaRPr lang="en-US" sz="1800" dirty="0"/>
           </a:p>
         </p:txBody>
       </p:sp>
@@ -23113,10 +22839,9 @@
           </a:lstStyle>
           <a:p>
             <a:r>
-              <a:rPr lang="en-US" sz="1800" dirty="0" smtClean="0"/>
+              <a:rPr lang="en-US" sz="1800" dirty="0"/>
               <a:t>Block Name :</a:t>
             </a:r>
-            <a:endParaRPr lang="en-US" sz="1800" dirty="0"/>
           </a:p>
         </p:txBody>
       </p:sp>
@@ -23156,10 +22881,9 @@
           </a:lstStyle>
           <a:p>
             <a:r>
-              <a:rPr lang="en-US" sz="1800" dirty="0" smtClean="0"/>
+              <a:rPr lang="en-US" sz="1800" dirty="0"/>
               <a:t>none</a:t>
             </a:r>
-            <a:endParaRPr lang="en-US" sz="1800" dirty="0"/>
           </a:p>
         </p:txBody>
       </p:sp>
@@ -23199,10 +22923,9 @@
           </a:lstStyle>
           <a:p>
             <a:r>
-              <a:rPr lang="en-US" sz="1800" dirty="0" smtClean="0"/>
+              <a:rPr lang="en-US" sz="1800" dirty="0"/>
               <a:t>Options :</a:t>
             </a:r>
-            <a:endParaRPr lang="en-US" sz="1800" dirty="0"/>
           </a:p>
         </p:txBody>
       </p:sp>
@@ -23242,10 +22965,9 @@
           </a:lstStyle>
           <a:p>
             <a:r>
-              <a:rPr lang="en-US" dirty="0" smtClean="0"/>
+              <a:rPr lang="en-US" dirty="0"/>
               <a:t>X axis is based on the last 6 previous quarter starting from today</a:t>
             </a:r>
-            <a:endParaRPr lang="en-US" dirty="0"/>
           </a:p>
         </p:txBody>
       </p:sp>
@@ -23285,10 +23007,9 @@
           </a:lstStyle>
           <a:p>
             <a:r>
-              <a:rPr lang="en-US" sz="1800" dirty="0" smtClean="0"/>
+              <a:rPr lang="en-US" sz="1800" dirty="0"/>
               <a:t>Note :</a:t>
             </a:r>
-            <a:endParaRPr lang="en-US" sz="1800" dirty="0"/>
           </a:p>
         </p:txBody>
       </p:sp>
@@ -23319,13 +23040,6 @@
   <p:clrMapOvr>
     <a:masterClrMapping/>
   </p:clrMapOvr>
-  <p:timing>
-    <p:tnLst>
-      <p:par>
-        <p:cTn id="1" dur="indefinite" restart="never" nodeType="tmRoot"/>
-      </p:par>
-    </p:tnLst>
-  </p:timing>
 </p:sld>
 </file>
 
@@ -23364,10 +23078,9 @@
           <a:lstStyle/>
           <a:p>
             <a:r>
-              <a:rPr lang="en-US" dirty="0" smtClean="0"/>
+              <a:rPr lang="en-US" dirty="0"/>
               <a:t>PowerPoint Templates – Graphics</a:t>
             </a:r>
-            <a:endParaRPr lang="en-US" dirty="0"/>
           </a:p>
         </p:txBody>
       </p:sp>
@@ -23461,10 +23174,9 @@
           </a:lstStyle>
           <a:p>
             <a:r>
-              <a:rPr lang="en-US" sz="1800" dirty="0" smtClean="0"/>
+              <a:rPr lang="en-US" sz="1800" dirty="0"/>
               <a:t>Critical Violations Delta Trending Progression</a:t>
             </a:r>
-            <a:endParaRPr lang="en-US" sz="1800" dirty="0"/>
           </a:p>
         </p:txBody>
       </p:sp>
@@ -23502,10 +23214,9 @@
           </a:lstStyle>
           <a:p>
             <a:r>
-              <a:rPr lang="en-US" sz="1800" dirty="0" smtClean="0"/>
+              <a:rPr lang="en-US" sz="1800" dirty="0"/>
               <a:t>PF_TREND_CRIT_VIOL</a:t>
             </a:r>
-            <a:endParaRPr lang="en-US" sz="1800" dirty="0"/>
           </a:p>
         </p:txBody>
       </p:sp>
@@ -23545,10 +23256,9 @@
           </a:lstStyle>
           <a:p>
             <a:r>
-              <a:rPr lang="en-US" sz="1800" dirty="0" smtClean="0"/>
+              <a:rPr lang="en-US" sz="1800" dirty="0"/>
               <a:t>Block Name :</a:t>
             </a:r>
-            <a:endParaRPr lang="en-US" sz="1800" dirty="0"/>
           </a:p>
         </p:txBody>
       </p:sp>
@@ -23588,14 +23298,13 @@
           </a:lstStyle>
           <a:p>
             <a:r>
-              <a:rPr lang="en-US" sz="1800" b="1" dirty="0" smtClean="0"/>
+              <a:rPr lang="en-US" sz="1800" b="1" dirty="0"/>
               <a:t>BCID=N</a:t>
             </a:r>
             <a:r>
-              <a:rPr lang="en-US" sz="1800" dirty="0" smtClean="0"/>
+              <a:rPr lang="en-US" sz="1800" dirty="0"/>
               <a:t> (where N is an health factor (by default 60017)</a:t>
             </a:r>
-            <a:endParaRPr lang="en-US" sz="1800" dirty="0"/>
           </a:p>
         </p:txBody>
       </p:sp>
@@ -23635,10 +23344,9 @@
           </a:lstStyle>
           <a:p>
             <a:r>
-              <a:rPr lang="en-US" sz="1800" dirty="0" smtClean="0"/>
+              <a:rPr lang="en-US" sz="1800" dirty="0"/>
               <a:t>Options :</a:t>
             </a:r>
-            <a:endParaRPr lang="en-US" sz="1800" dirty="0"/>
           </a:p>
         </p:txBody>
       </p:sp>
@@ -23678,10 +23386,9 @@
           </a:lstStyle>
           <a:p>
             <a:r>
-              <a:rPr lang="en-US" sz="1800" dirty="0" smtClean="0"/>
+              <a:rPr lang="en-US" sz="1800" dirty="0"/>
               <a:t>Note :</a:t>
             </a:r>
-            <a:endParaRPr lang="en-US" sz="1800" dirty="0"/>
           </a:p>
         </p:txBody>
       </p:sp>
@@ -23721,10 +23428,9 @@
           </a:lstStyle>
           <a:p>
             <a:r>
-              <a:rPr lang="en-US" dirty="0" smtClean="0"/>
+              <a:rPr lang="en-US" dirty="0"/>
               <a:t>X axis is based on the last 6 previous quarter starting from today</a:t>
             </a:r>
-            <a:endParaRPr lang="en-US" dirty="0"/>
           </a:p>
         </p:txBody>
       </p:sp>
@@ -23760,13 +23466,6 @@
   <p:clrMapOvr>
     <a:masterClrMapping/>
   </p:clrMapOvr>
-  <p:timing>
-    <p:tnLst>
-      <p:par>
-        <p:cTn id="1" dur="indefinite" restart="never" nodeType="tmRoot"/>
-      </p:par>
-    </p:tnLst>
-  </p:timing>
 </p:sld>
 </file>
 
@@ -23805,10 +23504,9 @@
           <a:lstStyle/>
           <a:p>
             <a:r>
-              <a:rPr lang="fr-FR" dirty="0" smtClean="0"/>
+              <a:rPr lang="fr-FR" dirty="0"/>
               <a:t>PowerPoint Templates – Graphics</a:t>
             </a:r>
-            <a:endParaRPr lang="fr-FR" dirty="0"/>
           </a:p>
         </p:txBody>
       </p:sp>
@@ -23902,18 +23600,9 @@
           </a:lstStyle>
           <a:p>
             <a:r>
-              <a:rPr lang="en-US" sz="1800" dirty="0" smtClean="0"/>
-              <a:t>TQI </a:t>
-            </a:r>
-            <a:r>
               <a:rPr lang="en-US" sz="1800" dirty="0"/>
-              <a:t>Score by Critical </a:t>
-            </a:r>
-            <a:r>
-              <a:rPr lang="en-US" sz="1800" dirty="0" smtClean="0"/>
-              <a:t>Violations/LoC by AFP</a:t>
-            </a:r>
-            <a:endParaRPr lang="en-US" sz="1800" dirty="0"/>
+              <a:t>TQI Score by Critical Violations/LoC by AFP</a:t>
+            </a:r>
           </a:p>
         </p:txBody>
       </p:sp>
@@ -23951,10 +23640,9 @@
           </a:lstStyle>
           <a:p>
             <a:r>
-              <a:rPr lang="fr-FR" sz="1800" dirty="0" smtClean="0"/>
+              <a:rPr lang="fr-FR" sz="1800" dirty="0"/>
               <a:t>PF_QS_BY_CVLOC</a:t>
             </a:r>
-            <a:endParaRPr lang="fr-FR" sz="1800" dirty="0"/>
           </a:p>
         </p:txBody>
       </p:sp>
@@ -24036,12 +23724,8 @@
           </a:lstStyle>
           <a:p>
             <a:r>
-              <a:rPr lang="fr-FR" sz="1800" dirty="0" smtClean="0"/>
-              <a:t>Note </a:t>
-            </a:r>
-            <a:r>
               <a:rPr lang="fr-FR" sz="1800" dirty="0"/>
-              <a:t>:</a:t>
+              <a:t>Note :</a:t>
             </a:r>
           </a:p>
         </p:txBody>
@@ -24106,10 +23790,9 @@
           </a:lstStyle>
           <a:p>
             <a:r>
-              <a:rPr lang="en-US" dirty="0" smtClean="0"/>
+              <a:rPr lang="en-US" dirty="0"/>
               <a:t>Bubble = application, Size of bubble = AFP </a:t>
             </a:r>
-            <a:endParaRPr lang="en-US" dirty="0"/>
           </a:p>
         </p:txBody>
       </p:sp>
@@ -24149,7 +23832,7 @@
           </a:lstStyle>
           <a:p>
             <a:r>
-              <a:rPr lang="en-US" sz="1600" i="0" dirty="0" smtClean="0">
+              <a:rPr lang="en-US" sz="1600" i="0" dirty="0">
                 <a:solidFill>
                   <a:srgbClr val="FF0000"/>
                 </a:solidFill>
@@ -24157,7 +23840,7 @@
               <a:t>Only working with </a:t>
             </a:r>
             <a:r>
-              <a:rPr lang="en-US" sz="1600" i="0" dirty="0" err="1" smtClean="0">
+              <a:rPr lang="en-US" sz="1600" i="0" dirty="0" err="1">
                 <a:solidFill>
                   <a:srgbClr val="FF0000"/>
                 </a:solidFill>
@@ -24165,7 +23848,7 @@
               <a:t>Powerpoint</a:t>
             </a:r>
             <a:r>
-              <a:rPr lang="en-US" sz="1600" i="0" dirty="0" smtClean="0">
+              <a:rPr lang="en-US" sz="1600" i="0" dirty="0">
                 <a:solidFill>
                   <a:srgbClr val="FF0000"/>
                 </a:solidFill>
@@ -24173,7 +23856,7 @@
               <a:t> 2013, after report generated, need to edit data in </a:t>
             </a:r>
             <a:r>
-              <a:rPr lang="en-US" sz="1600" i="0" dirty="0" err="1" smtClean="0">
+              <a:rPr lang="en-US" sz="1600" i="0" dirty="0" err="1">
                 <a:solidFill>
                   <a:srgbClr val="FF0000"/>
                 </a:solidFill>
@@ -24181,18 +23864,13 @@
               <a:t>exel</a:t>
             </a:r>
             <a:r>
-              <a:rPr lang="en-US" sz="1600" i="0" dirty="0" smtClean="0">
+              <a:rPr lang="en-US" sz="1600" i="0" dirty="0">
                 <a:solidFill>
                   <a:srgbClr val="FF0000"/>
                 </a:solidFill>
               </a:rPr>
               <a:t> to get label of applications updated into the graph</a:t>
             </a:r>
-            <a:endParaRPr lang="en-US" sz="1600" i="0" dirty="0">
-              <a:solidFill>
-                <a:srgbClr val="FF0000"/>
-              </a:solidFill>
-            </a:endParaRPr>
           </a:p>
         </p:txBody>
       </p:sp>
@@ -24201,13 +23879,6 @@
   <p:clrMapOvr>
     <a:masterClrMapping/>
   </p:clrMapOvr>
-  <p:timing>
-    <p:tnLst>
-      <p:par>
-        <p:cTn id="1" dur="indefinite" restart="never" nodeType="tmRoot"/>
-      </p:par>
-    </p:tnLst>
-  </p:timing>
 </p:sld>
 </file>
 
@@ -24246,10 +23917,9 @@
           <a:lstStyle/>
           <a:p>
             <a:r>
-              <a:rPr lang="en-US" dirty="0" smtClean="0"/>
+              <a:rPr lang="en-US" dirty="0"/>
               <a:t>PowerPoint Templates – Graphics</a:t>
             </a:r>
-            <a:endParaRPr lang="en-US" dirty="0"/>
           </a:p>
         </p:txBody>
       </p:sp>
@@ -24343,10 +24013,9 @@
           </a:lstStyle>
           <a:p>
             <a:r>
-              <a:rPr lang="en-US" sz="1800" dirty="0" smtClean="0"/>
+              <a:rPr lang="en-US" sz="1800" dirty="0"/>
               <a:t>List of applications regarding a specific indicator</a:t>
             </a:r>
-            <a:endParaRPr lang="en-US" sz="1800" dirty="0"/>
           </a:p>
         </p:txBody>
       </p:sp>
@@ -24384,10 +24053,9 @@
           </a:lstStyle>
           <a:p>
             <a:r>
-              <a:rPr lang="en-US" sz="1800" dirty="0" smtClean="0"/>
+              <a:rPr lang="en-US" sz="1800" dirty="0"/>
               <a:t>PF_BAR_CHART</a:t>
             </a:r>
-            <a:endParaRPr lang="en-US" sz="1800" dirty="0"/>
           </a:p>
         </p:txBody>
       </p:sp>
@@ -24427,10 +24095,9 @@
           </a:lstStyle>
           <a:p>
             <a:r>
-              <a:rPr lang="en-US" sz="1800" dirty="0" smtClean="0"/>
+              <a:rPr lang="en-US" sz="1800" dirty="0"/>
               <a:t>Block Name :</a:t>
             </a:r>
-            <a:endParaRPr lang="en-US" sz="1800" dirty="0"/>
           </a:p>
         </p:txBody>
       </p:sp>
@@ -24470,14 +24137,13 @@
           </a:lstStyle>
           <a:p>
             <a:r>
-              <a:rPr lang="en-US" sz="1800" b="1" dirty="0" smtClean="0"/>
+              <a:rPr lang="en-US" sz="1800" b="1" dirty="0"/>
               <a:t>METRIC=ID</a:t>
             </a:r>
             <a:r>
-              <a:rPr lang="en-US" sz="1800" dirty="0" smtClean="0"/>
+              <a:rPr lang="en-US" sz="1800" dirty="0"/>
               <a:t> (where ID can be a quality indicator or a background fact)</a:t>
             </a:r>
-            <a:endParaRPr lang="en-US" sz="1800" dirty="0"/>
           </a:p>
         </p:txBody>
       </p:sp>
@@ -24517,10 +24183,9 @@
           </a:lstStyle>
           <a:p>
             <a:r>
-              <a:rPr lang="en-US" sz="1800" dirty="0" smtClean="0"/>
+              <a:rPr lang="en-US" sz="1800" dirty="0"/>
               <a:t>Options :</a:t>
             </a:r>
-            <a:endParaRPr lang="en-US" sz="1800" dirty="0"/>
           </a:p>
         </p:txBody>
       </p:sp>
@@ -24556,13 +24221,6 @@
   <p:clrMapOvr>
     <a:masterClrMapping/>
   </p:clrMapOvr>
-  <p:timing>
-    <p:tnLst>
-      <p:par>
-        <p:cTn id="1" dur="indefinite" restart="never" nodeType="tmRoot"/>
-      </p:par>
-    </p:tnLst>
-  </p:timing>
 </p:sld>
 </file>
 
@@ -24599,10 +24257,9 @@
           <a:lstStyle/>
           <a:p>
             <a:r>
-              <a:rPr lang="en-US" dirty="0" smtClean="0"/>
+              <a:rPr lang="en-US" dirty="0"/>
               <a:t>Table Templates</a:t>
             </a:r>
-            <a:endParaRPr lang="en-US" dirty="0"/>
           </a:p>
         </p:txBody>
       </p:sp>
@@ -24622,10 +24279,9 @@
           <a:lstStyle/>
           <a:p>
             <a:r>
-              <a:rPr lang="en-US" dirty="0" smtClean="0"/>
+              <a:rPr lang="en-US" dirty="0"/>
               <a:t>PowerPoint Templates</a:t>
             </a:r>
-            <a:endParaRPr lang="en-US" dirty="0"/>
           </a:p>
         </p:txBody>
       </p:sp>
@@ -24634,13 +24290,6 @@
   <p:clrMapOvr>
     <a:masterClrMapping/>
   </p:clrMapOvr>
-  <p:timing>
-    <p:tnLst>
-      <p:par>
-        <p:cTn id="1" dur="indefinite" restart="never" nodeType="tmRoot"/>
-      </p:par>
-    </p:tnLst>
-  </p:timing>
 </p:sld>
 </file>
 
@@ -24677,10 +24326,9 @@
           <a:lstStyle/>
           <a:p>
             <a:r>
-              <a:rPr lang="fr-FR" dirty="0" smtClean="0"/>
+              <a:rPr lang="fr-FR" dirty="0"/>
               <a:t>Powerpoint Templates</a:t>
             </a:r>
-            <a:endParaRPr lang="fr-FR" dirty="0"/>
           </a:p>
         </p:txBody>
       </p:sp>
@@ -24701,21 +24349,20 @@
           <a:p>
             <a:pPr algn="just"/>
             <a:r>
-              <a:rPr lang="fr-FR" dirty="0" smtClean="0"/>
+              <a:rPr lang="fr-FR" dirty="0"/>
               <a:t>When Word uses placeholder to target a customizable component, PowerPoint uses alternative text property of TextBox, Table or ChartArea</a:t>
             </a:r>
           </a:p>
           <a:p>
             <a:pPr algn="just"/>
-            <a:endParaRPr lang="fr-FR" dirty="0" smtClean="0"/>
+            <a:endParaRPr lang="fr-FR" dirty="0"/>
           </a:p>
           <a:p>
             <a:pPr algn="just"/>
             <a:r>
-              <a:rPr lang="fr-FR" dirty="0" smtClean="0"/>
+              <a:rPr lang="fr-FR" dirty="0"/>
               <a:t>To see alternative text property of all component, you should activate « Size and Position »  button in Powerpoint properties</a:t>
             </a:r>
-            <a:endParaRPr lang="fr-FR" dirty="0"/>
           </a:p>
         </p:txBody>
       </p:sp>
@@ -24724,13 +24371,6 @@
   <p:clrMapOvr>
     <a:masterClrMapping/>
   </p:clrMapOvr>
-  <p:timing>
-    <p:tnLst>
-      <p:par>
-        <p:cTn id="1" dur="indefinite" restart="never" nodeType="tmRoot"/>
-      </p:par>
-    </p:tnLst>
-  </p:timing>
 </p:sld>
 </file>
 
@@ -24769,10 +24409,9 @@
           <a:lstStyle/>
           <a:p>
             <a:r>
-              <a:rPr lang="fr-FR" dirty="0" smtClean="0"/>
+              <a:rPr lang="fr-FR" dirty="0"/>
               <a:t>PowerPoint Templates – Tables</a:t>
             </a:r>
-            <a:endParaRPr lang="fr-FR" dirty="0"/>
           </a:p>
         </p:txBody>
       </p:sp>
@@ -24797,14 +24436,14 @@
           <a:lstStyle/>
           <a:p>
             <a:r>
-              <a:rPr lang="fr-FR" sz="2400" dirty="0" smtClean="0"/>
+              <a:rPr lang="fr-FR" sz="2400" dirty="0"/>
               <a:t>This kind of template is identified by a type value as</a:t>
             </a:r>
             <a:br>
-              <a:rPr lang="fr-FR" sz="2400" dirty="0" smtClean="0"/>
+              <a:rPr lang="fr-FR" sz="2400" dirty="0"/>
             </a:br>
             <a:r>
-              <a:rPr lang="fr-FR" sz="2400" dirty="0" smtClean="0"/>
+              <a:rPr lang="fr-FR" sz="2400" dirty="0"/>
               <a:t>			</a:t>
             </a:r>
           </a:p>
@@ -24813,11 +24452,11 @@
               <a:buNone/>
             </a:pPr>
             <a:r>
-              <a:rPr lang="fr-FR" sz="2400" dirty="0" smtClean="0"/>
+              <a:rPr lang="fr-FR" sz="2400" dirty="0"/>
               <a:t>			Type = </a:t>
             </a:r>
             <a:r>
-              <a:rPr lang="fr-FR" sz="2400" b="1" dirty="0" smtClean="0"/>
+              <a:rPr lang="fr-FR" sz="2400" b="1" dirty="0"/>
               <a:t>TABLE</a:t>
             </a:r>
           </a:p>
@@ -24825,13 +24464,13 @@
             <a:pPr marL="0" indent="0">
               <a:buNone/>
             </a:pPr>
-            <a:endParaRPr lang="fr-FR" sz="2400" b="1" dirty="0" smtClean="0"/>
+            <a:endParaRPr lang="fr-FR" sz="2400" b="1" dirty="0"/>
           </a:p>
           <a:p>
             <a:pPr marL="0" indent="0">
               <a:buNone/>
             </a:pPr>
-            <a:endParaRPr lang="fr-FR" sz="2400" b="1" dirty="0" smtClean="0"/>
+            <a:endParaRPr lang="fr-FR" sz="2400" b="1" dirty="0"/>
           </a:p>
         </p:txBody>
       </p:sp>
@@ -24840,13 +24479,6 @@
   <p:clrMapOvr>
     <a:masterClrMapping/>
   </p:clrMapOvr>
-  <p:timing>
-    <p:tnLst>
-      <p:par>
-        <p:cTn id="1" dur="indefinite" restart="never" nodeType="tmRoot"/>
-      </p:par>
-    </p:tnLst>
-  </p:timing>
 </p:sld>
 </file>
 
@@ -24885,10 +24517,9 @@
           <a:lstStyle/>
           <a:p>
             <a:r>
-              <a:rPr lang="en-US" dirty="0" smtClean="0"/>
+              <a:rPr lang="en-US" dirty="0"/>
               <a:t>PowerPoint Templates – Tables</a:t>
             </a:r>
-            <a:endParaRPr lang="en-US" dirty="0"/>
           </a:p>
         </p:txBody>
       </p:sp>
@@ -24982,10 +24613,9 @@
           </a:lstStyle>
           <a:p>
             <a:r>
-              <a:rPr lang="en-US" dirty="0" smtClean="0"/>
+              <a:rPr lang="en-US" dirty="0"/>
               <a:t>Top Riskiest Application regarding Health Factor</a:t>
             </a:r>
-            <a:endParaRPr lang="en-US" dirty="0"/>
           </a:p>
         </p:txBody>
       </p:sp>
@@ -25023,10 +24653,9 @@
           </a:lstStyle>
           <a:p>
             <a:r>
-              <a:rPr lang="en-US" sz="1800" dirty="0" smtClean="0"/>
+              <a:rPr lang="en-US" sz="1800" dirty="0"/>
               <a:t>PF_TOP_RISKIEST_APPS</a:t>
             </a:r>
-            <a:endParaRPr lang="en-US" sz="1800" dirty="0"/>
           </a:p>
         </p:txBody>
       </p:sp>
@@ -25066,10 +24695,9 @@
           </a:lstStyle>
           <a:p>
             <a:r>
-              <a:rPr lang="en-US" dirty="0" smtClean="0"/>
+              <a:rPr lang="en-US" dirty="0"/>
               <a:t>Block Name :</a:t>
             </a:r>
-            <a:endParaRPr lang="en-US" dirty="0"/>
           </a:p>
         </p:txBody>
       </p:sp>
@@ -25109,20 +24737,19 @@
           </a:lstStyle>
           <a:p>
             <a:r>
-              <a:rPr lang="en-US" b="1" dirty="0" smtClean="0"/>
+              <a:rPr lang="en-US" b="1" dirty="0"/>
               <a:t>COUNT=N</a:t>
             </a:r>
             <a:r>
-              <a:rPr lang="en-US" dirty="0" smtClean="0"/>
+              <a:rPr lang="en-US" dirty="0"/>
               <a:t> (by default COUNT=5)</a:t>
             </a:r>
           </a:p>
           <a:p>
             <a:r>
-              <a:rPr lang="en-US" dirty="0" smtClean="0"/>
+              <a:rPr lang="en-US" dirty="0"/>
               <a:t>where N indicates the number of top N</a:t>
             </a:r>
-            <a:endParaRPr lang="en-US" dirty="0"/>
           </a:p>
         </p:txBody>
       </p:sp>
@@ -25162,10 +24789,9 @@
           </a:lstStyle>
           <a:p>
             <a:r>
-              <a:rPr lang="en-US" dirty="0" smtClean="0"/>
+              <a:rPr lang="en-US" dirty="0"/>
               <a:t>Options :</a:t>
             </a:r>
-            <a:endParaRPr lang="en-US" dirty="0"/>
           </a:p>
         </p:txBody>
       </p:sp>
@@ -25201,10 +24827,34 @@
                 <a:tableStyleId>{9DCAF9ED-07DC-4A11-8D7F-57B35C25682E}</a:tableStyleId>
               </a:tblPr>
               <a:tblGrid>
-                <a:gridCol w="2244292"/>
-                <a:gridCol w="1637844"/>
-                <a:gridCol w="1433114"/>
-                <a:gridCol w="2381434"/>
+                <a:gridCol w="2244292">
+                  <a:extLst>
+                    <a:ext uri="{9D8B030D-6E8A-4147-A177-3AD203B41FA5}">
+                      <a16:colId xmlns:a16="http://schemas.microsoft.com/office/drawing/2014/main" val="20000"/>
+                    </a:ext>
+                  </a:extLst>
+                </a:gridCol>
+                <a:gridCol w="1637844">
+                  <a:extLst>
+                    <a:ext uri="{9D8B030D-6E8A-4147-A177-3AD203B41FA5}">
+                      <a16:colId xmlns:a16="http://schemas.microsoft.com/office/drawing/2014/main" val="20001"/>
+                    </a:ext>
+                  </a:extLst>
+                </a:gridCol>
+                <a:gridCol w="1433114">
+                  <a:extLst>
+                    <a:ext uri="{9D8B030D-6E8A-4147-A177-3AD203B41FA5}">
+                      <a16:colId xmlns:a16="http://schemas.microsoft.com/office/drawing/2014/main" val="20002"/>
+                    </a:ext>
+                  </a:extLst>
+                </a:gridCol>
+                <a:gridCol w="2381434">
+                  <a:extLst>
+                    <a:ext uri="{9D8B030D-6E8A-4147-A177-3AD203B41FA5}">
+                      <a16:colId xmlns:a16="http://schemas.microsoft.com/office/drawing/2014/main" val="20003"/>
+                    </a:ext>
+                  </a:extLst>
+                </a:gridCol>
               </a:tblGrid>
               <a:tr h="378873">
                 <a:tc>
@@ -25221,7 +24871,7 @@
                         </a:spcAft>
                       </a:pPr>
                       <a:r>
-                        <a:rPr lang="en-GB" sz="1200" kern="1200" dirty="0" smtClean="0"/>
+                        <a:rPr lang="en-GB" sz="1200" kern="1200" dirty="0"/>
                         <a:t>Application Name</a:t>
                       </a:r>
                       <a:endParaRPr lang="fr-FR" sz="1200" b="1" kern="1200" dirty="0">
@@ -25285,7 +24935,7 @@
                         <a:defRPr/>
                       </a:pPr>
                       <a:r>
-                        <a:rPr lang="en-GB" sz="1200" b="1" kern="1200" dirty="0" smtClean="0">
+                        <a:rPr lang="en-GB" sz="1200" b="1" kern="1200" dirty="0">
                           <a:solidFill>
                             <a:schemeClr val="lt1"/>
                           </a:solidFill>
@@ -25296,7 +24946,7 @@
                         <a:t>Critical</a:t>
                       </a:r>
                       <a:r>
-                        <a:rPr lang="en-GB" sz="1200" b="1" kern="1200" baseline="0" dirty="0" smtClean="0">
+                        <a:rPr lang="en-GB" sz="1200" b="1" kern="1200" baseline="0" dirty="0">
                           <a:solidFill>
                             <a:schemeClr val="lt1"/>
                           </a:solidFill>
@@ -25306,7 +24956,7 @@
                         </a:rPr>
                         <a:t> Violations</a:t>
                       </a:r>
-                      <a:endParaRPr lang="fr-FR" sz="1200" b="1" kern="1200" dirty="0" smtClean="0">
+                      <a:endParaRPr lang="fr-FR" sz="1200" b="1" kern="1200" dirty="0">
                         <a:solidFill>
                           <a:schemeClr val="accent2">
                             <a:lumMod val="75000"/>
@@ -25358,7 +25008,7 @@
                         </a:spcAft>
                       </a:pPr>
                       <a:r>
-                        <a:rPr lang="fr-FR" sz="1200" kern="1200" dirty="0" smtClean="0"/>
+                        <a:rPr lang="fr-FR" sz="1200" kern="1200" dirty="0"/>
                         <a:t>TQI</a:t>
                       </a:r>
                       <a:endParaRPr lang="fr-FR" sz="1200" b="1" kern="1200" dirty="0">
@@ -25413,15 +25063,15 @@
                         </a:spcAft>
                       </a:pPr>
                       <a:r>
-                        <a:rPr lang="fr-FR" sz="1200" kern="1200" dirty="0" smtClean="0"/>
+                        <a:rPr lang="fr-FR" sz="1200" kern="1200" dirty="0"/>
                         <a:t>Last </a:t>
                       </a:r>
                       <a:r>
-                        <a:rPr lang="fr-FR" sz="1200" kern="1200" dirty="0" err="1" smtClean="0"/>
+                        <a:rPr lang="fr-FR" sz="1200" kern="1200" dirty="0" err="1"/>
                         <a:t>Analysis</a:t>
                       </a:r>
                       <a:r>
-                        <a:rPr lang="fr-FR" sz="1200" kern="1200" dirty="0" smtClean="0"/>
+                        <a:rPr lang="fr-FR" sz="1200" kern="1200" dirty="0"/>
                         <a:t> Date</a:t>
                       </a:r>
                       <a:endParaRPr lang="fr-FR" sz="1200" b="1" kern="1200" dirty="0">
@@ -25462,6 +25112,11 @@
                     </a:solidFill>
                   </a:tcPr>
                 </a:tc>
+                <a:extLst>
+                  <a:ext uri="{0D108BD9-81ED-4DB2-BD59-A6C34878D82A}">
+                    <a16:rowId xmlns:a16="http://schemas.microsoft.com/office/drawing/2014/main" val="10000"/>
+                  </a:ext>
+                </a:extLst>
               </a:tr>
               <a:tr h="378873">
                 <a:tc>
@@ -25478,7 +25133,7 @@
                         </a:spcAft>
                       </a:pPr>
                       <a:r>
-                        <a:rPr lang="en-GB" sz="1200" kern="1200" dirty="0" smtClean="0"/>
+                        <a:rPr lang="en-GB" sz="1200" kern="1200" dirty="0"/>
                         <a:t>App 1</a:t>
                       </a:r>
                       <a:endParaRPr lang="fr-FR" sz="1200" kern="1200" dirty="0">
@@ -25528,7 +25183,7 @@
                         </a:spcAft>
                       </a:pPr>
                       <a:r>
-                        <a:rPr lang="fr-FR" sz="1200" kern="1200" dirty="0" smtClean="0">
+                        <a:rPr lang="fr-FR" sz="1200" kern="1200" dirty="0">
                           <a:solidFill>
                             <a:schemeClr val="dk1"/>
                           </a:solidFill>
@@ -25538,14 +25193,6 @@
                         </a:rPr>
                         <a:t>0</a:t>
                       </a:r>
-                      <a:endParaRPr lang="fr-FR" sz="1200" kern="1200" dirty="0">
-                        <a:solidFill>
-                          <a:schemeClr val="dk1"/>
-                        </a:solidFill>
-                        <a:latin typeface="+mn-lt"/>
-                        <a:ea typeface="+mn-ea"/>
-                        <a:cs typeface="+mn-cs"/>
-                      </a:endParaRPr>
                     </a:p>
                   </a:txBody>
                   <a:tcPr marL="68580" marR="68580" marT="0" marB="0" anchor="ctr">
@@ -25585,7 +25232,7 @@
                         </a:spcAft>
                       </a:pPr>
                       <a:r>
-                        <a:rPr lang="fr-FR" sz="1200" kern="1200" dirty="0" smtClean="0"/>
+                        <a:rPr lang="fr-FR" sz="1200" kern="1200" dirty="0"/>
                         <a:t>0.00</a:t>
                       </a:r>
                       <a:endParaRPr lang="fr-FR" sz="1200" kern="1200" dirty="0">
@@ -25644,18 +25291,18 @@
                         <a:defRPr/>
                       </a:pPr>
                       <a:r>
-                        <a:rPr lang="en-GB" sz="1200" dirty="0" smtClean="0"/>
+                        <a:rPr lang="en-GB" sz="1200" dirty="0"/>
                         <a:t>1 </a:t>
                       </a:r>
                       <a:r>
-                        <a:rPr lang="en-GB" sz="1200" dirty="0" err="1" smtClean="0"/>
+                        <a:rPr lang="en-GB" sz="1200" dirty="0" err="1"/>
                         <a:t>jan</a:t>
                       </a:r>
                       <a:r>
-                        <a:rPr lang="en-GB" sz="1200" baseline="0" dirty="0" smtClean="0"/>
+                        <a:rPr lang="en-GB" sz="1200" baseline="0" dirty="0"/>
                         <a:t> 2010</a:t>
                       </a:r>
-                      <a:endParaRPr lang="fr-FR" sz="1600" dirty="0" smtClean="0">
+                      <a:endParaRPr lang="fr-FR" sz="1600" dirty="0">
                         <a:solidFill>
                           <a:schemeClr val="accent3">
                             <a:lumMod val="50000"/>
@@ -25690,6 +25337,11 @@
                     </a:lnBlToTr>
                   </a:tcPr>
                 </a:tc>
+                <a:extLst>
+                  <a:ext uri="{0D108BD9-81ED-4DB2-BD59-A6C34878D82A}">
+                    <a16:rowId xmlns:a16="http://schemas.microsoft.com/office/drawing/2014/main" val="10001"/>
+                  </a:ext>
+                </a:extLst>
               </a:tr>
               <a:tr h="378873">
                 <a:tc>
@@ -25706,10 +25358,10 @@
                         </a:spcAft>
                       </a:pPr>
                       <a:r>
-                        <a:rPr lang="en-GB" sz="1200" kern="1200" dirty="0" smtClean="0"/>
+                        <a:rPr lang="en-GB" sz="1200" kern="1200" dirty="0"/>
                         <a:t>App 2</a:t>
                       </a:r>
-                      <a:endParaRPr lang="fr-FR" sz="1200" kern="1200" dirty="0" smtClean="0">
+                      <a:endParaRPr lang="fr-FR" sz="1200" kern="1200" dirty="0">
                         <a:solidFill>
                           <a:schemeClr val="dk1"/>
                         </a:solidFill>
@@ -25756,7 +25408,7 @@
                         </a:spcAft>
                       </a:pPr>
                       <a:r>
-                        <a:rPr lang="fr-FR" sz="1200" kern="1200" dirty="0" smtClean="0">
+                        <a:rPr lang="fr-FR" sz="1200" kern="1200" dirty="0">
                           <a:solidFill>
                             <a:schemeClr val="dk1"/>
                           </a:solidFill>
@@ -25814,10 +25466,10 @@
                         <a:defRPr/>
                       </a:pPr>
                       <a:r>
-                        <a:rPr lang="fr-FR" sz="1200" kern="1200" dirty="0" smtClean="0"/>
+                        <a:rPr lang="fr-FR" sz="1200" kern="1200" dirty="0"/>
                         <a:t>0.00</a:t>
                       </a:r>
-                      <a:endParaRPr lang="fr-FR" sz="1200" kern="1200" dirty="0" smtClean="0">
+                      <a:endParaRPr lang="fr-FR" sz="1200" kern="1200" dirty="0">
                         <a:solidFill>
                           <a:schemeClr val="dk1"/>
                         </a:solidFill>
@@ -25873,18 +25525,18 @@
                         <a:defRPr/>
                       </a:pPr>
                       <a:r>
-                        <a:rPr lang="en-GB" sz="1200" dirty="0" smtClean="0"/>
+                        <a:rPr lang="en-GB" sz="1200" dirty="0"/>
                         <a:t>1 </a:t>
                       </a:r>
                       <a:r>
-                        <a:rPr lang="en-GB" sz="1200" dirty="0" err="1" smtClean="0"/>
+                        <a:rPr lang="en-GB" sz="1200" dirty="0" err="1"/>
                         <a:t>jan</a:t>
                       </a:r>
                       <a:r>
-                        <a:rPr lang="en-GB" sz="1200" baseline="0" dirty="0" smtClean="0"/>
+                        <a:rPr lang="en-GB" sz="1200" baseline="0" dirty="0"/>
                         <a:t> 2010</a:t>
                       </a:r>
-                      <a:endParaRPr lang="fr-FR" sz="1600" dirty="0" smtClean="0">
+                      <a:endParaRPr lang="fr-FR" sz="1600" dirty="0">
                         <a:solidFill>
                           <a:schemeClr val="accent3">
                             <a:lumMod val="50000"/>
@@ -25919,6 +25571,11 @@
                     </a:lnBlToTr>
                   </a:tcPr>
                 </a:tc>
+                <a:extLst>
+                  <a:ext uri="{0D108BD9-81ED-4DB2-BD59-A6C34878D82A}">
+                    <a16:rowId xmlns:a16="http://schemas.microsoft.com/office/drawing/2014/main" val="10002"/>
+                  </a:ext>
+                </a:extLst>
               </a:tr>
               <a:tr h="378873">
                 <a:tc>
@@ -25935,7 +25592,7 @@
                         </a:spcAft>
                       </a:pPr>
                       <a:r>
-                        <a:rPr lang="en-GB" sz="1200" kern="1200" dirty="0" smtClean="0"/>
+                        <a:rPr lang="en-GB" sz="1200" kern="1200" dirty="0"/>
                         <a:t>App 3</a:t>
                       </a:r>
                       <a:endParaRPr lang="fr-FR" sz="1200" kern="1200" dirty="0">
@@ -25985,7 +25642,7 @@
                         </a:spcAft>
                       </a:pPr>
                       <a:r>
-                        <a:rPr lang="fr-FR" sz="1200" kern="1200" dirty="0" smtClean="0">
+                        <a:rPr lang="fr-FR" sz="1200" kern="1200" dirty="0">
                           <a:solidFill>
                             <a:schemeClr val="dk1"/>
                           </a:solidFill>
@@ -25995,14 +25652,6 @@
                         </a:rPr>
                         <a:t>0</a:t>
                       </a:r>
-                      <a:endParaRPr lang="fr-FR" sz="1200" kern="1200" dirty="0">
-                        <a:solidFill>
-                          <a:schemeClr val="dk1"/>
-                        </a:solidFill>
-                        <a:latin typeface="+mn-lt"/>
-                        <a:ea typeface="+mn-ea"/>
-                        <a:cs typeface="+mn-cs"/>
-                      </a:endParaRPr>
                     </a:p>
                   </a:txBody>
                   <a:tcPr marL="68580" marR="68580" marT="0" marB="0" anchor="ctr">
@@ -26051,10 +25700,10 @@
                         <a:defRPr/>
                       </a:pPr>
                       <a:r>
-                        <a:rPr lang="fr-FR" sz="1200" kern="1200" dirty="0" smtClean="0"/>
+                        <a:rPr lang="fr-FR" sz="1200" kern="1200" dirty="0"/>
                         <a:t>0.00</a:t>
                       </a:r>
-                      <a:endParaRPr lang="fr-FR" sz="1200" kern="1200" dirty="0" smtClean="0">
+                      <a:endParaRPr lang="fr-FR" sz="1200" kern="1200" dirty="0">
                         <a:solidFill>
                           <a:schemeClr val="dk1"/>
                         </a:solidFill>
@@ -26101,15 +25750,15 @@
                         </a:spcAft>
                       </a:pPr>
                       <a:r>
-                        <a:rPr lang="en-GB" sz="1200" dirty="0" smtClean="0"/>
+                        <a:rPr lang="en-GB" sz="1200" dirty="0"/>
                         <a:t>1 </a:t>
                       </a:r>
                       <a:r>
-                        <a:rPr lang="en-GB" sz="1200" dirty="0" err="1" smtClean="0"/>
+                        <a:rPr lang="en-GB" sz="1200" dirty="0" err="1"/>
                         <a:t>jan</a:t>
                       </a:r>
                       <a:r>
-                        <a:rPr lang="en-GB" sz="1200" baseline="0" dirty="0" smtClean="0"/>
+                        <a:rPr lang="en-GB" sz="1200" baseline="0" dirty="0"/>
                         <a:t> 2010</a:t>
                       </a:r>
                       <a:endParaRPr lang="fr-FR" sz="1200" kern="1200" dirty="0">
@@ -26145,6 +25794,11 @@
                     </a:lnBlToTr>
                   </a:tcPr>
                 </a:tc>
+                <a:extLst>
+                  <a:ext uri="{0D108BD9-81ED-4DB2-BD59-A6C34878D82A}">
+                    <a16:rowId xmlns:a16="http://schemas.microsoft.com/office/drawing/2014/main" val="10003"/>
+                  </a:ext>
+                </a:extLst>
               </a:tr>
               <a:tr h="378873">
                 <a:tc>
@@ -26161,7 +25815,7 @@
                         </a:spcAft>
                       </a:pPr>
                       <a:r>
-                        <a:rPr lang="en-GB" sz="1200" kern="1200" dirty="0" smtClean="0"/>
+                        <a:rPr lang="en-GB" sz="1200" kern="1200" dirty="0"/>
                         <a:t>App 4</a:t>
                       </a:r>
                       <a:endParaRPr lang="fr-FR" sz="1200" kern="1200" dirty="0">
@@ -26211,7 +25865,7 @@
                         </a:spcAft>
                       </a:pPr>
                       <a:r>
-                        <a:rPr lang="fr-FR" sz="1200" kern="1200" dirty="0" smtClean="0">
+                        <a:rPr lang="fr-FR" sz="1200" kern="1200" dirty="0">
                           <a:solidFill>
                             <a:schemeClr val="dk1"/>
                           </a:solidFill>
@@ -26221,14 +25875,6 @@
                         </a:rPr>
                         <a:t>0</a:t>
                       </a:r>
-                      <a:endParaRPr lang="fr-FR" sz="1200" kern="1200" dirty="0">
-                        <a:solidFill>
-                          <a:schemeClr val="dk1"/>
-                        </a:solidFill>
-                        <a:latin typeface="+mn-lt"/>
-                        <a:ea typeface="+mn-ea"/>
-                        <a:cs typeface="+mn-cs"/>
-                      </a:endParaRPr>
                     </a:p>
                   </a:txBody>
                   <a:tcPr marL="68580" marR="68580" marT="0" marB="0" anchor="ctr">
@@ -26277,10 +25923,10 @@
                         <a:defRPr/>
                       </a:pPr>
                       <a:r>
-                        <a:rPr lang="fr-FR" sz="1200" kern="1200" dirty="0" smtClean="0"/>
+                        <a:rPr lang="fr-FR" sz="1200" kern="1200" dirty="0"/>
                         <a:t>0.00</a:t>
                       </a:r>
-                      <a:endParaRPr lang="fr-FR" sz="1200" kern="1200" dirty="0" smtClean="0">
+                      <a:endParaRPr lang="fr-FR" sz="1200" kern="1200" dirty="0">
                         <a:solidFill>
                           <a:schemeClr val="dk1"/>
                         </a:solidFill>
@@ -26327,15 +25973,15 @@
                         </a:spcAft>
                       </a:pPr>
                       <a:r>
-                        <a:rPr lang="en-GB" sz="1200" dirty="0" smtClean="0"/>
+                        <a:rPr lang="en-GB" sz="1200" dirty="0"/>
                         <a:t>1 </a:t>
                       </a:r>
                       <a:r>
-                        <a:rPr lang="en-GB" sz="1200" dirty="0" err="1" smtClean="0"/>
+                        <a:rPr lang="en-GB" sz="1200" dirty="0" err="1"/>
                         <a:t>jan</a:t>
                       </a:r>
                       <a:r>
-                        <a:rPr lang="en-GB" sz="1200" baseline="0" dirty="0" smtClean="0"/>
+                        <a:rPr lang="en-GB" sz="1200" baseline="0" dirty="0"/>
                         <a:t> 2010</a:t>
                       </a:r>
                       <a:endParaRPr lang="fr-FR" sz="1200" kern="1200" dirty="0">
@@ -26371,6 +26017,11 @@
                     </a:lnBlToTr>
                   </a:tcPr>
                 </a:tc>
+                <a:extLst>
+                  <a:ext uri="{0D108BD9-81ED-4DB2-BD59-A6C34878D82A}">
+                    <a16:rowId xmlns:a16="http://schemas.microsoft.com/office/drawing/2014/main" val="10004"/>
+                  </a:ext>
+                </a:extLst>
               </a:tr>
               <a:tr h="378873">
                 <a:tc>
@@ -26387,7 +26038,7 @@
                         </a:spcAft>
                       </a:pPr>
                       <a:r>
-                        <a:rPr lang="en-GB" sz="1200" kern="1200" dirty="0" smtClean="0"/>
+                        <a:rPr lang="en-GB" sz="1200" kern="1200" dirty="0"/>
                         <a:t>App 5</a:t>
                       </a:r>
                       <a:endParaRPr lang="fr-FR" sz="1200" kern="1200" dirty="0">
@@ -26437,7 +26088,7 @@
                         </a:spcAft>
                       </a:pPr>
                       <a:r>
-                        <a:rPr lang="fr-FR" sz="1200" kern="1200" dirty="0" smtClean="0">
+                        <a:rPr lang="fr-FR" sz="1200" kern="1200" dirty="0">
                           <a:solidFill>
                             <a:schemeClr val="dk1"/>
                           </a:solidFill>
@@ -26447,14 +26098,6 @@
                         </a:rPr>
                         <a:t>0</a:t>
                       </a:r>
-                      <a:endParaRPr lang="fr-FR" sz="1200" kern="1200" dirty="0">
-                        <a:solidFill>
-                          <a:schemeClr val="dk1"/>
-                        </a:solidFill>
-                        <a:latin typeface="+mn-lt"/>
-                        <a:ea typeface="+mn-ea"/>
-                        <a:cs typeface="+mn-cs"/>
-                      </a:endParaRPr>
                     </a:p>
                   </a:txBody>
                   <a:tcPr marL="68580" marR="68580" marT="0" marB="0" anchor="ctr">
@@ -26503,10 +26146,10 @@
                         <a:defRPr/>
                       </a:pPr>
                       <a:r>
-                        <a:rPr lang="fr-FR" sz="1200" kern="1200" dirty="0" smtClean="0"/>
+                        <a:rPr lang="fr-FR" sz="1200" kern="1200" dirty="0"/>
                         <a:t>0.00</a:t>
                       </a:r>
-                      <a:endParaRPr lang="fr-FR" sz="1200" kern="1200" dirty="0" smtClean="0">
+                      <a:endParaRPr lang="fr-FR" sz="1200" kern="1200" dirty="0">
                         <a:solidFill>
                           <a:schemeClr val="dk1"/>
                         </a:solidFill>
@@ -26553,15 +26196,15 @@
                         </a:spcAft>
                       </a:pPr>
                       <a:r>
-                        <a:rPr lang="en-GB" sz="1200" dirty="0" smtClean="0"/>
+                        <a:rPr lang="en-GB" sz="1200" dirty="0"/>
                         <a:t>1 </a:t>
                       </a:r>
                       <a:r>
-                        <a:rPr lang="en-GB" sz="1200" dirty="0" err="1" smtClean="0"/>
+                        <a:rPr lang="en-GB" sz="1200" dirty="0" err="1"/>
                         <a:t>jan</a:t>
                       </a:r>
                       <a:r>
-                        <a:rPr lang="en-GB" sz="1200" baseline="0" dirty="0" smtClean="0"/>
+                        <a:rPr lang="en-GB" sz="1200" baseline="0" dirty="0"/>
                         <a:t> 2010</a:t>
                       </a:r>
                       <a:endParaRPr lang="fr-FR" sz="1200" kern="1200" dirty="0">
@@ -26597,6 +26240,11 @@
                     </a:lnBlToTr>
                   </a:tcPr>
                 </a:tc>
+                <a:extLst>
+                  <a:ext uri="{0D108BD9-81ED-4DB2-BD59-A6C34878D82A}">
+                    <a16:rowId xmlns:a16="http://schemas.microsoft.com/office/drawing/2014/main" val="10005"/>
+                  </a:ext>
+                </a:extLst>
               </a:tr>
             </a:tbl>
           </a:graphicData>
@@ -26638,22 +26286,21 @@
           </a:lstStyle>
           <a:p>
             <a:r>
-              <a:rPr lang="en-US" sz="1800" b="1" dirty="0" smtClean="0"/>
+              <a:rPr lang="en-US" sz="1800" b="1" dirty="0"/>
               <a:t>ALT=N</a:t>
             </a:r>
             <a:r>
-              <a:rPr lang="en-US" sz="1800" dirty="0" smtClean="0"/>
+              <a:rPr lang="en-US" sz="1800" dirty="0"/>
               <a:t> (where N is an health factor id - </a:t>
             </a:r>
             <a:r>
-              <a:rPr lang="en-US" sz="1800" dirty="0" err="1" smtClean="0"/>
+              <a:rPr lang="en-US" sz="1800" dirty="0" err="1"/>
               <a:t>eg</a:t>
             </a:r>
             <a:r>
-              <a:rPr lang="en-US" sz="1800" dirty="0" smtClean="0"/>
+              <a:rPr lang="en-US" sz="1800" dirty="0"/>
               <a:t>. 60017)</a:t>
             </a:r>
-            <a:endParaRPr lang="en-US" sz="1800" dirty="0"/>
           </a:p>
         </p:txBody>
       </p:sp>
@@ -26667,13 +26314,6 @@
   <p:clrMapOvr>
     <a:masterClrMapping/>
   </p:clrMapOvr>
-  <p:timing>
-    <p:tnLst>
-      <p:par>
-        <p:cTn id="1" dur="indefinite" restart="never" nodeType="tmRoot"/>
-      </p:par>
-    </p:tnLst>
-  </p:timing>
 </p:sld>
 </file>
 
@@ -26712,10 +26352,9 @@
           <a:lstStyle/>
           <a:p>
             <a:r>
-              <a:rPr lang="en-US" dirty="0" smtClean="0"/>
+              <a:rPr lang="en-US" dirty="0"/>
               <a:t>PowerPoint Templates – Tables</a:t>
             </a:r>
-            <a:endParaRPr lang="en-US" dirty="0"/>
           </a:p>
         </p:txBody>
       </p:sp>
@@ -26809,10 +26448,9 @@
           </a:lstStyle>
           <a:p>
             <a:r>
-              <a:rPr lang="en-US" dirty="0" smtClean="0"/>
+              <a:rPr lang="en-US" dirty="0"/>
               <a:t>SLA View</a:t>
             </a:r>
-            <a:endParaRPr lang="en-US" dirty="0"/>
           </a:p>
         </p:txBody>
       </p:sp>
@@ -26850,10 +26488,9 @@
           </a:lstStyle>
           <a:p>
             <a:r>
-              <a:rPr lang="en-US" sz="1800" dirty="0" smtClean="0"/>
+              <a:rPr lang="en-US" sz="1800" dirty="0"/>
               <a:t>PF_BC_RELEASE_PERFORMANCE</a:t>
             </a:r>
-            <a:endParaRPr lang="en-US" sz="1800" dirty="0"/>
           </a:p>
         </p:txBody>
       </p:sp>
@@ -26893,10 +26530,9 @@
           </a:lstStyle>
           <a:p>
             <a:r>
-              <a:rPr lang="en-US" dirty="0" smtClean="0"/>
+              <a:rPr lang="en-US" dirty="0"/>
               <a:t>Block Name :</a:t>
             </a:r>
-            <a:endParaRPr lang="en-US" dirty="0"/>
           </a:p>
         </p:txBody>
       </p:sp>
@@ -26936,62 +26572,22 @@
           </a:lstStyle>
           <a:p>
             <a:r>
-              <a:rPr lang="en-US" sz="1200" dirty="0" smtClean="0"/>
-              <a:t>BF=T1 T2 T3 </a:t>
-            </a:r>
-            <a:r>
               <a:rPr lang="en-US" sz="1200" dirty="0"/>
-              <a:t>T</a:t>
-            </a:r>
-            <a:r>
-              <a:rPr lang="en-US" sz="1200" dirty="0" smtClean="0"/>
-              <a:t>4 T5 </a:t>
+              <a:t>BF=T1 T2 T3 T4 T5 T6 T7 T8 where </a:t>
+            </a:r>
+            <a:r>
+              <a:rPr lang="en-US" sz="1200" dirty="0" err="1"/>
+              <a:t>Tx</a:t>
             </a:r>
             <a:r>
               <a:rPr lang="en-US" sz="1200" dirty="0"/>
-              <a:t>T</a:t>
-            </a:r>
-            <a:r>
-              <a:rPr lang="en-US" sz="1200" dirty="0" smtClean="0"/>
-              <a:t>6 </a:t>
-            </a:r>
+              <a:t> is a target to fix regarding each line</a:t>
+            </a:r>
+          </a:p>
+          <a:p>
             <a:r>
               <a:rPr lang="en-US" sz="1200" dirty="0"/>
-              <a:t>T</a:t>
-            </a:r>
-            <a:r>
-              <a:rPr lang="en-US" sz="1200" dirty="0" smtClean="0"/>
-              <a:t>7 </a:t>
-            </a:r>
-            <a:r>
-              <a:rPr lang="en-US" sz="1200" dirty="0"/>
-              <a:t>T</a:t>
-            </a:r>
-            <a:r>
-              <a:rPr lang="en-US" sz="1200" dirty="0" smtClean="0"/>
-              <a:t>8 where </a:t>
-            </a:r>
-            <a:r>
-              <a:rPr lang="en-US" sz="1200" dirty="0" err="1"/>
-              <a:t>T</a:t>
-            </a:r>
-            <a:r>
-              <a:rPr lang="en-US" sz="1200" dirty="0" err="1" smtClean="0"/>
-              <a:t>x</a:t>
-            </a:r>
-            <a:r>
-              <a:rPr lang="en-US" sz="1200" dirty="0" smtClean="0"/>
-              <a:t> is a target to fix regarding each line</a:t>
-            </a:r>
-          </a:p>
-          <a:p>
-            <a:r>
-              <a:rPr lang="en-US" sz="1200" dirty="0" smtClean="0"/>
-              <a:t>SLA=X Y where X is corresponding to the 2% and Y is corresponding to the 5% </a:t>
-            </a:r>
-            <a:r>
-              <a:rPr lang="en-US" sz="1200" dirty="0"/>
-              <a:t>in the formula below </a:t>
+              <a:t>SLA=X Y where X is corresponding to the 2% and Y is corresponding to the 5% in the formula below </a:t>
             </a:r>
           </a:p>
         </p:txBody>
@@ -27032,10 +26628,9 @@
           </a:lstStyle>
           <a:p>
             <a:r>
-              <a:rPr lang="en-US" dirty="0" smtClean="0"/>
+              <a:rPr lang="en-US" dirty="0"/>
               <a:t>Options :</a:t>
             </a:r>
-            <a:endParaRPr lang="en-US" dirty="0"/>
           </a:p>
         </p:txBody>
       </p:sp>
@@ -27064,11 +26659,41 @@
                 <a:tableStyleId>{6E25E649-3F16-4E02-A733-19D2CDBF48F0}</a:tableStyleId>
               </a:tblPr>
               <a:tblGrid>
-                <a:gridCol w="2880320"/>
-                <a:gridCol w="1320733"/>
-                <a:gridCol w="1095927"/>
-                <a:gridCol w="913272"/>
-                <a:gridCol w="1278582"/>
+                <a:gridCol w="2880320">
+                  <a:extLst>
+                    <a:ext uri="{9D8B030D-6E8A-4147-A177-3AD203B41FA5}">
+                      <a16:colId xmlns:a16="http://schemas.microsoft.com/office/drawing/2014/main" val="20000"/>
+                    </a:ext>
+                  </a:extLst>
+                </a:gridCol>
+                <a:gridCol w="1320733">
+                  <a:extLst>
+                    <a:ext uri="{9D8B030D-6E8A-4147-A177-3AD203B41FA5}">
+                      <a16:colId xmlns:a16="http://schemas.microsoft.com/office/drawing/2014/main" val="20001"/>
+                    </a:ext>
+                  </a:extLst>
+                </a:gridCol>
+                <a:gridCol w="1095927">
+                  <a:extLst>
+                    <a:ext uri="{9D8B030D-6E8A-4147-A177-3AD203B41FA5}">
+                      <a16:colId xmlns:a16="http://schemas.microsoft.com/office/drawing/2014/main" val="20002"/>
+                    </a:ext>
+                  </a:extLst>
+                </a:gridCol>
+                <a:gridCol w="913272">
+                  <a:extLst>
+                    <a:ext uri="{9D8B030D-6E8A-4147-A177-3AD203B41FA5}">
+                      <a16:colId xmlns:a16="http://schemas.microsoft.com/office/drawing/2014/main" val="20003"/>
+                    </a:ext>
+                  </a:extLst>
+                </a:gridCol>
+                <a:gridCol w="1278582">
+                  <a:extLst>
+                    <a:ext uri="{9D8B030D-6E8A-4147-A177-3AD203B41FA5}">
+                      <a16:colId xmlns:a16="http://schemas.microsoft.com/office/drawing/2014/main" val="20004"/>
+                    </a:ext>
+                  </a:extLst>
+                </a:gridCol>
               </a:tblGrid>
               <a:tr h="483514">
                 <a:tc>
@@ -27085,7 +26710,7 @@
                         </a:spcAft>
                       </a:pPr>
                       <a:r>
-                        <a:rPr lang="en-US" sz="1100" dirty="0" smtClean="0">
+                        <a:rPr lang="en-US" sz="1100" dirty="0">
                           <a:effectLst/>
                         </a:rPr>
                         <a:t>Application Quality Measure</a:t>
@@ -27117,7 +26742,7 @@
                         </a:spcAft>
                       </a:pPr>
                       <a:r>
-                        <a:rPr lang="en-US" sz="1100" kern="1200" dirty="0" smtClean="0">
+                        <a:rPr lang="en-US" sz="1100" kern="1200" dirty="0">
                           <a:solidFill>
                             <a:schemeClr val="dk1"/>
                           </a:solidFill>
@@ -27155,19 +26780,19 @@
                         </a:spcAft>
                       </a:pPr>
                       <a:r>
-                        <a:rPr lang="en-US" sz="1100" kern="1200" dirty="0" smtClean="0">
+                        <a:rPr lang="en-US" sz="1100" kern="1200" dirty="0">
                           <a:effectLst/>
                         </a:rPr>
                         <a:t>Target</a:t>
                       </a:r>
                       <a:r>
-                        <a:rPr lang="en-US" sz="1100" kern="1200" baseline="0" dirty="0" smtClean="0">
+                        <a:rPr lang="en-US" sz="1100" kern="1200" baseline="0" dirty="0">
                           <a:effectLst/>
                         </a:rPr>
                         <a:t> s</a:t>
                       </a:r>
                       <a:r>
-                        <a:rPr lang="en-US" sz="1100" kern="1200" dirty="0" smtClean="0">
+                        <a:rPr lang="en-US" sz="1100" kern="1200" dirty="0">
                           <a:effectLst/>
                         </a:rPr>
                         <a:t>core</a:t>
@@ -27199,7 +26824,7 @@
                         </a:spcAft>
                       </a:pPr>
                       <a:r>
-                        <a:rPr lang="en-US" sz="1100" dirty="0" smtClean="0">
+                        <a:rPr lang="en-US" sz="1100" dirty="0">
                           <a:effectLst/>
                         </a:rPr>
                         <a:t>Actual score</a:t>
@@ -27222,7 +26847,7 @@
                         </a:spcAft>
                       </a:pPr>
                       <a:r>
-                        <a:rPr lang="en-US" sz="1100" dirty="0" smtClean="0">
+                        <a:rPr lang="en-US" sz="1100" dirty="0">
                           <a:effectLst/>
                         </a:rPr>
                         <a:t>SLA Assessment</a:t>
@@ -27231,6 +26856,11 @@
                   </a:txBody>
                   <a:tcPr marL="68580" marR="68580" marT="0" marB="0" anchor="ctr"/>
                 </a:tc>
+                <a:extLst>
+                  <a:ext uri="{0D108BD9-81ED-4DB2-BD59-A6C34878D82A}">
+                    <a16:rowId xmlns:a16="http://schemas.microsoft.com/office/drawing/2014/main" val="10000"/>
+                  </a:ext>
+                </a:extLst>
               </a:tr>
               <a:tr h="276729">
                 <a:tc>
@@ -27256,12 +26886,12 @@
                         <a:defRPr/>
                       </a:pPr>
                       <a:r>
-                        <a:rPr lang="en-US" sz="1100" dirty="0" smtClean="0">
+                        <a:rPr lang="en-US" sz="1100" dirty="0">
                           <a:effectLst/>
                         </a:rPr>
                         <a:t>Robustness</a:t>
                       </a:r>
-                      <a:endParaRPr lang="en-IN" sz="1100" dirty="0" smtClean="0">
+                      <a:endParaRPr lang="en-IN" sz="1100" dirty="0">
                         <a:solidFill>
                           <a:srgbClr val="365F91"/>
                         </a:solidFill>
@@ -27288,7 +26918,7 @@
                         </a:spcAft>
                       </a:pPr>
                       <a:r>
-                        <a:rPr lang="fr-FR" sz="1100" kern="1200" dirty="0" smtClean="0"/>
+                        <a:rPr lang="fr-FR" sz="1100" kern="1200" dirty="0"/>
                         <a:t>0.00</a:t>
                       </a:r>
                       <a:endParaRPr lang="en-IN" sz="1100" dirty="0">
@@ -27327,10 +26957,10 @@
                         <a:defRPr/>
                       </a:pPr>
                       <a:r>
-                        <a:rPr lang="fr-FR" sz="1100" kern="1200" dirty="0" smtClean="0"/>
+                        <a:rPr lang="fr-FR" sz="1100" kern="1200" dirty="0"/>
                         <a:t>0.00</a:t>
                       </a:r>
-                      <a:endParaRPr lang="fr-FR" sz="1100" kern="1200" dirty="0" smtClean="0">
+                      <a:endParaRPr lang="fr-FR" sz="1100" kern="1200" dirty="0">
                         <a:solidFill>
                           <a:schemeClr val="dk1"/>
                         </a:solidFill>
@@ -27356,7 +26986,7 @@
                         </a:spcAft>
                       </a:pPr>
                       <a:r>
-                        <a:rPr lang="fr-FR" sz="1100" kern="1200" dirty="0" smtClean="0"/>
+                        <a:rPr lang="fr-FR" sz="1100" kern="1200" dirty="0"/>
                         <a:t>0.00</a:t>
                       </a:r>
                       <a:endParaRPr lang="en-IN" sz="1100" dirty="0">
@@ -27386,7 +27016,7 @@
                         </a:spcAft>
                       </a:pPr>
                       <a:r>
-                        <a:rPr lang="en-US" sz="1100" dirty="0" smtClean="0">
+                        <a:rPr lang="en-US" sz="1100" dirty="0">
                           <a:effectLst/>
                         </a:rPr>
                         <a:t>Good</a:t>
@@ -27404,6 +27034,11 @@
                   </a:txBody>
                   <a:tcPr marL="68580" marR="68580" marT="0" marB="0" anchor="ctr"/>
                 </a:tc>
+                <a:extLst>
+                  <a:ext uri="{0D108BD9-81ED-4DB2-BD59-A6C34878D82A}">
+                    <a16:rowId xmlns:a16="http://schemas.microsoft.com/office/drawing/2014/main" val="10001"/>
+                  </a:ext>
+                </a:extLst>
               </a:tr>
               <a:tr h="276729">
                 <a:tc>
@@ -27429,12 +27064,12 @@
                         <a:defRPr/>
                       </a:pPr>
                       <a:r>
-                        <a:rPr lang="en-US" sz="1100" dirty="0" smtClean="0">
+                        <a:rPr lang="en-US" sz="1100" dirty="0">
                           <a:effectLst/>
                         </a:rPr>
                         <a:t>Security</a:t>
                       </a:r>
-                      <a:endParaRPr lang="en-IN" sz="1100" dirty="0" smtClean="0">
+                      <a:endParaRPr lang="en-IN" sz="1100" dirty="0">
                         <a:solidFill>
                           <a:srgbClr val="365F91"/>
                         </a:solidFill>
@@ -27461,7 +27096,7 @@
                         </a:spcAft>
                       </a:pPr>
                       <a:r>
-                        <a:rPr lang="fr-FR" sz="1100" kern="1200" dirty="0" smtClean="0"/>
+                        <a:rPr lang="fr-FR" sz="1100" kern="1200" dirty="0"/>
                         <a:t>0.00</a:t>
                       </a:r>
                       <a:endParaRPr lang="en-IN" sz="1100" dirty="0">
@@ -27500,10 +27135,10 @@
                         <a:defRPr/>
                       </a:pPr>
                       <a:r>
-                        <a:rPr lang="fr-FR" sz="1100" kern="1200" dirty="0" smtClean="0"/>
+                        <a:rPr lang="fr-FR" sz="1100" kern="1200" dirty="0"/>
                         <a:t>0.00</a:t>
                       </a:r>
-                      <a:endParaRPr lang="fr-FR" sz="1100" kern="1200" dirty="0" smtClean="0">
+                      <a:endParaRPr lang="fr-FR" sz="1100" kern="1200" dirty="0">
                         <a:solidFill>
                           <a:schemeClr val="dk1"/>
                         </a:solidFill>
@@ -27529,7 +27164,7 @@
                         </a:spcAft>
                       </a:pPr>
                       <a:r>
-                        <a:rPr lang="fr-FR" sz="1100" kern="1200" dirty="0" smtClean="0"/>
+                        <a:rPr lang="fr-FR" sz="1100" kern="1200" dirty="0"/>
                         <a:t>0.00</a:t>
                       </a:r>
                       <a:endParaRPr lang="en-IN" sz="1100" dirty="0">
@@ -27568,12 +27203,12 @@
                         <a:defRPr/>
                       </a:pPr>
                       <a:r>
-                        <a:rPr lang="en-US" sz="1100" dirty="0" smtClean="0">
+                        <a:rPr lang="en-US" sz="1100" dirty="0">
                           <a:effectLst/>
                         </a:rPr>
                         <a:t>Good</a:t>
                       </a:r>
-                      <a:endParaRPr lang="en-IN" sz="1100" dirty="0" smtClean="0">
+                      <a:endParaRPr lang="en-IN" sz="1100" dirty="0">
                         <a:solidFill>
                           <a:schemeClr val="tx1"/>
                         </a:solidFill>
@@ -27586,6 +27221,11 @@
                   </a:txBody>
                   <a:tcPr marL="68580" marR="68580" marT="0" marB="0" anchor="ctr"/>
                 </a:tc>
+                <a:extLst>
+                  <a:ext uri="{0D108BD9-81ED-4DB2-BD59-A6C34878D82A}">
+                    <a16:rowId xmlns:a16="http://schemas.microsoft.com/office/drawing/2014/main" val="10002"/>
+                  </a:ext>
+                </a:extLst>
               </a:tr>
               <a:tr h="276729">
                 <a:tc>
@@ -27602,7 +27242,7 @@
                         </a:spcAft>
                       </a:pPr>
                       <a:r>
-                        <a:rPr lang="en-US" sz="1100" dirty="0" smtClean="0">
+                        <a:rPr lang="en-US" sz="1100" dirty="0">
                           <a:effectLst/>
                         </a:rPr>
                         <a:t>Efficiency</a:t>
@@ -27634,7 +27274,7 @@
                         </a:spcAft>
                       </a:pPr>
                       <a:r>
-                        <a:rPr lang="fr-FR" sz="1100" kern="1200" dirty="0" smtClean="0"/>
+                        <a:rPr lang="fr-FR" sz="1100" kern="1200" dirty="0"/>
                         <a:t>0.00</a:t>
                       </a:r>
                       <a:endParaRPr lang="en-IN" sz="1100" dirty="0">
@@ -27673,10 +27313,10 @@
                         <a:defRPr/>
                       </a:pPr>
                       <a:r>
-                        <a:rPr lang="fr-FR" sz="1100" kern="1200" dirty="0" smtClean="0"/>
+                        <a:rPr lang="fr-FR" sz="1100" kern="1200" dirty="0"/>
                         <a:t>0.00</a:t>
                       </a:r>
-                      <a:endParaRPr lang="en-IN" sz="1100" dirty="0" smtClean="0">
+                      <a:endParaRPr lang="en-IN" sz="1100" dirty="0">
                         <a:solidFill>
                           <a:srgbClr val="365F91"/>
                         </a:solidFill>
@@ -27703,7 +27343,7 @@
                         </a:spcAft>
                       </a:pPr>
                       <a:r>
-                        <a:rPr lang="fr-FR" sz="1100" kern="1200" dirty="0" smtClean="0"/>
+                        <a:rPr lang="fr-FR" sz="1100" kern="1200" dirty="0"/>
                         <a:t>0.00</a:t>
                       </a:r>
                       <a:endParaRPr lang="en-IN" sz="1100" dirty="0">
@@ -27742,12 +27382,12 @@
                         <a:defRPr/>
                       </a:pPr>
                       <a:r>
-                        <a:rPr lang="en-US" sz="1100" dirty="0" smtClean="0">
+                        <a:rPr lang="en-US" sz="1100" dirty="0">
                           <a:effectLst/>
                         </a:rPr>
                         <a:t>Good</a:t>
                       </a:r>
-                      <a:endParaRPr lang="en-IN" sz="1100" dirty="0" smtClean="0">
+                      <a:endParaRPr lang="en-IN" sz="1100" dirty="0">
                         <a:solidFill>
                           <a:schemeClr val="tx1"/>
                         </a:solidFill>
@@ -27760,6 +27400,11 @@
                   </a:txBody>
                   <a:tcPr marL="68580" marR="68580" marT="0" marB="0" anchor="ctr"/>
                 </a:tc>
+                <a:extLst>
+                  <a:ext uri="{0D108BD9-81ED-4DB2-BD59-A6C34878D82A}">
+                    <a16:rowId xmlns:a16="http://schemas.microsoft.com/office/drawing/2014/main" val="10003"/>
+                  </a:ext>
+                </a:extLst>
               </a:tr>
               <a:tr h="276729">
                 <a:tc>
@@ -27776,7 +27421,7 @@
                         </a:spcAft>
                       </a:pPr>
                       <a:r>
-                        <a:rPr lang="en-US" sz="1100" dirty="0" smtClean="0">
+                        <a:rPr lang="en-US" sz="1100" dirty="0">
                           <a:effectLst/>
                         </a:rPr>
                         <a:t>Changeability</a:t>
@@ -27808,7 +27453,7 @@
                         </a:spcAft>
                       </a:pPr>
                       <a:r>
-                        <a:rPr lang="fr-FR" sz="1100" kern="1200" dirty="0" smtClean="0"/>
+                        <a:rPr lang="fr-FR" sz="1100" kern="1200" dirty="0"/>
                         <a:t>0.00</a:t>
                       </a:r>
                       <a:endParaRPr lang="en-IN" sz="1100" dirty="0">
@@ -27838,7 +27483,7 @@
                         </a:spcAft>
                       </a:pPr>
                       <a:r>
-                        <a:rPr lang="fr-FR" sz="1100" kern="1200" dirty="0" smtClean="0"/>
+                        <a:rPr lang="fr-FR" sz="1100" kern="1200" dirty="0"/>
                         <a:t>0.00</a:t>
                       </a:r>
                       <a:endParaRPr lang="en-IN" sz="1100" dirty="0">
@@ -27868,7 +27513,7 @@
                         </a:spcAft>
                       </a:pPr>
                       <a:r>
-                        <a:rPr lang="fr-FR" sz="1100" kern="1200" dirty="0" smtClean="0"/>
+                        <a:rPr lang="fr-FR" sz="1100" kern="1200" dirty="0"/>
                         <a:t>0.00</a:t>
                       </a:r>
                       <a:endParaRPr lang="en-IN" sz="1100" dirty="0">
@@ -27907,12 +27552,12 @@
                         <a:defRPr/>
                       </a:pPr>
                       <a:r>
-                        <a:rPr lang="en-US" sz="1100" dirty="0" smtClean="0">
+                        <a:rPr lang="en-US" sz="1100" dirty="0">
                           <a:effectLst/>
                         </a:rPr>
                         <a:t>Good</a:t>
                       </a:r>
-                      <a:endParaRPr lang="en-IN" sz="1100" dirty="0" smtClean="0">
+                      <a:endParaRPr lang="en-IN" sz="1100" dirty="0">
                         <a:solidFill>
                           <a:schemeClr val="tx1"/>
                         </a:solidFill>
@@ -27925,6 +27570,11 @@
                   </a:txBody>
                   <a:tcPr marL="68580" marR="68580" marT="0" marB="0" anchor="ctr"/>
                 </a:tc>
+                <a:extLst>
+                  <a:ext uri="{0D108BD9-81ED-4DB2-BD59-A6C34878D82A}">
+                    <a16:rowId xmlns:a16="http://schemas.microsoft.com/office/drawing/2014/main" val="10004"/>
+                  </a:ext>
+                </a:extLst>
               </a:tr>
               <a:tr h="276729">
                 <a:tc>
@@ -27941,7 +27591,7 @@
                         </a:spcAft>
                       </a:pPr>
                       <a:r>
-                        <a:rPr lang="en-US" sz="1100" dirty="0" smtClean="0">
+                        <a:rPr lang="en-US" sz="1100" dirty="0">
                           <a:effectLst/>
                         </a:rPr>
                         <a:t>Transferability</a:t>
@@ -27973,7 +27623,7 @@
                         </a:spcAft>
                       </a:pPr>
                       <a:r>
-                        <a:rPr lang="fr-FR" sz="1100" kern="1200" dirty="0" smtClean="0"/>
+                        <a:rPr lang="fr-FR" sz="1100" kern="1200" dirty="0"/>
                         <a:t>0.00</a:t>
                       </a:r>
                       <a:endParaRPr lang="en-IN" sz="1100" dirty="0">
@@ -28003,7 +27653,7 @@
                         </a:spcAft>
                       </a:pPr>
                       <a:r>
-                        <a:rPr lang="fr-FR" sz="1100" kern="1200" dirty="0" smtClean="0"/>
+                        <a:rPr lang="fr-FR" sz="1100" kern="1200" dirty="0"/>
                         <a:t>0.00</a:t>
                       </a:r>
                       <a:endParaRPr lang="en-IN" sz="1100" dirty="0">
@@ -28033,7 +27683,7 @@
                         </a:spcAft>
                       </a:pPr>
                       <a:r>
-                        <a:rPr lang="fr-FR" sz="1100" kern="1200" dirty="0" smtClean="0"/>
+                        <a:rPr lang="fr-FR" sz="1100" kern="1200" dirty="0"/>
                         <a:t>0.00</a:t>
                       </a:r>
                       <a:endParaRPr lang="en-IN" sz="1100" dirty="0">
@@ -28072,12 +27722,12 @@
                         <a:defRPr/>
                       </a:pPr>
                       <a:r>
-                        <a:rPr lang="en-US" sz="1100" dirty="0" smtClean="0">
+                        <a:rPr lang="en-US" sz="1100" dirty="0">
                           <a:effectLst/>
                         </a:rPr>
                         <a:t>Good</a:t>
                       </a:r>
-                      <a:endParaRPr lang="en-IN" sz="1100" dirty="0" smtClean="0">
+                      <a:endParaRPr lang="en-IN" sz="1100" dirty="0">
                         <a:solidFill>
                           <a:schemeClr val="tx1"/>
                         </a:solidFill>
@@ -28090,6 +27740,11 @@
                   </a:txBody>
                   <a:tcPr marL="68580" marR="68580" marT="0" marB="0" anchor="ctr"/>
                 </a:tc>
+                <a:extLst>
+                  <a:ext uri="{0D108BD9-81ED-4DB2-BD59-A6C34878D82A}">
+                    <a16:rowId xmlns:a16="http://schemas.microsoft.com/office/drawing/2014/main" val="10005"/>
+                  </a:ext>
+                </a:extLst>
               </a:tr>
               <a:tr h="276729">
                 <a:tc>
@@ -28106,7 +27761,7 @@
                         </a:spcAft>
                       </a:pPr>
                       <a:r>
-                        <a:rPr lang="en-US" sz="1100" dirty="0" smtClean="0">
+                        <a:rPr lang="en-US" sz="1100" dirty="0">
                           <a:effectLst/>
                         </a:rPr>
                         <a:t>Programming Practice</a:t>
@@ -28138,7 +27793,7 @@
                         </a:spcAft>
                       </a:pPr>
                       <a:r>
-                        <a:rPr lang="fr-FR" sz="1100" kern="1200" dirty="0" smtClean="0"/>
+                        <a:rPr lang="fr-FR" sz="1100" kern="1200" dirty="0"/>
                         <a:t>0.00</a:t>
                       </a:r>
                       <a:endParaRPr lang="en-IN" sz="1100" dirty="0">
@@ -28168,7 +27823,7 @@
                         </a:spcAft>
                       </a:pPr>
                       <a:r>
-                        <a:rPr lang="fr-FR" sz="1100" kern="1200" dirty="0" smtClean="0"/>
+                        <a:rPr lang="fr-FR" sz="1100" kern="1200" dirty="0"/>
                         <a:t>0.00</a:t>
                       </a:r>
                       <a:endParaRPr lang="en-IN" sz="1100" dirty="0">
@@ -28198,7 +27853,7 @@
                         </a:spcAft>
                       </a:pPr>
                       <a:r>
-                        <a:rPr lang="fr-FR" sz="1100" kern="1200" dirty="0" smtClean="0"/>
+                        <a:rPr lang="fr-FR" sz="1100" kern="1200" dirty="0"/>
                         <a:t>0.00</a:t>
                       </a:r>
                       <a:endParaRPr lang="en-IN" sz="1100" dirty="0">
@@ -28237,12 +27892,12 @@
                         <a:defRPr/>
                       </a:pPr>
                       <a:r>
-                        <a:rPr lang="en-US" sz="1100" dirty="0" smtClean="0">
+                        <a:rPr lang="en-US" sz="1100" dirty="0">
                           <a:effectLst/>
                         </a:rPr>
                         <a:t>Good</a:t>
                       </a:r>
-                      <a:endParaRPr lang="en-IN" sz="1100" dirty="0" smtClean="0">
+                      <a:endParaRPr lang="en-IN" sz="1100" dirty="0">
                         <a:solidFill>
                           <a:schemeClr val="tx1"/>
                         </a:solidFill>
@@ -28255,6 +27910,11 @@
                   </a:txBody>
                   <a:tcPr marL="68580" marR="68580" marT="0" marB="0" anchor="ctr"/>
                 </a:tc>
+                <a:extLst>
+                  <a:ext uri="{0D108BD9-81ED-4DB2-BD59-A6C34878D82A}">
+                    <a16:rowId xmlns:a16="http://schemas.microsoft.com/office/drawing/2014/main" val="10006"/>
+                  </a:ext>
+                </a:extLst>
               </a:tr>
               <a:tr h="276729">
                 <a:tc>
@@ -28271,7 +27931,7 @@
                         </a:spcAft>
                       </a:pPr>
                       <a:r>
-                        <a:rPr lang="en-US" sz="1100" dirty="0" smtClean="0">
+                        <a:rPr lang="en-US" sz="1100" dirty="0">
                           <a:effectLst/>
                         </a:rPr>
                         <a:t>Documentation</a:t>
@@ -28303,7 +27963,7 @@
                         </a:spcAft>
                       </a:pPr>
                       <a:r>
-                        <a:rPr lang="fr-FR" sz="1100" kern="1200" dirty="0" smtClean="0"/>
+                        <a:rPr lang="fr-FR" sz="1100" kern="1200" dirty="0"/>
                         <a:t>0.00</a:t>
                       </a:r>
                       <a:endParaRPr lang="en-IN" sz="1100" dirty="0">
@@ -28333,7 +27993,7 @@
                         </a:spcAft>
                       </a:pPr>
                       <a:r>
-                        <a:rPr lang="fr-FR" sz="1100" kern="1200" dirty="0" smtClean="0"/>
+                        <a:rPr lang="fr-FR" sz="1100" kern="1200" dirty="0"/>
                         <a:t>0.00</a:t>
                       </a:r>
                       <a:endParaRPr lang="en-IN" sz="1100" dirty="0">
@@ -28363,7 +28023,7 @@
                         </a:spcAft>
                       </a:pPr>
                       <a:r>
-                        <a:rPr lang="fr-FR" sz="1100" kern="1200" dirty="0" smtClean="0"/>
+                        <a:rPr lang="fr-FR" sz="1100" kern="1200" dirty="0"/>
                         <a:t>0.00</a:t>
                       </a:r>
                       <a:endParaRPr lang="en-IN" sz="1100" dirty="0">
@@ -28402,12 +28062,12 @@
                         <a:defRPr/>
                       </a:pPr>
                       <a:r>
-                        <a:rPr lang="en-US" sz="1100" dirty="0" smtClean="0">
+                        <a:rPr lang="en-US" sz="1100" dirty="0">
                           <a:effectLst/>
                         </a:rPr>
                         <a:t>Good</a:t>
                       </a:r>
-                      <a:endParaRPr lang="en-IN" sz="1100" dirty="0" smtClean="0">
+                      <a:endParaRPr lang="en-IN" sz="1100" dirty="0">
                         <a:solidFill>
                           <a:schemeClr val="tx1"/>
                         </a:solidFill>
@@ -28420,6 +28080,11 @@
                   </a:txBody>
                   <a:tcPr marL="68580" marR="68580" marT="0" marB="0" anchor="ctr"/>
                 </a:tc>
+                <a:extLst>
+                  <a:ext uri="{0D108BD9-81ED-4DB2-BD59-A6C34878D82A}">
+                    <a16:rowId xmlns:a16="http://schemas.microsoft.com/office/drawing/2014/main" val="10007"/>
+                  </a:ext>
+                </a:extLst>
               </a:tr>
               <a:tr h="276729">
                 <a:tc>
@@ -28436,7 +28101,7 @@
                         </a:spcAft>
                       </a:pPr>
                       <a:r>
-                        <a:rPr lang="en-US" sz="1100" dirty="0" smtClean="0">
+                        <a:rPr lang="en-US" sz="1100" dirty="0">
                           <a:effectLst/>
                         </a:rPr>
                         <a:t>Architecture/Design</a:t>
@@ -28468,7 +28133,7 @@
                         </a:spcAft>
                       </a:pPr>
                       <a:r>
-                        <a:rPr lang="fr-FR" sz="1100" kern="1200" dirty="0" smtClean="0"/>
+                        <a:rPr lang="fr-FR" sz="1100" kern="1200" dirty="0"/>
                         <a:t>0.00</a:t>
                       </a:r>
                       <a:endParaRPr lang="en-IN" sz="1100" dirty="0">
@@ -28498,7 +28163,7 @@
                         </a:spcAft>
                       </a:pPr>
                       <a:r>
-                        <a:rPr lang="fr-FR" sz="1100" kern="1200" dirty="0" smtClean="0"/>
+                        <a:rPr lang="fr-FR" sz="1100" kern="1200" dirty="0"/>
                         <a:t>0.00</a:t>
                       </a:r>
                       <a:endParaRPr lang="en-IN" sz="1100" dirty="0">
@@ -28528,7 +28193,7 @@
                         </a:spcAft>
                       </a:pPr>
                       <a:r>
-                        <a:rPr lang="fr-FR" sz="1100" kern="1200" dirty="0" smtClean="0"/>
+                        <a:rPr lang="fr-FR" sz="1100" kern="1200" dirty="0"/>
                         <a:t>0.00</a:t>
                       </a:r>
                       <a:endParaRPr lang="en-IN" sz="1100" dirty="0">
@@ -28567,12 +28232,12 @@
                         <a:defRPr/>
                       </a:pPr>
                       <a:r>
-                        <a:rPr lang="en-US" sz="1100" dirty="0" smtClean="0">
+                        <a:rPr lang="en-US" sz="1100" dirty="0">
                           <a:effectLst/>
                         </a:rPr>
                         <a:t>Good</a:t>
                       </a:r>
-                      <a:endParaRPr lang="en-IN" sz="1100" dirty="0" smtClean="0">
+                      <a:endParaRPr lang="en-IN" sz="1100" dirty="0">
                         <a:solidFill>
                           <a:schemeClr val="tx1"/>
                         </a:solidFill>
@@ -28585,6 +28250,11 @@
                   </a:txBody>
                   <a:tcPr marL="68580" marR="68580" marT="0" marB="0" anchor="ctr"/>
                 </a:tc>
+                <a:extLst>
+                  <a:ext uri="{0D108BD9-81ED-4DB2-BD59-A6C34878D82A}">
+                    <a16:rowId xmlns:a16="http://schemas.microsoft.com/office/drawing/2014/main" val="10008"/>
+                  </a:ext>
+                </a:extLst>
               </a:tr>
             </a:tbl>
           </a:graphicData>
@@ -28626,10 +28296,9 @@
           </a:lstStyle>
           <a:p>
             <a:r>
-              <a:rPr lang="en-US" sz="1800" dirty="0" smtClean="0"/>
+              <a:rPr lang="en-US" sz="1800" dirty="0"/>
               <a:t>Note :</a:t>
             </a:r>
-            <a:endParaRPr lang="en-US" sz="1800" dirty="0"/>
           </a:p>
         </p:txBody>
       </p:sp>
@@ -28825,13 +28494,6 @@
   <p:clrMapOvr>
     <a:masterClrMapping/>
   </p:clrMapOvr>
-  <p:timing>
-    <p:tnLst>
-      <p:par>
-        <p:cTn id="1" dur="indefinite" restart="never" nodeType="tmRoot"/>
-      </p:par>
-    </p:tnLst>
-  </p:timing>
 </p:sld>
 </file>
 
@@ -28916,13 +28578,8 @@
           <a:p>
             <a:r>
               <a:rPr lang="en-US" dirty="0"/>
-              <a:t>PowerPoint Templates – </a:t>
-            </a:r>
-            <a:r>
-              <a:rPr lang="en-US" dirty="0" smtClean="0"/>
-              <a:t>Tables</a:t>
-            </a:r>
-            <a:endParaRPr lang="en-US" dirty="0"/>
+              <a:t>PowerPoint Templates – Tables</a:t>
+            </a:r>
           </a:p>
         </p:txBody>
       </p:sp>
@@ -29123,10 +28780,9 @@
           <a:lstStyle/>
           <a:p>
             <a:r>
-              <a:rPr lang="en-US" dirty="0" smtClean="0"/>
+              <a:rPr lang="en-US" dirty="0"/>
               <a:t>PowerPoint Templates – Tables</a:t>
             </a:r>
-            <a:endParaRPr lang="en-US" dirty="0"/>
           </a:p>
         </p:txBody>
       </p:sp>
@@ -29215,7 +28871,13 @@
                 <a:tableStyleId>{9DCAF9ED-07DC-4A11-8D7F-57B35C25682E}</a:tableStyleId>
               </a:tblPr>
               <a:tblGrid>
-                <a:gridCol w="3304197"/>
+                <a:gridCol w="3304197">
+                  <a:extLst>
+                    <a:ext uri="{9D8B030D-6E8A-4147-A177-3AD203B41FA5}">
+                      <a16:colId xmlns:a16="http://schemas.microsoft.com/office/drawing/2014/main" val="20000"/>
+                    </a:ext>
+                  </a:extLst>
+                </a:gridCol>
               </a:tblGrid>
               <a:tr h="378873">
                 <a:tc>
@@ -29232,7 +28894,7 @@
                         </a:spcAft>
                       </a:pPr>
                       <a:r>
-                        <a:rPr lang="en-GB" sz="1200" kern="1200" dirty="0" smtClean="0"/>
+                        <a:rPr lang="en-GB" sz="1200" kern="1200" dirty="0"/>
                         <a:t>Ignored Apps</a:t>
                       </a:r>
                       <a:endParaRPr lang="fr-FR" sz="1200" b="1" kern="1200" dirty="0">
@@ -29273,6 +28935,11 @@
                     </a:solidFill>
                   </a:tcPr>
                 </a:tc>
+                <a:extLst>
+                  <a:ext uri="{0D108BD9-81ED-4DB2-BD59-A6C34878D82A}">
+                    <a16:rowId xmlns:a16="http://schemas.microsoft.com/office/drawing/2014/main" val="10000"/>
+                  </a:ext>
+                </a:extLst>
               </a:tr>
               <a:tr h="378873">
                 <a:tc>
@@ -29289,7 +28956,7 @@
                         </a:spcAft>
                       </a:pPr>
                       <a:r>
-                        <a:rPr lang="en-GB" sz="1200" kern="1200" dirty="0" smtClean="0"/>
+                        <a:rPr lang="en-GB" sz="1200" kern="1200" dirty="0"/>
                         <a:t>App 1</a:t>
                       </a:r>
                       <a:endParaRPr lang="fr-FR" sz="1200" kern="1200" dirty="0">
@@ -29325,6 +28992,11 @@
                     </a:lnBlToTr>
                   </a:tcPr>
                 </a:tc>
+                <a:extLst>
+                  <a:ext uri="{0D108BD9-81ED-4DB2-BD59-A6C34878D82A}">
+                    <a16:rowId xmlns:a16="http://schemas.microsoft.com/office/drawing/2014/main" val="10001"/>
+                  </a:ext>
+                </a:extLst>
               </a:tr>
               <a:tr h="378873">
                 <a:tc>
@@ -29341,10 +29013,10 @@
                         </a:spcAft>
                       </a:pPr>
                       <a:r>
-                        <a:rPr lang="en-GB" sz="1200" kern="1200" dirty="0" smtClean="0"/>
+                        <a:rPr lang="en-GB" sz="1200" kern="1200" dirty="0"/>
                         <a:t>App 2</a:t>
                       </a:r>
-                      <a:endParaRPr lang="fr-FR" sz="1200" kern="1200" dirty="0" smtClean="0">
+                      <a:endParaRPr lang="fr-FR" sz="1200" kern="1200" dirty="0">
                         <a:solidFill>
                           <a:schemeClr val="dk1"/>
                         </a:solidFill>
@@ -29377,6 +29049,11 @@
                     </a:lnBlToTr>
                   </a:tcPr>
                 </a:tc>
+                <a:extLst>
+                  <a:ext uri="{0D108BD9-81ED-4DB2-BD59-A6C34878D82A}">
+                    <a16:rowId xmlns:a16="http://schemas.microsoft.com/office/drawing/2014/main" val="10002"/>
+                  </a:ext>
+                </a:extLst>
               </a:tr>
               <a:tr h="378873">
                 <a:tc>
@@ -29393,7 +29070,7 @@
                         </a:spcAft>
                       </a:pPr>
                       <a:r>
-                        <a:rPr lang="en-GB" sz="1200" kern="1200" dirty="0" smtClean="0"/>
+                        <a:rPr lang="en-GB" sz="1200" kern="1200" dirty="0"/>
                         <a:t>App 3</a:t>
                       </a:r>
                       <a:endParaRPr lang="fr-FR" sz="1200" kern="1200" dirty="0">
@@ -29429,6 +29106,11 @@
                     </a:lnBlToTr>
                   </a:tcPr>
                 </a:tc>
+                <a:extLst>
+                  <a:ext uri="{0D108BD9-81ED-4DB2-BD59-A6C34878D82A}">
+                    <a16:rowId xmlns:a16="http://schemas.microsoft.com/office/drawing/2014/main" val="10003"/>
+                  </a:ext>
+                </a:extLst>
               </a:tr>
               <a:tr h="378873">
                 <a:tc>
@@ -29445,7 +29127,7 @@
                         </a:spcAft>
                       </a:pPr>
                       <a:r>
-                        <a:rPr lang="en-GB" sz="1200" kern="1200" dirty="0" smtClean="0"/>
+                        <a:rPr lang="en-GB" sz="1200" kern="1200" dirty="0"/>
                         <a:t>App 4</a:t>
                       </a:r>
                       <a:endParaRPr lang="fr-FR" sz="1200" kern="1200" dirty="0">
@@ -29481,6 +29163,11 @@
                     </a:lnBlToTr>
                   </a:tcPr>
                 </a:tc>
+                <a:extLst>
+                  <a:ext uri="{0D108BD9-81ED-4DB2-BD59-A6C34878D82A}">
+                    <a16:rowId xmlns:a16="http://schemas.microsoft.com/office/drawing/2014/main" val="10004"/>
+                  </a:ext>
+                </a:extLst>
               </a:tr>
               <a:tr h="378873">
                 <a:tc>
@@ -29497,7 +29184,7 @@
                         </a:spcAft>
                       </a:pPr>
                       <a:r>
-                        <a:rPr lang="en-GB" sz="1200" kern="1200" dirty="0" smtClean="0"/>
+                        <a:rPr lang="en-GB" sz="1200" kern="1200" dirty="0"/>
                         <a:t>App 5</a:t>
                       </a:r>
                       <a:endParaRPr lang="fr-FR" sz="1200" kern="1200" dirty="0">
@@ -29533,6 +29220,11 @@
                     </a:lnBlToTr>
                   </a:tcPr>
                 </a:tc>
+                <a:extLst>
+                  <a:ext uri="{0D108BD9-81ED-4DB2-BD59-A6C34878D82A}">
+                    <a16:rowId xmlns:a16="http://schemas.microsoft.com/office/drawing/2014/main" val="10005"/>
+                  </a:ext>
+                </a:extLst>
               </a:tr>
             </a:tbl>
           </a:graphicData>
@@ -29570,7 +29262,13 @@
                 <a:tableStyleId>{9DCAF9ED-07DC-4A11-8D7F-57B35C25682E}</a:tableStyleId>
               </a:tblPr>
               <a:tblGrid>
-                <a:gridCol w="3312368"/>
+                <a:gridCol w="3312368">
+                  <a:extLst>
+                    <a:ext uri="{9D8B030D-6E8A-4147-A177-3AD203B41FA5}">
+                      <a16:colId xmlns:a16="http://schemas.microsoft.com/office/drawing/2014/main" val="20000"/>
+                    </a:ext>
+                  </a:extLst>
+                </a:gridCol>
               </a:tblGrid>
               <a:tr h="378873">
                 <a:tc>
@@ -29587,7 +29285,7 @@
                         </a:spcAft>
                       </a:pPr>
                       <a:r>
-                        <a:rPr lang="en-GB" sz="1200" kern="1200" dirty="0" smtClean="0"/>
+                        <a:rPr lang="en-GB" sz="1200" kern="1200" dirty="0"/>
                         <a:t>Ignored Snapshots</a:t>
                       </a:r>
                       <a:endParaRPr lang="fr-FR" sz="1200" b="1" kern="1200" dirty="0">
@@ -29628,6 +29326,11 @@
                     </a:solidFill>
                   </a:tcPr>
                 </a:tc>
+                <a:extLst>
+                  <a:ext uri="{0D108BD9-81ED-4DB2-BD59-A6C34878D82A}">
+                    <a16:rowId xmlns:a16="http://schemas.microsoft.com/office/drawing/2014/main" val="10000"/>
+                  </a:ext>
+                </a:extLst>
               </a:tr>
               <a:tr h="378873">
                 <a:tc>
@@ -29644,7 +29347,7 @@
                         </a:spcAft>
                       </a:pPr>
                       <a:r>
-                        <a:rPr lang="en-GB" sz="1200" kern="1200" smtClean="0"/>
+                        <a:rPr lang="en-GB" sz="1200" kern="1200"/>
                         <a:t>Snap 1 HReF</a:t>
                       </a:r>
                       <a:endParaRPr lang="fr-FR" sz="1200" kern="1200" dirty="0">
@@ -29680,6 +29383,11 @@
                     </a:lnBlToTr>
                   </a:tcPr>
                 </a:tc>
+                <a:extLst>
+                  <a:ext uri="{0D108BD9-81ED-4DB2-BD59-A6C34878D82A}">
+                    <a16:rowId xmlns:a16="http://schemas.microsoft.com/office/drawing/2014/main" val="10001"/>
+                  </a:ext>
+                </a:extLst>
               </a:tr>
               <a:tr h="378873">
                 <a:tc>
@@ -29696,10 +29404,10 @@
                         </a:spcAft>
                       </a:pPr>
                       <a:r>
-                        <a:rPr lang="en-GB" sz="1200" kern="1200" smtClean="0"/>
+                        <a:rPr lang="en-GB" sz="1200" kern="1200"/>
                         <a:t>Snap 2 HReF</a:t>
                       </a:r>
-                      <a:endParaRPr lang="fr-FR" sz="1200" kern="1200" dirty="0" smtClean="0">
+                      <a:endParaRPr lang="fr-FR" sz="1200" kern="1200" dirty="0">
                         <a:solidFill>
                           <a:schemeClr val="dk1"/>
                         </a:solidFill>
@@ -29732,6 +29440,11 @@
                     </a:lnBlToTr>
                   </a:tcPr>
                 </a:tc>
+                <a:extLst>
+                  <a:ext uri="{0D108BD9-81ED-4DB2-BD59-A6C34878D82A}">
+                    <a16:rowId xmlns:a16="http://schemas.microsoft.com/office/drawing/2014/main" val="10002"/>
+                  </a:ext>
+                </a:extLst>
               </a:tr>
               <a:tr h="378873">
                 <a:tc>
@@ -29748,14 +29461,14 @@
                         </a:spcAft>
                       </a:pPr>
                       <a:r>
-                        <a:rPr lang="en-GB" sz="1200" kern="1200" dirty="0" smtClean="0"/>
+                        <a:rPr lang="en-GB" sz="1200" kern="1200" dirty="0"/>
                         <a:t>Snap 3 </a:t>
                       </a:r>
                       <a:r>
-                        <a:rPr lang="en-GB" sz="1200" kern="1200" dirty="0" err="1" smtClean="0"/>
+                        <a:rPr lang="en-GB" sz="1200" kern="1200" dirty="0" err="1"/>
                         <a:t>HReF</a:t>
                       </a:r>
-                      <a:endParaRPr lang="fr-FR" sz="1200" kern="1200" dirty="0" smtClean="0">
+                      <a:endParaRPr lang="fr-FR" sz="1200" kern="1200" dirty="0">
                         <a:solidFill>
                           <a:schemeClr val="dk1"/>
                         </a:solidFill>
@@ -29788,6 +29501,11 @@
                     </a:lnBlToTr>
                   </a:tcPr>
                 </a:tc>
+                <a:extLst>
+                  <a:ext uri="{0D108BD9-81ED-4DB2-BD59-A6C34878D82A}">
+                    <a16:rowId xmlns:a16="http://schemas.microsoft.com/office/drawing/2014/main" val="10003"/>
+                  </a:ext>
+                </a:extLst>
               </a:tr>
               <a:tr h="378873">
                 <a:tc>
@@ -29804,14 +29522,14 @@
                         </a:spcAft>
                       </a:pPr>
                       <a:r>
-                        <a:rPr lang="en-GB" sz="1200" kern="1200" dirty="0" smtClean="0"/>
+                        <a:rPr lang="en-GB" sz="1200" kern="1200" dirty="0"/>
                         <a:t>Snap 4 </a:t>
                       </a:r>
                       <a:r>
-                        <a:rPr lang="en-GB" sz="1200" kern="1200" dirty="0" err="1" smtClean="0"/>
+                        <a:rPr lang="en-GB" sz="1200" kern="1200" dirty="0" err="1"/>
                         <a:t>HReF</a:t>
                       </a:r>
-                      <a:endParaRPr lang="fr-FR" sz="1200" kern="1200" dirty="0" smtClean="0">
+                      <a:endParaRPr lang="fr-FR" sz="1200" kern="1200" dirty="0">
                         <a:solidFill>
                           <a:schemeClr val="dk1"/>
                         </a:solidFill>
@@ -29844,6 +29562,11 @@
                     </a:lnBlToTr>
                   </a:tcPr>
                 </a:tc>
+                <a:extLst>
+                  <a:ext uri="{0D108BD9-81ED-4DB2-BD59-A6C34878D82A}">
+                    <a16:rowId xmlns:a16="http://schemas.microsoft.com/office/drawing/2014/main" val="10004"/>
+                  </a:ext>
+                </a:extLst>
               </a:tr>
               <a:tr h="378873">
                 <a:tc>
@@ -29860,14 +29583,14 @@
                         </a:spcAft>
                       </a:pPr>
                       <a:r>
-                        <a:rPr lang="en-GB" sz="1200" kern="1200" dirty="0" smtClean="0"/>
+                        <a:rPr lang="en-GB" sz="1200" kern="1200" dirty="0"/>
                         <a:t>Snap 5 </a:t>
                       </a:r>
                       <a:r>
-                        <a:rPr lang="en-GB" sz="1200" kern="1200" dirty="0" err="1" smtClean="0"/>
+                        <a:rPr lang="en-GB" sz="1200" kern="1200" dirty="0" err="1"/>
                         <a:t>HReF</a:t>
                       </a:r>
-                      <a:endParaRPr lang="fr-FR" sz="1200" kern="1200" dirty="0" smtClean="0">
+                      <a:endParaRPr lang="fr-FR" sz="1200" kern="1200" dirty="0">
                         <a:solidFill>
                           <a:schemeClr val="dk1"/>
                         </a:solidFill>
@@ -29900,6 +29623,11 @@
                     </a:lnBlToTr>
                   </a:tcPr>
                 </a:tc>
+                <a:extLst>
+                  <a:ext uri="{0D108BD9-81ED-4DB2-BD59-A6C34878D82A}">
+                    <a16:rowId xmlns:a16="http://schemas.microsoft.com/office/drawing/2014/main" val="10005"/>
+                  </a:ext>
+                </a:extLst>
               </a:tr>
             </a:tbl>
           </a:graphicData>
@@ -29942,10 +29670,9 @@
           </a:lstStyle>
           <a:p>
             <a:r>
-              <a:rPr lang="en-US" dirty="0" smtClean="0"/>
+              <a:rPr lang="en-US" dirty="0"/>
               <a:t>Identification of ignored Applications or snapshots</a:t>
             </a:r>
-            <a:endParaRPr lang="en-US" dirty="0"/>
           </a:p>
         </p:txBody>
       </p:sp>
@@ -30025,10 +29752,9 @@
           </a:lstStyle>
           <a:p>
             <a:r>
-              <a:rPr lang="en-US" dirty="0" smtClean="0"/>
+              <a:rPr lang="en-US" dirty="0"/>
               <a:t>Blocks Name :</a:t>
             </a:r>
-            <a:endParaRPr lang="en-US" dirty="0"/>
           </a:p>
         </p:txBody>
       </p:sp>
@@ -30066,10 +29792,9 @@
           </a:lstStyle>
           <a:p>
             <a:r>
-              <a:rPr lang="en-US" sz="1800" dirty="0" smtClean="0"/>
+              <a:rPr lang="en-US" sz="1800" dirty="0"/>
               <a:t>PF_IGNORED_SNAPSHOTS</a:t>
             </a:r>
-            <a:endParaRPr lang="en-US" sz="1800" dirty="0"/>
           </a:p>
         </p:txBody>
       </p:sp>
@@ -30109,10 +29834,9 @@
           </a:lstStyle>
           <a:p>
             <a:r>
-              <a:rPr lang="en-US" dirty="0" smtClean="0"/>
+              <a:rPr lang="en-US" dirty="0"/>
               <a:t>Options :</a:t>
             </a:r>
-            <a:endParaRPr lang="en-US" dirty="0"/>
           </a:p>
         </p:txBody>
       </p:sp>
@@ -30152,10 +29876,9 @@
           </a:lstStyle>
           <a:p>
             <a:r>
-              <a:rPr lang="en-US" sz="1800" dirty="0" smtClean="0"/>
+              <a:rPr lang="en-US" sz="1800" dirty="0"/>
               <a:t>none</a:t>
             </a:r>
-            <a:endParaRPr lang="en-US" sz="1800" dirty="0"/>
           </a:p>
         </p:txBody>
       </p:sp>
@@ -30182,31 +29905,7 @@
           <a:p>
             <a:r>
               <a:rPr lang="en-US" sz="1200" i="1" dirty="0"/>
-              <a:t>The following block provides potential applications </a:t>
-            </a:r>
-            <a:r>
-              <a:rPr lang="en-US" sz="1200" i="1" dirty="0" smtClean="0"/>
-              <a:t>or snapshots of application that </a:t>
-            </a:r>
-            <a:r>
-              <a:rPr lang="en-US" sz="1200" i="1" dirty="0"/>
-              <a:t>didn’t work during the </a:t>
-            </a:r>
-            <a:r>
-              <a:rPr lang="en-US" sz="1200" i="1" dirty="0" smtClean="0"/>
-              <a:t>with other blocks generation. </a:t>
-            </a:r>
-            <a:r>
-              <a:rPr lang="en-US" sz="1200" i="1" dirty="0"/>
-              <a:t>Investigation into the central </a:t>
-            </a:r>
-            <a:r>
-              <a:rPr lang="en-US" sz="1200" i="1" dirty="0" smtClean="0"/>
-              <a:t>schema for </a:t>
-            </a:r>
-            <a:r>
-              <a:rPr lang="en-US" sz="1200" i="1" dirty="0"/>
-              <a:t>the application or snapshot listed must be done.</a:t>
+              <a:t>The following block provides potential applications or snapshots of application that didn’t work during the with other blocks generation. Investigation into the central schema for the application or snapshot listed must be done.</a:t>
             </a:r>
           </a:p>
         </p:txBody>
@@ -30221,13 +29920,6 @@
   <p:clrMapOvr>
     <a:masterClrMapping/>
   </p:clrMapOvr>
-  <p:timing>
-    <p:tnLst>
-      <p:par>
-        <p:cTn id="1" dur="indefinite" restart="never" nodeType="tmRoot"/>
-      </p:par>
-    </p:tnLst>
-  </p:timing>
 </p:sld>
 </file>
 
@@ -30312,13 +30004,8 @@
           <a:p>
             <a:r>
               <a:rPr lang="en-US" dirty="0"/>
-              <a:t>PowerPoint Templates – </a:t>
-            </a:r>
-            <a:r>
-              <a:rPr lang="en-US" dirty="0" smtClean="0"/>
-              <a:t>Tables</a:t>
-            </a:r>
-            <a:endParaRPr lang="en-US" dirty="0"/>
+              <a:t>PowerPoint Templates – Tables</a:t>
+            </a:r>
           </a:p>
         </p:txBody>
       </p:sp>
@@ -30354,8 +30041,20 @@
                 <a:tableStyleId>{9DCAF9ED-07DC-4A11-8D7F-57B35C25682E}</a:tableStyleId>
               </a:tblPr>
               <a:tblGrid>
-                <a:gridCol w="5112568"/>
-                <a:gridCol w="983432"/>
+                <a:gridCol w="5112568">
+                  <a:extLst>
+                    <a:ext uri="{9D8B030D-6E8A-4147-A177-3AD203B41FA5}">
+                      <a16:colId xmlns:a16="http://schemas.microsoft.com/office/drawing/2014/main" val="20000"/>
+                    </a:ext>
+                  </a:extLst>
+                </a:gridCol>
+                <a:gridCol w="983432">
+                  <a:extLst>
+                    <a:ext uri="{9D8B030D-6E8A-4147-A177-3AD203B41FA5}">
+                      <a16:colId xmlns:a16="http://schemas.microsoft.com/office/drawing/2014/main" val="20001"/>
+                    </a:ext>
+                  </a:extLst>
+                </a:gridCol>
               </a:tblGrid>
               <a:tr h="251448">
                 <a:tc>
@@ -30364,10 +30063,9 @@
                     <a:lstStyle/>
                     <a:p>
                       <a:r>
-                        <a:rPr lang="en-US" sz="1400" noProof="0" dirty="0" smtClean="0"/>
+                        <a:rPr lang="en-US" sz="1400" noProof="0" dirty="0"/>
                         <a:t>Name</a:t>
                       </a:r>
-                      <a:endParaRPr lang="en-US" sz="1400" noProof="0" dirty="0"/>
                     </a:p>
                   </a:txBody>
                   <a:tcPr>
@@ -30402,10 +30100,9 @@
                     <a:lstStyle/>
                     <a:p>
                       <a:r>
-                        <a:rPr lang="en-US" sz="1400" noProof="0" dirty="0" smtClean="0"/>
+                        <a:rPr lang="en-US" sz="1400" noProof="0" dirty="0"/>
                         <a:t>Id</a:t>
                       </a:r>
-                      <a:endParaRPr lang="en-US" sz="1400" noProof="0" dirty="0"/>
                     </a:p>
                   </a:txBody>
                   <a:tcPr>
@@ -30434,6 +30131,11 @@
                     </a:solidFill>
                   </a:tcPr>
                 </a:tc>
+                <a:extLst>
+                  <a:ext uri="{0D108BD9-81ED-4DB2-BD59-A6C34878D82A}">
+                    <a16:rowId xmlns:a16="http://schemas.microsoft.com/office/drawing/2014/main" val="10000"/>
+                  </a:ext>
+                </a:extLst>
               </a:tr>
               <a:tr h="277232">
                 <a:tc>
@@ -30443,7 +30145,7 @@
                     <a:p>
                       <a:pPr marL="0" algn="l" defTabSz="914400" rtl="0" eaLnBrk="1" latinLnBrk="0" hangingPunct="1"/>
                       <a:r>
-                        <a:rPr lang="en-US" sz="1100" kern="1200" noProof="0" dirty="0" smtClean="0"/>
+                        <a:rPr lang="en-US" sz="1100" kern="1200" noProof="0" dirty="0"/>
                         <a:t>Total Quality Index</a:t>
                       </a:r>
                       <a:endParaRPr lang="en-US" sz="1100" kern="1200" noProof="0" dirty="0">
@@ -30486,7 +30188,7 @@
                     <a:p>
                       <a:pPr marL="0" algn="l" defTabSz="914400" rtl="0" eaLnBrk="1" latinLnBrk="0" hangingPunct="1"/>
                       <a:r>
-                        <a:rPr lang="en-US" sz="1100" kern="1200" noProof="0" dirty="0" smtClean="0"/>
+                        <a:rPr lang="en-US" sz="1100" kern="1200" noProof="0" dirty="0"/>
                         <a:t>60017</a:t>
                       </a:r>
                     </a:p>
@@ -30514,6 +30216,11 @@
                     </a:lnBlToTr>
                   </a:tcPr>
                 </a:tc>
+                <a:extLst>
+                  <a:ext uri="{0D108BD9-81ED-4DB2-BD59-A6C34878D82A}">
+                    <a16:rowId xmlns:a16="http://schemas.microsoft.com/office/drawing/2014/main" val="10001"/>
+                  </a:ext>
+                </a:extLst>
               </a:tr>
               <a:tr h="289337">
                 <a:tc>
@@ -30523,7 +30230,7 @@
                     <a:p>
                       <a:pPr marL="0" algn="l" defTabSz="914400" rtl="0" eaLnBrk="1" latinLnBrk="0" hangingPunct="1"/>
                       <a:r>
-                        <a:rPr lang="en-US" sz="1100" kern="1200" noProof="0" dirty="0" smtClean="0"/>
+                        <a:rPr lang="en-US" sz="1100" kern="1200" noProof="0" dirty="0"/>
                         <a:t>Security</a:t>
                       </a:r>
                       <a:endParaRPr lang="en-US" sz="1100" kern="1200" noProof="0" dirty="0">
@@ -30566,7 +30273,7 @@
                     <a:p>
                       <a:pPr marL="0" algn="l" defTabSz="914400" rtl="0" eaLnBrk="1" latinLnBrk="0" hangingPunct="1"/>
                       <a:r>
-                        <a:rPr lang="en-US" sz="1100" kern="1200" noProof="0" dirty="0" smtClean="0"/>
+                        <a:rPr lang="en-US" sz="1100" kern="1200" noProof="0" dirty="0"/>
                         <a:t>60016</a:t>
                       </a:r>
                     </a:p>
@@ -30594,6 +30301,11 @@
                     </a:lnBlToTr>
                   </a:tcPr>
                 </a:tc>
+                <a:extLst>
+                  <a:ext uri="{0D108BD9-81ED-4DB2-BD59-A6C34878D82A}">
+                    <a16:rowId xmlns:a16="http://schemas.microsoft.com/office/drawing/2014/main" val="10002"/>
+                  </a:ext>
+                </a:extLst>
               </a:tr>
               <a:tr h="289337">
                 <a:tc>
@@ -30603,7 +30315,7 @@
                     <a:p>
                       <a:pPr marL="0" algn="l" defTabSz="914400" rtl="0" eaLnBrk="1" latinLnBrk="0" hangingPunct="1"/>
                       <a:r>
-                        <a:rPr lang="en-US" sz="1100" kern="1200" noProof="0" dirty="0" smtClean="0"/>
+                        <a:rPr lang="en-US" sz="1100" kern="1200" noProof="0" dirty="0"/>
                         <a:t>Robustness</a:t>
                       </a:r>
                       <a:endParaRPr lang="en-US" sz="1100" kern="1200" noProof="0" dirty="0">
@@ -30646,7 +30358,7 @@
                     <a:p>
                       <a:pPr marL="0" algn="l" defTabSz="914400" rtl="0" eaLnBrk="1" latinLnBrk="0" hangingPunct="1"/>
                       <a:r>
-                        <a:rPr lang="en-US" sz="1100" kern="1200" noProof="0" dirty="0" smtClean="0"/>
+                        <a:rPr lang="en-US" sz="1100" kern="1200" noProof="0" dirty="0"/>
                         <a:t>60013</a:t>
                       </a:r>
                     </a:p>
@@ -30674,6 +30386,11 @@
                     </a:lnBlToTr>
                   </a:tcPr>
                 </a:tc>
+                <a:extLst>
+                  <a:ext uri="{0D108BD9-81ED-4DB2-BD59-A6C34878D82A}">
+                    <a16:rowId xmlns:a16="http://schemas.microsoft.com/office/drawing/2014/main" val="10003"/>
+                  </a:ext>
+                </a:extLst>
               </a:tr>
               <a:tr h="289337">
                 <a:tc>
@@ -30683,7 +30400,7 @@
                     <a:p>
                       <a:pPr marL="0" algn="l" defTabSz="914400" rtl="0" eaLnBrk="1" latinLnBrk="0" hangingPunct="1"/>
                       <a:r>
-                        <a:rPr lang="en-US" sz="1100" kern="1200" noProof="0" dirty="0" smtClean="0"/>
+                        <a:rPr lang="en-US" sz="1100" kern="1200" noProof="0" dirty="0"/>
                         <a:t>Performance</a:t>
                       </a:r>
                       <a:endParaRPr lang="en-US" sz="1100" kern="1200" noProof="0" dirty="0">
@@ -30726,7 +30443,7 @@
                     <a:p>
                       <a:pPr marL="0" algn="l" defTabSz="914400" rtl="0" eaLnBrk="1" latinLnBrk="0" hangingPunct="1"/>
                       <a:r>
-                        <a:rPr lang="en-US" sz="1100" kern="1200" noProof="0" dirty="0" smtClean="0"/>
+                        <a:rPr lang="en-US" sz="1100" kern="1200" noProof="0" dirty="0"/>
                         <a:t>60014</a:t>
                       </a:r>
                     </a:p>
@@ -30754,6 +30471,11 @@
                     </a:lnBlToTr>
                   </a:tcPr>
                 </a:tc>
+                <a:extLst>
+                  <a:ext uri="{0D108BD9-81ED-4DB2-BD59-A6C34878D82A}">
+                    <a16:rowId xmlns:a16="http://schemas.microsoft.com/office/drawing/2014/main" val="10004"/>
+                  </a:ext>
+                </a:extLst>
               </a:tr>
               <a:tr h="289337">
                 <a:tc>
@@ -30763,7 +30485,7 @@
                     <a:p>
                       <a:pPr marL="0" algn="l" defTabSz="914400" rtl="0" eaLnBrk="1" latinLnBrk="0" hangingPunct="1"/>
                       <a:r>
-                        <a:rPr lang="en-US" sz="1100" kern="1200" noProof="0" dirty="0" smtClean="0"/>
+                        <a:rPr lang="en-US" sz="1100" kern="1200" noProof="0" dirty="0"/>
                         <a:t>Changeability</a:t>
                       </a:r>
                       <a:endParaRPr lang="en-US" sz="1100" kern="1200" noProof="0" dirty="0">
@@ -30806,7 +30528,7 @@
                     <a:p>
                       <a:pPr marL="0" algn="l" defTabSz="914400" rtl="0" eaLnBrk="1" latinLnBrk="0" hangingPunct="1"/>
                       <a:r>
-                        <a:rPr lang="en-US" sz="1100" kern="1200" noProof="0" dirty="0" smtClean="0"/>
+                        <a:rPr lang="en-US" sz="1100" kern="1200" noProof="0" dirty="0"/>
                         <a:t>60012</a:t>
                       </a:r>
                     </a:p>
@@ -30834,6 +30556,11 @@
                     </a:lnBlToTr>
                   </a:tcPr>
                 </a:tc>
+                <a:extLst>
+                  <a:ext uri="{0D108BD9-81ED-4DB2-BD59-A6C34878D82A}">
+                    <a16:rowId xmlns:a16="http://schemas.microsoft.com/office/drawing/2014/main" val="10005"/>
+                  </a:ext>
+                </a:extLst>
               </a:tr>
               <a:tr h="289337">
                 <a:tc>
@@ -30843,7 +30570,7 @@
                     <a:p>
                       <a:pPr marL="0" algn="l" defTabSz="914400" rtl="0" eaLnBrk="1" latinLnBrk="0" hangingPunct="1"/>
                       <a:r>
-                        <a:rPr lang="en-US" sz="1100" kern="1200" noProof="0" dirty="0" smtClean="0"/>
+                        <a:rPr lang="en-US" sz="1100" kern="1200" noProof="0" dirty="0"/>
                         <a:t>Transferability</a:t>
                       </a:r>
                       <a:endParaRPr lang="en-US" sz="1100" kern="1200" noProof="0" dirty="0">
@@ -30886,7 +30613,7 @@
                     <a:p>
                       <a:pPr marL="0" algn="l" defTabSz="914400" rtl="0" eaLnBrk="1" latinLnBrk="0" hangingPunct="1"/>
                       <a:r>
-                        <a:rPr lang="en-US" sz="1100" kern="1200" noProof="0" dirty="0" smtClean="0"/>
+                        <a:rPr lang="en-US" sz="1100" kern="1200" noProof="0" dirty="0"/>
                         <a:t>60011</a:t>
                       </a:r>
                     </a:p>
@@ -30914,6 +30641,11 @@
                     </a:lnBlToTr>
                   </a:tcPr>
                 </a:tc>
+                <a:extLst>
+                  <a:ext uri="{0D108BD9-81ED-4DB2-BD59-A6C34878D82A}">
+                    <a16:rowId xmlns:a16="http://schemas.microsoft.com/office/drawing/2014/main" val="10006"/>
+                  </a:ext>
+                </a:extLst>
               </a:tr>
               <a:tr h="289337">
                 <a:tc>
@@ -30923,7 +30655,7 @@
                     <a:p>
                       <a:pPr marL="0" algn="l" defTabSz="914400" rtl="0" eaLnBrk="1" latinLnBrk="0" hangingPunct="1"/>
                       <a:r>
-                        <a:rPr lang="en-US" sz="1100" kern="1200" noProof="0" dirty="0" err="1" smtClean="0"/>
+                        <a:rPr lang="en-US" sz="1100" kern="1200" noProof="0" dirty="0" err="1"/>
                         <a:t>ProgrammingPractices</a:t>
                       </a:r>
                       <a:endParaRPr lang="en-US" sz="1100" kern="1200" noProof="0" dirty="0">
@@ -30966,7 +30698,7 @@
                     <a:p>
                       <a:pPr marL="0" algn="l" defTabSz="914400" rtl="0" eaLnBrk="1" latinLnBrk="0" hangingPunct="1"/>
                       <a:r>
-                        <a:rPr lang="en-US" sz="1100" kern="1200" noProof="0" dirty="0" smtClean="0"/>
+                        <a:rPr lang="en-US" sz="1100" kern="1200" noProof="0" dirty="0"/>
                         <a:t>66031</a:t>
                       </a:r>
                     </a:p>
@@ -30994,6 +30726,11 @@
                     </a:lnBlToTr>
                   </a:tcPr>
                 </a:tc>
+                <a:extLst>
+                  <a:ext uri="{0D108BD9-81ED-4DB2-BD59-A6C34878D82A}">
+                    <a16:rowId xmlns:a16="http://schemas.microsoft.com/office/drawing/2014/main" val="10007"/>
+                  </a:ext>
+                </a:extLst>
               </a:tr>
               <a:tr h="289337">
                 <a:tc>
@@ -31003,7 +30740,7 @@
                     <a:p>
                       <a:pPr marL="0" algn="l" defTabSz="914400" rtl="0" eaLnBrk="1" latinLnBrk="0" hangingPunct="1"/>
                       <a:r>
-                        <a:rPr lang="en-US" sz="1100" kern="1200" noProof="0" dirty="0" err="1" smtClean="0"/>
+                        <a:rPr lang="en-US" sz="1100" kern="1200" noProof="0" dirty="0" err="1"/>
                         <a:t>ArchitecturalDesign</a:t>
                       </a:r>
                       <a:endParaRPr lang="en-US" sz="1100" kern="1200" noProof="0" dirty="0">
@@ -31046,7 +30783,7 @@
                     <a:p>
                       <a:pPr marL="0" algn="l" defTabSz="914400" rtl="0" eaLnBrk="1" latinLnBrk="0" hangingPunct="1"/>
                       <a:r>
-                        <a:rPr lang="en-US" sz="1100" kern="1200" noProof="0" dirty="0" smtClean="0"/>
+                        <a:rPr lang="en-US" sz="1100" kern="1200" noProof="0" dirty="0"/>
                         <a:t>66032</a:t>
                       </a:r>
                     </a:p>
@@ -31074,6 +30811,11 @@
                     </a:lnBlToTr>
                   </a:tcPr>
                 </a:tc>
+                <a:extLst>
+                  <a:ext uri="{0D108BD9-81ED-4DB2-BD59-A6C34878D82A}">
+                    <a16:rowId xmlns:a16="http://schemas.microsoft.com/office/drawing/2014/main" val="10008"/>
+                  </a:ext>
+                </a:extLst>
               </a:tr>
               <a:tr h="289337">
                 <a:tc>
@@ -31083,7 +30825,7 @@
                     <a:p>
                       <a:pPr marL="0" algn="l" defTabSz="914400" rtl="0" eaLnBrk="1" latinLnBrk="0" hangingPunct="1"/>
                       <a:r>
-                        <a:rPr lang="en-US" sz="1100" kern="1200" noProof="0" dirty="0" smtClean="0"/>
+                        <a:rPr lang="en-US" sz="1100" kern="1200" noProof="0" dirty="0"/>
                         <a:t>Documentation</a:t>
                       </a:r>
                       <a:endParaRPr lang="en-US" sz="1100" kern="1200" noProof="0" dirty="0">
@@ -31126,7 +30868,7 @@
                     <a:p>
                       <a:pPr marL="0" algn="l" defTabSz="914400" rtl="0" eaLnBrk="1" latinLnBrk="0" hangingPunct="1"/>
                       <a:r>
-                        <a:rPr lang="en-US" sz="1100" kern="1200" noProof="0" dirty="0" smtClean="0"/>
+                        <a:rPr lang="en-US" sz="1100" kern="1200" noProof="0" dirty="0"/>
                         <a:t>66033</a:t>
                       </a:r>
                     </a:p>
@@ -31154,6 +30896,11 @@
                     </a:lnBlToTr>
                   </a:tcPr>
                 </a:tc>
+                <a:extLst>
+                  <a:ext uri="{0D108BD9-81ED-4DB2-BD59-A6C34878D82A}">
+                    <a16:rowId xmlns:a16="http://schemas.microsoft.com/office/drawing/2014/main" val="10009"/>
+                  </a:ext>
+                </a:extLst>
               </a:tr>
               <a:tr h="289337">
                 <a:tc>
@@ -31163,7 +30910,7 @@
                     <a:p>
                       <a:pPr marL="0" algn="l" defTabSz="914400" rtl="0" eaLnBrk="1" latinLnBrk="0" hangingPunct="1"/>
                       <a:r>
-                        <a:rPr lang="en-US" sz="1100" kern="1200" noProof="0" dirty="0" err="1" smtClean="0"/>
+                        <a:rPr lang="en-US" sz="1100" kern="1200" noProof="0" dirty="0" err="1"/>
                         <a:t>SEIMaintainability</a:t>
                       </a:r>
                       <a:endParaRPr lang="en-US" sz="1100" kern="1200" noProof="0" dirty="0">
@@ -31206,7 +30953,7 @@
                     <a:p>
                       <a:pPr marL="0" algn="l" defTabSz="914400" rtl="0" eaLnBrk="1" latinLnBrk="0" hangingPunct="1"/>
                       <a:r>
-                        <a:rPr lang="en-US" sz="1100" kern="1200" noProof="0" dirty="0" smtClean="0"/>
+                        <a:rPr lang="en-US" sz="1100" kern="1200" noProof="0" dirty="0"/>
                         <a:t>60015</a:t>
                       </a:r>
                     </a:p>
@@ -31234,6 +30981,11 @@
                     </a:lnBlToTr>
                   </a:tcPr>
                 </a:tc>
+                <a:extLst>
+                  <a:ext uri="{0D108BD9-81ED-4DB2-BD59-A6C34878D82A}">
+                    <a16:rowId xmlns:a16="http://schemas.microsoft.com/office/drawing/2014/main" val="10010"/>
+                  </a:ext>
+                </a:extLst>
               </a:tr>
               <a:tr h="289337">
                 <a:tc>
@@ -31243,7 +30995,7 @@
                     <a:p>
                       <a:pPr marL="0" algn="l" defTabSz="914400" rtl="0" eaLnBrk="1" latinLnBrk="0" hangingPunct="1"/>
                       <a:r>
-                        <a:rPr lang="en-US" sz="1100" kern="1200" noProof="0" dirty="0" err="1" smtClean="0"/>
+                        <a:rPr lang="en-US" sz="1100" kern="1200" noProof="0" dirty="0" err="1"/>
                         <a:t>CostComplexityDistribution</a:t>
                       </a:r>
                       <a:endParaRPr lang="en-US" sz="1100" kern="1200" noProof="0" dirty="0">
@@ -31286,7 +31038,7 @@
                     <a:p>
                       <a:pPr marL="0" algn="l" defTabSz="914400" rtl="0" eaLnBrk="1" latinLnBrk="0" hangingPunct="1"/>
                       <a:r>
-                        <a:rPr lang="en-US" sz="1100" kern="1200" noProof="0" dirty="0" smtClean="0"/>
+                        <a:rPr lang="en-US" sz="1100" kern="1200" noProof="0" dirty="0"/>
                         <a:t>67001</a:t>
                       </a:r>
                     </a:p>
@@ -31314,6 +31066,11 @@
                     </a:lnBlToTr>
                   </a:tcPr>
                 </a:tc>
+                <a:extLst>
+                  <a:ext uri="{0D108BD9-81ED-4DB2-BD59-A6C34878D82A}">
+                    <a16:rowId xmlns:a16="http://schemas.microsoft.com/office/drawing/2014/main" val="10011"/>
+                  </a:ext>
+                </a:extLst>
               </a:tr>
               <a:tr h="289337">
                 <a:tc>
@@ -31323,7 +31080,7 @@
                     <a:p>
                       <a:pPr marL="0" algn="l" defTabSz="914400" rtl="0" eaLnBrk="1" latinLnBrk="0" hangingPunct="1"/>
                       <a:r>
-                        <a:rPr lang="en-US" sz="1100" kern="1200" noProof="0" dirty="0" err="1" smtClean="0"/>
+                        <a:rPr lang="en-US" sz="1100" kern="1200" noProof="0" dirty="0" err="1"/>
                         <a:t>CyclomaticComplexityDistribution</a:t>
                       </a:r>
                       <a:endParaRPr lang="en-US" sz="1100" kern="1200" noProof="0" dirty="0">
@@ -31366,7 +31123,7 @@
                     <a:p>
                       <a:pPr marL="0" algn="l" defTabSz="914400" rtl="0" eaLnBrk="1" latinLnBrk="0" hangingPunct="1"/>
                       <a:r>
-                        <a:rPr lang="en-US" sz="1100" kern="1200" noProof="0" dirty="0" smtClean="0"/>
+                        <a:rPr lang="en-US" sz="1100" kern="1200" noProof="0" dirty="0"/>
                         <a:t>65501</a:t>
                       </a:r>
                     </a:p>
@@ -31394,6 +31151,11 @@
                     </a:lnBlToTr>
                   </a:tcPr>
                 </a:tc>
+                <a:extLst>
+                  <a:ext uri="{0D108BD9-81ED-4DB2-BD59-A6C34878D82A}">
+                    <a16:rowId xmlns:a16="http://schemas.microsoft.com/office/drawing/2014/main" val="10012"/>
+                  </a:ext>
+                </a:extLst>
               </a:tr>
               <a:tr h="289337">
                 <a:tc>
@@ -31403,7 +31165,7 @@
                     <a:p>
                       <a:pPr marL="0" algn="l" defTabSz="914400" rtl="0" eaLnBrk="1" latinLnBrk="0" hangingPunct="1"/>
                       <a:r>
-                        <a:rPr lang="en-US" sz="1100" kern="1200" noProof="0" dirty="0" err="1" smtClean="0"/>
+                        <a:rPr lang="en-US" sz="1100" kern="1200" noProof="0" dirty="0" err="1"/>
                         <a:t>OOComplexityDistribution</a:t>
                       </a:r>
                       <a:endParaRPr lang="en-US" sz="1100" kern="1200" noProof="0" dirty="0">
@@ -31446,7 +31208,7 @@
                     <a:p>
                       <a:pPr marL="0" algn="l" defTabSz="914400" rtl="0" eaLnBrk="1" latinLnBrk="0" hangingPunct="1"/>
                       <a:r>
-                        <a:rPr lang="en-US" sz="1100" kern="1200" noProof="0" dirty="0" smtClean="0"/>
+                        <a:rPr lang="en-US" sz="1100" kern="1200" noProof="0" dirty="0"/>
                         <a:t>65701</a:t>
                       </a:r>
                     </a:p>
@@ -31474,6 +31236,11 @@
                     </a:lnBlToTr>
                   </a:tcPr>
                 </a:tc>
+                <a:extLst>
+                  <a:ext uri="{0D108BD9-81ED-4DB2-BD59-A6C34878D82A}">
+                    <a16:rowId xmlns:a16="http://schemas.microsoft.com/office/drawing/2014/main" val="10013"/>
+                  </a:ext>
+                </a:extLst>
               </a:tr>
               <a:tr h="289337">
                 <a:tc>
@@ -31483,7 +31250,7 @@
                     <a:p>
                       <a:pPr marL="0" algn="l" defTabSz="914400" rtl="0" eaLnBrk="1" latinLnBrk="0" hangingPunct="1"/>
                       <a:r>
-                        <a:rPr lang="en-US" sz="1100" kern="1200" noProof="0" dirty="0" err="1" smtClean="0"/>
+                        <a:rPr lang="en-US" sz="1100" kern="1200" noProof="0" dirty="0" err="1"/>
                         <a:t>SQLComplexityDistribution</a:t>
                       </a:r>
                       <a:endParaRPr lang="en-US" sz="1100" kern="1200" noProof="0" dirty="0">
@@ -31526,7 +31293,7 @@
                     <a:p>
                       <a:pPr marL="0" algn="l" defTabSz="914400" rtl="0" eaLnBrk="1" latinLnBrk="0" hangingPunct="1"/>
                       <a:r>
-                        <a:rPr lang="en-US" sz="1100" kern="1200" noProof="0" dirty="0" smtClean="0"/>
+                        <a:rPr lang="en-US" sz="1100" kern="1200" noProof="0" dirty="0"/>
                         <a:t>65801</a:t>
                       </a:r>
                     </a:p>
@@ -31554,6 +31321,11 @@
                     </a:lnBlToTr>
                   </a:tcPr>
                 </a:tc>
+                <a:extLst>
+                  <a:ext uri="{0D108BD9-81ED-4DB2-BD59-A6C34878D82A}">
+                    <a16:rowId xmlns:a16="http://schemas.microsoft.com/office/drawing/2014/main" val="10014"/>
+                  </a:ext>
+                </a:extLst>
               </a:tr>
               <a:tr h="289337">
                 <a:tc>
@@ -31563,7 +31335,7 @@
                     <a:p>
                       <a:pPr marL="0" algn="l" defTabSz="914400" rtl="0" eaLnBrk="1" latinLnBrk="0" hangingPunct="1"/>
                       <a:r>
-                        <a:rPr lang="en-US" sz="1100" kern="1200" noProof="0" dirty="0" err="1" smtClean="0"/>
+                        <a:rPr lang="en-US" sz="1100" kern="1200" noProof="0" dirty="0" err="1"/>
                         <a:t>CouplingDistribution</a:t>
                       </a:r>
                       <a:endParaRPr lang="en-US" sz="1100" kern="1200" noProof="0" dirty="0">
@@ -31606,7 +31378,7 @@
                     <a:p>
                       <a:pPr marL="0" algn="l" defTabSz="914400" rtl="0" eaLnBrk="1" latinLnBrk="0" hangingPunct="1"/>
                       <a:r>
-                        <a:rPr lang="en-US" sz="1100" kern="1200" noProof="0" dirty="0" smtClean="0"/>
+                        <a:rPr lang="en-US" sz="1100" kern="1200" noProof="0" dirty="0"/>
                         <a:t>65350</a:t>
                       </a:r>
                     </a:p>
@@ -31634,6 +31406,11 @@
                     </a:lnBlToTr>
                   </a:tcPr>
                 </a:tc>
+                <a:extLst>
+                  <a:ext uri="{0D108BD9-81ED-4DB2-BD59-A6C34878D82A}">
+                    <a16:rowId xmlns:a16="http://schemas.microsoft.com/office/drawing/2014/main" val="10015"/>
+                  </a:ext>
+                </a:extLst>
               </a:tr>
               <a:tr h="289337">
                 <a:tc>
@@ -31643,7 +31420,7 @@
                     <a:p>
                       <a:pPr marL="0" algn="l" defTabSz="914400" rtl="0" eaLnBrk="1" latinLnBrk="0" hangingPunct="1"/>
                       <a:r>
-                        <a:rPr lang="en-US" sz="1100" kern="1200" noProof="0" dirty="0" err="1" smtClean="0"/>
+                        <a:rPr lang="en-US" sz="1100" kern="1200" noProof="0" dirty="0" err="1"/>
                         <a:t>ClassFanOutDistribution</a:t>
                       </a:r>
                       <a:endParaRPr lang="en-US" sz="1100" kern="1200" noProof="0" dirty="0">
@@ -31686,7 +31463,7 @@
                     <a:p>
                       <a:pPr marL="0" algn="l" defTabSz="914400" rtl="0" eaLnBrk="1" latinLnBrk="0" hangingPunct="1"/>
                       <a:r>
-                        <a:rPr lang="en-US" sz="1100" kern="1200" noProof="0" dirty="0" smtClean="0"/>
+                        <a:rPr lang="en-US" sz="1100" kern="1200" noProof="0" dirty="0"/>
                         <a:t>66020</a:t>
                       </a:r>
                     </a:p>
@@ -31714,6 +31491,11 @@
                     </a:lnBlToTr>
                   </a:tcPr>
                 </a:tc>
+                <a:extLst>
+                  <a:ext uri="{0D108BD9-81ED-4DB2-BD59-A6C34878D82A}">
+                    <a16:rowId xmlns:a16="http://schemas.microsoft.com/office/drawing/2014/main" val="10016"/>
+                  </a:ext>
+                </a:extLst>
               </a:tr>
               <a:tr h="289337">
                 <a:tc>
@@ -31723,7 +31505,7 @@
                     <a:p>
                       <a:pPr marL="0" algn="l" defTabSz="914400" rtl="0" eaLnBrk="1" latinLnBrk="0" hangingPunct="1"/>
                       <a:r>
-                        <a:rPr lang="en-US" sz="1100" kern="1200" noProof="0" dirty="0" err="1" smtClean="0"/>
+                        <a:rPr lang="en-US" sz="1100" kern="1200" noProof="0" dirty="0" err="1"/>
                         <a:t>ClassFanInDistribution</a:t>
                       </a:r>
                       <a:endParaRPr lang="en-US" sz="1100" kern="1200" noProof="0" dirty="0">
@@ -31766,7 +31548,7 @@
                     <a:p>
                       <a:pPr marL="0" algn="l" defTabSz="914400" rtl="0" eaLnBrk="1" latinLnBrk="0" hangingPunct="1"/>
                       <a:r>
-                        <a:rPr lang="en-US" sz="1100" kern="1200" noProof="0" dirty="0" smtClean="0"/>
+                        <a:rPr lang="en-US" sz="1100" kern="1200" noProof="0" dirty="0"/>
                         <a:t>66021</a:t>
                       </a:r>
                     </a:p>
@@ -31794,6 +31576,11 @@
                     </a:lnBlToTr>
                   </a:tcPr>
                 </a:tc>
+                <a:extLst>
+                  <a:ext uri="{0D108BD9-81ED-4DB2-BD59-A6C34878D82A}">
+                    <a16:rowId xmlns:a16="http://schemas.microsoft.com/office/drawing/2014/main" val="10017"/>
+                  </a:ext>
+                </a:extLst>
               </a:tr>
               <a:tr h="289337">
                 <a:tc>
@@ -31803,7 +31590,7 @@
                     <a:p>
                       <a:pPr marL="0" algn="l" defTabSz="914400" rtl="0" eaLnBrk="1" latinLnBrk="0" hangingPunct="1"/>
                       <a:r>
-                        <a:rPr lang="en-US" sz="1100" kern="1200" noProof="0" dirty="0" err="1" smtClean="0"/>
+                        <a:rPr lang="en-US" sz="1100" kern="1200" noProof="0" dirty="0" err="1"/>
                         <a:t>SizeDistribution</a:t>
                       </a:r>
                       <a:endParaRPr lang="en-US" sz="1100" kern="1200" noProof="0" dirty="0">
@@ -31846,7 +31633,7 @@
                     <a:p>
                       <a:pPr marL="0" algn="l" defTabSz="914400" rtl="0" eaLnBrk="1" latinLnBrk="0" hangingPunct="1"/>
                       <a:r>
-                        <a:rPr lang="en-US" sz="1100" kern="1200" noProof="0" dirty="0" smtClean="0"/>
+                        <a:rPr lang="en-US" sz="1100" kern="1200" noProof="0" dirty="0"/>
                         <a:t>65105</a:t>
                       </a:r>
                     </a:p>
@@ -31874,6 +31661,11 @@
                     </a:lnBlToTr>
                   </a:tcPr>
                 </a:tc>
+                <a:extLst>
+                  <a:ext uri="{0D108BD9-81ED-4DB2-BD59-A6C34878D82A}">
+                    <a16:rowId xmlns:a16="http://schemas.microsoft.com/office/drawing/2014/main" val="10018"/>
+                  </a:ext>
+                </a:extLst>
               </a:tr>
             </a:tbl>
           </a:graphicData>
@@ -31889,13 +31681,6 @@
   <p:clrMapOvr>
     <a:masterClrMapping/>
   </p:clrMapOvr>
-  <p:timing>
-    <p:tnLst>
-      <p:par>
-        <p:cTn id="1" dur="indefinite" restart="never" nodeType="tmRoot"/>
-      </p:par>
-    </p:tnLst>
-  </p:timing>
 </p:sld>
 </file>
 
@@ -31932,10 +31717,9 @@
           <a:lstStyle/>
           <a:p>
             <a:r>
-              <a:rPr lang="fr-FR" dirty="0" smtClean="0"/>
+              <a:rPr lang="fr-FR" dirty="0"/>
               <a:t>Powerpoint Templates</a:t>
             </a:r>
-            <a:endParaRPr lang="fr-FR" dirty="0"/>
           </a:p>
         </p:txBody>
       </p:sp>
@@ -31976,13 +31760,6 @@
   <p:clrMapOvr>
     <a:masterClrMapping/>
   </p:clrMapOvr>
-  <p:timing>
-    <p:tnLst>
-      <p:par>
-        <p:cTn id="1" dur="indefinite" restart="never" nodeType="tmRoot"/>
-      </p:par>
-    </p:tnLst>
-  </p:timing>
 </p:sld>
 </file>
 
@@ -32021,10 +31798,9 @@
           <a:lstStyle/>
           <a:p>
             <a:r>
-              <a:rPr lang="fr-FR" dirty="0" smtClean="0"/>
+              <a:rPr lang="fr-FR" dirty="0"/>
               <a:t>Powerpoint Templates</a:t>
             </a:r>
-            <a:endParaRPr lang="fr-FR" dirty="0"/>
           </a:p>
         </p:txBody>
       </p:sp>
@@ -32065,13 +31841,6 @@
   <p:clrMapOvr>
     <a:masterClrMapping/>
   </p:clrMapOvr>
-  <p:timing>
-    <p:tnLst>
-      <p:par>
-        <p:cTn id="1" dur="indefinite" restart="never" nodeType="tmRoot"/>
-      </p:par>
-    </p:tnLst>
-  </p:timing>
 </p:sld>
 </file>
 
@@ -32108,10 +31877,9 @@
           <a:lstStyle/>
           <a:p>
             <a:r>
-              <a:rPr lang="fr-FR" dirty="0" smtClean="0"/>
+              <a:rPr lang="fr-FR" dirty="0"/>
               <a:t>Powerpoint Templates</a:t>
             </a:r>
-            <a:endParaRPr lang="fr-FR" dirty="0"/>
           </a:p>
         </p:txBody>
       </p:sp>
@@ -32132,26 +31900,25 @@
           <a:p>
             <a:pPr algn="just"/>
             <a:r>
-              <a:rPr lang="fr-FR" dirty="0" smtClean="0"/>
+              <a:rPr lang="fr-FR" dirty="0"/>
               <a:t>A new enabled button is now available on the top head of Powerpoint application</a:t>
             </a:r>
           </a:p>
           <a:p>
-            <a:endParaRPr lang="fr-FR" dirty="0" smtClean="0"/>
-          </a:p>
-          <a:p>
-            <a:endParaRPr lang="fr-FR" dirty="0" smtClean="0"/>
-          </a:p>
-          <a:p>
-            <a:endParaRPr lang="fr-FR" dirty="0" smtClean="0"/>
+            <a:endParaRPr lang="fr-FR" dirty="0"/>
+          </a:p>
+          <a:p>
+            <a:endParaRPr lang="fr-FR" dirty="0"/>
+          </a:p>
+          <a:p>
+            <a:endParaRPr lang="fr-FR" dirty="0"/>
           </a:p>
           <a:p>
             <a:pPr algn="just"/>
             <a:r>
-              <a:rPr lang="fr-FR" dirty="0" smtClean="0"/>
+              <a:rPr lang="fr-FR" dirty="0"/>
               <a:t>This button gives you the possibility to access to the alternative text property of all components</a:t>
             </a:r>
-            <a:endParaRPr lang="fr-FR" dirty="0"/>
           </a:p>
         </p:txBody>
       </p:sp>
@@ -32248,13 +32015,6 @@
   <p:clrMapOvr>
     <a:masterClrMapping/>
   </p:clrMapOvr>
-  <p:timing>
-    <p:tnLst>
-      <p:par>
-        <p:cTn id="1" dur="indefinite" restart="never" nodeType="tmRoot"/>
-      </p:par>
-    </p:tnLst>
-  </p:timing>
 </p:sld>
 </file>
 
@@ -32291,10 +32051,9 @@
           <a:lstStyle/>
           <a:p>
             <a:r>
-              <a:rPr lang="fr-FR" dirty="0" smtClean="0"/>
+              <a:rPr lang="fr-FR" dirty="0"/>
               <a:t>Powerpoint Templates</a:t>
             </a:r>
-            <a:endParaRPr lang="fr-FR" dirty="0"/>
           </a:p>
         </p:txBody>
       </p:sp>
@@ -32314,10 +32073,9 @@
           <a:lstStyle/>
           <a:p>
             <a:r>
-              <a:rPr lang="fr-FR" dirty="0" smtClean="0"/>
+              <a:rPr lang="fr-FR" dirty="0"/>
               <a:t>Now you can select a Shape and edit the alternative text property value</a:t>
             </a:r>
-            <a:endParaRPr lang="fr-FR" dirty="0"/>
           </a:p>
         </p:txBody>
       </p:sp>
@@ -32358,13 +32116,6 @@
   <p:clrMapOvr>
     <a:masterClrMapping/>
   </p:clrMapOvr>
-  <p:timing>
-    <p:tnLst>
-      <p:par>
-        <p:cTn id="1" dur="indefinite" restart="never" nodeType="tmRoot"/>
-      </p:par>
-    </p:tnLst>
-  </p:timing>
 </p:sld>
 </file>
 
@@ -32401,10 +32152,9 @@
           <a:lstStyle/>
           <a:p>
             <a:r>
-              <a:rPr lang="en-US" smtClean="0"/>
+              <a:rPr lang="en-US"/>
               <a:t>Powerpoint Templates</a:t>
             </a:r>
-            <a:endParaRPr lang="en-US"/>
           </a:p>
         </p:txBody>
       </p:sp>
@@ -32430,10 +32180,9 @@
           <a:p>
             <a:pPr algn="just"/>
             <a:r>
-              <a:rPr lang="en-US" smtClean="0"/>
+              <a:rPr lang="en-US"/>
               <a:t>Then, type and name of component and then options can be configured in the area below. </a:t>
             </a:r>
-            <a:endParaRPr lang="en-US"/>
           </a:p>
         </p:txBody>
       </p:sp>
@@ -32483,13 +32232,6 @@
   <p:clrMapOvr>
     <a:masterClrMapping/>
   </p:clrMapOvr>
-  <p:timing>
-    <p:tnLst>
-      <p:par>
-        <p:cTn id="1" dur="indefinite" restart="never" nodeType="tmRoot"/>
-      </p:par>
-    </p:tnLst>
-  </p:timing>
 </p:sld>
 </file>
 
@@ -32526,10 +32268,9 @@
           <a:lstStyle/>
           <a:p>
             <a:r>
-              <a:rPr lang="en-US" dirty="0" smtClean="0"/>
+              <a:rPr lang="en-US" dirty="0"/>
               <a:t>Text Templates</a:t>
             </a:r>
-            <a:endParaRPr lang="en-US" dirty="0"/>
           </a:p>
         </p:txBody>
       </p:sp>
@@ -32549,10 +32290,9 @@
           <a:lstStyle/>
           <a:p>
             <a:r>
-              <a:rPr lang="en-US" dirty="0" smtClean="0"/>
+              <a:rPr lang="en-US" dirty="0"/>
               <a:t>PowerPoint Templates</a:t>
             </a:r>
-            <a:endParaRPr lang="en-US" dirty="0"/>
           </a:p>
         </p:txBody>
       </p:sp>
@@ -32561,13 +32301,6 @@
   <p:clrMapOvr>
     <a:masterClrMapping/>
   </p:clrMapOvr>
-  <p:timing>
-    <p:tnLst>
-      <p:par>
-        <p:cTn id="1" dur="indefinite" restart="never" nodeType="tmRoot"/>
-      </p:par>
-    </p:tnLst>
-  </p:timing>
 </p:sld>
 </file>
 
@@ -32604,11 +32337,11 @@
           <a:lstStyle/>
           <a:p>
             <a:r>
-              <a:rPr lang="fr-FR" dirty="0" smtClean="0"/>
+              <a:rPr lang="fr-FR" dirty="0"/>
               <a:t>PowerPoint Templates – </a:t>
             </a:r>
             <a:r>
-              <a:rPr lang="fr-FR" dirty="0" err="1" smtClean="0"/>
+              <a:rPr lang="fr-FR" dirty="0" err="1"/>
               <a:t>Text</a:t>
             </a:r>
             <a:endParaRPr lang="fr-FR" dirty="0"/>
@@ -32636,14 +32369,14 @@
           <a:lstStyle/>
           <a:p>
             <a:r>
-              <a:rPr lang="fr-FR" dirty="0" smtClean="0"/>
+              <a:rPr lang="fr-FR" dirty="0"/>
               <a:t>This kind of template is identified by a type value as</a:t>
             </a:r>
             <a:br>
-              <a:rPr lang="fr-FR" dirty="0" smtClean="0"/>
+              <a:rPr lang="fr-FR" dirty="0"/>
             </a:br>
             <a:r>
-              <a:rPr lang="fr-FR" dirty="0" smtClean="0"/>
+              <a:rPr lang="fr-FR" dirty="0"/>
               <a:t>			</a:t>
             </a:r>
           </a:p>
@@ -32652,16 +32385,16 @@
               <a:buNone/>
             </a:pPr>
             <a:r>
-              <a:rPr lang="fr-FR" dirty="0" smtClean="0"/>
+              <a:rPr lang="fr-FR" dirty="0"/>
               <a:t>			Type = </a:t>
             </a:r>
             <a:r>
-              <a:rPr lang="fr-FR" b="1" dirty="0" smtClean="0"/>
+              <a:rPr lang="fr-FR" b="1" dirty="0"/>
               <a:t>TEXT</a:t>
             </a:r>
           </a:p>
           <a:p>
-            <a:endParaRPr lang="fr-FR" b="1" dirty="0" smtClean="0"/>
+            <a:endParaRPr lang="fr-FR" b="1" dirty="0"/>
           </a:p>
         </p:txBody>
       </p:sp>
@@ -32670,13 +32403,6 @@
   <p:clrMapOvr>
     <a:masterClrMapping/>
   </p:clrMapOvr>
-  <p:timing>
-    <p:tnLst>
-      <p:par>
-        <p:cTn id="1" dur="indefinite" restart="never" nodeType="tmRoot"/>
-      </p:par>
-    </p:tnLst>
-  </p:timing>
 </p:sld>
 </file>
 

--- a/CastReporting.Reporting/PortfolioTemplatesFiles/1- Portfolio-Powerpoint-components-library.pptx
+++ b/CastReporting.Reporting/PortfolioTemplatesFiles/1- Portfolio-Powerpoint-components-library.pptx
@@ -2180,7 +2180,7 @@
           <a:p>
             <a:fld id="{268042A1-6D91-4513-A62D-1E3FD70C84BE}" type="datetimeFigureOut">
               <a:rPr lang="fr-FR" smtClean="0"/>
-              <a:t>21/01/2019</a:t>
+              <a:t>09/04/2019</a:t>
             </a:fld>
             <a:endParaRPr lang="fr-FR"/>
           </a:p>
@@ -2778,7 +2778,7 @@
             <a:fld id="{D8E3BBD6-5DF7-411E-B793-6A3558CCCDCA}" type="datetimeFigureOut">
               <a:rPr lang="fr-FR" smtClean="0"/>
               <a:pPr/>
-              <a:t>21/01/2019</a:t>
+              <a:t>09/04/2019</a:t>
             </a:fld>
             <a:endParaRPr lang="fr-FR" dirty="0"/>
           </a:p>
@@ -2941,7 +2941,7 @@
             <a:fld id="{D8E3BBD6-5DF7-411E-B793-6A3558CCCDCA}" type="datetimeFigureOut">
               <a:rPr lang="fr-FR" smtClean="0"/>
               <a:pPr/>
-              <a:t>21/01/2019</a:t>
+              <a:t>09/04/2019</a:t>
             </a:fld>
             <a:endParaRPr lang="fr-FR" dirty="0"/>
           </a:p>
@@ -4446,7 +4446,7 @@
             <a:fld id="{D8E3BBD6-5DF7-411E-B793-6A3558CCCDCA}" type="datetimeFigureOut">
               <a:rPr lang="fr-FR" smtClean="0"/>
               <a:pPr/>
-              <a:t>21/01/2019</a:t>
+              <a:t>09/04/2019</a:t>
             </a:fld>
             <a:endParaRPr lang="fr-FR" dirty="0"/>
           </a:p>
@@ -6806,7 +6806,7 @@
             <a:fld id="{D8E3BBD6-5DF7-411E-B793-6A3558CCCDCA}" type="datetimeFigureOut">
               <a:rPr lang="fr-FR" smtClean="0"/>
               <a:pPr/>
-              <a:t>21/01/2019</a:t>
+              <a:t>09/04/2019</a:t>
             </a:fld>
             <a:endParaRPr lang="fr-FR" dirty="0"/>
           </a:p>
@@ -9432,7 +9432,7 @@
             <a:fld id="{D8E3BBD6-5DF7-411E-B793-6A3558CCCDCA}" type="datetimeFigureOut">
               <a:rPr lang="fr-FR" smtClean="0"/>
               <a:pPr/>
-              <a:t>21/01/2019</a:t>
+              <a:t>09/04/2019</a:t>
             </a:fld>
             <a:endParaRPr lang="fr-FR" dirty="0"/>
           </a:p>
@@ -12341,7 +12341,7 @@
             <a:fld id="{D8E3BBD6-5DF7-411E-B793-6A3558CCCDCA}" type="datetimeFigureOut">
               <a:rPr lang="fr-FR" smtClean="0"/>
               <a:pPr/>
-              <a:t>21/01/2019</a:t>
+              <a:t>09/04/2019</a:t>
             </a:fld>
             <a:endParaRPr lang="fr-FR" dirty="0"/>
           </a:p>
@@ -14125,7 +14125,7 @@
             <a:fld id="{D8E3BBD6-5DF7-411E-B793-6A3558CCCDCA}" type="datetimeFigureOut">
               <a:rPr lang="fr-FR" smtClean="0"/>
               <a:pPr/>
-              <a:t>21/01/2019</a:t>
+              <a:t>09/04/2019</a:t>
             </a:fld>
             <a:endParaRPr lang="fr-FR" dirty="0"/>
           </a:p>
@@ -14205,7 +14205,7 @@
             <a:fld id="{D8E3BBD6-5DF7-411E-B793-6A3558CCCDCA}" type="datetimeFigureOut">
               <a:rPr lang="fr-FR" smtClean="0"/>
               <a:pPr/>
-              <a:t>21/01/2019</a:t>
+              <a:t>09/04/2019</a:t>
             </a:fld>
             <a:endParaRPr lang="fr-FR" dirty="0"/>
           </a:p>
@@ -14465,7 +14465,7 @@
             <a:fld id="{D8E3BBD6-5DF7-411E-B793-6A3558CCCDCA}" type="datetimeFigureOut">
               <a:rPr lang="fr-FR" smtClean="0"/>
               <a:pPr/>
-              <a:t>21/01/2019</a:t>
+              <a:t>09/04/2019</a:t>
             </a:fld>
             <a:endParaRPr lang="fr-FR" dirty="0"/>
           </a:p>
@@ -14707,7 +14707,7 @@
             <a:fld id="{D8E3BBD6-5DF7-411E-B793-6A3558CCCDCA}" type="datetimeFigureOut">
               <a:rPr lang="fr-FR" smtClean="0"/>
               <a:pPr/>
-              <a:t>21/01/2019</a:t>
+              <a:t>09/04/2019</a:t>
             </a:fld>
             <a:endParaRPr lang="fr-FR" dirty="0"/>
           </a:p>
@@ -14909,7 +14909,7 @@
             <a:fld id="{D8E3BBD6-5DF7-411E-B793-6A3558CCCDCA}" type="datetimeFigureOut">
               <a:rPr lang="fr-FR" smtClean="0"/>
               <a:pPr/>
-              <a:t>21/01/2019</a:t>
+              <a:t>09/04/2019</a:t>
             </a:fld>
             <a:endParaRPr lang="fr-FR" dirty="0"/>
           </a:p>
